--- a/ppt/第5章 复合类型.pptx
+++ b/ppt/第5章 复合类型.pptx
@@ -29,6 +29,32 @@
     <p:sldId id="278" r:id="rId23"/>
     <p:sldId id="279" r:id="rId24"/>
     <p:sldId id="280" r:id="rId25"/>
+    <p:sldId id="281" r:id="rId26"/>
+    <p:sldId id="282" r:id="rId27"/>
+    <p:sldId id="283" r:id="rId28"/>
+    <p:sldId id="284" r:id="rId29"/>
+    <p:sldId id="285" r:id="rId30"/>
+    <p:sldId id="286" r:id="rId31"/>
+    <p:sldId id="287" r:id="rId32"/>
+    <p:sldId id="288" r:id="rId33"/>
+    <p:sldId id="289" r:id="rId34"/>
+    <p:sldId id="290" r:id="rId35"/>
+    <p:sldId id="291" r:id="rId36"/>
+    <p:sldId id="292" r:id="rId37"/>
+    <p:sldId id="293" r:id="rId38"/>
+    <p:sldId id="294" r:id="rId39"/>
+    <p:sldId id="295" r:id="rId40"/>
+    <p:sldId id="296" r:id="rId41"/>
+    <p:sldId id="297" r:id="rId42"/>
+    <p:sldId id="298" r:id="rId43"/>
+    <p:sldId id="299" r:id="rId44"/>
+    <p:sldId id="300" r:id="rId45"/>
+    <p:sldId id="301" r:id="rId46"/>
+    <p:sldId id="302" r:id="rId47"/>
+    <p:sldId id="303" r:id="rId48"/>
+    <p:sldId id="304" r:id="rId49"/>
+    <p:sldId id="305" r:id="rId50"/>
+    <p:sldId id="306" r:id="rId51"/>
   </p:sldIdLst>
   <p:sldSz cx="12192000" cy="6858000"/>
   <p:notesSz cx="6858000" cy="9144000"/>
@@ -9495,6 +9521,2504 @@
 </p:sld>
 </file>
 
+<file path=ppt/slides/slide25.xml><?xml version="1.0" encoding="utf-8"?>
+<p:sld xmlns:a="http://schemas.openxmlformats.org/drawingml/2006/main" xmlns:r="http://schemas.openxmlformats.org/officeDocument/2006/relationships" xmlns:p="http://schemas.openxmlformats.org/presentationml/2006/main">
+  <p:cSld>
+    <p:spTree>
+      <p:nvGrpSpPr>
+        <p:cNvPr id="1" name=""/>
+        <p:cNvGrpSpPr/>
+        <p:nvPr/>
+      </p:nvGrpSpPr>
+      <p:grpSpPr>
+        <a:xfrm>
+          <a:off x="0" y="0"/>
+          <a:ext cx="0" cy="0"/>
+          <a:chOff x="0" y="0"/>
+          <a:chExt cx="0" cy="0"/>
+        </a:xfrm>
+      </p:grpSpPr>
+      <p:sp>
+        <p:nvSpPr>
+          <p:cNvPr id="2" name="标题 1">
+            <a:extLst>
+              <a:ext uri="{FF2B5EF4-FFF2-40B4-BE49-F238E27FC236}">
+                <a16:creationId xmlns:a16="http://schemas.microsoft.com/office/drawing/2014/main" id="{20C2A86D-B401-40F5-9822-DB1231A6E6D4}"/>
+              </a:ext>
+            </a:extLst>
+          </p:cNvPr>
+          <p:cNvSpPr>
+            <a:spLocks noGrp="1"/>
+          </p:cNvSpPr>
+          <p:nvPr>
+            <p:ph type="title"/>
+          </p:nvPr>
+        </p:nvSpPr>
+        <p:spPr/>
+        <p:txBody>
+          <a:bodyPr/>
+          <a:lstStyle/>
+          <a:p>
+            <a:r>
+              <a:rPr lang="en-US" dirty="0"/>
+              <a:t>5.3 </a:t>
+            </a:r>
+            <a:r>
+              <a:rPr lang="zh-CN" altLang="en-US" dirty="0"/>
+              <a:t>数组</a:t>
+            </a:r>
+            <a:endParaRPr lang="en-US" dirty="0"/>
+          </a:p>
+        </p:txBody>
+      </p:sp>
+      <p:sp>
+        <p:nvSpPr>
+          <p:cNvPr id="3" name="内容占位符 2">
+            <a:extLst>
+              <a:ext uri="{FF2B5EF4-FFF2-40B4-BE49-F238E27FC236}">
+                <a16:creationId xmlns:a16="http://schemas.microsoft.com/office/drawing/2014/main" id="{DC18604D-9C6B-4E1F-9C1D-E342A943DA54}"/>
+              </a:ext>
+            </a:extLst>
+          </p:cNvPr>
+          <p:cNvSpPr>
+            <a:spLocks noGrp="1"/>
+          </p:cNvSpPr>
+          <p:nvPr>
+            <p:ph idx="1"/>
+          </p:nvPr>
+        </p:nvSpPr>
+        <p:spPr>
+          <a:xfrm>
+            <a:off x="838199" y="1825625"/>
+            <a:ext cx="11240911" cy="4351338"/>
+          </a:xfrm>
+        </p:spPr>
+        <p:txBody>
+          <a:bodyPr>
+            <a:normAutofit/>
+          </a:bodyPr>
+          <a:lstStyle/>
+          <a:p>
+            <a:r>
+              <a:rPr lang="zh-CN" altLang="en-US" dirty="0"/>
+              <a:t>数组：多个同类型元素可以放在一个数组中。如：</a:t>
+            </a:r>
+            <a:endParaRPr lang="en-US" altLang="zh-CN" dirty="0"/>
+          </a:p>
+          <a:p>
+            <a:pPr marL="0" indent="0" latinLnBrk="1">
+              <a:buNone/>
+            </a:pPr>
+            <a:r>
+              <a:rPr lang="en-US" dirty="0"/>
+              <a:t>    float v[3];   </a:t>
+            </a:r>
+            <a:r>
+              <a:rPr lang="en-US" i="1" dirty="0"/>
+              <a:t>//v</a:t>
+            </a:r>
+            <a:r>
+              <a:rPr lang="zh-CN" altLang="en-US" i="1" dirty="0"/>
+              <a:t>是</a:t>
+            </a:r>
+            <a:r>
+              <a:rPr lang="en-US" i="1" dirty="0"/>
+              <a:t>3</a:t>
+            </a:r>
+            <a:r>
+              <a:rPr lang="zh-CN" altLang="en-US" i="1" dirty="0"/>
+              <a:t>个</a:t>
+            </a:r>
+            <a:r>
+              <a:rPr lang="en-US" i="1" dirty="0"/>
+              <a:t>float</a:t>
+            </a:r>
+            <a:r>
+              <a:rPr lang="zh-CN" altLang="en-US" i="1" dirty="0"/>
+              <a:t>元素的一个数组</a:t>
+            </a:r>
+            <a:br>
+              <a:rPr lang="en-US" dirty="0"/>
+            </a:br>
+            <a:r>
+              <a:rPr lang="en-US" dirty="0"/>
+              <a:t>    char *a[32]; </a:t>
+            </a:r>
+            <a:r>
+              <a:rPr lang="en-US" i="1" dirty="0"/>
+              <a:t>//a</a:t>
+            </a:r>
+            <a:r>
+              <a:rPr lang="zh-CN" altLang="en-US" i="1" dirty="0"/>
+              <a:t>是</a:t>
+            </a:r>
+            <a:r>
+              <a:rPr lang="en-US" i="1" dirty="0"/>
+              <a:t>32</a:t>
+            </a:r>
+            <a:r>
+              <a:rPr lang="zh-CN" altLang="en-US" i="1" dirty="0"/>
+              <a:t>个</a:t>
+            </a:r>
+            <a:r>
+              <a:rPr lang="en-US" i="1" dirty="0"/>
+              <a:t>char *</a:t>
+            </a:r>
+            <a:r>
+              <a:rPr lang="zh-CN" altLang="en-US" i="1" dirty="0"/>
+              <a:t>元素的一个数组，每个元素的类型是</a:t>
+            </a:r>
+            <a:r>
+              <a:rPr lang="en-US" i="1" dirty="0"/>
+              <a:t>char*</a:t>
+            </a:r>
+            <a:endParaRPr lang="en-US" dirty="0"/>
+          </a:p>
+          <a:p>
+            <a:endParaRPr lang="en-US" altLang="zh-CN" dirty="0"/>
+          </a:p>
+          <a:p>
+            <a:r>
+              <a:rPr lang="zh-CN" altLang="en-US" dirty="0"/>
+              <a:t>对于一个类型</a:t>
+            </a:r>
+            <a:r>
+              <a:rPr lang="en-US" dirty="0"/>
+              <a:t>T</a:t>
+            </a:r>
+            <a:r>
+              <a:rPr lang="zh-CN" altLang="en-US" dirty="0"/>
+              <a:t>，</a:t>
+            </a:r>
+            <a:r>
+              <a:rPr lang="en-US" dirty="0">
+                <a:solidFill>
+                  <a:srgbClr val="FF0000"/>
+                </a:solidFill>
+              </a:rPr>
+              <a:t>T[size] </a:t>
+            </a:r>
+            <a:r>
+              <a:rPr lang="zh-CN" altLang="en-US" dirty="0"/>
+              <a:t>是</a:t>
+            </a:r>
+            <a:r>
+              <a:rPr lang="en-US" dirty="0"/>
+              <a:t>“</a:t>
+            </a:r>
+            <a:r>
+              <a:rPr lang="en-US" b="1" dirty="0"/>
+              <a:t>size</a:t>
+            </a:r>
+            <a:r>
+              <a:rPr lang="zh-CN" altLang="en-US" b="1" dirty="0"/>
+              <a:t>个</a:t>
+            </a:r>
+            <a:r>
+              <a:rPr lang="en-US" b="1" dirty="0"/>
+              <a:t>T</a:t>
+            </a:r>
+            <a:r>
+              <a:rPr lang="zh-CN" altLang="en-US" b="1" dirty="0"/>
+              <a:t>类型元素的数组</a:t>
+            </a:r>
+            <a:r>
+              <a:rPr lang="en-US" dirty="0"/>
+              <a:t>”</a:t>
+            </a:r>
+            <a:r>
+              <a:rPr lang="zh-CN" altLang="en-US" dirty="0"/>
+              <a:t>类型。</a:t>
+            </a:r>
+            <a:r>
+              <a:rPr lang="en-US" dirty="0"/>
+              <a:t>T[size]</a:t>
+            </a:r>
+            <a:r>
+              <a:rPr lang="zh-CN" altLang="en-US" dirty="0"/>
+              <a:t>类型的变量</a:t>
+            </a:r>
+            <a:r>
+              <a:rPr lang="en-US" dirty="0"/>
+              <a:t>var</a:t>
+            </a:r>
+            <a:r>
+              <a:rPr lang="zh-CN" altLang="en-US" dirty="0"/>
+              <a:t>定义为</a:t>
+            </a:r>
+            <a:r>
+              <a:rPr lang="en-US" dirty="0"/>
+              <a:t>T var[size] </a:t>
+            </a:r>
+            <a:r>
+              <a:rPr lang="zh-CN" altLang="en-US" dirty="0"/>
+              <a:t>而不是</a:t>
+            </a:r>
+            <a:r>
+              <a:rPr lang="en-US" dirty="0">
+                <a:solidFill>
+                  <a:srgbClr val="C00000"/>
+                </a:solidFill>
+              </a:rPr>
+              <a:t>T[size] </a:t>
+            </a:r>
+            <a:r>
+              <a:rPr lang="en-US" dirty="0"/>
+              <a:t>var</a:t>
+            </a:r>
+            <a:r>
+              <a:rPr lang="zh-CN" altLang="en-US" dirty="0"/>
+              <a:t>。即：</a:t>
+            </a:r>
+            <a:endParaRPr lang="en-US" altLang="zh-CN" dirty="0"/>
+          </a:p>
+          <a:p>
+            <a:pPr marL="0" indent="0">
+              <a:buNone/>
+            </a:pPr>
+            <a:r>
+              <a:rPr lang="en-US" dirty="0"/>
+              <a:t>       T var[size];    </a:t>
+            </a:r>
+            <a:r>
+              <a:rPr lang="en-US" i="1" dirty="0"/>
+              <a:t>//var </a:t>
+            </a:r>
+            <a:r>
+              <a:rPr lang="zh-CN" altLang="en-US" i="1" dirty="0"/>
+              <a:t>是</a:t>
+            </a:r>
+            <a:r>
+              <a:rPr lang="en-US" i="1" dirty="0"/>
+              <a:t> </a:t>
+            </a:r>
+            <a:r>
+              <a:rPr lang="en-US" i="1" dirty="0">
+                <a:solidFill>
+                  <a:srgbClr val="C00000"/>
+                </a:solidFill>
+              </a:rPr>
+              <a:t>T[size]</a:t>
+            </a:r>
+            <a:r>
+              <a:rPr lang="zh-CN" altLang="en-US" i="1" dirty="0"/>
+              <a:t>类型的变量即</a:t>
+            </a:r>
+            <a:r>
+              <a:rPr lang="en-US" i="1" dirty="0"/>
+              <a:t> “size</a:t>
+            </a:r>
+            <a:r>
+              <a:rPr lang="zh-CN" altLang="en-US" i="1" dirty="0"/>
+              <a:t>个</a:t>
+            </a:r>
+            <a:r>
+              <a:rPr lang="en-US" i="1" dirty="0"/>
+              <a:t>T</a:t>
+            </a:r>
+            <a:r>
+              <a:rPr lang="zh-CN" altLang="en-US" i="1" dirty="0"/>
+              <a:t>类型元素的数组</a:t>
+            </a:r>
+            <a:r>
+              <a:rPr lang="en-US" i="1" dirty="0"/>
+              <a:t>”</a:t>
+            </a:r>
+            <a:endParaRPr lang="en-US" dirty="0"/>
+          </a:p>
+          <a:p>
+            <a:pPr marL="0" indent="0">
+              <a:buNone/>
+            </a:pPr>
+            <a:endParaRPr lang="en-US" dirty="0"/>
+          </a:p>
+        </p:txBody>
+      </p:sp>
+    </p:spTree>
+    <p:extLst>
+      <p:ext uri="{BB962C8B-B14F-4D97-AF65-F5344CB8AC3E}">
+        <p14:creationId xmlns:p14="http://schemas.microsoft.com/office/powerpoint/2010/main" val="1255318313"/>
+      </p:ext>
+    </p:extLst>
+  </p:cSld>
+  <p:clrMapOvr>
+    <a:masterClrMapping/>
+  </p:clrMapOvr>
+  <p:timing>
+    <p:tnLst>
+      <p:par>
+        <p:cTn id="1" dur="indefinite" restart="never" nodeType="tmRoot">
+          <p:childTnLst>
+            <p:seq concurrent="1" nextAc="seek">
+              <p:cTn id="2" dur="indefinite" nodeType="mainSeq">
+                <p:childTnLst>
+                  <p:par>
+                    <p:cTn id="3" fill="hold">
+                      <p:stCondLst>
+                        <p:cond delay="indefinite"/>
+                      </p:stCondLst>
+                      <p:childTnLst>
+                        <p:par>
+                          <p:cTn id="4" fill="hold">
+                            <p:stCondLst>
+                              <p:cond delay="0"/>
+                            </p:stCondLst>
+                            <p:childTnLst>
+                              <p:par>
+                                <p:cTn id="5" presetID="1" presetClass="entr" presetSubtype="0" fill="hold" nodeType="clickEffect">
+                                  <p:stCondLst>
+                                    <p:cond delay="0"/>
+                                  </p:stCondLst>
+                                  <p:childTnLst>
+                                    <p:set>
+                                      <p:cBhvr>
+                                        <p:cTn id="6" dur="1" fill="hold">
+                                          <p:stCondLst>
+                                            <p:cond delay="0"/>
+                                          </p:stCondLst>
+                                        </p:cTn>
+                                        <p:tgtEl>
+                                          <p:spTgt spid="3">
+                                            <p:txEl>
+                                              <p:pRg st="1" end="1"/>
+                                            </p:txEl>
+                                          </p:spTgt>
+                                        </p:tgtEl>
+                                        <p:attrNameLst>
+                                          <p:attrName>style.visibility</p:attrName>
+                                        </p:attrNameLst>
+                                      </p:cBhvr>
+                                      <p:to>
+                                        <p:strVal val="visible"/>
+                                      </p:to>
+                                    </p:set>
+                                  </p:childTnLst>
+                                </p:cTn>
+                              </p:par>
+                            </p:childTnLst>
+                          </p:cTn>
+                        </p:par>
+                      </p:childTnLst>
+                    </p:cTn>
+                  </p:par>
+                  <p:par>
+                    <p:cTn id="7" fill="hold">
+                      <p:stCondLst>
+                        <p:cond delay="indefinite"/>
+                      </p:stCondLst>
+                      <p:childTnLst>
+                        <p:par>
+                          <p:cTn id="8" fill="hold">
+                            <p:stCondLst>
+                              <p:cond delay="0"/>
+                            </p:stCondLst>
+                            <p:childTnLst>
+                              <p:par>
+                                <p:cTn id="9" presetID="1" presetClass="entr" presetSubtype="0" fill="hold" nodeType="clickEffect">
+                                  <p:stCondLst>
+                                    <p:cond delay="0"/>
+                                  </p:stCondLst>
+                                  <p:childTnLst>
+                                    <p:set>
+                                      <p:cBhvr>
+                                        <p:cTn id="10" dur="1" fill="hold">
+                                          <p:stCondLst>
+                                            <p:cond delay="0"/>
+                                          </p:stCondLst>
+                                        </p:cTn>
+                                        <p:tgtEl>
+                                          <p:spTgt spid="3">
+                                            <p:txEl>
+                                              <p:pRg st="3" end="3"/>
+                                            </p:txEl>
+                                          </p:spTgt>
+                                        </p:tgtEl>
+                                        <p:attrNameLst>
+                                          <p:attrName>style.visibility</p:attrName>
+                                        </p:attrNameLst>
+                                      </p:cBhvr>
+                                      <p:to>
+                                        <p:strVal val="visible"/>
+                                      </p:to>
+                                    </p:set>
+                                  </p:childTnLst>
+                                </p:cTn>
+                              </p:par>
+                            </p:childTnLst>
+                          </p:cTn>
+                        </p:par>
+                      </p:childTnLst>
+                    </p:cTn>
+                  </p:par>
+                  <p:par>
+                    <p:cTn id="11" fill="hold">
+                      <p:stCondLst>
+                        <p:cond delay="indefinite"/>
+                      </p:stCondLst>
+                      <p:childTnLst>
+                        <p:par>
+                          <p:cTn id="12" fill="hold">
+                            <p:stCondLst>
+                              <p:cond delay="0"/>
+                            </p:stCondLst>
+                            <p:childTnLst>
+                              <p:par>
+                                <p:cTn id="13" presetID="1" presetClass="entr" presetSubtype="0" fill="hold" nodeType="clickEffect">
+                                  <p:stCondLst>
+                                    <p:cond delay="0"/>
+                                  </p:stCondLst>
+                                  <p:childTnLst>
+                                    <p:set>
+                                      <p:cBhvr>
+                                        <p:cTn id="14" dur="1" fill="hold">
+                                          <p:stCondLst>
+                                            <p:cond delay="0"/>
+                                          </p:stCondLst>
+                                        </p:cTn>
+                                        <p:tgtEl>
+                                          <p:spTgt spid="3">
+                                            <p:txEl>
+                                              <p:pRg st="4" end="4"/>
+                                            </p:txEl>
+                                          </p:spTgt>
+                                        </p:tgtEl>
+                                        <p:attrNameLst>
+                                          <p:attrName>style.visibility</p:attrName>
+                                        </p:attrNameLst>
+                                      </p:cBhvr>
+                                      <p:to>
+                                        <p:strVal val="visible"/>
+                                      </p:to>
+                                    </p:set>
+                                  </p:childTnLst>
+                                </p:cTn>
+                              </p:par>
+                            </p:childTnLst>
+                          </p:cTn>
+                        </p:par>
+                      </p:childTnLst>
+                    </p:cTn>
+                  </p:par>
+                </p:childTnLst>
+              </p:cTn>
+              <p:prevCondLst>
+                <p:cond evt="onPrev" delay="0">
+                  <p:tgtEl>
+                    <p:sldTgt/>
+                  </p:tgtEl>
+                </p:cond>
+              </p:prevCondLst>
+              <p:nextCondLst>
+                <p:cond evt="onNext" delay="0">
+                  <p:tgtEl>
+                    <p:sldTgt/>
+                  </p:tgtEl>
+                </p:cond>
+              </p:nextCondLst>
+            </p:seq>
+          </p:childTnLst>
+        </p:cTn>
+      </p:par>
+    </p:tnLst>
+  </p:timing>
+</p:sld>
+</file>
+
+<file path=ppt/slides/slide26.xml><?xml version="1.0" encoding="utf-8"?>
+<p:sld xmlns:a="http://schemas.openxmlformats.org/drawingml/2006/main" xmlns:r="http://schemas.openxmlformats.org/officeDocument/2006/relationships" xmlns:p="http://schemas.openxmlformats.org/presentationml/2006/main">
+  <p:cSld>
+    <p:spTree>
+      <p:nvGrpSpPr>
+        <p:cNvPr id="1" name=""/>
+        <p:cNvGrpSpPr/>
+        <p:nvPr/>
+      </p:nvGrpSpPr>
+      <p:grpSpPr>
+        <a:xfrm>
+          <a:off x="0" y="0"/>
+          <a:ext cx="0" cy="0"/>
+          <a:chOff x="0" y="0"/>
+          <a:chExt cx="0" cy="0"/>
+        </a:xfrm>
+      </p:grpSpPr>
+      <p:sp>
+        <p:nvSpPr>
+          <p:cNvPr id="2" name="标题 1">
+            <a:extLst>
+              <a:ext uri="{FF2B5EF4-FFF2-40B4-BE49-F238E27FC236}">
+                <a16:creationId xmlns:a16="http://schemas.microsoft.com/office/drawing/2014/main" id="{4C014981-579C-41BC-BEF2-74D7FA346297}"/>
+              </a:ext>
+            </a:extLst>
+          </p:cNvPr>
+          <p:cNvSpPr>
+            <a:spLocks noGrp="1"/>
+          </p:cNvSpPr>
+          <p:nvPr>
+            <p:ph type="title"/>
+          </p:nvPr>
+        </p:nvSpPr>
+        <p:spPr/>
+        <p:txBody>
+          <a:bodyPr/>
+          <a:lstStyle/>
+          <a:p>
+            <a:r>
+              <a:rPr lang="zh-CN" altLang="en-US" b="1" dirty="0"/>
+              <a:t>下标运算符</a:t>
+            </a:r>
+            <a:r>
+              <a:rPr lang="en-US" b="1" dirty="0"/>
+              <a:t>operator[]</a:t>
+            </a:r>
+            <a:endParaRPr lang="en-US" dirty="0"/>
+          </a:p>
+        </p:txBody>
+      </p:sp>
+      <p:sp>
+        <p:nvSpPr>
+          <p:cNvPr id="3" name="内容占位符 2">
+            <a:extLst>
+              <a:ext uri="{FF2B5EF4-FFF2-40B4-BE49-F238E27FC236}">
+                <a16:creationId xmlns:a16="http://schemas.microsoft.com/office/drawing/2014/main" id="{8C871CF6-2F22-4583-89B6-29C640F623CD}"/>
+              </a:ext>
+            </a:extLst>
+          </p:cNvPr>
+          <p:cNvSpPr>
+            <a:spLocks noGrp="1"/>
+          </p:cNvSpPr>
+          <p:nvPr>
+            <p:ph idx="1"/>
+          </p:nvPr>
+        </p:nvSpPr>
+        <p:spPr>
+          <a:xfrm>
+            <a:off x="838200" y="1825625"/>
+            <a:ext cx="10515600" cy="1899708"/>
+          </a:xfrm>
+        </p:spPr>
+        <p:txBody>
+          <a:bodyPr/>
+          <a:lstStyle/>
+          <a:p>
+            <a:r>
+              <a:rPr lang="zh-CN" altLang="en-US" dirty="0"/>
+              <a:t>可以通过下标运算符</a:t>
+            </a:r>
+            <a:r>
+              <a:rPr lang="en-US" altLang="zh-CN" dirty="0"/>
+              <a:t>[]</a:t>
+            </a:r>
+            <a:r>
+              <a:rPr lang="zh-CN" altLang="en-US" dirty="0"/>
+              <a:t>根据下标访问数组的元素，下标从</a:t>
+            </a:r>
+            <a:r>
+              <a:rPr lang="en-US" altLang="zh-CN" dirty="0"/>
+              <a:t>0</a:t>
+            </a:r>
+            <a:r>
+              <a:rPr lang="zh-CN" altLang="en-US" dirty="0"/>
+              <a:t>开始：</a:t>
+            </a:r>
+            <a:endParaRPr lang="en-US" altLang="zh-CN" dirty="0"/>
+          </a:p>
+          <a:p>
+            <a:pPr marL="0" indent="0">
+              <a:buNone/>
+            </a:pPr>
+            <a:r>
+              <a:rPr lang="en-US" dirty="0"/>
+              <a:t>    int a[5];</a:t>
+            </a:r>
+          </a:p>
+          <a:p>
+            <a:pPr marL="0" indent="0">
+              <a:buNone/>
+            </a:pPr>
+            <a:r>
+              <a:rPr lang="en-US" dirty="0"/>
+              <a:t>    a[0] = 5; a[1] = 2; a[2] = 9; a[3] = 3; a[4] = 1; </a:t>
+            </a:r>
+          </a:p>
+        </p:txBody>
+      </p:sp>
+      <p:graphicFrame>
+        <p:nvGraphicFramePr>
+          <p:cNvPr id="4" name="表格 4">
+            <a:extLst>
+              <a:ext uri="{FF2B5EF4-FFF2-40B4-BE49-F238E27FC236}">
+                <a16:creationId xmlns:a16="http://schemas.microsoft.com/office/drawing/2014/main" id="{8CDBB009-DFD4-4D9C-8830-16F8DBB05604}"/>
+              </a:ext>
+            </a:extLst>
+          </p:cNvPr>
+          <p:cNvGraphicFramePr>
+            <a:graphicFrameLocks noGrp="1"/>
+          </p:cNvGraphicFramePr>
+          <p:nvPr>
+            <p:extLst>
+              <p:ext uri="{D42A27DB-BD31-4B8C-83A1-F6EECF244321}">
+                <p14:modId xmlns:p14="http://schemas.microsoft.com/office/powerpoint/2010/main" val="3417489970"/>
+              </p:ext>
+            </p:extLst>
+          </p:nvPr>
+        </p:nvGraphicFramePr>
+        <p:xfrm>
+          <a:off x="3002846" y="4140198"/>
+          <a:ext cx="4041420" cy="518160"/>
+        </p:xfrm>
+        <a:graphic>
+          <a:graphicData uri="http://schemas.openxmlformats.org/drawingml/2006/table">
+            <a:tbl>
+              <a:tblPr firstRow="1" bandRow="1">
+                <a:tableStyleId>{5940675A-B579-460E-94D1-54222C63F5DA}</a:tableStyleId>
+              </a:tblPr>
+              <a:tblGrid>
+                <a:gridCol w="808284">
+                  <a:extLst>
+                    <a:ext uri="{9D8B030D-6E8A-4147-A177-3AD203B41FA5}">
+                      <a16:colId xmlns:a16="http://schemas.microsoft.com/office/drawing/2014/main" val="85013235"/>
+                    </a:ext>
+                  </a:extLst>
+                </a:gridCol>
+                <a:gridCol w="808284">
+                  <a:extLst>
+                    <a:ext uri="{9D8B030D-6E8A-4147-A177-3AD203B41FA5}">
+                      <a16:colId xmlns:a16="http://schemas.microsoft.com/office/drawing/2014/main" val="3773297126"/>
+                    </a:ext>
+                  </a:extLst>
+                </a:gridCol>
+                <a:gridCol w="808284">
+                  <a:extLst>
+                    <a:ext uri="{9D8B030D-6E8A-4147-A177-3AD203B41FA5}">
+                      <a16:colId xmlns:a16="http://schemas.microsoft.com/office/drawing/2014/main" val="1427630036"/>
+                    </a:ext>
+                  </a:extLst>
+                </a:gridCol>
+                <a:gridCol w="808284">
+                  <a:extLst>
+                    <a:ext uri="{9D8B030D-6E8A-4147-A177-3AD203B41FA5}">
+                      <a16:colId xmlns:a16="http://schemas.microsoft.com/office/drawing/2014/main" val="3360912248"/>
+                    </a:ext>
+                  </a:extLst>
+                </a:gridCol>
+                <a:gridCol w="808284">
+                  <a:extLst>
+                    <a:ext uri="{9D8B030D-6E8A-4147-A177-3AD203B41FA5}">
+                      <a16:colId xmlns:a16="http://schemas.microsoft.com/office/drawing/2014/main" val="3467441352"/>
+                    </a:ext>
+                  </a:extLst>
+                </a:gridCol>
+              </a:tblGrid>
+              <a:tr h="443091">
+                <a:tc>
+                  <a:txBody>
+                    <a:bodyPr/>
+                    <a:lstStyle/>
+                    <a:p>
+                      <a:pPr algn="ctr"/>
+                      <a:r>
+                        <a:rPr lang="en-US" sz="2800" dirty="0"/>
+                        <a:t>5</a:t>
+                      </a:r>
+                    </a:p>
+                  </a:txBody>
+                  <a:tcPr/>
+                </a:tc>
+                <a:tc>
+                  <a:txBody>
+                    <a:bodyPr/>
+                    <a:lstStyle/>
+                    <a:p>
+                      <a:pPr algn="ctr"/>
+                      <a:r>
+                        <a:rPr lang="en-US" sz="2800" dirty="0"/>
+                        <a:t>2</a:t>
+                      </a:r>
+                    </a:p>
+                  </a:txBody>
+                  <a:tcPr/>
+                </a:tc>
+                <a:tc>
+                  <a:txBody>
+                    <a:bodyPr/>
+                    <a:lstStyle/>
+                    <a:p>
+                      <a:pPr algn="ctr"/>
+                      <a:r>
+                        <a:rPr lang="en-US" sz="2800" dirty="0"/>
+                        <a:t>9</a:t>
+                      </a:r>
+                    </a:p>
+                  </a:txBody>
+                  <a:tcPr/>
+                </a:tc>
+                <a:tc>
+                  <a:txBody>
+                    <a:bodyPr/>
+                    <a:lstStyle/>
+                    <a:p>
+                      <a:pPr algn="ctr"/>
+                      <a:r>
+                        <a:rPr lang="en-US" sz="2800" dirty="0"/>
+                        <a:t>3</a:t>
+                      </a:r>
+                    </a:p>
+                  </a:txBody>
+                  <a:tcPr/>
+                </a:tc>
+                <a:tc>
+                  <a:txBody>
+                    <a:bodyPr/>
+                    <a:lstStyle/>
+                    <a:p>
+                      <a:pPr algn="ctr"/>
+                      <a:r>
+                        <a:rPr lang="en-US" sz="2800" dirty="0"/>
+                        <a:t>1</a:t>
+                      </a:r>
+                    </a:p>
+                  </a:txBody>
+                  <a:tcPr/>
+                </a:tc>
+                <a:extLst>
+                  <a:ext uri="{0D108BD9-81ED-4DB2-BD59-A6C34878D82A}">
+                    <a16:rowId xmlns:a16="http://schemas.microsoft.com/office/drawing/2014/main" val="153347786"/>
+                  </a:ext>
+                </a:extLst>
+              </a:tr>
+            </a:tbl>
+          </a:graphicData>
+        </a:graphic>
+      </p:graphicFrame>
+      <p:graphicFrame>
+        <p:nvGraphicFramePr>
+          <p:cNvPr id="6" name="表格 4">
+            <a:extLst>
+              <a:ext uri="{FF2B5EF4-FFF2-40B4-BE49-F238E27FC236}">
+                <a16:creationId xmlns:a16="http://schemas.microsoft.com/office/drawing/2014/main" id="{D622FA36-C40B-41A8-92F0-F26510A880F9}"/>
+              </a:ext>
+            </a:extLst>
+          </p:cNvPr>
+          <p:cNvGraphicFramePr>
+            <a:graphicFrameLocks noGrp="1"/>
+          </p:cNvGraphicFramePr>
+          <p:nvPr>
+            <p:extLst>
+              <p:ext uri="{D42A27DB-BD31-4B8C-83A1-F6EECF244321}">
+                <p14:modId xmlns:p14="http://schemas.microsoft.com/office/powerpoint/2010/main" val="2153556459"/>
+              </p:ext>
+            </p:extLst>
+          </p:nvPr>
+        </p:nvGraphicFramePr>
+        <p:xfrm>
+          <a:off x="2997202" y="4631265"/>
+          <a:ext cx="4041420" cy="518160"/>
+        </p:xfrm>
+        <a:graphic>
+          <a:graphicData uri="http://schemas.openxmlformats.org/drawingml/2006/table">
+            <a:tbl>
+              <a:tblPr firstRow="1" bandRow="1">
+                <a:tableStyleId>{2D5ABB26-0587-4C30-8999-92F81FD0307C}</a:tableStyleId>
+              </a:tblPr>
+              <a:tblGrid>
+                <a:gridCol w="808284">
+                  <a:extLst>
+                    <a:ext uri="{9D8B030D-6E8A-4147-A177-3AD203B41FA5}">
+                      <a16:colId xmlns:a16="http://schemas.microsoft.com/office/drawing/2014/main" val="85013235"/>
+                    </a:ext>
+                  </a:extLst>
+                </a:gridCol>
+                <a:gridCol w="808284">
+                  <a:extLst>
+                    <a:ext uri="{9D8B030D-6E8A-4147-A177-3AD203B41FA5}">
+                      <a16:colId xmlns:a16="http://schemas.microsoft.com/office/drawing/2014/main" val="3773297126"/>
+                    </a:ext>
+                  </a:extLst>
+                </a:gridCol>
+                <a:gridCol w="808284">
+                  <a:extLst>
+                    <a:ext uri="{9D8B030D-6E8A-4147-A177-3AD203B41FA5}">
+                      <a16:colId xmlns:a16="http://schemas.microsoft.com/office/drawing/2014/main" val="1427630036"/>
+                    </a:ext>
+                  </a:extLst>
+                </a:gridCol>
+                <a:gridCol w="808284">
+                  <a:extLst>
+                    <a:ext uri="{9D8B030D-6E8A-4147-A177-3AD203B41FA5}">
+                      <a16:colId xmlns:a16="http://schemas.microsoft.com/office/drawing/2014/main" val="3360912248"/>
+                    </a:ext>
+                  </a:extLst>
+                </a:gridCol>
+                <a:gridCol w="808284">
+                  <a:extLst>
+                    <a:ext uri="{9D8B030D-6E8A-4147-A177-3AD203B41FA5}">
+                      <a16:colId xmlns:a16="http://schemas.microsoft.com/office/drawing/2014/main" val="3467441352"/>
+                    </a:ext>
+                  </a:extLst>
+                </a:gridCol>
+              </a:tblGrid>
+              <a:tr h="443091">
+                <a:tc>
+                  <a:txBody>
+                    <a:bodyPr/>
+                    <a:lstStyle/>
+                    <a:p>
+                      <a:pPr algn="ctr"/>
+                      <a:r>
+                        <a:rPr lang="en-US" sz="2800" dirty="0"/>
+                        <a:t>0</a:t>
+                      </a:r>
+                    </a:p>
+                  </a:txBody>
+                  <a:tcPr/>
+                </a:tc>
+                <a:tc>
+                  <a:txBody>
+                    <a:bodyPr/>
+                    <a:lstStyle/>
+                    <a:p>
+                      <a:pPr algn="ctr"/>
+                      <a:r>
+                        <a:rPr lang="en-US" sz="2800" dirty="0"/>
+                        <a:t>1</a:t>
+                      </a:r>
+                    </a:p>
+                  </a:txBody>
+                  <a:tcPr/>
+                </a:tc>
+                <a:tc>
+                  <a:txBody>
+                    <a:bodyPr/>
+                    <a:lstStyle/>
+                    <a:p>
+                      <a:pPr algn="ctr"/>
+                      <a:r>
+                        <a:rPr lang="en-US" sz="2800" dirty="0"/>
+                        <a:t>2</a:t>
+                      </a:r>
+                    </a:p>
+                  </a:txBody>
+                  <a:tcPr/>
+                </a:tc>
+                <a:tc>
+                  <a:txBody>
+                    <a:bodyPr/>
+                    <a:lstStyle/>
+                    <a:p>
+                      <a:pPr algn="ctr"/>
+                      <a:r>
+                        <a:rPr lang="en-US" sz="2800" dirty="0"/>
+                        <a:t>3</a:t>
+                      </a:r>
+                    </a:p>
+                  </a:txBody>
+                  <a:tcPr/>
+                </a:tc>
+                <a:tc>
+                  <a:txBody>
+                    <a:bodyPr/>
+                    <a:lstStyle/>
+                    <a:p>
+                      <a:pPr algn="ctr"/>
+                      <a:r>
+                        <a:rPr lang="en-US" sz="2800" dirty="0"/>
+                        <a:t>4</a:t>
+                      </a:r>
+                    </a:p>
+                  </a:txBody>
+                  <a:tcPr/>
+                </a:tc>
+                <a:extLst>
+                  <a:ext uri="{0D108BD9-81ED-4DB2-BD59-A6C34878D82A}">
+                    <a16:rowId xmlns:a16="http://schemas.microsoft.com/office/drawing/2014/main" val="153347786"/>
+                  </a:ext>
+                </a:extLst>
+              </a:tr>
+            </a:tbl>
+          </a:graphicData>
+        </a:graphic>
+      </p:graphicFrame>
+      <p:sp>
+        <p:nvSpPr>
+          <p:cNvPr id="7" name="内容占位符 2">
+            <a:extLst>
+              <a:ext uri="{FF2B5EF4-FFF2-40B4-BE49-F238E27FC236}">
+                <a16:creationId xmlns:a16="http://schemas.microsoft.com/office/drawing/2014/main" id="{CE8D00EC-B6DC-4863-8063-F4A39DDB2789}"/>
+              </a:ext>
+            </a:extLst>
+          </p:cNvPr>
+          <p:cNvSpPr txBox="1">
+            <a:spLocks/>
+          </p:cNvSpPr>
+          <p:nvPr/>
+        </p:nvSpPr>
+        <p:spPr>
+          <a:xfrm>
+            <a:off x="922867" y="5274380"/>
+            <a:ext cx="10515600" cy="1899708"/>
+          </a:xfrm>
+          <a:prstGeom prst="rect">
+            <a:avLst/>
+          </a:prstGeom>
+        </p:spPr>
+        <p:txBody>
+          <a:bodyPr vert="horz" lIns="91440" tIns="45720" rIns="91440" bIns="45720" rtlCol="0">
+            <a:normAutofit/>
+          </a:bodyPr>
+          <a:lstStyle>
+            <a:lvl1pPr marL="228600" indent="-228600" algn="l" defTabSz="914400" rtl="0" eaLnBrk="1" latinLnBrk="0" hangingPunct="1">
+              <a:lnSpc>
+                <a:spcPct val="114000"/>
+              </a:lnSpc>
+              <a:spcBef>
+                <a:spcPts val="1000"/>
+              </a:spcBef>
+              <a:buFont typeface="Arial" panose="020B0604020202020204" pitchFamily="34" charset="0"/>
+              <a:buChar char="•"/>
+              <a:defRPr sz="2800" kern="1200">
+                <a:solidFill>
+                  <a:schemeClr val="tx1"/>
+                </a:solidFill>
+                <a:latin typeface="Noto Sans Cond Med" panose="020B0606040504020204" pitchFamily="34"/>
+                <a:ea typeface="Noto Sans Cond Med" panose="020B0606040504020204" pitchFamily="34"/>
+                <a:cs typeface="Noto Sans Cond Med" panose="020B0606040504020204" pitchFamily="34"/>
+              </a:defRPr>
+            </a:lvl1pPr>
+            <a:lvl2pPr marL="685800" indent="-228600" algn="l" defTabSz="914400" rtl="0" eaLnBrk="1" latinLnBrk="0" hangingPunct="1">
+              <a:lnSpc>
+                <a:spcPct val="114000"/>
+              </a:lnSpc>
+              <a:spcBef>
+                <a:spcPts val="500"/>
+              </a:spcBef>
+              <a:buFont typeface="Arial" panose="020B0604020202020204" pitchFamily="34" charset="0"/>
+              <a:buChar char="•"/>
+              <a:defRPr sz="2400" kern="1200">
+                <a:solidFill>
+                  <a:schemeClr val="tx1"/>
+                </a:solidFill>
+                <a:latin typeface="Noto Sans Cond Med" panose="020B0606040504020204" pitchFamily="34"/>
+                <a:ea typeface="Noto Sans Cond Med" panose="020B0606040504020204" pitchFamily="34"/>
+                <a:cs typeface="Noto Sans Cond Med" panose="020B0606040504020204" pitchFamily="34"/>
+              </a:defRPr>
+            </a:lvl2pPr>
+            <a:lvl3pPr marL="1143000" indent="-228600" algn="l" defTabSz="914400" rtl="0" eaLnBrk="1" latinLnBrk="0" hangingPunct="1">
+              <a:lnSpc>
+                <a:spcPct val="114000"/>
+              </a:lnSpc>
+              <a:spcBef>
+                <a:spcPts val="500"/>
+              </a:spcBef>
+              <a:buFont typeface="Arial" panose="020B0604020202020204" pitchFamily="34" charset="0"/>
+              <a:buChar char="•"/>
+              <a:defRPr sz="2000" kern="1200">
+                <a:solidFill>
+                  <a:schemeClr val="tx1"/>
+                </a:solidFill>
+                <a:latin typeface="Noto Sans Cond Med" panose="020B0606040504020204" pitchFamily="34"/>
+                <a:ea typeface="Noto Sans Cond Med" panose="020B0606040504020204" pitchFamily="34"/>
+                <a:cs typeface="Noto Sans Cond Med" panose="020B0606040504020204" pitchFamily="34"/>
+              </a:defRPr>
+            </a:lvl3pPr>
+            <a:lvl4pPr marL="1600200" indent="-228600" algn="l" defTabSz="914400" rtl="0" eaLnBrk="1" latinLnBrk="0" hangingPunct="1">
+              <a:lnSpc>
+                <a:spcPct val="114000"/>
+              </a:lnSpc>
+              <a:spcBef>
+                <a:spcPts val="500"/>
+              </a:spcBef>
+              <a:buFont typeface="Arial" panose="020B0604020202020204" pitchFamily="34" charset="0"/>
+              <a:buChar char="•"/>
+              <a:defRPr sz="1800" kern="1200">
+                <a:solidFill>
+                  <a:schemeClr val="tx1"/>
+                </a:solidFill>
+                <a:latin typeface="Noto Sans Cond Med" panose="020B0606040504020204" pitchFamily="34"/>
+                <a:ea typeface="Noto Sans Cond Med" panose="020B0606040504020204" pitchFamily="34"/>
+                <a:cs typeface="Noto Sans Cond Med" panose="020B0606040504020204" pitchFamily="34"/>
+              </a:defRPr>
+            </a:lvl4pPr>
+            <a:lvl5pPr marL="2057400" indent="-228600" algn="l" defTabSz="914400" rtl="0" eaLnBrk="1" latinLnBrk="0" hangingPunct="1">
+              <a:lnSpc>
+                <a:spcPct val="114000"/>
+              </a:lnSpc>
+              <a:spcBef>
+                <a:spcPts val="500"/>
+              </a:spcBef>
+              <a:buFont typeface="Arial" panose="020B0604020202020204" pitchFamily="34" charset="0"/>
+              <a:buChar char="•"/>
+              <a:defRPr sz="1800" kern="1200">
+                <a:solidFill>
+                  <a:schemeClr val="tx1"/>
+                </a:solidFill>
+                <a:latin typeface="Noto Sans Cond Med" panose="020B0606040504020204" pitchFamily="34"/>
+                <a:ea typeface="Noto Sans Cond Med" panose="020B0606040504020204" pitchFamily="34"/>
+                <a:cs typeface="Noto Sans Cond Med" panose="020B0606040504020204" pitchFamily="34"/>
+              </a:defRPr>
+            </a:lvl5pPr>
+            <a:lvl6pPr marL="2514600" indent="-228600" algn="l" defTabSz="914400" rtl="0" eaLnBrk="1" latinLnBrk="0" hangingPunct="1">
+              <a:lnSpc>
+                <a:spcPct val="90000"/>
+              </a:lnSpc>
+              <a:spcBef>
+                <a:spcPts val="500"/>
+              </a:spcBef>
+              <a:buFont typeface="Arial" panose="020B0604020202020204" pitchFamily="34" charset="0"/>
+              <a:buChar char="•"/>
+              <a:defRPr sz="1800" kern="1200">
+                <a:solidFill>
+                  <a:schemeClr val="tx1"/>
+                </a:solidFill>
+                <a:latin typeface="+mn-lt"/>
+                <a:ea typeface="+mn-ea"/>
+                <a:cs typeface="+mn-cs"/>
+              </a:defRPr>
+            </a:lvl6pPr>
+            <a:lvl7pPr marL="2971800" indent="-228600" algn="l" defTabSz="914400" rtl="0" eaLnBrk="1" latinLnBrk="0" hangingPunct="1">
+              <a:lnSpc>
+                <a:spcPct val="90000"/>
+              </a:lnSpc>
+              <a:spcBef>
+                <a:spcPts val="500"/>
+              </a:spcBef>
+              <a:buFont typeface="Arial" panose="020B0604020202020204" pitchFamily="34" charset="0"/>
+              <a:buChar char="•"/>
+              <a:defRPr sz="1800" kern="1200">
+                <a:solidFill>
+                  <a:schemeClr val="tx1"/>
+                </a:solidFill>
+                <a:latin typeface="+mn-lt"/>
+                <a:ea typeface="+mn-ea"/>
+                <a:cs typeface="+mn-cs"/>
+              </a:defRPr>
+            </a:lvl7pPr>
+            <a:lvl8pPr marL="3429000" indent="-228600" algn="l" defTabSz="914400" rtl="0" eaLnBrk="1" latinLnBrk="0" hangingPunct="1">
+              <a:lnSpc>
+                <a:spcPct val="90000"/>
+              </a:lnSpc>
+              <a:spcBef>
+                <a:spcPts val="500"/>
+              </a:spcBef>
+              <a:buFont typeface="Arial" panose="020B0604020202020204" pitchFamily="34" charset="0"/>
+              <a:buChar char="•"/>
+              <a:defRPr sz="1800" kern="1200">
+                <a:solidFill>
+                  <a:schemeClr val="tx1"/>
+                </a:solidFill>
+                <a:latin typeface="+mn-lt"/>
+                <a:ea typeface="+mn-ea"/>
+                <a:cs typeface="+mn-cs"/>
+              </a:defRPr>
+            </a:lvl8pPr>
+            <a:lvl9pPr marL="3886200" indent="-228600" algn="l" defTabSz="914400" rtl="0" eaLnBrk="1" latinLnBrk="0" hangingPunct="1">
+              <a:lnSpc>
+                <a:spcPct val="90000"/>
+              </a:lnSpc>
+              <a:spcBef>
+                <a:spcPts val="500"/>
+              </a:spcBef>
+              <a:buFont typeface="Arial" panose="020B0604020202020204" pitchFamily="34" charset="0"/>
+              <a:buChar char="•"/>
+              <a:defRPr sz="1800" kern="1200">
+                <a:solidFill>
+                  <a:schemeClr val="tx1"/>
+                </a:solidFill>
+                <a:latin typeface="+mn-lt"/>
+                <a:ea typeface="+mn-ea"/>
+                <a:cs typeface="+mn-cs"/>
+              </a:defRPr>
+            </a:lvl9pPr>
+          </a:lstStyle>
+          <a:p>
+            <a:r>
+              <a:rPr lang="zh-CN" altLang="en-US" dirty="0"/>
+              <a:t>下标超出范围或非正整数是非法的：</a:t>
+            </a:r>
+            <a:endParaRPr lang="en-US" altLang="zh-CN" dirty="0"/>
+          </a:p>
+          <a:p>
+            <a:pPr marL="0" indent="0">
+              <a:buNone/>
+            </a:pPr>
+            <a:r>
+              <a:rPr lang="en-US" dirty="0"/>
+              <a:t>  a[-1] = 7;</a:t>
+            </a:r>
+          </a:p>
+          <a:p>
+            <a:pPr marL="0" indent="0">
+              <a:buNone/>
+            </a:pPr>
+            <a:r>
+              <a:rPr lang="en-US" dirty="0"/>
+              <a:t>  a[5] = 8;       a[3.14] = 30;</a:t>
+            </a:r>
+          </a:p>
+        </p:txBody>
+      </p:sp>
+    </p:spTree>
+    <p:extLst>
+      <p:ext uri="{BB962C8B-B14F-4D97-AF65-F5344CB8AC3E}">
+        <p14:creationId xmlns:p14="http://schemas.microsoft.com/office/powerpoint/2010/main" val="2266290741"/>
+      </p:ext>
+    </p:extLst>
+  </p:cSld>
+  <p:clrMapOvr>
+    <a:masterClrMapping/>
+  </p:clrMapOvr>
+  <p:timing>
+    <p:tnLst>
+      <p:par>
+        <p:cTn id="1" dur="indefinite" restart="never" nodeType="tmRoot">
+          <p:childTnLst>
+            <p:seq concurrent="1" nextAc="seek">
+              <p:cTn id="2" dur="indefinite" nodeType="mainSeq">
+                <p:childTnLst>
+                  <p:par>
+                    <p:cTn id="3" fill="hold">
+                      <p:stCondLst>
+                        <p:cond delay="indefinite"/>
+                      </p:stCondLst>
+                      <p:childTnLst>
+                        <p:par>
+                          <p:cTn id="4" fill="hold">
+                            <p:stCondLst>
+                              <p:cond delay="0"/>
+                            </p:stCondLst>
+                            <p:childTnLst>
+                              <p:par>
+                                <p:cTn id="5" presetID="1" presetClass="entr" presetSubtype="0" fill="hold" nodeType="clickEffect">
+                                  <p:stCondLst>
+                                    <p:cond delay="0"/>
+                                  </p:stCondLst>
+                                  <p:childTnLst>
+                                    <p:set>
+                                      <p:cBhvr>
+                                        <p:cTn id="6" dur="1" fill="hold">
+                                          <p:stCondLst>
+                                            <p:cond delay="0"/>
+                                          </p:stCondLst>
+                                        </p:cTn>
+                                        <p:tgtEl>
+                                          <p:spTgt spid="3">
+                                            <p:txEl>
+                                              <p:pRg st="1" end="1"/>
+                                            </p:txEl>
+                                          </p:spTgt>
+                                        </p:tgtEl>
+                                        <p:attrNameLst>
+                                          <p:attrName>style.visibility</p:attrName>
+                                        </p:attrNameLst>
+                                      </p:cBhvr>
+                                      <p:to>
+                                        <p:strVal val="visible"/>
+                                      </p:to>
+                                    </p:set>
+                                  </p:childTnLst>
+                                </p:cTn>
+                              </p:par>
+                              <p:par>
+                                <p:cTn id="7" presetID="1" presetClass="entr" presetSubtype="0" fill="hold" nodeType="withEffect">
+                                  <p:stCondLst>
+                                    <p:cond delay="0"/>
+                                  </p:stCondLst>
+                                  <p:childTnLst>
+                                    <p:set>
+                                      <p:cBhvr>
+                                        <p:cTn id="8" dur="1" fill="hold">
+                                          <p:stCondLst>
+                                            <p:cond delay="0"/>
+                                          </p:stCondLst>
+                                        </p:cTn>
+                                        <p:tgtEl>
+                                          <p:spTgt spid="3">
+                                            <p:txEl>
+                                              <p:pRg st="2" end="2"/>
+                                            </p:txEl>
+                                          </p:spTgt>
+                                        </p:tgtEl>
+                                        <p:attrNameLst>
+                                          <p:attrName>style.visibility</p:attrName>
+                                        </p:attrNameLst>
+                                      </p:cBhvr>
+                                      <p:to>
+                                        <p:strVal val="visible"/>
+                                      </p:to>
+                                    </p:set>
+                                  </p:childTnLst>
+                                </p:cTn>
+                              </p:par>
+                            </p:childTnLst>
+                          </p:cTn>
+                        </p:par>
+                      </p:childTnLst>
+                    </p:cTn>
+                  </p:par>
+                  <p:par>
+                    <p:cTn id="9" fill="hold">
+                      <p:stCondLst>
+                        <p:cond delay="indefinite"/>
+                      </p:stCondLst>
+                      <p:childTnLst>
+                        <p:par>
+                          <p:cTn id="10" fill="hold">
+                            <p:stCondLst>
+                              <p:cond delay="0"/>
+                            </p:stCondLst>
+                            <p:childTnLst>
+                              <p:par>
+                                <p:cTn id="11" presetID="1" presetClass="entr" presetSubtype="0" fill="hold" nodeType="clickEffect">
+                                  <p:stCondLst>
+                                    <p:cond delay="0"/>
+                                  </p:stCondLst>
+                                  <p:childTnLst>
+                                    <p:set>
+                                      <p:cBhvr>
+                                        <p:cTn id="12" dur="1" fill="hold">
+                                          <p:stCondLst>
+                                            <p:cond delay="0"/>
+                                          </p:stCondLst>
+                                        </p:cTn>
+                                        <p:tgtEl>
+                                          <p:spTgt spid="4"/>
+                                        </p:tgtEl>
+                                        <p:attrNameLst>
+                                          <p:attrName>style.visibility</p:attrName>
+                                        </p:attrNameLst>
+                                      </p:cBhvr>
+                                      <p:to>
+                                        <p:strVal val="visible"/>
+                                      </p:to>
+                                    </p:set>
+                                  </p:childTnLst>
+                                </p:cTn>
+                              </p:par>
+                              <p:par>
+                                <p:cTn id="13" presetID="1" presetClass="entr" presetSubtype="0" fill="hold" nodeType="withEffect">
+                                  <p:stCondLst>
+                                    <p:cond delay="0"/>
+                                  </p:stCondLst>
+                                  <p:childTnLst>
+                                    <p:set>
+                                      <p:cBhvr>
+                                        <p:cTn id="14" dur="1" fill="hold">
+                                          <p:stCondLst>
+                                            <p:cond delay="0"/>
+                                          </p:stCondLst>
+                                        </p:cTn>
+                                        <p:tgtEl>
+                                          <p:spTgt spid="6"/>
+                                        </p:tgtEl>
+                                        <p:attrNameLst>
+                                          <p:attrName>style.visibility</p:attrName>
+                                        </p:attrNameLst>
+                                      </p:cBhvr>
+                                      <p:to>
+                                        <p:strVal val="visible"/>
+                                      </p:to>
+                                    </p:set>
+                                  </p:childTnLst>
+                                </p:cTn>
+                              </p:par>
+                            </p:childTnLst>
+                          </p:cTn>
+                        </p:par>
+                      </p:childTnLst>
+                    </p:cTn>
+                  </p:par>
+                  <p:par>
+                    <p:cTn id="15" fill="hold">
+                      <p:stCondLst>
+                        <p:cond delay="indefinite"/>
+                      </p:stCondLst>
+                      <p:childTnLst>
+                        <p:par>
+                          <p:cTn id="16" fill="hold">
+                            <p:stCondLst>
+                              <p:cond delay="0"/>
+                            </p:stCondLst>
+                            <p:childTnLst>
+                              <p:par>
+                                <p:cTn id="17" presetID="1" presetClass="entr" presetSubtype="0" fill="hold" nodeType="clickEffect">
+                                  <p:stCondLst>
+                                    <p:cond delay="0"/>
+                                  </p:stCondLst>
+                                  <p:childTnLst>
+                                    <p:set>
+                                      <p:cBhvr>
+                                        <p:cTn id="18" dur="1" fill="hold">
+                                          <p:stCondLst>
+                                            <p:cond delay="0"/>
+                                          </p:stCondLst>
+                                        </p:cTn>
+                                        <p:tgtEl>
+                                          <p:spTgt spid="7">
+                                            <p:txEl>
+                                              <p:pRg st="0" end="0"/>
+                                            </p:txEl>
+                                          </p:spTgt>
+                                        </p:tgtEl>
+                                        <p:attrNameLst>
+                                          <p:attrName>style.visibility</p:attrName>
+                                        </p:attrNameLst>
+                                      </p:cBhvr>
+                                      <p:to>
+                                        <p:strVal val="visible"/>
+                                      </p:to>
+                                    </p:set>
+                                  </p:childTnLst>
+                                </p:cTn>
+                              </p:par>
+                              <p:par>
+                                <p:cTn id="19" presetID="1" presetClass="entr" presetSubtype="0" fill="hold" nodeType="withEffect">
+                                  <p:stCondLst>
+                                    <p:cond delay="0"/>
+                                  </p:stCondLst>
+                                  <p:childTnLst>
+                                    <p:set>
+                                      <p:cBhvr>
+                                        <p:cTn id="20" dur="1" fill="hold">
+                                          <p:stCondLst>
+                                            <p:cond delay="0"/>
+                                          </p:stCondLst>
+                                        </p:cTn>
+                                        <p:tgtEl>
+                                          <p:spTgt spid="7">
+                                            <p:txEl>
+                                              <p:pRg st="1" end="1"/>
+                                            </p:txEl>
+                                          </p:spTgt>
+                                        </p:tgtEl>
+                                        <p:attrNameLst>
+                                          <p:attrName>style.visibility</p:attrName>
+                                        </p:attrNameLst>
+                                      </p:cBhvr>
+                                      <p:to>
+                                        <p:strVal val="visible"/>
+                                      </p:to>
+                                    </p:set>
+                                  </p:childTnLst>
+                                </p:cTn>
+                              </p:par>
+                              <p:par>
+                                <p:cTn id="21" presetID="1" presetClass="entr" presetSubtype="0" fill="hold" nodeType="withEffect">
+                                  <p:stCondLst>
+                                    <p:cond delay="0"/>
+                                  </p:stCondLst>
+                                  <p:childTnLst>
+                                    <p:set>
+                                      <p:cBhvr>
+                                        <p:cTn id="22" dur="1" fill="hold">
+                                          <p:stCondLst>
+                                            <p:cond delay="0"/>
+                                          </p:stCondLst>
+                                        </p:cTn>
+                                        <p:tgtEl>
+                                          <p:spTgt spid="7">
+                                            <p:txEl>
+                                              <p:pRg st="2" end="2"/>
+                                            </p:txEl>
+                                          </p:spTgt>
+                                        </p:tgtEl>
+                                        <p:attrNameLst>
+                                          <p:attrName>style.visibility</p:attrName>
+                                        </p:attrNameLst>
+                                      </p:cBhvr>
+                                      <p:to>
+                                        <p:strVal val="visible"/>
+                                      </p:to>
+                                    </p:set>
+                                  </p:childTnLst>
+                                </p:cTn>
+                              </p:par>
+                            </p:childTnLst>
+                          </p:cTn>
+                        </p:par>
+                      </p:childTnLst>
+                    </p:cTn>
+                  </p:par>
+                </p:childTnLst>
+              </p:cTn>
+              <p:prevCondLst>
+                <p:cond evt="onPrev" delay="0">
+                  <p:tgtEl>
+                    <p:sldTgt/>
+                  </p:tgtEl>
+                </p:cond>
+              </p:prevCondLst>
+              <p:nextCondLst>
+                <p:cond evt="onNext" delay="0">
+                  <p:tgtEl>
+                    <p:sldTgt/>
+                  </p:tgtEl>
+                </p:cond>
+              </p:nextCondLst>
+            </p:seq>
+          </p:childTnLst>
+        </p:cTn>
+      </p:par>
+    </p:tnLst>
+  </p:timing>
+</p:sld>
+</file>
+
+<file path=ppt/slides/slide27.xml><?xml version="1.0" encoding="utf-8"?>
+<p:sld xmlns:a="http://schemas.openxmlformats.org/drawingml/2006/main" xmlns:r="http://schemas.openxmlformats.org/officeDocument/2006/relationships" xmlns:p="http://schemas.openxmlformats.org/presentationml/2006/main">
+  <p:cSld>
+    <p:spTree>
+      <p:nvGrpSpPr>
+        <p:cNvPr id="1" name=""/>
+        <p:cNvGrpSpPr/>
+        <p:nvPr/>
+      </p:nvGrpSpPr>
+      <p:grpSpPr>
+        <a:xfrm>
+          <a:off x="0" y="0"/>
+          <a:ext cx="0" cy="0"/>
+          <a:chOff x="0" y="0"/>
+          <a:chExt cx="0" cy="0"/>
+        </a:xfrm>
+      </p:grpSpPr>
+      <p:sp>
+        <p:nvSpPr>
+          <p:cNvPr id="3" name="内容占位符 2">
+            <a:extLst>
+              <a:ext uri="{FF2B5EF4-FFF2-40B4-BE49-F238E27FC236}">
+                <a16:creationId xmlns:a16="http://schemas.microsoft.com/office/drawing/2014/main" id="{493D2E46-033B-4727-AC3A-02771855989B}"/>
+              </a:ext>
+            </a:extLst>
+          </p:cNvPr>
+          <p:cNvSpPr>
+            <a:spLocks noGrp="1"/>
+          </p:cNvSpPr>
+          <p:nvPr>
+            <p:ph idx="1"/>
+          </p:nvPr>
+        </p:nvSpPr>
+        <p:spPr>
+          <a:xfrm>
+            <a:off x="759178" y="606425"/>
+            <a:ext cx="11105444" cy="5117042"/>
+          </a:xfrm>
+        </p:spPr>
+        <p:txBody>
+          <a:bodyPr>
+            <a:normAutofit/>
+          </a:bodyPr>
+          <a:lstStyle/>
+          <a:p>
+            <a:pPr marL="0" indent="0">
+              <a:lnSpc>
+                <a:spcPct val="120000"/>
+              </a:lnSpc>
+              <a:spcBef>
+                <a:spcPts val="0"/>
+              </a:spcBef>
+              <a:buNone/>
+            </a:pPr>
+            <a:r>
+              <a:rPr lang="en-US" dirty="0">
+                <a:latin typeface="+mn-lt"/>
+              </a:rPr>
+              <a:t>float v[3];        //</a:t>
+            </a:r>
+            <a:r>
+              <a:rPr lang="zh-CN" altLang="en-US" dirty="0">
+                <a:latin typeface="+mn-lt"/>
+              </a:rPr>
+              <a:t>数组</a:t>
+            </a:r>
+            <a:r>
+              <a:rPr lang="en-US" dirty="0">
+                <a:latin typeface="+mn-lt"/>
+              </a:rPr>
+              <a:t>v</a:t>
+            </a:r>
+            <a:r>
+              <a:rPr lang="zh-CN" altLang="en-US" dirty="0">
+                <a:latin typeface="+mn-lt"/>
+              </a:rPr>
+              <a:t>的</a:t>
+            </a:r>
+            <a:r>
+              <a:rPr lang="en-US" dirty="0">
+                <a:latin typeface="+mn-lt"/>
+              </a:rPr>
+              <a:t>3</a:t>
+            </a:r>
+            <a:r>
+              <a:rPr lang="zh-CN" altLang="en-US" dirty="0">
+                <a:latin typeface="+mn-lt"/>
+              </a:rPr>
+              <a:t>个元素分别是：</a:t>
+            </a:r>
+            <a:r>
+              <a:rPr lang="en-US" dirty="0">
+                <a:latin typeface="+mn-lt"/>
+              </a:rPr>
+              <a:t>v[0],v[1],v[2]</a:t>
+            </a:r>
+            <a:br>
+              <a:rPr lang="en-US" dirty="0">
+                <a:latin typeface="+mn-lt"/>
+              </a:rPr>
+            </a:br>
+            <a:r>
+              <a:rPr lang="en-US" dirty="0">
+                <a:latin typeface="+mn-lt"/>
+              </a:rPr>
+              <a:t>char *a[32];    //</a:t>
+            </a:r>
+            <a:r>
+              <a:rPr lang="zh-CN" altLang="en-US" dirty="0">
+                <a:latin typeface="+mn-lt"/>
+              </a:rPr>
+              <a:t>数组</a:t>
+            </a:r>
+            <a:r>
+              <a:rPr lang="en-US" dirty="0">
+                <a:latin typeface="+mn-lt"/>
+              </a:rPr>
+              <a:t>a</a:t>
+            </a:r>
+            <a:r>
+              <a:rPr lang="zh-CN" altLang="en-US" dirty="0">
+                <a:latin typeface="+mn-lt"/>
+              </a:rPr>
+              <a:t>的</a:t>
+            </a:r>
+            <a:r>
+              <a:rPr lang="en-US" dirty="0">
+                <a:latin typeface="+mn-lt"/>
+              </a:rPr>
+              <a:t>32</a:t>
+            </a:r>
+            <a:r>
+              <a:rPr lang="zh-CN" altLang="en-US" dirty="0">
+                <a:latin typeface="+mn-lt"/>
+              </a:rPr>
+              <a:t>个元素分别是：</a:t>
+            </a:r>
+            <a:r>
+              <a:rPr lang="en-US" dirty="0">
+                <a:latin typeface="+mn-lt"/>
+              </a:rPr>
+              <a:t>a[0],a[1],...a[31]</a:t>
+            </a:r>
+            <a:br>
+              <a:rPr lang="en-US" dirty="0">
+                <a:latin typeface="+mn-lt"/>
+              </a:rPr>
+            </a:br>
+            <a:r>
+              <a:rPr lang="en-US" dirty="0">
+                <a:latin typeface="+mn-lt"/>
+              </a:rPr>
+              <a:t>v[1] = 10;        //v</a:t>
+            </a:r>
+            <a:r>
+              <a:rPr lang="zh-CN" altLang="en-US" dirty="0">
+                <a:latin typeface="+mn-lt"/>
+              </a:rPr>
+              <a:t>的第</a:t>
+            </a:r>
+            <a:r>
+              <a:rPr lang="en-US" altLang="zh-CN" dirty="0">
+                <a:latin typeface="+mn-lt"/>
+              </a:rPr>
+              <a:t>2</a:t>
+            </a:r>
+            <a:r>
+              <a:rPr lang="zh-CN" altLang="en-US" dirty="0">
+                <a:latin typeface="+mn-lt"/>
+              </a:rPr>
+              <a:t>个元素的值修改为</a:t>
+            </a:r>
+            <a:r>
+              <a:rPr lang="en-US" dirty="0">
+                <a:latin typeface="+mn-lt"/>
+              </a:rPr>
+              <a:t>10</a:t>
+            </a:r>
+            <a:br>
+              <a:rPr lang="en-US" dirty="0">
+                <a:latin typeface="+mn-lt"/>
+              </a:rPr>
+            </a:br>
+            <a:r>
+              <a:rPr lang="en-US" dirty="0">
+                <a:latin typeface="+mn-lt"/>
+              </a:rPr>
+              <a:t>std::</a:t>
+            </a:r>
+            <a:r>
+              <a:rPr lang="en-US" dirty="0" err="1">
+                <a:latin typeface="+mn-lt"/>
+              </a:rPr>
+              <a:t>cout</a:t>
+            </a:r>
+            <a:r>
+              <a:rPr lang="en-US" dirty="0">
+                <a:latin typeface="+mn-lt"/>
+              </a:rPr>
+              <a:t>&lt;&lt;v[0]&lt;'\t'&lt;&lt;v[1]&lt;&lt;'\t'&lt;&lt;v[2]&lt;&lt;std::</a:t>
+            </a:r>
+            <a:r>
+              <a:rPr lang="en-US" dirty="0" err="1">
+                <a:latin typeface="+mn-lt"/>
+              </a:rPr>
+              <a:t>endl</a:t>
+            </a:r>
+            <a:r>
+              <a:rPr lang="en-US" dirty="0">
+                <a:latin typeface="+mn-lt"/>
+              </a:rPr>
+              <a:t>;   //</a:t>
+            </a:r>
+            <a:r>
+              <a:rPr lang="zh-CN" altLang="en-US" dirty="0">
+                <a:latin typeface="+mn-lt"/>
+              </a:rPr>
+              <a:t>输出</a:t>
+            </a:r>
+            <a:r>
+              <a:rPr lang="en-US" dirty="0">
+                <a:latin typeface="+mn-lt"/>
+              </a:rPr>
+              <a:t>v</a:t>
+            </a:r>
+            <a:r>
+              <a:rPr lang="zh-CN" altLang="en-US" dirty="0">
+                <a:latin typeface="+mn-lt"/>
+              </a:rPr>
+              <a:t>的</a:t>
+            </a:r>
+            <a:r>
+              <a:rPr lang="en-US" dirty="0">
+                <a:latin typeface="+mn-lt"/>
+              </a:rPr>
+              <a:t>3</a:t>
+            </a:r>
+            <a:r>
+              <a:rPr lang="zh-CN" altLang="en-US" dirty="0">
+                <a:latin typeface="+mn-lt"/>
+              </a:rPr>
+              <a:t>个元素</a:t>
+            </a:r>
+            <a:br>
+              <a:rPr lang="en-US" dirty="0">
+                <a:latin typeface="+mn-lt"/>
+              </a:rPr>
+            </a:br>
+            <a:r>
+              <a:rPr lang="en-US" dirty="0">
+                <a:latin typeface="+mn-lt"/>
+              </a:rPr>
+              <a:t>std::</a:t>
+            </a:r>
+            <a:r>
+              <a:rPr lang="en-US" dirty="0" err="1">
+                <a:latin typeface="+mn-lt"/>
+              </a:rPr>
+              <a:t>cout</a:t>
+            </a:r>
+            <a:r>
+              <a:rPr lang="en-US" dirty="0">
+                <a:latin typeface="+mn-lt"/>
+              </a:rPr>
+              <a:t>&lt;&lt;v[3];       //</a:t>
+            </a:r>
+            <a:r>
+              <a:rPr lang="zh-CN" altLang="en-US" dirty="0">
+                <a:latin typeface="+mn-lt"/>
+              </a:rPr>
+              <a:t>错：下标超出范围</a:t>
+            </a:r>
+            <a:br>
+              <a:rPr lang="en-US" dirty="0">
+                <a:latin typeface="+mn-lt"/>
+              </a:rPr>
+            </a:br>
+            <a:r>
+              <a:rPr lang="en-US" dirty="0">
+                <a:latin typeface="+mn-lt"/>
+              </a:rPr>
+              <a:t>std::</a:t>
+            </a:r>
+            <a:r>
+              <a:rPr lang="en-US" dirty="0" err="1">
+                <a:latin typeface="+mn-lt"/>
+              </a:rPr>
+              <a:t>cout</a:t>
+            </a:r>
+            <a:r>
+              <a:rPr lang="en-US" dirty="0">
+                <a:latin typeface="+mn-lt"/>
+              </a:rPr>
+              <a:t>&lt;&lt;v[-1];     //</a:t>
+            </a:r>
+            <a:r>
+              <a:rPr lang="zh-CN" altLang="en-US" dirty="0">
+                <a:latin typeface="+mn-lt"/>
+              </a:rPr>
+              <a:t>错：下标超出范围</a:t>
+            </a:r>
+            <a:br>
+              <a:rPr lang="en-US" dirty="0">
+                <a:latin typeface="+mn-lt"/>
+              </a:rPr>
+            </a:br>
+            <a:r>
+              <a:rPr lang="en-US" dirty="0">
+                <a:latin typeface="+mn-lt"/>
+              </a:rPr>
+              <a:t>a[1] = 0 ;          //a</a:t>
+            </a:r>
+            <a:r>
+              <a:rPr lang="zh-CN" altLang="en-US" dirty="0">
+                <a:latin typeface="+mn-lt"/>
+              </a:rPr>
+              <a:t>的第</a:t>
+            </a:r>
+            <a:r>
+              <a:rPr lang="en-US" dirty="0">
+                <a:latin typeface="+mn-lt"/>
+              </a:rPr>
+              <a:t>2</a:t>
+            </a:r>
+            <a:r>
+              <a:rPr lang="zh-CN" altLang="en-US" dirty="0">
+                <a:latin typeface="+mn-lt"/>
+              </a:rPr>
+              <a:t>个元素成为空指针</a:t>
+            </a:r>
+            <a:br>
+              <a:rPr lang="en-US" dirty="0">
+                <a:latin typeface="+mn-lt"/>
+              </a:rPr>
+            </a:br>
+            <a:r>
+              <a:rPr lang="en-US" dirty="0">
+                <a:latin typeface="+mn-lt"/>
+              </a:rPr>
+              <a:t>a[2] = 'a'          //</a:t>
+            </a:r>
+            <a:r>
+              <a:rPr lang="zh-CN" altLang="en-US" dirty="0">
+                <a:latin typeface="+mn-lt"/>
+              </a:rPr>
+              <a:t>错：不能将</a:t>
+            </a:r>
+            <a:r>
+              <a:rPr lang="en-US" dirty="0">
+                <a:latin typeface="+mn-lt"/>
+              </a:rPr>
+              <a:t>char</a:t>
+            </a:r>
+            <a:r>
+              <a:rPr lang="zh-CN" altLang="en-US" dirty="0">
+                <a:latin typeface="+mn-lt"/>
+              </a:rPr>
+              <a:t>类型的值赋值给</a:t>
+            </a:r>
+            <a:r>
+              <a:rPr lang="en-US" dirty="0">
+                <a:latin typeface="+mn-lt"/>
+              </a:rPr>
+              <a:t>char *</a:t>
+            </a:r>
+            <a:r>
+              <a:rPr lang="zh-CN" altLang="en-US" dirty="0">
+                <a:latin typeface="+mn-lt"/>
+              </a:rPr>
+              <a:t>类型的元素</a:t>
+            </a:r>
+            <a:br>
+              <a:rPr lang="en-US" dirty="0">
+                <a:latin typeface="+mn-lt"/>
+              </a:rPr>
+            </a:br>
+            <a:r>
+              <a:rPr lang="en-US" dirty="0">
+                <a:latin typeface="+mn-lt"/>
+              </a:rPr>
+              <a:t>auto b = v[2];      //</a:t>
+            </a:r>
+            <a:r>
+              <a:rPr lang="zh-CN" altLang="en-US" dirty="0">
+                <a:latin typeface="+mn-lt"/>
+              </a:rPr>
+              <a:t>用</a:t>
+            </a:r>
+            <a:r>
+              <a:rPr lang="en-US" dirty="0">
+                <a:latin typeface="+mn-lt"/>
+              </a:rPr>
+              <a:t>v[2]</a:t>
+            </a:r>
+            <a:r>
+              <a:rPr lang="zh-CN" altLang="en-US" dirty="0">
+                <a:latin typeface="+mn-lt"/>
+              </a:rPr>
+              <a:t>对变量</a:t>
+            </a:r>
+            <a:r>
+              <a:rPr lang="en-US" dirty="0">
+                <a:latin typeface="+mn-lt"/>
+              </a:rPr>
+              <a:t>b</a:t>
+            </a:r>
+            <a:r>
+              <a:rPr lang="zh-CN" altLang="en-US" dirty="0">
+                <a:latin typeface="+mn-lt"/>
+              </a:rPr>
+              <a:t>进行初始化，因此</a:t>
+            </a:r>
+            <a:r>
+              <a:rPr lang="en-US" dirty="0">
+                <a:latin typeface="+mn-lt"/>
+              </a:rPr>
+              <a:t>b</a:t>
+            </a:r>
+            <a:r>
+              <a:rPr lang="zh-CN" altLang="en-US" dirty="0">
+                <a:latin typeface="+mn-lt"/>
+              </a:rPr>
+              <a:t>是</a:t>
+            </a:r>
+            <a:r>
+              <a:rPr lang="en-US" dirty="0">
+                <a:latin typeface="+mn-lt"/>
+              </a:rPr>
+              <a:t>float</a:t>
+            </a:r>
+            <a:r>
+              <a:rPr lang="zh-CN" altLang="en-US" dirty="0">
+                <a:latin typeface="+mn-lt"/>
+              </a:rPr>
+              <a:t>类型的变量</a:t>
+            </a:r>
+            <a:endParaRPr lang="en-US" dirty="0">
+              <a:latin typeface="+mn-lt"/>
+            </a:endParaRPr>
+          </a:p>
+        </p:txBody>
+      </p:sp>
+    </p:spTree>
+    <p:extLst>
+      <p:ext uri="{BB962C8B-B14F-4D97-AF65-F5344CB8AC3E}">
+        <p14:creationId xmlns:p14="http://schemas.microsoft.com/office/powerpoint/2010/main" val="832815877"/>
+      </p:ext>
+    </p:extLst>
+  </p:cSld>
+  <p:clrMapOvr>
+    <a:masterClrMapping/>
+  </p:clrMapOvr>
+</p:sld>
+</file>
+
+<file path=ppt/slides/slide28.xml><?xml version="1.0" encoding="utf-8"?>
+<p:sld xmlns:a="http://schemas.openxmlformats.org/drawingml/2006/main" xmlns:r="http://schemas.openxmlformats.org/officeDocument/2006/relationships" xmlns:p="http://schemas.openxmlformats.org/presentationml/2006/main">
+  <p:cSld>
+    <p:spTree>
+      <p:nvGrpSpPr>
+        <p:cNvPr id="1" name=""/>
+        <p:cNvGrpSpPr/>
+        <p:nvPr/>
+      </p:nvGrpSpPr>
+      <p:grpSpPr>
+        <a:xfrm>
+          <a:off x="0" y="0"/>
+          <a:ext cx="0" cy="0"/>
+          <a:chOff x="0" y="0"/>
+          <a:chExt cx="0" cy="0"/>
+        </a:xfrm>
+      </p:grpSpPr>
+      <p:sp>
+        <p:nvSpPr>
+          <p:cNvPr id="3" name="内容占位符 2">
+            <a:extLst>
+              <a:ext uri="{FF2B5EF4-FFF2-40B4-BE49-F238E27FC236}">
+                <a16:creationId xmlns:a16="http://schemas.microsoft.com/office/drawing/2014/main" id="{02FD0E50-ACBB-4510-BA7C-814C9398E848}"/>
+              </a:ext>
+            </a:extLst>
+          </p:cNvPr>
+          <p:cNvSpPr>
+            <a:spLocks noGrp="1"/>
+          </p:cNvSpPr>
+          <p:nvPr>
+            <p:ph idx="1"/>
+          </p:nvPr>
+        </p:nvSpPr>
+        <p:spPr>
+          <a:xfrm>
+            <a:off x="623711" y="651581"/>
+            <a:ext cx="10515600" cy="4351338"/>
+          </a:xfrm>
+        </p:spPr>
+        <p:txBody>
+          <a:bodyPr/>
+          <a:lstStyle/>
+          <a:p>
+            <a:r>
+              <a:rPr lang="zh-CN" altLang="en-US" dirty="0"/>
+              <a:t>数组的大小必须是</a:t>
+            </a:r>
+            <a:r>
+              <a:rPr lang="en-US" dirty="0"/>
+              <a:t>“</a:t>
+            </a:r>
+            <a:r>
+              <a:rPr lang="zh-CN" altLang="en-US" b="1" dirty="0"/>
+              <a:t>常量表达式</a:t>
+            </a:r>
+            <a:r>
+              <a:rPr lang="en-US" dirty="0"/>
+              <a:t>”</a:t>
+            </a:r>
+            <a:r>
+              <a:rPr lang="zh-CN" altLang="en-US" dirty="0"/>
+              <a:t>，即编译时值确定的表达式。即数组定义时就必须指明其大小，今后不能被改变。</a:t>
+            </a:r>
+            <a:endParaRPr lang="en-US" altLang="zh-CN" dirty="0"/>
+          </a:p>
+          <a:p>
+            <a:pPr marL="0" indent="0">
+              <a:buNone/>
+            </a:pPr>
+            <a:r>
+              <a:rPr lang="en-US" dirty="0"/>
+              <a:t>int s = 20;</a:t>
+            </a:r>
+            <a:br>
+              <a:rPr lang="en-US" dirty="0"/>
+            </a:br>
+            <a:r>
+              <a:rPr lang="en-US" dirty="0"/>
+              <a:t>int </a:t>
+            </a:r>
+            <a:r>
+              <a:rPr lang="en-US" dirty="0" err="1"/>
+              <a:t>arr</a:t>
+            </a:r>
+            <a:r>
+              <a:rPr lang="en-US" dirty="0"/>
+              <a:t>[s];      </a:t>
+            </a:r>
+            <a:r>
+              <a:rPr lang="en-US" i="1" dirty="0"/>
+              <a:t>//</a:t>
+            </a:r>
+            <a:r>
+              <a:rPr lang="zh-CN" altLang="en-US" i="1" dirty="0"/>
+              <a:t>错：</a:t>
+            </a:r>
+            <a:r>
+              <a:rPr lang="en-US" i="1" dirty="0"/>
+              <a:t>s</a:t>
+            </a:r>
+            <a:r>
+              <a:rPr lang="zh-CN" altLang="en-US" i="1" dirty="0"/>
+              <a:t>不是常量表达式（编译时常量）。</a:t>
+            </a:r>
+            <a:br>
+              <a:rPr lang="en-US" dirty="0"/>
+            </a:br>
+            <a:r>
+              <a:rPr lang="en-US" dirty="0"/>
+              <a:t>int arr2[20];   </a:t>
+            </a:r>
+            <a:r>
+              <a:rPr lang="en-US" i="1" dirty="0"/>
+              <a:t>//Ok: </a:t>
+            </a:r>
+            <a:r>
+              <a:rPr lang="zh-CN" altLang="en-US" i="1" dirty="0"/>
+              <a:t>文字量</a:t>
+            </a:r>
+            <a:r>
+              <a:rPr lang="en-US" i="1" dirty="0"/>
+              <a:t>20</a:t>
+            </a:r>
+            <a:r>
+              <a:rPr lang="zh-CN" altLang="en-US" i="1" dirty="0"/>
+              <a:t>是编译时常量</a:t>
+            </a:r>
+            <a:endParaRPr lang="en-US" dirty="0"/>
+          </a:p>
+          <a:p>
+            <a:pPr marL="0" indent="0">
+              <a:buNone/>
+            </a:pPr>
+            <a:endParaRPr lang="en-US" altLang="zh-CN" dirty="0"/>
+          </a:p>
+          <a:p>
+            <a:endParaRPr lang="en-US" dirty="0"/>
+          </a:p>
+        </p:txBody>
+      </p:sp>
+    </p:spTree>
+    <p:extLst>
+      <p:ext uri="{BB962C8B-B14F-4D97-AF65-F5344CB8AC3E}">
+        <p14:creationId xmlns:p14="http://schemas.microsoft.com/office/powerpoint/2010/main" val="1917448774"/>
+      </p:ext>
+    </p:extLst>
+  </p:cSld>
+  <p:clrMapOvr>
+    <a:masterClrMapping/>
+  </p:clrMapOvr>
+</p:sld>
+</file>
+
+<file path=ppt/slides/slide29.xml><?xml version="1.0" encoding="utf-8"?>
+<p:sld xmlns:a="http://schemas.openxmlformats.org/drawingml/2006/main" xmlns:r="http://schemas.openxmlformats.org/officeDocument/2006/relationships" xmlns:p="http://schemas.openxmlformats.org/presentationml/2006/main">
+  <p:cSld>
+    <p:spTree>
+      <p:nvGrpSpPr>
+        <p:cNvPr id="1" name=""/>
+        <p:cNvGrpSpPr/>
+        <p:nvPr/>
+      </p:nvGrpSpPr>
+      <p:grpSpPr>
+        <a:xfrm>
+          <a:off x="0" y="0"/>
+          <a:ext cx="0" cy="0"/>
+          <a:chOff x="0" y="0"/>
+          <a:chExt cx="0" cy="0"/>
+        </a:xfrm>
+      </p:grpSpPr>
+      <p:sp>
+        <p:nvSpPr>
+          <p:cNvPr id="3" name="内容占位符 2">
+            <a:extLst>
+              <a:ext uri="{FF2B5EF4-FFF2-40B4-BE49-F238E27FC236}">
+                <a16:creationId xmlns:a16="http://schemas.microsoft.com/office/drawing/2014/main" id="{C82F83A4-AD4F-4362-9EDF-669885A5150B}"/>
+              </a:ext>
+            </a:extLst>
+          </p:cNvPr>
+          <p:cNvSpPr>
+            <a:spLocks noGrp="1"/>
+          </p:cNvSpPr>
+          <p:nvPr>
+            <p:ph idx="1"/>
+          </p:nvPr>
+        </p:nvSpPr>
+        <p:spPr>
+          <a:xfrm>
+            <a:off x="499532" y="809624"/>
+            <a:ext cx="11590867" cy="5218643"/>
+          </a:xfrm>
+        </p:spPr>
+        <p:txBody>
+          <a:bodyPr>
+            <a:normAutofit fontScale="92500"/>
+          </a:bodyPr>
+          <a:lstStyle/>
+          <a:p>
+            <a:r>
+              <a:rPr lang="zh-CN" altLang="en-US" dirty="0"/>
+              <a:t>数组定义时可通过</a:t>
+            </a:r>
+            <a:r>
+              <a:rPr lang="en-US" altLang="zh-CN" dirty="0">
+                <a:solidFill>
+                  <a:srgbClr val="C00000"/>
+                </a:solidFill>
+              </a:rPr>
+              <a:t>{</a:t>
+            </a:r>
+            <a:r>
+              <a:rPr lang="zh-CN" altLang="en-US" dirty="0"/>
+              <a:t>和</a:t>
+            </a:r>
+            <a:r>
+              <a:rPr lang="en-US" altLang="zh-CN" dirty="0">
+                <a:solidFill>
+                  <a:srgbClr val="C00000"/>
+                </a:solidFill>
+              </a:rPr>
+              <a:t>}</a:t>
+            </a:r>
+            <a:r>
+              <a:rPr lang="zh-CN" altLang="en-US" dirty="0">
+                <a:solidFill>
+                  <a:srgbClr val="C00000"/>
+                </a:solidFill>
+              </a:rPr>
+              <a:t>包围的初始化块</a:t>
+            </a:r>
+            <a:r>
+              <a:rPr lang="zh-CN" altLang="en-US" dirty="0"/>
+              <a:t>对其元素初始化</a:t>
+            </a:r>
+            <a:endParaRPr lang="en-US" altLang="zh-CN" dirty="0"/>
+          </a:p>
+          <a:p>
+            <a:pPr marL="0" indent="0" latinLnBrk="1">
+              <a:buNone/>
+            </a:pPr>
+            <a:r>
+              <a:rPr lang="en-US" dirty="0">
+                <a:latin typeface="+mn-lt"/>
+              </a:rPr>
+              <a:t>int v1[ ]{1,2,3};       </a:t>
+            </a:r>
+            <a:r>
+              <a:rPr lang="en-US" i="1" dirty="0">
+                <a:latin typeface="+mn-lt"/>
+              </a:rPr>
+              <a:t>//v1</a:t>
+            </a:r>
+            <a:r>
+              <a:rPr lang="zh-CN" altLang="en-US" i="1" dirty="0">
+                <a:latin typeface="+mn-lt"/>
+              </a:rPr>
+              <a:t>是</a:t>
+            </a:r>
+            <a:r>
+              <a:rPr lang="en-US" i="1" dirty="0">
+                <a:latin typeface="+mn-lt"/>
+              </a:rPr>
+              <a:t>3</a:t>
+            </a:r>
+            <a:r>
+              <a:rPr lang="zh-CN" altLang="en-US" i="1" dirty="0">
+                <a:latin typeface="+mn-lt"/>
+              </a:rPr>
+              <a:t>个</a:t>
+            </a:r>
+            <a:r>
+              <a:rPr lang="en-US" i="1" dirty="0">
+                <a:latin typeface="+mn-lt"/>
+              </a:rPr>
+              <a:t>int</a:t>
+            </a:r>
+            <a:r>
+              <a:rPr lang="zh-CN" altLang="en-US" i="1" dirty="0">
+                <a:latin typeface="+mn-lt"/>
+              </a:rPr>
+              <a:t>类型元素的数组</a:t>
+            </a:r>
+            <a:br>
+              <a:rPr lang="en-US" dirty="0">
+                <a:latin typeface="+mn-lt"/>
+              </a:rPr>
+            </a:br>
+            <a:r>
+              <a:rPr lang="en-US" dirty="0">
+                <a:latin typeface="+mn-lt"/>
+              </a:rPr>
+              <a:t>char v2[]{'</a:t>
+            </a:r>
+            <a:r>
+              <a:rPr lang="en-US" dirty="0" err="1">
+                <a:latin typeface="+mn-lt"/>
+              </a:rPr>
+              <a:t>a','b','c</a:t>
+            </a:r>
+            <a:r>
+              <a:rPr lang="en-US" dirty="0">
+                <a:latin typeface="+mn-lt"/>
+              </a:rPr>
+              <a:t>','\0'};  </a:t>
+            </a:r>
+            <a:r>
+              <a:rPr lang="en-US" i="1" dirty="0">
+                <a:latin typeface="+mn-lt"/>
+              </a:rPr>
+              <a:t>//</a:t>
+            </a:r>
+            <a:r>
+              <a:rPr lang="zh-CN" altLang="en-US" i="1" dirty="0">
+                <a:latin typeface="+mn-lt"/>
+              </a:rPr>
+              <a:t>是</a:t>
+            </a:r>
+            <a:r>
+              <a:rPr lang="en-US" i="1" dirty="0">
+                <a:latin typeface="+mn-lt"/>
+              </a:rPr>
+              <a:t>4</a:t>
+            </a:r>
+            <a:r>
+              <a:rPr lang="zh-CN" altLang="en-US" i="1" dirty="0">
+                <a:latin typeface="+mn-lt"/>
+              </a:rPr>
+              <a:t>个</a:t>
+            </a:r>
+            <a:r>
+              <a:rPr lang="en-US" i="1" dirty="0">
+                <a:latin typeface="+mn-lt"/>
+              </a:rPr>
+              <a:t>char</a:t>
+            </a:r>
+            <a:r>
+              <a:rPr lang="zh-CN" altLang="en-US" i="1" dirty="0">
+                <a:latin typeface="+mn-lt"/>
+              </a:rPr>
+              <a:t>元素的数组，最后一个转义字符</a:t>
+            </a:r>
+            <a:r>
+              <a:rPr lang="en-US" i="1" dirty="0">
+                <a:latin typeface="+mn-lt"/>
+              </a:rPr>
+              <a:t>'\0'</a:t>
+            </a:r>
+            <a:r>
+              <a:rPr lang="zh-CN" altLang="en-US" i="1" dirty="0">
+                <a:latin typeface="+mn-lt"/>
+              </a:rPr>
+              <a:t>称为</a:t>
+            </a:r>
+            <a:br>
+              <a:rPr lang="en-US" i="1" dirty="0">
+                <a:latin typeface="+mn-lt"/>
+              </a:rPr>
+            </a:br>
+            <a:r>
+              <a:rPr lang="en-US" i="1" dirty="0">
+                <a:latin typeface="+mn-lt"/>
+              </a:rPr>
+              <a:t>                      //</a:t>
+            </a:r>
+            <a:r>
+              <a:rPr lang="zh-CN" altLang="en-US" i="1" dirty="0">
+                <a:latin typeface="+mn-lt"/>
+              </a:rPr>
+              <a:t>结束字符，其</a:t>
+            </a:r>
+            <a:r>
+              <a:rPr lang="en-US" i="1" dirty="0">
+                <a:latin typeface="+mn-lt"/>
+              </a:rPr>
+              <a:t>8</a:t>
+            </a:r>
+            <a:r>
+              <a:rPr lang="zh-CN" altLang="en-US" i="1" dirty="0">
+                <a:latin typeface="+mn-lt"/>
+              </a:rPr>
+              <a:t>位二进制都是</a:t>
+            </a:r>
+            <a:r>
+              <a:rPr lang="en-US" i="1" dirty="0">
+                <a:latin typeface="+mn-lt"/>
+              </a:rPr>
+              <a:t>0</a:t>
+            </a:r>
+            <a:br>
+              <a:rPr lang="en-US" dirty="0">
+                <a:latin typeface="+mn-lt"/>
+              </a:rPr>
+            </a:br>
+            <a:r>
+              <a:rPr lang="en-US" dirty="0">
+                <a:latin typeface="+mn-lt"/>
+              </a:rPr>
+              <a:t>char v3[2] {'</a:t>
+            </a:r>
+            <a:r>
+              <a:rPr lang="en-US" dirty="0" err="1">
+                <a:latin typeface="+mn-lt"/>
+              </a:rPr>
+              <a:t>a','b</a:t>
+            </a:r>
+            <a:r>
+              <a:rPr lang="en-US" dirty="0">
+                <a:latin typeface="+mn-lt"/>
+              </a:rPr>
+              <a:t>','\0'};   </a:t>
+            </a:r>
+            <a:r>
+              <a:rPr lang="en-US" i="1" dirty="0">
+                <a:latin typeface="+mn-lt"/>
+              </a:rPr>
+              <a:t>//</a:t>
+            </a:r>
+            <a:r>
+              <a:rPr lang="zh-CN" altLang="en-US" i="1" dirty="0">
+                <a:latin typeface="+mn-lt"/>
+              </a:rPr>
+              <a:t>错： 列表中的元素个数不能超出其大小</a:t>
+            </a:r>
+            <a:br>
+              <a:rPr lang="en-US" dirty="0">
+                <a:latin typeface="+mn-lt"/>
+              </a:rPr>
+            </a:br>
+            <a:r>
+              <a:rPr lang="en-US" dirty="0">
+                <a:latin typeface="+mn-lt"/>
+              </a:rPr>
+              <a:t>char v4[4] {'</a:t>
+            </a:r>
+            <a:r>
+              <a:rPr lang="en-US" dirty="0" err="1">
+                <a:latin typeface="+mn-lt"/>
+              </a:rPr>
+              <a:t>a','b</a:t>
+            </a:r>
+            <a:r>
+              <a:rPr lang="en-US" dirty="0">
+                <a:latin typeface="+mn-lt"/>
+              </a:rPr>
+              <a:t>','\0'};   </a:t>
+            </a:r>
+            <a:r>
+              <a:rPr lang="en-US" i="1" dirty="0">
+                <a:latin typeface="+mn-lt"/>
+              </a:rPr>
+              <a:t>//OK</a:t>
+            </a:r>
+            <a:r>
+              <a:rPr lang="zh-CN" altLang="en-US" i="1" dirty="0">
+                <a:latin typeface="+mn-lt"/>
+              </a:rPr>
+              <a:t>，</a:t>
+            </a:r>
+            <a:r>
+              <a:rPr lang="en-US" i="1" dirty="0">
+                <a:latin typeface="+mn-lt"/>
+              </a:rPr>
+              <a:t>4</a:t>
+            </a:r>
+            <a:r>
+              <a:rPr lang="zh-CN" altLang="en-US" i="1" dirty="0">
+                <a:latin typeface="+mn-lt"/>
+              </a:rPr>
+              <a:t>个元素的数组</a:t>
+            </a:r>
+            <a:br>
+              <a:rPr lang="en-US" dirty="0">
+                <a:latin typeface="+mn-lt"/>
+              </a:rPr>
+            </a:br>
+            <a:r>
+              <a:rPr lang="en-US" dirty="0">
+                <a:latin typeface="+mn-lt"/>
+              </a:rPr>
+              <a:t>int v5[4]  {1,2,3};      </a:t>
+            </a:r>
+            <a:r>
+              <a:rPr lang="en-US" i="1" dirty="0">
+                <a:latin typeface="+mn-lt"/>
+              </a:rPr>
+              <a:t>//</a:t>
+            </a:r>
+            <a:r>
+              <a:rPr lang="zh-CN" altLang="en-US" i="1" dirty="0">
+                <a:latin typeface="+mn-lt"/>
+              </a:rPr>
+              <a:t>列表中的个数少于数组大小，</a:t>
+            </a:r>
+            <a:endParaRPr lang="en-US" altLang="zh-CN" i="1" dirty="0">
+              <a:latin typeface="+mn-lt"/>
+            </a:endParaRPr>
+          </a:p>
+          <a:p>
+            <a:pPr marL="0" indent="0" latinLnBrk="1">
+              <a:buNone/>
+            </a:pPr>
+            <a:r>
+              <a:rPr lang="en-US" altLang="zh-CN" i="1" dirty="0">
+                <a:latin typeface="+mn-lt"/>
+              </a:rPr>
+              <a:t>                                  //</a:t>
+            </a:r>
+            <a:r>
+              <a:rPr lang="zh-CN" altLang="en-US" i="1" dirty="0">
+                <a:latin typeface="+mn-lt"/>
+              </a:rPr>
+              <a:t>剩余的数组元素的值取默认值，</a:t>
+            </a:r>
+            <a:endParaRPr lang="en-US" altLang="zh-CN" i="1" dirty="0">
+              <a:latin typeface="+mn-lt"/>
+            </a:endParaRPr>
+          </a:p>
+          <a:p>
+            <a:pPr marL="0" indent="0" latinLnBrk="1">
+              <a:buNone/>
+            </a:pPr>
+            <a:r>
+              <a:rPr lang="zh-CN" altLang="en-US" i="1" dirty="0">
+                <a:latin typeface="+mn-lt"/>
+              </a:rPr>
+              <a:t>                              </a:t>
+            </a:r>
+            <a:r>
+              <a:rPr lang="en-US" altLang="zh-CN" i="1" dirty="0">
+                <a:latin typeface="+mn-lt"/>
+              </a:rPr>
+              <a:t>//</a:t>
+            </a:r>
+            <a:r>
+              <a:rPr lang="zh-CN" altLang="en-US" i="1" dirty="0">
+                <a:latin typeface="+mn-lt"/>
+              </a:rPr>
+              <a:t>对于内在类型，默认值通常是</a:t>
+            </a:r>
+            <a:r>
+              <a:rPr lang="en-US" i="1" dirty="0">
+                <a:latin typeface="+mn-lt"/>
+              </a:rPr>
+              <a:t>0</a:t>
+            </a:r>
+            <a:r>
+              <a:rPr lang="zh-CN" altLang="en-US" i="1" dirty="0">
+                <a:latin typeface="+mn-lt"/>
+              </a:rPr>
+              <a:t>，即等价于</a:t>
+            </a:r>
+            <a:r>
+              <a:rPr lang="en-US" i="1" dirty="0">
+                <a:latin typeface="+mn-lt"/>
+              </a:rPr>
+              <a:t>int v5[4] = {1,2,3,0}</a:t>
+            </a:r>
+            <a:br>
+              <a:rPr lang="en-US" dirty="0">
+                <a:latin typeface="+mn-lt"/>
+              </a:rPr>
+            </a:br>
+            <a:r>
+              <a:rPr lang="en-US" dirty="0" err="1">
+                <a:latin typeface="+mn-lt"/>
+              </a:rPr>
+              <a:t>cout</a:t>
+            </a:r>
+            <a:r>
+              <a:rPr lang="en-US" dirty="0">
+                <a:latin typeface="+mn-lt"/>
+              </a:rPr>
+              <a:t>&lt;&lt;v5[0]&lt;&lt;'\t'&lt;&lt;v5[1]&lt;&lt;'\t'&lt;&lt;v5[2]&lt;&lt;'\t'&lt;&lt;v5[3]&lt;&lt;</a:t>
+            </a:r>
+            <a:r>
+              <a:rPr lang="en-US" dirty="0" err="1">
+                <a:latin typeface="+mn-lt"/>
+              </a:rPr>
+              <a:t>endl</a:t>
+            </a:r>
+            <a:r>
+              <a:rPr lang="en-US" dirty="0">
+                <a:latin typeface="+mn-lt"/>
+              </a:rPr>
+              <a:t>;</a:t>
+            </a:r>
+          </a:p>
+        </p:txBody>
+      </p:sp>
+    </p:spTree>
+    <p:extLst>
+      <p:ext uri="{BB962C8B-B14F-4D97-AF65-F5344CB8AC3E}">
+        <p14:creationId xmlns:p14="http://schemas.microsoft.com/office/powerpoint/2010/main" val="1622053835"/>
+      </p:ext>
+    </p:extLst>
+  </p:cSld>
+  <p:clrMapOvr>
+    <a:masterClrMapping/>
+  </p:clrMapOvr>
+</p:sld>
+</file>
+
 <file path=ppt/slides/slide3.xml><?xml version="1.0" encoding="utf-8"?>
 <p:sld xmlns:a="http://schemas.openxmlformats.org/drawingml/2006/main" xmlns:r="http://schemas.openxmlformats.org/officeDocument/2006/relationships" xmlns:p="http://schemas.openxmlformats.org/presentationml/2006/main">
   <p:cSld>
@@ -10022,6 +12546,2348 @@
       <p:bldP spid="6" grpId="0"/>
     </p:bldLst>
   </p:timing>
+</p:sld>
+</file>
+
+<file path=ppt/slides/slide30.xml><?xml version="1.0" encoding="utf-8"?>
+<p:sld xmlns:a="http://schemas.openxmlformats.org/drawingml/2006/main" xmlns:r="http://schemas.openxmlformats.org/officeDocument/2006/relationships" xmlns:p="http://schemas.openxmlformats.org/presentationml/2006/main">
+  <p:cSld>
+    <p:spTree>
+      <p:nvGrpSpPr>
+        <p:cNvPr id="1" name=""/>
+        <p:cNvGrpSpPr/>
+        <p:nvPr/>
+      </p:nvGrpSpPr>
+      <p:grpSpPr>
+        <a:xfrm>
+          <a:off x="0" y="0"/>
+          <a:ext cx="0" cy="0"/>
+          <a:chOff x="0" y="0"/>
+          <a:chExt cx="0" cy="0"/>
+        </a:xfrm>
+      </p:grpSpPr>
+      <p:sp>
+        <p:nvSpPr>
+          <p:cNvPr id="3" name="内容占位符 2">
+            <a:extLst>
+              <a:ext uri="{FF2B5EF4-FFF2-40B4-BE49-F238E27FC236}">
+                <a16:creationId xmlns:a16="http://schemas.microsoft.com/office/drawing/2014/main" id="{2A38DAE3-408A-4472-9C19-F87147CA4BBC}"/>
+              </a:ext>
+            </a:extLst>
+          </p:cNvPr>
+          <p:cNvSpPr>
+            <a:spLocks noGrp="1"/>
+          </p:cNvSpPr>
+          <p:nvPr>
+            <p:ph idx="1"/>
+          </p:nvPr>
+        </p:nvSpPr>
+        <p:spPr>
+          <a:xfrm>
+            <a:off x="849488" y="1430514"/>
+            <a:ext cx="10515600" cy="4351338"/>
+          </a:xfrm>
+        </p:spPr>
+        <p:txBody>
+          <a:bodyPr/>
+          <a:lstStyle/>
+          <a:p>
+            <a:r>
+              <a:rPr lang="zh-CN" altLang="en-US" dirty="0"/>
+              <a:t>不能用一个数组去初始化或赋值给另一个数组。</a:t>
+            </a:r>
+            <a:endParaRPr lang="en-US" altLang="zh-CN" dirty="0"/>
+          </a:p>
+          <a:p>
+            <a:pPr marL="0" indent="0">
+              <a:buNone/>
+            </a:pPr>
+            <a:r>
+              <a:rPr lang="en-US" dirty="0">
+                <a:latin typeface="+mn-lt"/>
+              </a:rPr>
+              <a:t>int a[]= {1,2,3};</a:t>
+            </a:r>
+            <a:br>
+              <a:rPr lang="en-US" dirty="0">
+                <a:latin typeface="+mn-lt"/>
+              </a:rPr>
+            </a:br>
+            <a:r>
+              <a:rPr lang="en-US" dirty="0">
+                <a:latin typeface="+mn-lt"/>
+              </a:rPr>
+              <a:t>int a2[] = a;    </a:t>
+            </a:r>
+            <a:r>
+              <a:rPr lang="en-US" i="1" dirty="0">
+                <a:latin typeface="+mn-lt"/>
+              </a:rPr>
+              <a:t>//</a:t>
+            </a:r>
+            <a:r>
+              <a:rPr lang="zh-CN" altLang="en-US" i="1" dirty="0">
+                <a:latin typeface="+mn-lt"/>
+              </a:rPr>
+              <a:t>错：不能用一个数组去初始化另一个数组</a:t>
+            </a:r>
+            <a:br>
+              <a:rPr lang="en-US" dirty="0">
+                <a:latin typeface="+mn-lt"/>
+              </a:rPr>
+            </a:br>
+            <a:r>
+              <a:rPr lang="en-US" dirty="0">
+                <a:latin typeface="+mn-lt"/>
+              </a:rPr>
+              <a:t>a2 = a;        </a:t>
+            </a:r>
+            <a:r>
+              <a:rPr lang="en-US" i="1" dirty="0">
+                <a:latin typeface="+mn-lt"/>
+              </a:rPr>
+              <a:t>//</a:t>
+            </a:r>
+            <a:r>
+              <a:rPr lang="zh-CN" altLang="en-US" i="1" dirty="0">
+                <a:latin typeface="+mn-lt"/>
+              </a:rPr>
+              <a:t>错：不能用一个数组去赋值给另一个数组</a:t>
+            </a:r>
+            <a:endParaRPr lang="en-US" altLang="zh-CN" dirty="0"/>
+          </a:p>
+          <a:p>
+            <a:pPr marL="0" indent="0">
+              <a:buNone/>
+            </a:pPr>
+            <a:endParaRPr lang="en-US" dirty="0"/>
+          </a:p>
+        </p:txBody>
+      </p:sp>
+    </p:spTree>
+    <p:extLst>
+      <p:ext uri="{BB962C8B-B14F-4D97-AF65-F5344CB8AC3E}">
+        <p14:creationId xmlns:p14="http://schemas.microsoft.com/office/powerpoint/2010/main" val="1435018604"/>
+      </p:ext>
+    </p:extLst>
+  </p:cSld>
+  <p:clrMapOvr>
+    <a:masterClrMapping/>
+  </p:clrMapOvr>
+</p:sld>
+</file>
+
+<file path=ppt/slides/slide31.xml><?xml version="1.0" encoding="utf-8"?>
+<p:sld xmlns:a="http://schemas.openxmlformats.org/drawingml/2006/main" xmlns:r="http://schemas.openxmlformats.org/officeDocument/2006/relationships" xmlns:p="http://schemas.openxmlformats.org/presentationml/2006/main">
+  <p:cSld>
+    <p:spTree>
+      <p:nvGrpSpPr>
+        <p:cNvPr id="1" name=""/>
+        <p:cNvGrpSpPr/>
+        <p:nvPr/>
+      </p:nvGrpSpPr>
+      <p:grpSpPr>
+        <a:xfrm>
+          <a:off x="0" y="0"/>
+          <a:ext cx="0" cy="0"/>
+          <a:chOff x="0" y="0"/>
+          <a:chExt cx="0" cy="0"/>
+        </a:xfrm>
+      </p:grpSpPr>
+      <p:sp>
+        <p:nvSpPr>
+          <p:cNvPr id="3" name="内容占位符 2">
+            <a:extLst>
+              <a:ext uri="{FF2B5EF4-FFF2-40B4-BE49-F238E27FC236}">
+                <a16:creationId xmlns:a16="http://schemas.microsoft.com/office/drawing/2014/main" id="{FFF9958F-FA73-445F-9241-9FD6F0E7BA92}"/>
+              </a:ext>
+            </a:extLst>
+          </p:cNvPr>
+          <p:cNvSpPr>
+            <a:spLocks noGrp="1"/>
+          </p:cNvSpPr>
+          <p:nvPr>
+            <p:ph idx="1"/>
+          </p:nvPr>
+        </p:nvSpPr>
+        <p:spPr>
+          <a:xfrm>
+            <a:off x="838199" y="1174044"/>
+            <a:ext cx="10834511" cy="5384800"/>
+          </a:xfrm>
+        </p:spPr>
+        <p:txBody>
+          <a:bodyPr>
+            <a:normAutofit fontScale="85000" lnSpcReduction="10000"/>
+          </a:bodyPr>
+          <a:lstStyle/>
+          <a:p>
+            <a:r>
+              <a:rPr lang="zh-CN" altLang="en-US" dirty="0"/>
+              <a:t>字符数组可以用一个字符串文字量进行初始化。</a:t>
+            </a:r>
+            <a:endParaRPr lang="en-US" dirty="0"/>
+          </a:p>
+          <a:p>
+            <a:pPr marL="0" indent="0" latinLnBrk="1">
+              <a:buNone/>
+            </a:pPr>
+            <a:endParaRPr lang="en-US" dirty="0"/>
+          </a:p>
+          <a:p>
+            <a:pPr marL="0" indent="0" latinLnBrk="1">
+              <a:buNone/>
+            </a:pPr>
+            <a:r>
+              <a:rPr lang="en-US" dirty="0">
+                <a:latin typeface="+mn-lt"/>
+              </a:rPr>
+              <a:t>char a1[]{'C','+','+'};     //a1</a:t>
+            </a:r>
+            <a:r>
+              <a:rPr lang="zh-CN" altLang="en-US" dirty="0">
+                <a:latin typeface="+mn-lt"/>
+              </a:rPr>
+              <a:t>是</a:t>
+            </a:r>
+            <a:r>
+              <a:rPr lang="en-US" dirty="0">
+                <a:latin typeface="+mn-lt"/>
+              </a:rPr>
+              <a:t>3</a:t>
+            </a:r>
+            <a:r>
+              <a:rPr lang="zh-CN" altLang="en-US" dirty="0">
+                <a:latin typeface="+mn-lt"/>
+              </a:rPr>
+              <a:t>个</a:t>
+            </a:r>
+            <a:r>
+              <a:rPr lang="en-US" dirty="0">
+                <a:latin typeface="+mn-lt"/>
+              </a:rPr>
+              <a:t>char</a:t>
+            </a:r>
+            <a:r>
+              <a:rPr lang="zh-CN" altLang="en-US" dirty="0">
+                <a:latin typeface="+mn-lt"/>
+              </a:rPr>
+              <a:t>字符的数组</a:t>
+            </a:r>
+            <a:endParaRPr lang="en-US" dirty="0">
+              <a:latin typeface="+mn-lt"/>
+            </a:endParaRPr>
+          </a:p>
+          <a:p>
+            <a:pPr marL="0" indent="0" latinLnBrk="1">
+              <a:buNone/>
+            </a:pPr>
+            <a:r>
+              <a:rPr lang="en-US" dirty="0">
+                <a:latin typeface="+mn-lt"/>
+              </a:rPr>
+              <a:t>char a2[]{'C','+','+','\0'};  //a2</a:t>
+            </a:r>
+            <a:r>
+              <a:rPr lang="zh-CN" altLang="en-US" dirty="0">
+                <a:latin typeface="+mn-lt"/>
+              </a:rPr>
+              <a:t>是</a:t>
+            </a:r>
+            <a:r>
+              <a:rPr lang="en-US" dirty="0">
+                <a:latin typeface="+mn-lt"/>
+              </a:rPr>
+              <a:t>4</a:t>
+            </a:r>
+            <a:r>
+              <a:rPr lang="zh-CN" altLang="en-US" dirty="0">
+                <a:latin typeface="+mn-lt"/>
+              </a:rPr>
+              <a:t>个</a:t>
+            </a:r>
+            <a:r>
+              <a:rPr lang="en-US" dirty="0">
+                <a:latin typeface="+mn-lt"/>
+              </a:rPr>
+              <a:t>char</a:t>
+            </a:r>
+            <a:r>
+              <a:rPr lang="zh-CN" altLang="en-US" dirty="0">
+                <a:latin typeface="+mn-lt"/>
+              </a:rPr>
+              <a:t>字符的数组，最后一个字符是结束字符</a:t>
+            </a:r>
+            <a:endParaRPr lang="en-US" dirty="0">
+              <a:latin typeface="+mn-lt"/>
+            </a:endParaRPr>
+          </a:p>
+          <a:p>
+            <a:pPr marL="0" indent="0" latinLnBrk="1">
+              <a:buNone/>
+            </a:pPr>
+            <a:r>
+              <a:rPr lang="en-US" dirty="0">
+                <a:latin typeface="+mn-lt"/>
+              </a:rPr>
+              <a:t>char a3[]{"C++"};      //</a:t>
+            </a:r>
+            <a:r>
+              <a:rPr lang="zh-CN" altLang="en-US" dirty="0">
+                <a:latin typeface="+mn-lt"/>
+              </a:rPr>
+              <a:t>用字符串文字量对字符数组</a:t>
+            </a:r>
+            <a:r>
+              <a:rPr lang="en-US" dirty="0">
+                <a:latin typeface="+mn-lt"/>
+              </a:rPr>
+              <a:t>a3</a:t>
+            </a:r>
+            <a:r>
+              <a:rPr lang="zh-CN" altLang="en-US" dirty="0">
+                <a:latin typeface="+mn-lt"/>
+              </a:rPr>
+              <a:t>初始化，</a:t>
+            </a:r>
+            <a:endParaRPr lang="en-US" dirty="0">
+              <a:latin typeface="+mn-lt"/>
+            </a:endParaRPr>
+          </a:p>
+          <a:p>
+            <a:pPr marL="0" indent="0" latinLnBrk="1">
+              <a:buNone/>
+            </a:pPr>
+            <a:r>
+              <a:rPr lang="en-US" dirty="0">
+                <a:latin typeface="+mn-lt"/>
+              </a:rPr>
+              <a:t>		   //</a:t>
+            </a:r>
+            <a:r>
+              <a:rPr lang="zh-CN" altLang="en-US" dirty="0">
+                <a:latin typeface="+mn-lt"/>
+              </a:rPr>
+              <a:t>因为文字量字符串有一个隐含的结束字符</a:t>
+            </a:r>
+            <a:r>
+              <a:rPr lang="en-US" dirty="0">
+                <a:latin typeface="+mn-lt"/>
+              </a:rPr>
+              <a:t> '\0'</a:t>
+            </a:r>
+          </a:p>
+          <a:p>
+            <a:pPr marL="0" indent="0" latinLnBrk="1">
+              <a:buNone/>
+            </a:pPr>
+            <a:r>
+              <a:rPr lang="en-US" dirty="0">
+                <a:latin typeface="+mn-lt"/>
+              </a:rPr>
+              <a:t>		   //</a:t>
+            </a:r>
+            <a:r>
+              <a:rPr lang="zh-CN" altLang="en-US" dirty="0">
+                <a:latin typeface="+mn-lt"/>
+              </a:rPr>
+              <a:t>因此</a:t>
+            </a:r>
+            <a:r>
+              <a:rPr lang="en-US" dirty="0">
+                <a:latin typeface="+mn-lt"/>
+              </a:rPr>
+              <a:t>a3</a:t>
+            </a:r>
+            <a:r>
+              <a:rPr lang="zh-CN" altLang="en-US" dirty="0">
+                <a:latin typeface="+mn-lt"/>
+              </a:rPr>
+              <a:t>实际是</a:t>
+            </a:r>
+            <a:r>
+              <a:rPr lang="en-US" dirty="0">
+                <a:latin typeface="+mn-lt"/>
+              </a:rPr>
+              <a:t>4</a:t>
+            </a:r>
+            <a:r>
+              <a:rPr lang="zh-CN" altLang="en-US" dirty="0">
+                <a:latin typeface="+mn-lt"/>
+              </a:rPr>
+              <a:t>个字符，即相当于</a:t>
+            </a:r>
+            <a:r>
+              <a:rPr lang="en-US" dirty="0">
+                <a:latin typeface="+mn-lt"/>
+              </a:rPr>
+              <a:t>char a3[] = {'C','+','+','\0'}; </a:t>
+            </a:r>
+          </a:p>
+          <a:p>
+            <a:pPr marL="0" indent="0" latinLnBrk="1">
+              <a:buNone/>
+            </a:pPr>
+            <a:r>
+              <a:rPr lang="en-US" dirty="0">
+                <a:latin typeface="+mn-lt"/>
+              </a:rPr>
+              <a:t>char a4[5] {"Hello"};  //</a:t>
+            </a:r>
+            <a:r>
+              <a:rPr lang="zh-CN" altLang="en-US" dirty="0">
+                <a:latin typeface="+mn-lt"/>
+              </a:rPr>
+              <a:t>错：空间不够！因为文字量字符串</a:t>
+            </a:r>
+            <a:r>
+              <a:rPr lang="en-US" dirty="0">
+                <a:latin typeface="+mn-lt"/>
+              </a:rPr>
+              <a:t>"Hello"</a:t>
+            </a:r>
+            <a:r>
+              <a:rPr lang="zh-CN" altLang="en-US" dirty="0">
+                <a:latin typeface="+mn-lt"/>
+              </a:rPr>
+              <a:t>实际有</a:t>
+            </a:r>
+            <a:r>
+              <a:rPr lang="en-US" dirty="0">
+                <a:latin typeface="+mn-lt"/>
+              </a:rPr>
+              <a:t>6</a:t>
+            </a:r>
+            <a:r>
+              <a:rPr lang="zh-CN" altLang="en-US" dirty="0">
+                <a:latin typeface="+mn-lt"/>
+              </a:rPr>
+              <a:t>个字符。</a:t>
+            </a:r>
+            <a:endParaRPr lang="en-US" dirty="0">
+              <a:latin typeface="+mn-lt"/>
+            </a:endParaRPr>
+          </a:p>
+          <a:p>
+            <a:pPr marL="0" indent="0" latinLnBrk="1">
+              <a:buNone/>
+            </a:pPr>
+            <a:r>
+              <a:rPr lang="en-US" dirty="0">
+                <a:latin typeface="+mn-lt"/>
+              </a:rPr>
+              <a:t>char a5[6]{"Hello"};  //OK</a:t>
+            </a:r>
+            <a:r>
+              <a:rPr lang="zh-CN" altLang="en-US" dirty="0">
+                <a:latin typeface="+mn-lt"/>
+              </a:rPr>
+              <a:t>：空间正好</a:t>
+            </a:r>
+            <a:endParaRPr lang="en-US" altLang="zh-CN" dirty="0">
+              <a:latin typeface="+mn-lt"/>
+            </a:endParaRPr>
+          </a:p>
+          <a:p>
+            <a:pPr marL="0" indent="0" latinLnBrk="1">
+              <a:buNone/>
+            </a:pPr>
+            <a:r>
+              <a:rPr lang="en-US" sz="2900" dirty="0">
+                <a:latin typeface="+mn-lt"/>
+              </a:rPr>
+              <a:t>char a6[9]{"Hello"};  //OK</a:t>
+            </a:r>
+            <a:r>
+              <a:rPr lang="zh-CN" altLang="en-US" sz="2900" dirty="0">
+                <a:latin typeface="+mn-lt"/>
+              </a:rPr>
+              <a:t>：空间足够。问：</a:t>
+            </a:r>
+            <a:r>
+              <a:rPr lang="en-US" sz="2900" dirty="0">
+                <a:latin typeface="+mn-lt"/>
+              </a:rPr>
+              <a:t>a6</a:t>
+            </a:r>
+            <a:r>
+              <a:rPr lang="zh-CN" altLang="en-US" sz="2900" dirty="0">
+                <a:latin typeface="+mn-lt"/>
+              </a:rPr>
+              <a:t>的第</a:t>
+            </a:r>
+            <a:r>
+              <a:rPr lang="en-US" sz="2900" dirty="0">
+                <a:latin typeface="+mn-lt"/>
+              </a:rPr>
+              <a:t>7</a:t>
+            </a:r>
+            <a:r>
+              <a:rPr lang="zh-CN" altLang="en-US" sz="2900" dirty="0">
+                <a:latin typeface="+mn-lt"/>
+              </a:rPr>
+              <a:t>，</a:t>
+            </a:r>
+            <a:r>
+              <a:rPr lang="en-US" sz="2900" dirty="0">
+                <a:latin typeface="+mn-lt"/>
+              </a:rPr>
+              <a:t>8</a:t>
+            </a:r>
+            <a:r>
+              <a:rPr lang="zh-CN" altLang="en-US" sz="2900" dirty="0">
+                <a:latin typeface="+mn-lt"/>
+              </a:rPr>
+              <a:t>字符是什么呢</a:t>
+            </a:r>
+            <a:r>
+              <a:rPr lang="en-US" sz="2900" dirty="0">
+                <a:latin typeface="+mn-lt"/>
+              </a:rPr>
+              <a:t>?</a:t>
+            </a:r>
+          </a:p>
+          <a:p>
+            <a:pPr marL="0" indent="0" latinLnBrk="1">
+              <a:buNone/>
+            </a:pPr>
+            <a:endParaRPr lang="en-US" dirty="0">
+              <a:latin typeface="+mn-lt"/>
+            </a:endParaRPr>
+          </a:p>
+          <a:p>
+            <a:pPr marL="0" indent="0">
+              <a:buNone/>
+            </a:pPr>
+            <a:endParaRPr lang="en-US" dirty="0"/>
+          </a:p>
+        </p:txBody>
+      </p:sp>
+    </p:spTree>
+    <p:extLst>
+      <p:ext uri="{BB962C8B-B14F-4D97-AF65-F5344CB8AC3E}">
+        <p14:creationId xmlns:p14="http://schemas.microsoft.com/office/powerpoint/2010/main" val="782371927"/>
+      </p:ext>
+    </p:extLst>
+  </p:cSld>
+  <p:clrMapOvr>
+    <a:masterClrMapping/>
+  </p:clrMapOvr>
+</p:sld>
+</file>
+
+<file path=ppt/slides/slide32.xml><?xml version="1.0" encoding="utf-8"?>
+<p:sld xmlns:a="http://schemas.openxmlformats.org/drawingml/2006/main" xmlns:r="http://schemas.openxmlformats.org/officeDocument/2006/relationships" xmlns:p="http://schemas.openxmlformats.org/presentationml/2006/main">
+  <p:cSld>
+    <p:spTree>
+      <p:nvGrpSpPr>
+        <p:cNvPr id="1" name=""/>
+        <p:cNvGrpSpPr/>
+        <p:nvPr/>
+      </p:nvGrpSpPr>
+      <p:grpSpPr>
+        <a:xfrm>
+          <a:off x="0" y="0"/>
+          <a:ext cx="0" cy="0"/>
+          <a:chOff x="0" y="0"/>
+          <a:chExt cx="0" cy="0"/>
+        </a:xfrm>
+      </p:grpSpPr>
+      <p:sp>
+        <p:nvSpPr>
+          <p:cNvPr id="2" name="标题 1">
+            <a:extLst>
+              <a:ext uri="{FF2B5EF4-FFF2-40B4-BE49-F238E27FC236}">
+                <a16:creationId xmlns:a16="http://schemas.microsoft.com/office/drawing/2014/main" id="{EBB137E6-72B2-4456-B5FB-85DA4523B4FF}"/>
+              </a:ext>
+            </a:extLst>
+          </p:cNvPr>
+          <p:cNvSpPr>
+            <a:spLocks noGrp="1"/>
+          </p:cNvSpPr>
+          <p:nvPr>
+            <p:ph type="title"/>
+          </p:nvPr>
+        </p:nvSpPr>
+        <p:spPr/>
+        <p:txBody>
+          <a:bodyPr/>
+          <a:lstStyle/>
+          <a:p>
+            <a:r>
+              <a:rPr lang="en-US" b="1" dirty="0"/>
+              <a:t>5.3.2 </a:t>
+            </a:r>
+            <a:r>
+              <a:rPr lang="zh-CN" altLang="en-US" b="1" dirty="0"/>
+              <a:t>复杂的数组声明</a:t>
+            </a:r>
+            <a:endParaRPr lang="en-US" dirty="0"/>
+          </a:p>
+        </p:txBody>
+      </p:sp>
+      <p:sp>
+        <p:nvSpPr>
+          <p:cNvPr id="3" name="内容占位符 2">
+            <a:extLst>
+              <a:ext uri="{FF2B5EF4-FFF2-40B4-BE49-F238E27FC236}">
+                <a16:creationId xmlns:a16="http://schemas.microsoft.com/office/drawing/2014/main" id="{BFA717F0-17CA-4BD5-9DA2-B37D4126E9AB}"/>
+              </a:ext>
+            </a:extLst>
+          </p:cNvPr>
+          <p:cNvSpPr>
+            <a:spLocks noGrp="1"/>
+          </p:cNvSpPr>
+          <p:nvPr>
+            <p:ph idx="1"/>
+          </p:nvPr>
+        </p:nvSpPr>
+        <p:spPr>
+          <a:xfrm>
+            <a:off x="838200" y="1659468"/>
+            <a:ext cx="10515600" cy="5091288"/>
+          </a:xfrm>
+        </p:spPr>
+        <p:txBody>
+          <a:bodyPr>
+            <a:normAutofit/>
+          </a:bodyPr>
+          <a:lstStyle/>
+          <a:p>
+            <a:r>
+              <a:rPr lang="zh-CN" altLang="en-US" dirty="0"/>
+              <a:t>因为数组本身是占据独立内存块的对象，所以可以定义指向它的指针或引用。</a:t>
+            </a:r>
+            <a:endParaRPr lang="en-US" altLang="zh-CN" dirty="0"/>
+          </a:p>
+          <a:p>
+            <a:pPr marL="0" indent="0">
+              <a:buNone/>
+            </a:pPr>
+            <a:r>
+              <a:rPr lang="en-US" dirty="0">
+                <a:latin typeface="+mn-lt"/>
+              </a:rPr>
+              <a:t>int </a:t>
+            </a:r>
+            <a:r>
+              <a:rPr lang="en-US" dirty="0" err="1">
+                <a:latin typeface="+mn-lt"/>
+              </a:rPr>
+              <a:t>ar</a:t>
+            </a:r>
+            <a:r>
+              <a:rPr lang="en-US" dirty="0">
+                <a:latin typeface="+mn-lt"/>
+              </a:rPr>
+              <a:t>[3] ;     </a:t>
+            </a:r>
+            <a:r>
+              <a:rPr lang="en-US" i="1" dirty="0">
+                <a:latin typeface="+mn-lt"/>
+              </a:rPr>
+              <a:t>//3</a:t>
+            </a:r>
+            <a:r>
+              <a:rPr lang="zh-CN" altLang="en-US" i="1" dirty="0">
+                <a:latin typeface="+mn-lt"/>
+              </a:rPr>
+              <a:t>个</a:t>
+            </a:r>
+            <a:r>
+              <a:rPr lang="en-US" i="1" dirty="0">
+                <a:latin typeface="+mn-lt"/>
+              </a:rPr>
+              <a:t>int</a:t>
+            </a:r>
+            <a:r>
+              <a:rPr lang="zh-CN" altLang="en-US" i="1" dirty="0">
+                <a:latin typeface="+mn-lt"/>
+              </a:rPr>
+              <a:t>元素的数组</a:t>
+            </a:r>
+            <a:br>
+              <a:rPr lang="en-US" dirty="0">
+                <a:latin typeface="+mn-lt"/>
+              </a:rPr>
+            </a:br>
+            <a:r>
+              <a:rPr lang="en-US" dirty="0">
+                <a:latin typeface="+mn-lt"/>
+              </a:rPr>
+              <a:t>int </a:t>
+            </a:r>
+            <a:r>
+              <a:rPr lang="en-US" dirty="0" err="1">
+                <a:latin typeface="+mn-lt"/>
+              </a:rPr>
+              <a:t>arr</a:t>
+            </a:r>
+            <a:r>
+              <a:rPr lang="en-US" dirty="0">
+                <a:latin typeface="+mn-lt"/>
+              </a:rPr>
+              <a:t>[10];    </a:t>
+            </a:r>
+            <a:r>
+              <a:rPr lang="en-US" i="1" dirty="0">
+                <a:latin typeface="+mn-lt"/>
+              </a:rPr>
+              <a:t>//10</a:t>
+            </a:r>
+            <a:r>
+              <a:rPr lang="zh-CN" altLang="en-US" i="1" dirty="0">
+                <a:latin typeface="+mn-lt"/>
+              </a:rPr>
+              <a:t>个</a:t>
+            </a:r>
+            <a:r>
+              <a:rPr lang="en-US" i="1" dirty="0">
+                <a:latin typeface="+mn-lt"/>
+              </a:rPr>
+              <a:t>int</a:t>
+            </a:r>
+            <a:r>
+              <a:rPr lang="zh-CN" altLang="en-US" i="1" dirty="0">
+                <a:latin typeface="+mn-lt"/>
+              </a:rPr>
+              <a:t>元素的数组</a:t>
+            </a:r>
+            <a:br>
+              <a:rPr lang="en-US" dirty="0">
+                <a:latin typeface="+mn-lt"/>
+              </a:rPr>
+            </a:br>
+            <a:r>
+              <a:rPr lang="en-US" dirty="0">
+                <a:latin typeface="+mn-lt"/>
+              </a:rPr>
+              <a:t>int *</a:t>
+            </a:r>
+            <a:r>
+              <a:rPr lang="en-US" dirty="0" err="1">
+                <a:latin typeface="+mn-lt"/>
+              </a:rPr>
+              <a:t>ptrs</a:t>
+            </a:r>
+            <a:r>
+              <a:rPr lang="en-US" dirty="0">
+                <a:latin typeface="+mn-lt"/>
+              </a:rPr>
+              <a:t>[10];    </a:t>
+            </a:r>
+            <a:r>
+              <a:rPr lang="en-US" i="1" dirty="0">
+                <a:latin typeface="+mn-lt"/>
+              </a:rPr>
+              <a:t>//10</a:t>
+            </a:r>
+            <a:r>
+              <a:rPr lang="zh-CN" altLang="en-US" i="1" dirty="0">
+                <a:latin typeface="+mn-lt"/>
+              </a:rPr>
+              <a:t>个</a:t>
+            </a:r>
+            <a:r>
+              <a:rPr lang="en-US" i="1" dirty="0">
+                <a:latin typeface="+mn-lt"/>
+              </a:rPr>
+              <a:t>int*</a:t>
+            </a:r>
+            <a:r>
+              <a:rPr lang="zh-CN" altLang="en-US" i="1" dirty="0">
+                <a:latin typeface="+mn-lt"/>
+              </a:rPr>
+              <a:t>元素的数组</a:t>
+            </a:r>
+            <a:br>
+              <a:rPr lang="en-US" dirty="0">
+                <a:latin typeface="+mn-lt"/>
+              </a:rPr>
+            </a:br>
+            <a:r>
+              <a:rPr lang="en-US" dirty="0">
+                <a:latin typeface="+mn-lt"/>
+              </a:rPr>
+              <a:t>int (*</a:t>
+            </a:r>
+            <a:r>
+              <a:rPr lang="en-US" dirty="0" err="1">
+                <a:latin typeface="+mn-lt"/>
+              </a:rPr>
+              <a:t>parr</a:t>
+            </a:r>
+            <a:r>
+              <a:rPr lang="en-US" dirty="0">
+                <a:latin typeface="+mn-lt"/>
+              </a:rPr>
+              <a:t>)[10];  </a:t>
+            </a:r>
+            <a:r>
+              <a:rPr lang="en-US" i="1" dirty="0">
+                <a:latin typeface="+mn-lt"/>
+              </a:rPr>
+              <a:t>//</a:t>
+            </a:r>
+            <a:r>
+              <a:rPr lang="en-US" i="1" dirty="0" err="1">
+                <a:latin typeface="+mn-lt"/>
+              </a:rPr>
+              <a:t>parr</a:t>
+            </a:r>
+            <a:r>
+              <a:rPr lang="zh-CN" altLang="en-US" i="1" dirty="0">
+                <a:latin typeface="+mn-lt"/>
+              </a:rPr>
+              <a:t>是一个指针，指向的是</a:t>
+            </a:r>
+            <a:r>
+              <a:rPr lang="en-US" i="1" dirty="0">
+                <a:latin typeface="+mn-lt"/>
+              </a:rPr>
+              <a:t>int[10]</a:t>
+            </a:r>
+            <a:r>
+              <a:rPr lang="zh-CN" altLang="en-US" i="1" dirty="0">
+                <a:latin typeface="+mn-lt"/>
+              </a:rPr>
+              <a:t>的数组，</a:t>
+            </a:r>
+            <a:br>
+              <a:rPr lang="en-US" dirty="0">
+                <a:latin typeface="+mn-lt"/>
+              </a:rPr>
+            </a:br>
+            <a:r>
+              <a:rPr lang="en-US" dirty="0">
+                <a:latin typeface="+mn-lt"/>
+              </a:rPr>
+              <a:t>               </a:t>
+            </a:r>
+            <a:r>
+              <a:rPr lang="en-US" i="1" dirty="0">
+                <a:latin typeface="+mn-lt"/>
+              </a:rPr>
+              <a:t>//</a:t>
+            </a:r>
+            <a:r>
+              <a:rPr lang="zh-CN" altLang="en-US" i="1" dirty="0">
+                <a:latin typeface="+mn-lt"/>
+              </a:rPr>
+              <a:t>即指向的是</a:t>
+            </a:r>
+            <a:r>
+              <a:rPr lang="en-US" i="1" dirty="0">
+                <a:latin typeface="+mn-lt"/>
+              </a:rPr>
+              <a:t>10</a:t>
+            </a:r>
+            <a:r>
+              <a:rPr lang="zh-CN" altLang="en-US" i="1" dirty="0">
+                <a:latin typeface="+mn-lt"/>
+              </a:rPr>
+              <a:t>个</a:t>
+            </a:r>
+            <a:r>
+              <a:rPr lang="en-US" i="1" dirty="0">
+                <a:latin typeface="+mn-lt"/>
+              </a:rPr>
+              <a:t>int</a:t>
+            </a:r>
+            <a:r>
+              <a:rPr lang="zh-CN" altLang="en-US" i="1" dirty="0">
+                <a:latin typeface="+mn-lt"/>
+              </a:rPr>
+              <a:t>元素的数组，</a:t>
+            </a:r>
+            <a:br>
+              <a:rPr lang="en-US" i="1" dirty="0">
+                <a:latin typeface="+mn-lt"/>
+              </a:rPr>
+            </a:br>
+            <a:r>
+              <a:rPr lang="en-US" i="1" dirty="0">
+                <a:latin typeface="+mn-lt"/>
+              </a:rPr>
+              <a:t>               //</a:t>
+            </a:r>
+            <a:r>
+              <a:rPr lang="zh-CN" altLang="en-US" i="1" dirty="0">
+                <a:latin typeface="+mn-lt"/>
+              </a:rPr>
+              <a:t>或者说它存储的是</a:t>
+            </a:r>
+            <a:r>
+              <a:rPr lang="en-US" i="1" dirty="0">
+                <a:latin typeface="+mn-lt"/>
+              </a:rPr>
+              <a:t>int[10]</a:t>
+            </a:r>
+            <a:r>
+              <a:rPr lang="zh-CN" altLang="en-US" i="1" dirty="0">
+                <a:latin typeface="+mn-lt"/>
+              </a:rPr>
+              <a:t>数组的地址</a:t>
+            </a:r>
+            <a:br>
+              <a:rPr lang="en-US" dirty="0">
+                <a:latin typeface="+mn-lt"/>
+              </a:rPr>
+            </a:br>
+            <a:r>
+              <a:rPr lang="en-US" dirty="0" err="1">
+                <a:latin typeface="+mn-lt"/>
+              </a:rPr>
+              <a:t>parr</a:t>
+            </a:r>
+            <a:r>
+              <a:rPr lang="en-US" dirty="0">
+                <a:latin typeface="+mn-lt"/>
+              </a:rPr>
+              <a:t> = &amp;</a:t>
+            </a:r>
+            <a:r>
+              <a:rPr lang="en-US" dirty="0" err="1">
+                <a:latin typeface="+mn-lt"/>
+              </a:rPr>
+              <a:t>arr</a:t>
+            </a:r>
+            <a:r>
+              <a:rPr lang="en-US" dirty="0">
+                <a:latin typeface="+mn-lt"/>
+              </a:rPr>
+              <a:t>;   </a:t>
+            </a:r>
+            <a:r>
+              <a:rPr lang="en-US" i="1" dirty="0">
+                <a:latin typeface="+mn-lt"/>
+              </a:rPr>
+              <a:t>//</a:t>
+            </a:r>
+            <a:r>
+              <a:rPr lang="zh-CN" altLang="en-US" i="1" dirty="0">
+                <a:latin typeface="+mn-lt"/>
+              </a:rPr>
+              <a:t>将</a:t>
+            </a:r>
+            <a:r>
+              <a:rPr lang="en-US" i="1" dirty="0">
+                <a:latin typeface="+mn-lt"/>
+              </a:rPr>
+              <a:t> int[10]</a:t>
+            </a:r>
+            <a:r>
+              <a:rPr lang="zh-CN" altLang="en-US" i="1" dirty="0">
+                <a:latin typeface="+mn-lt"/>
+              </a:rPr>
+              <a:t>类型数组</a:t>
+            </a:r>
+            <a:r>
+              <a:rPr lang="en-US" i="1" dirty="0" err="1">
+                <a:latin typeface="+mn-lt"/>
+              </a:rPr>
+              <a:t>arr</a:t>
+            </a:r>
+            <a:r>
+              <a:rPr lang="zh-CN" altLang="en-US" i="1" dirty="0">
+                <a:latin typeface="+mn-lt"/>
+              </a:rPr>
+              <a:t>的地址赋值给</a:t>
+            </a:r>
+            <a:r>
+              <a:rPr lang="en-US" i="1" dirty="0">
+                <a:latin typeface="+mn-lt"/>
+              </a:rPr>
+              <a:t> </a:t>
+            </a:r>
+            <a:r>
+              <a:rPr lang="en-US" i="1" dirty="0" err="1">
+                <a:latin typeface="+mn-lt"/>
+              </a:rPr>
+              <a:t>parr</a:t>
+            </a:r>
+            <a:br>
+              <a:rPr lang="en-US" dirty="0">
+                <a:latin typeface="+mn-lt"/>
+              </a:rPr>
+            </a:br>
+            <a:r>
+              <a:rPr lang="en-US" dirty="0" err="1">
+                <a:latin typeface="+mn-lt"/>
+              </a:rPr>
+              <a:t>parr</a:t>
+            </a:r>
+            <a:r>
+              <a:rPr lang="en-US" dirty="0">
+                <a:latin typeface="+mn-lt"/>
+              </a:rPr>
+              <a:t> = &amp;</a:t>
+            </a:r>
+            <a:r>
+              <a:rPr lang="en-US" dirty="0" err="1">
+                <a:latin typeface="+mn-lt"/>
+              </a:rPr>
+              <a:t>ar</a:t>
+            </a:r>
+            <a:r>
+              <a:rPr lang="en-US" dirty="0">
+                <a:latin typeface="+mn-lt"/>
+              </a:rPr>
+              <a:t>;   </a:t>
+            </a:r>
+            <a:r>
+              <a:rPr lang="en-US" i="1" dirty="0">
+                <a:latin typeface="+mn-lt"/>
+              </a:rPr>
+              <a:t>//</a:t>
+            </a:r>
+            <a:r>
+              <a:rPr lang="zh-CN" altLang="en-US" i="1" dirty="0">
+                <a:latin typeface="+mn-lt"/>
+              </a:rPr>
+              <a:t>错：类型不一致！</a:t>
+            </a:r>
+            <a:r>
+              <a:rPr lang="en-US" i="1" dirty="0">
+                <a:latin typeface="+mn-lt"/>
+              </a:rPr>
+              <a:t> </a:t>
+            </a:r>
+            <a:r>
+              <a:rPr lang="en-US" i="1" dirty="0" err="1">
+                <a:latin typeface="+mn-lt"/>
+              </a:rPr>
+              <a:t>ar</a:t>
+            </a:r>
+            <a:r>
+              <a:rPr lang="zh-CN" altLang="en-US" i="1" dirty="0">
+                <a:latin typeface="+mn-lt"/>
+              </a:rPr>
+              <a:t>的类型是</a:t>
+            </a:r>
+            <a:r>
+              <a:rPr lang="en-US" i="1" dirty="0">
+                <a:latin typeface="+mn-lt"/>
+              </a:rPr>
+              <a:t> int[3]</a:t>
+            </a:r>
+            <a:r>
+              <a:rPr lang="zh-CN" altLang="en-US" i="1" dirty="0">
+                <a:latin typeface="+mn-lt"/>
+              </a:rPr>
+              <a:t>而不是</a:t>
+            </a:r>
+            <a:r>
+              <a:rPr lang="en-US" i="1" dirty="0">
+                <a:latin typeface="+mn-lt"/>
+              </a:rPr>
+              <a:t>int[10]</a:t>
+            </a:r>
+            <a:r>
+              <a:rPr lang="zh-CN" altLang="en-US" i="1" dirty="0">
+                <a:latin typeface="+mn-lt"/>
+              </a:rPr>
+              <a:t>。</a:t>
+            </a:r>
+            <a:endParaRPr lang="en-US" dirty="0">
+              <a:latin typeface="+mn-lt"/>
+            </a:endParaRPr>
+          </a:p>
+          <a:p>
+            <a:endParaRPr lang="en-US" dirty="0"/>
+          </a:p>
+        </p:txBody>
+      </p:sp>
+    </p:spTree>
+    <p:extLst>
+      <p:ext uri="{BB962C8B-B14F-4D97-AF65-F5344CB8AC3E}">
+        <p14:creationId xmlns:p14="http://schemas.microsoft.com/office/powerpoint/2010/main" val="1148011686"/>
+      </p:ext>
+    </p:extLst>
+  </p:cSld>
+  <p:clrMapOvr>
+    <a:masterClrMapping/>
+  </p:clrMapOvr>
+</p:sld>
+</file>
+
+<file path=ppt/slides/slide33.xml><?xml version="1.0" encoding="utf-8"?>
+<p:sld xmlns:a="http://schemas.openxmlformats.org/drawingml/2006/main" xmlns:r="http://schemas.openxmlformats.org/officeDocument/2006/relationships" xmlns:p="http://schemas.openxmlformats.org/presentationml/2006/main">
+  <p:cSld>
+    <p:spTree>
+      <p:nvGrpSpPr>
+        <p:cNvPr id="1" name=""/>
+        <p:cNvGrpSpPr/>
+        <p:nvPr/>
+      </p:nvGrpSpPr>
+      <p:grpSpPr>
+        <a:xfrm>
+          <a:off x="0" y="0"/>
+          <a:ext cx="0" cy="0"/>
+          <a:chOff x="0" y="0"/>
+          <a:chExt cx="0" cy="0"/>
+        </a:xfrm>
+      </p:grpSpPr>
+      <p:sp>
+        <p:nvSpPr>
+          <p:cNvPr id="3" name="内容占位符 2">
+            <a:extLst>
+              <a:ext uri="{FF2B5EF4-FFF2-40B4-BE49-F238E27FC236}">
+                <a16:creationId xmlns:a16="http://schemas.microsoft.com/office/drawing/2014/main" id="{7EC84120-0A42-4211-B58F-558161003D5A}"/>
+              </a:ext>
+            </a:extLst>
+          </p:cNvPr>
+          <p:cNvSpPr>
+            <a:spLocks noGrp="1"/>
+          </p:cNvSpPr>
+          <p:nvPr>
+            <p:ph idx="1"/>
+          </p:nvPr>
+        </p:nvSpPr>
+        <p:spPr>
+          <a:xfrm>
+            <a:off x="838200" y="620889"/>
+            <a:ext cx="10515600" cy="5556074"/>
+          </a:xfrm>
+        </p:spPr>
+        <p:txBody>
+          <a:bodyPr/>
+          <a:lstStyle/>
+          <a:p>
+            <a:r>
+              <a:rPr lang="zh-CN" altLang="en-US" dirty="0"/>
+              <a:t>正如定义指针变量</a:t>
+            </a:r>
+            <a:r>
+              <a:rPr lang="en-US" dirty="0" err="1"/>
+              <a:t>parr</a:t>
+            </a:r>
+            <a:r>
+              <a:rPr lang="zh-CN" altLang="en-US" dirty="0"/>
+              <a:t>指向一个数组</a:t>
+            </a:r>
+            <a:r>
+              <a:rPr lang="en-US" dirty="0" err="1"/>
+              <a:t>arr</a:t>
+            </a:r>
+            <a:r>
+              <a:rPr lang="zh-CN" altLang="en-US" dirty="0"/>
+              <a:t>一样，也可以定义</a:t>
+            </a:r>
+            <a:r>
+              <a:rPr lang="en-US" dirty="0"/>
+              <a:t>1</a:t>
+            </a:r>
+            <a:r>
+              <a:rPr lang="zh-CN" altLang="en-US" dirty="0"/>
+              <a:t>个引用变量引用一个数组，</a:t>
+            </a:r>
+            <a:endParaRPr lang="en-US" altLang="zh-CN" dirty="0"/>
+          </a:p>
+          <a:p>
+            <a:endParaRPr lang="en-US" dirty="0"/>
+          </a:p>
+          <a:p>
+            <a:endParaRPr lang="en-US" dirty="0"/>
+          </a:p>
+          <a:p>
+            <a:endParaRPr lang="en-US" dirty="0"/>
+          </a:p>
+          <a:p>
+            <a:endParaRPr lang="en-US" dirty="0"/>
+          </a:p>
+          <a:p>
+            <a:r>
+              <a:rPr lang="zh-CN" altLang="en-US" dirty="0"/>
+              <a:t>不能定义一个“数据元素是引用的数组”，因为引用本身没有独立内存，怎么能定义这样的数组呢？</a:t>
+            </a:r>
+            <a:endParaRPr lang="en-US" dirty="0"/>
+          </a:p>
+          <a:p>
+            <a:pPr marL="0" indent="0">
+              <a:buNone/>
+            </a:pPr>
+            <a:r>
+              <a:rPr lang="en-US" dirty="0">
+                <a:latin typeface="+mn-lt"/>
+              </a:rPr>
+              <a:t> int &amp;ref[10]</a:t>
+            </a:r>
+            <a:r>
+              <a:rPr lang="zh-CN" altLang="en-US" dirty="0">
+                <a:latin typeface="+mn-lt"/>
+              </a:rPr>
+              <a:t>；</a:t>
+            </a:r>
+            <a:r>
+              <a:rPr lang="en-US" dirty="0">
+                <a:latin typeface="+mn-lt"/>
+              </a:rPr>
+              <a:t>//</a:t>
+            </a:r>
+            <a:r>
+              <a:rPr lang="zh-CN" altLang="en-US" dirty="0">
+                <a:latin typeface="+mn-lt"/>
+              </a:rPr>
+              <a:t>错：不能定义</a:t>
+            </a:r>
+            <a:r>
+              <a:rPr lang="en-US" dirty="0">
+                <a:latin typeface="+mn-lt"/>
+              </a:rPr>
+              <a:t>“</a:t>
+            </a:r>
+            <a:r>
+              <a:rPr lang="zh-CN" altLang="en-US" dirty="0">
+                <a:latin typeface="+mn-lt"/>
+              </a:rPr>
+              <a:t>数据元素是引用的数组</a:t>
+            </a:r>
+            <a:r>
+              <a:rPr lang="en-US" dirty="0">
+                <a:latin typeface="+mn-lt"/>
+              </a:rPr>
+              <a:t>”</a:t>
+            </a:r>
+          </a:p>
+          <a:p>
+            <a:endParaRPr lang="en-US" dirty="0"/>
+          </a:p>
+          <a:p>
+            <a:endParaRPr lang="en-US" dirty="0"/>
+          </a:p>
+        </p:txBody>
+      </p:sp>
+      <p:pic>
+        <p:nvPicPr>
+          <p:cNvPr id="4" name="图片 3">
+            <a:extLst>
+              <a:ext uri="{FF2B5EF4-FFF2-40B4-BE49-F238E27FC236}">
+                <a16:creationId xmlns:a16="http://schemas.microsoft.com/office/drawing/2014/main" id="{5244981C-3741-4DF1-842E-8830385A7A63}"/>
+              </a:ext>
+            </a:extLst>
+          </p:cNvPr>
+          <p:cNvPicPr>
+            <a:picLocks noChangeAspect="1"/>
+          </p:cNvPicPr>
+          <p:nvPr/>
+        </p:nvPicPr>
+        <p:blipFill>
+          <a:blip r:embed="rId2"/>
+          <a:stretch>
+            <a:fillRect/>
+          </a:stretch>
+        </p:blipFill>
+        <p:spPr>
+          <a:xfrm>
+            <a:off x="612421" y="1728786"/>
+            <a:ext cx="11073292" cy="2154591"/>
+          </a:xfrm>
+          <a:prstGeom prst="rect">
+            <a:avLst/>
+          </a:prstGeom>
+        </p:spPr>
+      </p:pic>
+    </p:spTree>
+    <p:extLst>
+      <p:ext uri="{BB962C8B-B14F-4D97-AF65-F5344CB8AC3E}">
+        <p14:creationId xmlns:p14="http://schemas.microsoft.com/office/powerpoint/2010/main" val="3318366633"/>
+      </p:ext>
+    </p:extLst>
+  </p:cSld>
+  <p:clrMapOvr>
+    <a:masterClrMapping/>
+  </p:clrMapOvr>
+  <p:timing>
+    <p:tnLst>
+      <p:par>
+        <p:cTn id="1" dur="indefinite" restart="never" nodeType="tmRoot">
+          <p:childTnLst>
+            <p:seq concurrent="1" nextAc="seek">
+              <p:cTn id="2" dur="indefinite" nodeType="mainSeq">
+                <p:childTnLst>
+                  <p:par>
+                    <p:cTn id="3" fill="hold">
+                      <p:stCondLst>
+                        <p:cond delay="indefinite"/>
+                      </p:stCondLst>
+                      <p:childTnLst>
+                        <p:par>
+                          <p:cTn id="4" fill="hold">
+                            <p:stCondLst>
+                              <p:cond delay="0"/>
+                            </p:stCondLst>
+                            <p:childTnLst>
+                              <p:par>
+                                <p:cTn id="5" presetID="1" presetClass="entr" presetSubtype="0" fill="hold" nodeType="clickEffect">
+                                  <p:stCondLst>
+                                    <p:cond delay="0"/>
+                                  </p:stCondLst>
+                                  <p:childTnLst>
+                                    <p:set>
+                                      <p:cBhvr>
+                                        <p:cTn id="6" dur="1" fill="hold">
+                                          <p:stCondLst>
+                                            <p:cond delay="0"/>
+                                          </p:stCondLst>
+                                        </p:cTn>
+                                        <p:tgtEl>
+                                          <p:spTgt spid="3">
+                                            <p:txEl>
+                                              <p:pRg st="5" end="5"/>
+                                            </p:txEl>
+                                          </p:spTgt>
+                                        </p:tgtEl>
+                                        <p:attrNameLst>
+                                          <p:attrName>style.visibility</p:attrName>
+                                        </p:attrNameLst>
+                                      </p:cBhvr>
+                                      <p:to>
+                                        <p:strVal val="visible"/>
+                                      </p:to>
+                                    </p:set>
+                                  </p:childTnLst>
+                                </p:cTn>
+                              </p:par>
+                            </p:childTnLst>
+                          </p:cTn>
+                        </p:par>
+                      </p:childTnLst>
+                    </p:cTn>
+                  </p:par>
+                  <p:par>
+                    <p:cTn id="7" fill="hold">
+                      <p:stCondLst>
+                        <p:cond delay="indefinite"/>
+                      </p:stCondLst>
+                      <p:childTnLst>
+                        <p:par>
+                          <p:cTn id="8" fill="hold">
+                            <p:stCondLst>
+                              <p:cond delay="0"/>
+                            </p:stCondLst>
+                            <p:childTnLst>
+                              <p:par>
+                                <p:cTn id="9" presetID="1" presetClass="entr" presetSubtype="0" fill="hold" nodeType="clickEffect">
+                                  <p:stCondLst>
+                                    <p:cond delay="0"/>
+                                  </p:stCondLst>
+                                  <p:childTnLst>
+                                    <p:set>
+                                      <p:cBhvr>
+                                        <p:cTn id="10" dur="1" fill="hold">
+                                          <p:stCondLst>
+                                            <p:cond delay="0"/>
+                                          </p:stCondLst>
+                                        </p:cTn>
+                                        <p:tgtEl>
+                                          <p:spTgt spid="3">
+                                            <p:txEl>
+                                              <p:pRg st="6" end="6"/>
+                                            </p:txEl>
+                                          </p:spTgt>
+                                        </p:tgtEl>
+                                        <p:attrNameLst>
+                                          <p:attrName>style.visibility</p:attrName>
+                                        </p:attrNameLst>
+                                      </p:cBhvr>
+                                      <p:to>
+                                        <p:strVal val="visible"/>
+                                      </p:to>
+                                    </p:set>
+                                  </p:childTnLst>
+                                </p:cTn>
+                              </p:par>
+                            </p:childTnLst>
+                          </p:cTn>
+                        </p:par>
+                      </p:childTnLst>
+                    </p:cTn>
+                  </p:par>
+                </p:childTnLst>
+              </p:cTn>
+              <p:prevCondLst>
+                <p:cond evt="onPrev" delay="0">
+                  <p:tgtEl>
+                    <p:sldTgt/>
+                  </p:tgtEl>
+                </p:cond>
+              </p:prevCondLst>
+              <p:nextCondLst>
+                <p:cond evt="onNext" delay="0">
+                  <p:tgtEl>
+                    <p:sldTgt/>
+                  </p:tgtEl>
+                </p:cond>
+              </p:nextCondLst>
+            </p:seq>
+          </p:childTnLst>
+        </p:cTn>
+      </p:par>
+    </p:tnLst>
+  </p:timing>
+</p:sld>
+</file>
+
+<file path=ppt/slides/slide34.xml><?xml version="1.0" encoding="utf-8"?>
+<p:sld xmlns:a="http://schemas.openxmlformats.org/drawingml/2006/main" xmlns:r="http://schemas.openxmlformats.org/officeDocument/2006/relationships" xmlns:p="http://schemas.openxmlformats.org/presentationml/2006/main">
+  <p:cSld>
+    <p:spTree>
+      <p:nvGrpSpPr>
+        <p:cNvPr id="1" name=""/>
+        <p:cNvGrpSpPr/>
+        <p:nvPr/>
+      </p:nvGrpSpPr>
+      <p:grpSpPr>
+        <a:xfrm>
+          <a:off x="0" y="0"/>
+          <a:ext cx="0" cy="0"/>
+          <a:chOff x="0" y="0"/>
+          <a:chExt cx="0" cy="0"/>
+        </a:xfrm>
+      </p:grpSpPr>
+      <p:sp>
+        <p:nvSpPr>
+          <p:cNvPr id="2" name="标题 1">
+            <a:extLst>
+              <a:ext uri="{FF2B5EF4-FFF2-40B4-BE49-F238E27FC236}">
+                <a16:creationId xmlns:a16="http://schemas.microsoft.com/office/drawing/2014/main" id="{C6F167B1-6FFC-4749-B067-EDBB9451E14A}"/>
+              </a:ext>
+            </a:extLst>
+          </p:cNvPr>
+          <p:cNvSpPr>
+            <a:spLocks noGrp="1"/>
+          </p:cNvSpPr>
+          <p:nvPr>
+            <p:ph type="title"/>
+          </p:nvPr>
+        </p:nvSpPr>
+        <p:spPr/>
+        <p:txBody>
+          <a:bodyPr/>
+          <a:lstStyle/>
+          <a:p>
+            <a:r>
+              <a:rPr lang="en-US" b="1" dirty="0"/>
+              <a:t>5.3.3 C</a:t>
+            </a:r>
+            <a:r>
+              <a:rPr lang="zh-CN" altLang="en-US" b="1" dirty="0"/>
+              <a:t>风格字符串</a:t>
+            </a:r>
+            <a:endParaRPr lang="en-US" dirty="0"/>
+          </a:p>
+        </p:txBody>
+      </p:sp>
+      <p:sp>
+        <p:nvSpPr>
+          <p:cNvPr id="3" name="内容占位符 2">
+            <a:extLst>
+              <a:ext uri="{FF2B5EF4-FFF2-40B4-BE49-F238E27FC236}">
+                <a16:creationId xmlns:a16="http://schemas.microsoft.com/office/drawing/2014/main" id="{D495DF68-FECC-400A-ADE6-CCFB7A4F7B3C}"/>
+              </a:ext>
+            </a:extLst>
+          </p:cNvPr>
+          <p:cNvSpPr>
+            <a:spLocks noGrp="1"/>
+          </p:cNvSpPr>
+          <p:nvPr>
+            <p:ph idx="1"/>
+          </p:nvPr>
+        </p:nvSpPr>
+        <p:spPr/>
+        <p:txBody>
+          <a:bodyPr/>
+          <a:lstStyle/>
+          <a:p>
+            <a:r>
+              <a:rPr lang="zh-CN" altLang="en-US" dirty="0"/>
+              <a:t>带结束字符</a:t>
+            </a:r>
+            <a:r>
+              <a:rPr lang="en-US" dirty="0"/>
+              <a:t>'\0'</a:t>
+            </a:r>
+            <a:r>
+              <a:rPr lang="zh-CN" altLang="en-US" dirty="0"/>
+              <a:t>的字符数组是</a:t>
+            </a:r>
+            <a:r>
+              <a:rPr lang="en-US" dirty="0"/>
+              <a:t>C</a:t>
+            </a:r>
+            <a:r>
+              <a:rPr lang="zh-CN" altLang="en-US" dirty="0"/>
+              <a:t>语言的字符串，称为</a:t>
+            </a:r>
+            <a:r>
+              <a:rPr lang="en-US" b="1" dirty="0"/>
+              <a:t>C</a:t>
+            </a:r>
+            <a:r>
+              <a:rPr lang="zh-CN" altLang="en-US" b="1" dirty="0"/>
+              <a:t>风格字符串</a:t>
+            </a:r>
+            <a:r>
+              <a:rPr lang="zh-CN" altLang="en-US" dirty="0"/>
+              <a:t>。但字符数组不一定是</a:t>
+            </a:r>
+            <a:r>
+              <a:rPr lang="en-US" dirty="0"/>
+              <a:t>C</a:t>
+            </a:r>
+            <a:r>
+              <a:rPr lang="zh-CN" altLang="en-US" dirty="0"/>
+              <a:t>风格字符串。</a:t>
+            </a:r>
+            <a:endParaRPr lang="en-US" altLang="zh-CN" dirty="0"/>
+          </a:p>
+          <a:p>
+            <a:pPr marL="0" indent="0">
+              <a:buNone/>
+            </a:pPr>
+            <a:endParaRPr lang="en-US" dirty="0"/>
+          </a:p>
+          <a:p>
+            <a:pPr marL="0" indent="0">
+              <a:buNone/>
+            </a:pPr>
+            <a:r>
+              <a:rPr lang="en-US" dirty="0"/>
+              <a:t>char s[] = {'C','+','+'}; </a:t>
+            </a:r>
+            <a:r>
+              <a:rPr lang="en-US" i="1" dirty="0"/>
+              <a:t>//</a:t>
+            </a:r>
+            <a:r>
+              <a:rPr lang="zh-CN" altLang="en-US" i="1" dirty="0"/>
+              <a:t>字符数组，但不是</a:t>
+            </a:r>
+            <a:r>
+              <a:rPr lang="en-US" i="1" dirty="0"/>
+              <a:t>C</a:t>
+            </a:r>
+            <a:r>
+              <a:rPr lang="zh-CN" altLang="en-US" i="1" dirty="0"/>
+              <a:t>风格字符串</a:t>
+            </a:r>
+            <a:endParaRPr lang="en-US" altLang="zh-CN" i="1" dirty="0"/>
+          </a:p>
+          <a:p>
+            <a:pPr marL="0" indent="0">
+              <a:buNone/>
+            </a:pPr>
+            <a:br>
+              <a:rPr lang="en-US" dirty="0"/>
+            </a:br>
+            <a:r>
+              <a:rPr lang="en-US" dirty="0"/>
+              <a:t>char s2[] = {'C','+','+','\0'}; </a:t>
+            </a:r>
+            <a:r>
+              <a:rPr lang="en-US" i="1" dirty="0"/>
+              <a:t>//</a:t>
+            </a:r>
+            <a:r>
+              <a:rPr lang="zh-CN" altLang="en-US" i="1" dirty="0"/>
+              <a:t>带结束字符</a:t>
+            </a:r>
+            <a:r>
+              <a:rPr lang="en-US" i="1" dirty="0"/>
+              <a:t>'\0'</a:t>
+            </a:r>
+            <a:r>
+              <a:rPr lang="zh-CN" altLang="en-US" i="1" dirty="0"/>
+              <a:t>的字符数组是</a:t>
+            </a:r>
+            <a:r>
+              <a:rPr lang="en-US" i="1" dirty="0"/>
+              <a:t>C</a:t>
+            </a:r>
+            <a:r>
+              <a:rPr lang="zh-CN" altLang="en-US" i="1" dirty="0"/>
+              <a:t>风格字符串</a:t>
+            </a:r>
+            <a:br>
+              <a:rPr lang="en-US" dirty="0"/>
+            </a:br>
+            <a:endParaRPr lang="en-US" dirty="0"/>
+          </a:p>
+          <a:p>
+            <a:endParaRPr lang="en-US" dirty="0"/>
+          </a:p>
+        </p:txBody>
+      </p:sp>
+    </p:spTree>
+    <p:extLst>
+      <p:ext uri="{BB962C8B-B14F-4D97-AF65-F5344CB8AC3E}">
+        <p14:creationId xmlns:p14="http://schemas.microsoft.com/office/powerpoint/2010/main" val="1310613978"/>
+      </p:ext>
+    </p:extLst>
+  </p:cSld>
+  <p:clrMapOvr>
+    <a:masterClrMapping/>
+  </p:clrMapOvr>
+</p:sld>
+</file>
+
+<file path=ppt/slides/slide35.xml><?xml version="1.0" encoding="utf-8"?>
+<p:sld xmlns:a="http://schemas.openxmlformats.org/drawingml/2006/main" xmlns:r="http://schemas.openxmlformats.org/officeDocument/2006/relationships" xmlns:p="http://schemas.openxmlformats.org/presentationml/2006/main">
+  <p:cSld>
+    <p:spTree>
+      <p:nvGrpSpPr>
+        <p:cNvPr id="1" name=""/>
+        <p:cNvGrpSpPr/>
+        <p:nvPr/>
+      </p:nvGrpSpPr>
+      <p:grpSpPr>
+        <a:xfrm>
+          <a:off x="0" y="0"/>
+          <a:ext cx="0" cy="0"/>
+          <a:chOff x="0" y="0"/>
+          <a:chExt cx="0" cy="0"/>
+        </a:xfrm>
+      </p:grpSpPr>
+      <p:sp>
+        <p:nvSpPr>
+          <p:cNvPr id="3" name="内容占位符 2">
+            <a:extLst>
+              <a:ext uri="{FF2B5EF4-FFF2-40B4-BE49-F238E27FC236}">
+                <a16:creationId xmlns:a16="http://schemas.microsoft.com/office/drawing/2014/main" id="{D2DA76D7-041B-4CF0-B90E-FE7171232333}"/>
+              </a:ext>
+            </a:extLst>
+          </p:cNvPr>
+          <p:cNvSpPr>
+            <a:spLocks noGrp="1"/>
+          </p:cNvSpPr>
+          <p:nvPr>
+            <p:ph idx="1"/>
+          </p:nvPr>
+        </p:nvSpPr>
+        <p:spPr>
+          <a:xfrm>
+            <a:off x="759178" y="685447"/>
+            <a:ext cx="10515600" cy="4351338"/>
+          </a:xfrm>
+        </p:spPr>
+        <p:txBody>
+          <a:bodyPr/>
+          <a:lstStyle/>
+          <a:p>
+            <a:r>
+              <a:rPr lang="zh-CN" altLang="en-US" dirty="0"/>
+              <a:t>可以用</a:t>
+            </a:r>
+            <a:r>
+              <a:rPr lang="en-US" dirty="0"/>
+              <a:t>&lt;</a:t>
+            </a:r>
+            <a:r>
+              <a:rPr lang="en-US" dirty="0" err="1"/>
+              <a:t>cstring</a:t>
+            </a:r>
+            <a:r>
+              <a:rPr lang="en-US" dirty="0"/>
+              <a:t>&gt;</a:t>
+            </a:r>
+            <a:r>
+              <a:rPr lang="zh-CN" altLang="en-US" dirty="0"/>
+              <a:t>文件中的</a:t>
+            </a:r>
+            <a:r>
+              <a:rPr lang="en-US" dirty="0"/>
+              <a:t>C</a:t>
+            </a:r>
+            <a:r>
+              <a:rPr lang="zh-CN" altLang="en-US" dirty="0"/>
+              <a:t>字符串函数库处理</a:t>
+            </a:r>
+            <a:r>
+              <a:rPr lang="en-US" dirty="0"/>
+              <a:t>C</a:t>
+            </a:r>
+            <a:r>
+              <a:rPr lang="zh-CN" altLang="en-US" dirty="0"/>
+              <a:t>风格字符串，如</a:t>
+            </a:r>
+            <a:r>
+              <a:rPr lang="en-US" dirty="0" err="1"/>
+              <a:t>strlen</a:t>
+            </a:r>
+            <a:r>
+              <a:rPr lang="en-US" dirty="0"/>
+              <a:t>(const char *s)</a:t>
+            </a:r>
+            <a:r>
+              <a:rPr lang="zh-CN" altLang="en-US" dirty="0"/>
+              <a:t>可以求出一个</a:t>
+            </a:r>
+            <a:r>
+              <a:rPr lang="en-US" dirty="0"/>
+              <a:t>C</a:t>
+            </a:r>
+            <a:r>
+              <a:rPr lang="zh-CN" altLang="en-US" dirty="0"/>
+              <a:t>风格字符串中不包含结束字符的字符个数。</a:t>
+            </a:r>
+            <a:endParaRPr lang="en-US" dirty="0"/>
+          </a:p>
+          <a:p>
+            <a:endParaRPr lang="en-US" dirty="0"/>
+          </a:p>
+        </p:txBody>
+      </p:sp>
+      <p:pic>
+        <p:nvPicPr>
+          <p:cNvPr id="4" name="图片 3">
+            <a:extLst>
+              <a:ext uri="{FF2B5EF4-FFF2-40B4-BE49-F238E27FC236}">
+                <a16:creationId xmlns:a16="http://schemas.microsoft.com/office/drawing/2014/main" id="{388C3294-A75A-41A8-803A-F23F26870017}"/>
+              </a:ext>
+            </a:extLst>
+          </p:cNvPr>
+          <p:cNvPicPr>
+            <a:picLocks noChangeAspect="1"/>
+          </p:cNvPicPr>
+          <p:nvPr/>
+        </p:nvPicPr>
+        <p:blipFill>
+          <a:blip r:embed="rId2"/>
+          <a:stretch>
+            <a:fillRect/>
+          </a:stretch>
+        </p:blipFill>
+        <p:spPr>
+          <a:xfrm>
+            <a:off x="898348" y="2461682"/>
+            <a:ext cx="11149864" cy="3769785"/>
+          </a:xfrm>
+          <a:prstGeom prst="rect">
+            <a:avLst/>
+          </a:prstGeom>
+        </p:spPr>
+      </p:pic>
+    </p:spTree>
+    <p:extLst>
+      <p:ext uri="{BB962C8B-B14F-4D97-AF65-F5344CB8AC3E}">
+        <p14:creationId xmlns:p14="http://schemas.microsoft.com/office/powerpoint/2010/main" val="2285485677"/>
+      </p:ext>
+    </p:extLst>
+  </p:cSld>
+  <p:clrMapOvr>
+    <a:masterClrMapping/>
+  </p:clrMapOvr>
+</p:sld>
+</file>
+
+<file path=ppt/slides/slide36.xml><?xml version="1.0" encoding="utf-8"?>
+<p:sld xmlns:a="http://schemas.openxmlformats.org/drawingml/2006/main" xmlns:r="http://schemas.openxmlformats.org/officeDocument/2006/relationships" xmlns:p="http://schemas.openxmlformats.org/presentationml/2006/main">
+  <p:cSld>
+    <p:spTree>
+      <p:nvGrpSpPr>
+        <p:cNvPr id="1" name=""/>
+        <p:cNvGrpSpPr/>
+        <p:nvPr/>
+      </p:nvGrpSpPr>
+      <p:grpSpPr>
+        <a:xfrm>
+          <a:off x="0" y="0"/>
+          <a:ext cx="0" cy="0"/>
+          <a:chOff x="0" y="0"/>
+          <a:chExt cx="0" cy="0"/>
+        </a:xfrm>
+      </p:grpSpPr>
+      <p:sp>
+        <p:nvSpPr>
+          <p:cNvPr id="3" name="内容占位符 2">
+            <a:extLst>
+              <a:ext uri="{FF2B5EF4-FFF2-40B4-BE49-F238E27FC236}">
+                <a16:creationId xmlns:a16="http://schemas.microsoft.com/office/drawing/2014/main" id="{5B13C133-D57D-46A7-9096-C4EBE65E488E}"/>
+              </a:ext>
+            </a:extLst>
+          </p:cNvPr>
+          <p:cNvSpPr>
+            <a:spLocks noGrp="1"/>
+          </p:cNvSpPr>
+          <p:nvPr>
+            <p:ph idx="1"/>
+          </p:nvPr>
+        </p:nvSpPr>
+        <p:spPr>
+          <a:xfrm>
+            <a:off x="872066" y="380647"/>
+            <a:ext cx="10515600" cy="4351338"/>
+          </a:xfrm>
+        </p:spPr>
+        <p:txBody>
+          <a:bodyPr/>
+          <a:lstStyle/>
+          <a:p>
+            <a:r>
+              <a:rPr lang="en-US" dirty="0" err="1"/>
+              <a:t>strcmp</a:t>
+            </a:r>
+            <a:r>
+              <a:rPr lang="en-US" dirty="0"/>
+              <a:t>(const char *s, const char *t)</a:t>
+            </a:r>
+            <a:r>
+              <a:rPr lang="zh-CN" altLang="en-US" dirty="0"/>
+              <a:t>：比较</a:t>
+            </a:r>
+            <a:r>
+              <a:rPr lang="en-US" dirty="0"/>
+              <a:t>2</a:t>
+            </a:r>
+            <a:r>
+              <a:rPr lang="zh-CN" altLang="en-US" dirty="0"/>
+              <a:t>个</a:t>
+            </a:r>
+            <a:r>
+              <a:rPr lang="en-US" dirty="0"/>
+              <a:t>C</a:t>
+            </a:r>
+            <a:r>
+              <a:rPr lang="zh-CN" altLang="en-US" dirty="0"/>
+              <a:t>风格字符串的大小，</a:t>
+            </a:r>
+            <a:endParaRPr lang="en-US" altLang="zh-CN" dirty="0"/>
+          </a:p>
+          <a:p>
+            <a:pPr marL="0" indent="0">
+              <a:buNone/>
+            </a:pPr>
+            <a:r>
+              <a:rPr lang="zh-CN" altLang="en-US" dirty="0"/>
+              <a:t>返回整数值：</a:t>
+            </a:r>
+            <a:r>
+              <a:rPr lang="en-US" dirty="0"/>
+              <a:t>0</a:t>
+            </a:r>
+            <a:r>
+              <a:rPr lang="zh-CN" altLang="en-US" dirty="0"/>
+              <a:t>，表示相等；</a:t>
+            </a:r>
+            <a:r>
+              <a:rPr lang="en-US" dirty="0"/>
+              <a:t>&lt;0</a:t>
+            </a:r>
+            <a:r>
+              <a:rPr lang="zh-CN" altLang="en-US" dirty="0"/>
+              <a:t>，表示第一个不匹配的字符</a:t>
+            </a:r>
+            <a:r>
+              <a:rPr lang="en-US" dirty="0"/>
+              <a:t>s</a:t>
+            </a:r>
+            <a:r>
+              <a:rPr lang="zh-CN" altLang="en-US" dirty="0"/>
+              <a:t>中的比</a:t>
+            </a:r>
+            <a:r>
+              <a:rPr lang="en-US" dirty="0"/>
+              <a:t>t</a:t>
+            </a:r>
+            <a:r>
+              <a:rPr lang="zh-CN" altLang="en-US" dirty="0"/>
+              <a:t>中的小；</a:t>
+            </a:r>
+            <a:r>
+              <a:rPr lang="en-US" dirty="0"/>
+              <a:t>&gt;0</a:t>
+            </a:r>
+            <a:r>
+              <a:rPr lang="zh-CN" altLang="en-US" dirty="0"/>
+              <a:t>表示第一个不匹配的字符</a:t>
+            </a:r>
+            <a:r>
+              <a:rPr lang="en-US" dirty="0"/>
+              <a:t>s</a:t>
+            </a:r>
+            <a:r>
+              <a:rPr lang="zh-CN" altLang="en-US" dirty="0"/>
+              <a:t>中的比</a:t>
+            </a:r>
+            <a:r>
+              <a:rPr lang="en-US" dirty="0"/>
+              <a:t>t</a:t>
+            </a:r>
+            <a:r>
+              <a:rPr lang="zh-CN" altLang="en-US" dirty="0"/>
+              <a:t>中的大。</a:t>
+            </a:r>
+            <a:endParaRPr lang="en-US" dirty="0"/>
+          </a:p>
+          <a:p>
+            <a:endParaRPr lang="en-US" dirty="0"/>
+          </a:p>
+        </p:txBody>
+      </p:sp>
+      <p:pic>
+        <p:nvPicPr>
+          <p:cNvPr id="4" name="图片 3">
+            <a:extLst>
+              <a:ext uri="{FF2B5EF4-FFF2-40B4-BE49-F238E27FC236}">
+                <a16:creationId xmlns:a16="http://schemas.microsoft.com/office/drawing/2014/main" id="{E02FD775-08C0-4895-90F4-FF64CE7031EE}"/>
+              </a:ext>
+            </a:extLst>
+          </p:cNvPr>
+          <p:cNvPicPr>
+            <a:picLocks noChangeAspect="1"/>
+          </p:cNvPicPr>
+          <p:nvPr/>
+        </p:nvPicPr>
+        <p:blipFill>
+          <a:blip r:embed="rId2"/>
+          <a:stretch>
+            <a:fillRect/>
+          </a:stretch>
+        </p:blipFill>
+        <p:spPr>
+          <a:xfrm>
+            <a:off x="628121" y="2700866"/>
+            <a:ext cx="10883930" cy="3541889"/>
+          </a:xfrm>
+          <a:prstGeom prst="rect">
+            <a:avLst/>
+          </a:prstGeom>
+        </p:spPr>
+      </p:pic>
+    </p:spTree>
+    <p:extLst>
+      <p:ext uri="{BB962C8B-B14F-4D97-AF65-F5344CB8AC3E}">
+        <p14:creationId xmlns:p14="http://schemas.microsoft.com/office/powerpoint/2010/main" val="848932973"/>
+      </p:ext>
+    </p:extLst>
+  </p:cSld>
+  <p:clrMapOvr>
+    <a:masterClrMapping/>
+  </p:clrMapOvr>
+</p:sld>
+</file>
+
+<file path=ppt/slides/slide37.xml><?xml version="1.0" encoding="utf-8"?>
+<p:sld xmlns:a="http://schemas.openxmlformats.org/drawingml/2006/main" xmlns:r="http://schemas.openxmlformats.org/officeDocument/2006/relationships" xmlns:p="http://schemas.openxmlformats.org/presentationml/2006/main">
+  <p:cSld>
+    <p:spTree>
+      <p:nvGrpSpPr>
+        <p:cNvPr id="1" name=""/>
+        <p:cNvGrpSpPr/>
+        <p:nvPr/>
+      </p:nvGrpSpPr>
+      <p:grpSpPr>
+        <a:xfrm>
+          <a:off x="0" y="0"/>
+          <a:ext cx="0" cy="0"/>
+          <a:chOff x="0" y="0"/>
+          <a:chExt cx="0" cy="0"/>
+        </a:xfrm>
+      </p:grpSpPr>
+      <p:pic>
+        <p:nvPicPr>
+          <p:cNvPr id="5" name="图片 4">
+            <a:extLst>
+              <a:ext uri="{FF2B5EF4-FFF2-40B4-BE49-F238E27FC236}">
+                <a16:creationId xmlns:a16="http://schemas.microsoft.com/office/drawing/2014/main" id="{9688D668-F3CD-4663-BDC1-FCED8C50C66F}"/>
+              </a:ext>
+            </a:extLst>
+          </p:cNvPr>
+          <p:cNvPicPr>
+            <a:picLocks noChangeAspect="1"/>
+          </p:cNvPicPr>
+          <p:nvPr/>
+        </p:nvPicPr>
+        <p:blipFill>
+          <a:blip r:embed="rId2"/>
+          <a:stretch>
+            <a:fillRect/>
+          </a:stretch>
+        </p:blipFill>
+        <p:spPr>
+          <a:xfrm>
+            <a:off x="277812" y="688445"/>
+            <a:ext cx="11738967" cy="4222222"/>
+          </a:xfrm>
+          <a:prstGeom prst="rect">
+            <a:avLst/>
+          </a:prstGeom>
+        </p:spPr>
+      </p:pic>
+    </p:spTree>
+    <p:extLst>
+      <p:ext uri="{BB962C8B-B14F-4D97-AF65-F5344CB8AC3E}">
+        <p14:creationId xmlns:p14="http://schemas.microsoft.com/office/powerpoint/2010/main" val="3674133901"/>
+      </p:ext>
+    </p:extLst>
+  </p:cSld>
+  <p:clrMapOvr>
+    <a:masterClrMapping/>
+  </p:clrMapOvr>
+</p:sld>
+</file>
+
+<file path=ppt/slides/slide38.xml><?xml version="1.0" encoding="utf-8"?>
+<p:sld xmlns:a="http://schemas.openxmlformats.org/drawingml/2006/main" xmlns:r="http://schemas.openxmlformats.org/officeDocument/2006/relationships" xmlns:p="http://schemas.openxmlformats.org/presentationml/2006/main">
+  <p:cSld>
+    <p:spTree>
+      <p:nvGrpSpPr>
+        <p:cNvPr id="1" name=""/>
+        <p:cNvGrpSpPr/>
+        <p:nvPr/>
+      </p:nvGrpSpPr>
+      <p:grpSpPr>
+        <a:xfrm>
+          <a:off x="0" y="0"/>
+          <a:ext cx="0" cy="0"/>
+          <a:chOff x="0" y="0"/>
+          <a:chExt cx="0" cy="0"/>
+        </a:xfrm>
+      </p:grpSpPr>
+      <p:sp>
+        <p:nvSpPr>
+          <p:cNvPr id="3" name="内容占位符 2">
+            <a:extLst>
+              <a:ext uri="{FF2B5EF4-FFF2-40B4-BE49-F238E27FC236}">
+                <a16:creationId xmlns:a16="http://schemas.microsoft.com/office/drawing/2014/main" id="{D496011D-BCFA-4A39-8532-FDFB8BF5BBA1}"/>
+              </a:ext>
+            </a:extLst>
+          </p:cNvPr>
+          <p:cNvSpPr>
+            <a:spLocks noGrp="1"/>
+          </p:cNvSpPr>
+          <p:nvPr>
+            <p:ph idx="1"/>
+          </p:nvPr>
+        </p:nvSpPr>
+        <p:spPr>
+          <a:xfrm>
+            <a:off x="781756" y="425802"/>
+            <a:ext cx="10515600" cy="1775531"/>
+          </a:xfrm>
+        </p:spPr>
+        <p:txBody>
+          <a:bodyPr/>
+          <a:lstStyle/>
+          <a:p>
+            <a:r>
+              <a:rPr lang="en-US" dirty="0" err="1"/>
+              <a:t>strchr</a:t>
+            </a:r>
+            <a:r>
+              <a:rPr lang="en-US" dirty="0"/>
+              <a:t>()</a:t>
+            </a:r>
+            <a:r>
+              <a:rPr lang="zh-CN" altLang="en-US" dirty="0"/>
+              <a:t>用于查询一个字符串中是否出现某个字符并返回该字符的位置指针：</a:t>
+            </a:r>
+            <a:endParaRPr lang="en-US" dirty="0"/>
+          </a:p>
+          <a:p>
+            <a:pPr marL="0" indent="0">
+              <a:buNone/>
+            </a:pPr>
+            <a:r>
+              <a:rPr lang="en-US" dirty="0"/>
+              <a:t>       char * </a:t>
+            </a:r>
+            <a:r>
+              <a:rPr lang="en-US" dirty="0" err="1"/>
+              <a:t>strchr</a:t>
+            </a:r>
+            <a:r>
+              <a:rPr lang="en-US" dirty="0"/>
+              <a:t> ( char * str, int character );</a:t>
+            </a:r>
+          </a:p>
+          <a:p>
+            <a:endParaRPr lang="en-US" dirty="0"/>
+          </a:p>
+        </p:txBody>
+      </p:sp>
+      <p:pic>
+        <p:nvPicPr>
+          <p:cNvPr id="4" name="图片 3">
+            <a:extLst>
+              <a:ext uri="{FF2B5EF4-FFF2-40B4-BE49-F238E27FC236}">
+                <a16:creationId xmlns:a16="http://schemas.microsoft.com/office/drawing/2014/main" id="{0279B5F1-73C1-47C5-AB70-FB1A8173290D}"/>
+              </a:ext>
+            </a:extLst>
+          </p:cNvPr>
+          <p:cNvPicPr>
+            <a:picLocks noChangeAspect="1"/>
+          </p:cNvPicPr>
+          <p:nvPr/>
+        </p:nvPicPr>
+        <p:blipFill>
+          <a:blip r:embed="rId2"/>
+          <a:stretch>
+            <a:fillRect/>
+          </a:stretch>
+        </p:blipFill>
+        <p:spPr>
+          <a:xfrm>
+            <a:off x="1182157" y="2410001"/>
+            <a:ext cx="7374819" cy="3576925"/>
+          </a:xfrm>
+          <a:prstGeom prst="rect">
+            <a:avLst/>
+          </a:prstGeom>
+        </p:spPr>
+      </p:pic>
+      <p:sp>
+        <p:nvSpPr>
+          <p:cNvPr id="5" name="文本框 4">
+            <a:extLst>
+              <a:ext uri="{FF2B5EF4-FFF2-40B4-BE49-F238E27FC236}">
+                <a16:creationId xmlns:a16="http://schemas.microsoft.com/office/drawing/2014/main" id="{18052704-92A5-47C2-9BFC-DBDAC6F86914}"/>
+              </a:ext>
+            </a:extLst>
+          </p:cNvPr>
+          <p:cNvSpPr txBox="1"/>
+          <p:nvPr/>
+        </p:nvSpPr>
+        <p:spPr>
+          <a:xfrm>
+            <a:off x="3420532" y="5779911"/>
+            <a:ext cx="8116712" cy="430887"/>
+          </a:xfrm>
+          <a:prstGeom prst="rect">
+            <a:avLst/>
+          </a:prstGeom>
+          <a:noFill/>
+        </p:spPr>
+        <p:txBody>
+          <a:bodyPr wrap="square" rtlCol="0">
+            <a:spAutoFit/>
+          </a:bodyPr>
+          <a:lstStyle/>
+          <a:p>
+            <a:r>
+              <a:rPr lang="en-US" sz="2200" u="sng" dirty="0">
+                <a:hlinkClick r:id="rId3"/>
+              </a:rPr>
+              <a:t>http://www.cplusplus.com/reference/cstring/</a:t>
+            </a:r>
+            <a:endParaRPr lang="en-US" sz="2200" dirty="0"/>
+          </a:p>
+        </p:txBody>
+      </p:sp>
+    </p:spTree>
+    <p:extLst>
+      <p:ext uri="{BB962C8B-B14F-4D97-AF65-F5344CB8AC3E}">
+        <p14:creationId xmlns:p14="http://schemas.microsoft.com/office/powerpoint/2010/main" val="645962056"/>
+      </p:ext>
+    </p:extLst>
+  </p:cSld>
+  <p:clrMapOvr>
+    <a:masterClrMapping/>
+  </p:clrMapOvr>
+  <p:timing>
+    <p:tnLst>
+      <p:par>
+        <p:cTn id="1" dur="indefinite" restart="never" nodeType="tmRoot">
+          <p:childTnLst>
+            <p:seq concurrent="1" nextAc="seek">
+              <p:cTn id="2" dur="indefinite" nodeType="mainSeq">
+                <p:childTnLst>
+                  <p:par>
+                    <p:cTn id="3" fill="hold">
+                      <p:stCondLst>
+                        <p:cond delay="indefinite"/>
+                      </p:stCondLst>
+                      <p:childTnLst>
+                        <p:par>
+                          <p:cTn id="4" fill="hold">
+                            <p:stCondLst>
+                              <p:cond delay="0"/>
+                            </p:stCondLst>
+                            <p:childTnLst>
+                              <p:par>
+                                <p:cTn id="5" presetID="1" presetClass="entr" presetSubtype="0" fill="hold" grpId="0" nodeType="clickEffect">
+                                  <p:stCondLst>
+                                    <p:cond delay="0"/>
+                                  </p:stCondLst>
+                                  <p:childTnLst>
+                                    <p:set>
+                                      <p:cBhvr>
+                                        <p:cTn id="6" dur="1" fill="hold">
+                                          <p:stCondLst>
+                                            <p:cond delay="0"/>
+                                          </p:stCondLst>
+                                        </p:cTn>
+                                        <p:tgtEl>
+                                          <p:spTgt spid="5"/>
+                                        </p:tgtEl>
+                                        <p:attrNameLst>
+                                          <p:attrName>style.visibility</p:attrName>
+                                        </p:attrNameLst>
+                                      </p:cBhvr>
+                                      <p:to>
+                                        <p:strVal val="visible"/>
+                                      </p:to>
+                                    </p:set>
+                                  </p:childTnLst>
+                                </p:cTn>
+                              </p:par>
+                            </p:childTnLst>
+                          </p:cTn>
+                        </p:par>
+                      </p:childTnLst>
+                    </p:cTn>
+                  </p:par>
+                </p:childTnLst>
+              </p:cTn>
+              <p:prevCondLst>
+                <p:cond evt="onPrev" delay="0">
+                  <p:tgtEl>
+                    <p:sldTgt/>
+                  </p:tgtEl>
+                </p:cond>
+              </p:prevCondLst>
+              <p:nextCondLst>
+                <p:cond evt="onNext" delay="0">
+                  <p:tgtEl>
+                    <p:sldTgt/>
+                  </p:tgtEl>
+                </p:cond>
+              </p:nextCondLst>
+            </p:seq>
+          </p:childTnLst>
+        </p:cTn>
+      </p:par>
+    </p:tnLst>
+    <p:bldLst>
+      <p:bldP spid="5" grpId="0"/>
+    </p:bldLst>
+  </p:timing>
+</p:sld>
+</file>
+
+<file path=ppt/slides/slide39.xml><?xml version="1.0" encoding="utf-8"?>
+<p:sld xmlns:a="http://schemas.openxmlformats.org/drawingml/2006/main" xmlns:r="http://schemas.openxmlformats.org/officeDocument/2006/relationships" xmlns:p="http://schemas.openxmlformats.org/presentationml/2006/main">
+  <p:cSld>
+    <p:spTree>
+      <p:nvGrpSpPr>
+        <p:cNvPr id="1" name=""/>
+        <p:cNvGrpSpPr/>
+        <p:nvPr/>
+      </p:nvGrpSpPr>
+      <p:grpSpPr>
+        <a:xfrm>
+          <a:off x="0" y="0"/>
+          <a:ext cx="0" cy="0"/>
+          <a:chOff x="0" y="0"/>
+          <a:chExt cx="0" cy="0"/>
+        </a:xfrm>
+      </p:grpSpPr>
+      <p:sp>
+        <p:nvSpPr>
+          <p:cNvPr id="2" name="标题 1">
+            <a:extLst>
+              <a:ext uri="{FF2B5EF4-FFF2-40B4-BE49-F238E27FC236}">
+                <a16:creationId xmlns:a16="http://schemas.microsoft.com/office/drawing/2014/main" id="{1118DCB8-B79B-406B-A849-06ED7A302255}"/>
+              </a:ext>
+            </a:extLst>
+          </p:cNvPr>
+          <p:cNvSpPr>
+            <a:spLocks noGrp="1"/>
+          </p:cNvSpPr>
+          <p:nvPr>
+            <p:ph type="title"/>
+          </p:nvPr>
+        </p:nvSpPr>
+        <p:spPr/>
+        <p:txBody>
+          <a:bodyPr/>
+          <a:lstStyle/>
+          <a:p>
+            <a:r>
+              <a:rPr lang="en-US" b="1" dirty="0"/>
+              <a:t>5.3.4 </a:t>
+            </a:r>
+            <a:r>
+              <a:rPr lang="zh-CN" altLang="en-US" b="1" dirty="0"/>
+              <a:t>指针访问数组</a:t>
+            </a:r>
+            <a:endParaRPr lang="en-US" dirty="0"/>
+          </a:p>
+        </p:txBody>
+      </p:sp>
+      <p:sp>
+        <p:nvSpPr>
+          <p:cNvPr id="3" name="内容占位符 2">
+            <a:extLst>
+              <a:ext uri="{FF2B5EF4-FFF2-40B4-BE49-F238E27FC236}">
+                <a16:creationId xmlns:a16="http://schemas.microsoft.com/office/drawing/2014/main" id="{D05E71D9-7565-4A89-987F-1AB48B45B69E}"/>
+              </a:ext>
+            </a:extLst>
+          </p:cNvPr>
+          <p:cNvSpPr>
+            <a:spLocks noGrp="1"/>
+          </p:cNvSpPr>
+          <p:nvPr>
+            <p:ph idx="1"/>
+          </p:nvPr>
+        </p:nvSpPr>
+        <p:spPr/>
+        <p:txBody>
+          <a:bodyPr/>
+          <a:lstStyle/>
+          <a:p>
+            <a:r>
+              <a:rPr lang="zh-CN" altLang="en-US" dirty="0"/>
+              <a:t>数组名是指向数组第一个元素的指针（地址）。</a:t>
+            </a:r>
+            <a:endParaRPr lang="en-US" dirty="0"/>
+          </a:p>
+          <a:p>
+            <a:endParaRPr lang="en-US" dirty="0"/>
+          </a:p>
+        </p:txBody>
+      </p:sp>
+      <p:pic>
+        <p:nvPicPr>
+          <p:cNvPr id="4" name="图片 3">
+            <a:extLst>
+              <a:ext uri="{FF2B5EF4-FFF2-40B4-BE49-F238E27FC236}">
+                <a16:creationId xmlns:a16="http://schemas.microsoft.com/office/drawing/2014/main" id="{856F182E-1FB4-4C30-A83A-9F6F9A252BB3}"/>
+              </a:ext>
+            </a:extLst>
+          </p:cNvPr>
+          <p:cNvPicPr>
+            <a:picLocks noChangeAspect="1"/>
+          </p:cNvPicPr>
+          <p:nvPr/>
+        </p:nvPicPr>
+        <p:blipFill>
+          <a:blip r:embed="rId2"/>
+          <a:stretch>
+            <a:fillRect/>
+          </a:stretch>
+        </p:blipFill>
+        <p:spPr>
+          <a:xfrm>
+            <a:off x="764998" y="2490081"/>
+            <a:ext cx="10337585" cy="4046186"/>
+          </a:xfrm>
+          <a:prstGeom prst="rect">
+            <a:avLst/>
+          </a:prstGeom>
+        </p:spPr>
+      </p:pic>
+    </p:spTree>
+    <p:extLst>
+      <p:ext uri="{BB962C8B-B14F-4D97-AF65-F5344CB8AC3E}">
+        <p14:creationId xmlns:p14="http://schemas.microsoft.com/office/powerpoint/2010/main" val="3016927090"/>
+      </p:ext>
+    </p:extLst>
+  </p:cSld>
+  <p:clrMapOvr>
+    <a:masterClrMapping/>
+  </p:clrMapOvr>
 </p:sld>
 </file>
 
@@ -10483,6 +15349,3071 @@
 </p:sld>
 </file>
 
+<file path=ppt/slides/slide40.xml><?xml version="1.0" encoding="utf-8"?>
+<p:sld xmlns:a="http://schemas.openxmlformats.org/drawingml/2006/main" xmlns:r="http://schemas.openxmlformats.org/officeDocument/2006/relationships" xmlns:p="http://schemas.openxmlformats.org/presentationml/2006/main">
+  <p:cSld>
+    <p:spTree>
+      <p:nvGrpSpPr>
+        <p:cNvPr id="1" name=""/>
+        <p:cNvGrpSpPr/>
+        <p:nvPr/>
+      </p:nvGrpSpPr>
+      <p:grpSpPr>
+        <a:xfrm>
+          <a:off x="0" y="0"/>
+          <a:ext cx="0" cy="0"/>
+          <a:chOff x="0" y="0"/>
+          <a:chExt cx="0" cy="0"/>
+        </a:xfrm>
+      </p:grpSpPr>
+      <p:sp>
+        <p:nvSpPr>
+          <p:cNvPr id="3" name="内容占位符 2">
+            <a:extLst>
+              <a:ext uri="{FF2B5EF4-FFF2-40B4-BE49-F238E27FC236}">
+                <a16:creationId xmlns:a16="http://schemas.microsoft.com/office/drawing/2014/main" id="{EF8B2E28-080D-44C2-9890-3A0397F00424}"/>
+              </a:ext>
+            </a:extLst>
+          </p:cNvPr>
+          <p:cNvSpPr>
+            <a:spLocks noGrp="1"/>
+          </p:cNvSpPr>
+          <p:nvPr>
+            <p:ph idx="1"/>
+          </p:nvPr>
+        </p:nvSpPr>
+        <p:spPr>
+          <a:xfrm>
+            <a:off x="635000" y="335492"/>
+            <a:ext cx="10515600" cy="4351338"/>
+          </a:xfrm>
+        </p:spPr>
+        <p:txBody>
+          <a:bodyPr/>
+          <a:lstStyle/>
+          <a:p>
+            <a:r>
+              <a:rPr lang="zh-CN" altLang="en-US" dirty="0"/>
+              <a:t>用下标访问数组元素实际上在编译过程中，会转化成这种指针偏移。对整型变量</a:t>
+            </a:r>
+            <a:r>
+              <a:rPr lang="en-US" dirty="0"/>
+              <a:t>j</a:t>
+            </a:r>
+            <a:r>
+              <a:rPr lang="zh-CN" altLang="en-US" dirty="0"/>
+              <a:t>，下列访问数组元素的式子都是等价的：</a:t>
+            </a:r>
+            <a:endParaRPr lang="en-US" altLang="zh-CN" dirty="0"/>
+          </a:p>
+          <a:p>
+            <a:pPr marL="0" indent="0">
+              <a:buNone/>
+            </a:pPr>
+            <a:r>
+              <a:rPr lang="en-US" dirty="0">
+                <a:latin typeface="+mn-lt"/>
+              </a:rPr>
+              <a:t>     v[j] == *(&amp;(v[0])+j)== *(</a:t>
+            </a:r>
+            <a:r>
+              <a:rPr lang="en-US" dirty="0" err="1">
+                <a:latin typeface="+mn-lt"/>
+              </a:rPr>
+              <a:t>v+j</a:t>
+            </a:r>
+            <a:r>
+              <a:rPr lang="en-US" dirty="0">
+                <a:latin typeface="+mn-lt"/>
+              </a:rPr>
+              <a:t>) == *(</a:t>
+            </a:r>
+            <a:r>
+              <a:rPr lang="en-US" dirty="0" err="1">
+                <a:latin typeface="+mn-lt"/>
+              </a:rPr>
+              <a:t>j+v</a:t>
+            </a:r>
+            <a:r>
+              <a:rPr lang="en-US" dirty="0">
+                <a:latin typeface="+mn-lt"/>
+              </a:rPr>
+              <a:t>) ==j[v]</a:t>
+            </a:r>
+          </a:p>
+          <a:p>
+            <a:r>
+              <a:rPr lang="zh-CN" altLang="en-US" dirty="0"/>
+              <a:t>例如：</a:t>
+            </a:r>
+            <a:endParaRPr lang="en-US" dirty="0"/>
+          </a:p>
+          <a:p>
+            <a:pPr marL="0" indent="0">
+              <a:buNone/>
+            </a:pPr>
+            <a:r>
+              <a:rPr lang="en-US" dirty="0">
+                <a:latin typeface="+mn-lt"/>
+              </a:rPr>
+              <a:t>   3["hello"]=="hello"[3]</a:t>
+            </a:r>
+            <a:br>
+              <a:rPr lang="en-US" dirty="0">
+                <a:latin typeface="+mn-lt"/>
+              </a:rPr>
+            </a:br>
+            <a:r>
+              <a:rPr lang="en-US" dirty="0">
+                <a:latin typeface="+mn-lt"/>
+              </a:rPr>
+              <a:t>   2[v] = v[2]</a:t>
+            </a:r>
+          </a:p>
+          <a:p>
+            <a:pPr marL="0" indent="0">
+              <a:buNone/>
+            </a:pPr>
+            <a:endParaRPr lang="en-US" dirty="0"/>
+          </a:p>
+        </p:txBody>
+      </p:sp>
+    </p:spTree>
+    <p:extLst>
+      <p:ext uri="{BB962C8B-B14F-4D97-AF65-F5344CB8AC3E}">
+        <p14:creationId xmlns:p14="http://schemas.microsoft.com/office/powerpoint/2010/main" val="1884343562"/>
+      </p:ext>
+    </p:extLst>
+  </p:cSld>
+  <p:clrMapOvr>
+    <a:masterClrMapping/>
+  </p:clrMapOvr>
+  <p:timing>
+    <p:tnLst>
+      <p:par>
+        <p:cTn id="1" dur="indefinite" restart="never" nodeType="tmRoot">
+          <p:childTnLst>
+            <p:seq concurrent="1" nextAc="seek">
+              <p:cTn id="2" dur="indefinite" nodeType="mainSeq">
+                <p:childTnLst>
+                  <p:par>
+                    <p:cTn id="3" fill="hold">
+                      <p:stCondLst>
+                        <p:cond delay="indefinite"/>
+                      </p:stCondLst>
+                      <p:childTnLst>
+                        <p:par>
+                          <p:cTn id="4" fill="hold">
+                            <p:stCondLst>
+                              <p:cond delay="0"/>
+                            </p:stCondLst>
+                            <p:childTnLst>
+                              <p:par>
+                                <p:cTn id="5" presetID="1" presetClass="entr" presetSubtype="0" fill="hold" nodeType="clickEffect">
+                                  <p:stCondLst>
+                                    <p:cond delay="0"/>
+                                  </p:stCondLst>
+                                  <p:childTnLst>
+                                    <p:set>
+                                      <p:cBhvr>
+                                        <p:cTn id="6" dur="1" fill="hold">
+                                          <p:stCondLst>
+                                            <p:cond delay="0"/>
+                                          </p:stCondLst>
+                                        </p:cTn>
+                                        <p:tgtEl>
+                                          <p:spTgt spid="3">
+                                            <p:txEl>
+                                              <p:pRg st="2" end="2"/>
+                                            </p:txEl>
+                                          </p:spTgt>
+                                        </p:tgtEl>
+                                        <p:attrNameLst>
+                                          <p:attrName>style.visibility</p:attrName>
+                                        </p:attrNameLst>
+                                      </p:cBhvr>
+                                      <p:to>
+                                        <p:strVal val="visible"/>
+                                      </p:to>
+                                    </p:set>
+                                  </p:childTnLst>
+                                </p:cTn>
+                              </p:par>
+                              <p:par>
+                                <p:cTn id="7" presetID="1" presetClass="entr" presetSubtype="0" fill="hold" nodeType="withEffect">
+                                  <p:stCondLst>
+                                    <p:cond delay="0"/>
+                                  </p:stCondLst>
+                                  <p:childTnLst>
+                                    <p:set>
+                                      <p:cBhvr>
+                                        <p:cTn id="8" dur="1" fill="hold">
+                                          <p:stCondLst>
+                                            <p:cond delay="0"/>
+                                          </p:stCondLst>
+                                        </p:cTn>
+                                        <p:tgtEl>
+                                          <p:spTgt spid="3">
+                                            <p:txEl>
+                                              <p:pRg st="3" end="3"/>
+                                            </p:txEl>
+                                          </p:spTgt>
+                                        </p:tgtEl>
+                                        <p:attrNameLst>
+                                          <p:attrName>style.visibility</p:attrName>
+                                        </p:attrNameLst>
+                                      </p:cBhvr>
+                                      <p:to>
+                                        <p:strVal val="visible"/>
+                                      </p:to>
+                                    </p:set>
+                                  </p:childTnLst>
+                                </p:cTn>
+                              </p:par>
+                            </p:childTnLst>
+                          </p:cTn>
+                        </p:par>
+                      </p:childTnLst>
+                    </p:cTn>
+                  </p:par>
+                </p:childTnLst>
+              </p:cTn>
+              <p:prevCondLst>
+                <p:cond evt="onPrev" delay="0">
+                  <p:tgtEl>
+                    <p:sldTgt/>
+                  </p:tgtEl>
+                </p:cond>
+              </p:prevCondLst>
+              <p:nextCondLst>
+                <p:cond evt="onNext" delay="0">
+                  <p:tgtEl>
+                    <p:sldTgt/>
+                  </p:tgtEl>
+                </p:cond>
+              </p:nextCondLst>
+            </p:seq>
+          </p:childTnLst>
+        </p:cTn>
+      </p:par>
+    </p:tnLst>
+  </p:timing>
+</p:sld>
+</file>
+
+<file path=ppt/slides/slide41.xml><?xml version="1.0" encoding="utf-8"?>
+<p:sld xmlns:a="http://schemas.openxmlformats.org/drawingml/2006/main" xmlns:r="http://schemas.openxmlformats.org/officeDocument/2006/relationships" xmlns:p="http://schemas.openxmlformats.org/presentationml/2006/main">
+  <p:cSld>
+    <p:spTree>
+      <p:nvGrpSpPr>
+        <p:cNvPr id="1" name=""/>
+        <p:cNvGrpSpPr/>
+        <p:nvPr/>
+      </p:nvGrpSpPr>
+      <p:grpSpPr>
+        <a:xfrm>
+          <a:off x="0" y="0"/>
+          <a:ext cx="0" cy="0"/>
+          <a:chOff x="0" y="0"/>
+          <a:chExt cx="0" cy="0"/>
+        </a:xfrm>
+      </p:grpSpPr>
+      <p:sp>
+        <p:nvSpPr>
+          <p:cNvPr id="3" name="内容占位符 2">
+            <a:extLst>
+              <a:ext uri="{FF2B5EF4-FFF2-40B4-BE49-F238E27FC236}">
+                <a16:creationId xmlns:a16="http://schemas.microsoft.com/office/drawing/2014/main" id="{C9417DF2-03E3-4CEE-BB72-26CE96A8A3DC}"/>
+              </a:ext>
+            </a:extLst>
+          </p:cNvPr>
+          <p:cNvSpPr>
+            <a:spLocks noGrp="1"/>
+          </p:cNvSpPr>
+          <p:nvPr>
+            <p:ph idx="1"/>
+          </p:nvPr>
+        </p:nvSpPr>
+        <p:spPr>
+          <a:xfrm>
+            <a:off x="725311" y="482247"/>
+            <a:ext cx="10515600" cy="4351338"/>
+          </a:xfrm>
+        </p:spPr>
+        <p:txBody>
+          <a:bodyPr/>
+          <a:lstStyle/>
+          <a:p>
+            <a:r>
+              <a:rPr lang="zh-CN" altLang="en-US" dirty="0"/>
+              <a:t>对于一个指针变量</a:t>
+            </a:r>
+            <a:r>
+              <a:rPr lang="en-US" dirty="0"/>
+              <a:t>p</a:t>
+            </a:r>
+            <a:r>
+              <a:rPr lang="zh-CN" altLang="en-US" dirty="0"/>
+              <a:t>和一个整数</a:t>
+            </a:r>
+            <a:r>
+              <a:rPr lang="en-US" dirty="0"/>
+              <a:t>n</a:t>
+            </a:r>
+            <a:r>
+              <a:rPr lang="zh-CN" altLang="en-US" dirty="0"/>
+              <a:t>，除了可以用</a:t>
+            </a:r>
+            <a:r>
+              <a:rPr lang="en-US" dirty="0"/>
+              <a:t> </a:t>
+            </a:r>
+            <a:r>
+              <a:rPr lang="en-US" dirty="0" err="1"/>
+              <a:t>p+n</a:t>
+            </a:r>
+            <a:r>
+              <a:rPr lang="zh-CN" altLang="en-US" dirty="0"/>
+              <a:t>、</a:t>
+            </a:r>
+            <a:r>
+              <a:rPr lang="en-US" dirty="0"/>
+              <a:t>p-n </a:t>
+            </a:r>
+            <a:r>
+              <a:rPr lang="zh-CN" altLang="en-US" dirty="0"/>
+              <a:t>、</a:t>
+            </a:r>
+            <a:r>
+              <a:rPr lang="en-US" dirty="0"/>
+              <a:t>p+=n </a:t>
+            </a:r>
+            <a:r>
+              <a:rPr lang="zh-CN" altLang="en-US" dirty="0"/>
+              <a:t>、</a:t>
+            </a:r>
+            <a:r>
+              <a:rPr lang="en-US" dirty="0"/>
+              <a:t>p-=n</a:t>
+            </a:r>
+            <a:r>
+              <a:rPr lang="zh-CN" altLang="en-US" dirty="0"/>
+              <a:t>等算术运算对指针进行偏移外，也可以用自增（</a:t>
+            </a:r>
+            <a:r>
+              <a:rPr lang="en-US" dirty="0"/>
+              <a:t>p++</a:t>
+            </a:r>
+            <a:r>
+              <a:rPr lang="zh-CN" altLang="en-US" dirty="0"/>
+              <a:t>或</a:t>
+            </a:r>
+            <a:r>
+              <a:rPr lang="en-US" dirty="0"/>
+              <a:t> ++p</a:t>
+            </a:r>
+            <a:r>
+              <a:rPr lang="zh-CN" altLang="en-US" dirty="0"/>
+              <a:t>）、自减（</a:t>
+            </a:r>
+            <a:r>
+              <a:rPr lang="en-US" dirty="0"/>
+              <a:t>p--</a:t>
+            </a:r>
+            <a:r>
+              <a:rPr lang="zh-CN" altLang="en-US" dirty="0"/>
+              <a:t>或</a:t>
+            </a:r>
+            <a:r>
+              <a:rPr lang="en-US" dirty="0"/>
+              <a:t>--p</a:t>
+            </a:r>
+            <a:r>
+              <a:rPr lang="zh-CN" altLang="en-US" dirty="0"/>
+              <a:t>）进行偏移。例如：</a:t>
+            </a:r>
+            <a:endParaRPr lang="en-US" altLang="zh-CN" dirty="0"/>
+          </a:p>
+          <a:p>
+            <a:endParaRPr lang="en-US" dirty="0"/>
+          </a:p>
+          <a:p>
+            <a:endParaRPr lang="en-US" dirty="0"/>
+          </a:p>
+        </p:txBody>
+      </p:sp>
+    </p:spTree>
+    <p:extLst>
+      <p:ext uri="{BB962C8B-B14F-4D97-AF65-F5344CB8AC3E}">
+        <p14:creationId xmlns:p14="http://schemas.microsoft.com/office/powerpoint/2010/main" val="1992220907"/>
+      </p:ext>
+    </p:extLst>
+  </p:cSld>
+  <p:clrMapOvr>
+    <a:masterClrMapping/>
+  </p:clrMapOvr>
+</p:sld>
+</file>
+
+<file path=ppt/slides/slide42.xml><?xml version="1.0" encoding="utf-8"?>
+<p:sld xmlns:a="http://schemas.openxmlformats.org/drawingml/2006/main" xmlns:r="http://schemas.openxmlformats.org/officeDocument/2006/relationships" xmlns:p="http://schemas.openxmlformats.org/presentationml/2006/main">
+  <p:cSld>
+    <p:spTree>
+      <p:nvGrpSpPr>
+        <p:cNvPr id="1" name=""/>
+        <p:cNvGrpSpPr/>
+        <p:nvPr/>
+      </p:nvGrpSpPr>
+      <p:grpSpPr>
+        <a:xfrm>
+          <a:off x="0" y="0"/>
+          <a:ext cx="0" cy="0"/>
+          <a:chOff x="0" y="0"/>
+          <a:chExt cx="0" cy="0"/>
+        </a:xfrm>
+      </p:grpSpPr>
+      <p:pic>
+        <p:nvPicPr>
+          <p:cNvPr id="4" name="图片 3">
+            <a:extLst>
+              <a:ext uri="{FF2B5EF4-FFF2-40B4-BE49-F238E27FC236}">
+                <a16:creationId xmlns:a16="http://schemas.microsoft.com/office/drawing/2014/main" id="{9CE96CDF-A815-4D84-BB4C-898AC9D1B8C5}"/>
+              </a:ext>
+            </a:extLst>
+          </p:cNvPr>
+          <p:cNvPicPr>
+            <a:picLocks noChangeAspect="1"/>
+          </p:cNvPicPr>
+          <p:nvPr/>
+        </p:nvPicPr>
+        <p:blipFill>
+          <a:blip r:embed="rId2"/>
+          <a:stretch>
+            <a:fillRect/>
+          </a:stretch>
+        </p:blipFill>
+        <p:spPr>
+          <a:xfrm>
+            <a:off x="841726" y="151518"/>
+            <a:ext cx="9668229" cy="6706483"/>
+          </a:xfrm>
+          <a:prstGeom prst="rect">
+            <a:avLst/>
+          </a:prstGeom>
+        </p:spPr>
+      </p:pic>
+    </p:spTree>
+    <p:extLst>
+      <p:ext uri="{BB962C8B-B14F-4D97-AF65-F5344CB8AC3E}">
+        <p14:creationId xmlns:p14="http://schemas.microsoft.com/office/powerpoint/2010/main" val="4203083737"/>
+      </p:ext>
+    </p:extLst>
+  </p:cSld>
+  <p:clrMapOvr>
+    <a:masterClrMapping/>
+  </p:clrMapOvr>
+</p:sld>
+</file>
+
+<file path=ppt/slides/slide43.xml><?xml version="1.0" encoding="utf-8"?>
+<p:sld xmlns:a="http://schemas.openxmlformats.org/drawingml/2006/main" xmlns:r="http://schemas.openxmlformats.org/officeDocument/2006/relationships" xmlns:p="http://schemas.openxmlformats.org/presentationml/2006/main">
+  <p:cSld>
+    <p:spTree>
+      <p:nvGrpSpPr>
+        <p:cNvPr id="1" name=""/>
+        <p:cNvGrpSpPr/>
+        <p:nvPr/>
+      </p:nvGrpSpPr>
+      <p:grpSpPr>
+        <a:xfrm>
+          <a:off x="0" y="0"/>
+          <a:ext cx="0" cy="0"/>
+          <a:chOff x="0" y="0"/>
+          <a:chExt cx="0" cy="0"/>
+        </a:xfrm>
+      </p:grpSpPr>
+      <p:sp>
+        <p:nvSpPr>
+          <p:cNvPr id="3" name="内容占位符 2">
+            <a:extLst>
+              <a:ext uri="{FF2B5EF4-FFF2-40B4-BE49-F238E27FC236}">
+                <a16:creationId xmlns:a16="http://schemas.microsoft.com/office/drawing/2014/main" id="{D6E6F31B-EC9F-4F20-83E8-041BD25EB130}"/>
+              </a:ext>
+            </a:extLst>
+          </p:cNvPr>
+          <p:cNvSpPr>
+            <a:spLocks noGrp="1"/>
+          </p:cNvSpPr>
+          <p:nvPr>
+            <p:ph idx="1"/>
+          </p:nvPr>
+        </p:nvSpPr>
+        <p:spPr>
+          <a:xfrm>
+            <a:off x="646289" y="527402"/>
+            <a:ext cx="10515600" cy="4351338"/>
+          </a:xfrm>
+        </p:spPr>
+        <p:txBody>
+          <a:bodyPr/>
+          <a:lstStyle/>
+          <a:p>
+            <a:r>
+              <a:rPr lang="zh-CN" altLang="en-US" dirty="0"/>
+              <a:t>编写自己的函数</a:t>
+            </a:r>
+            <a:r>
+              <a:rPr lang="en-US" dirty="0" err="1"/>
+              <a:t>Strlen</a:t>
+            </a:r>
+            <a:r>
+              <a:rPr lang="en-US" dirty="0"/>
+              <a:t>()</a:t>
+            </a:r>
+            <a:r>
+              <a:rPr lang="zh-CN" altLang="en-US" dirty="0"/>
+              <a:t>就是模拟</a:t>
+            </a:r>
+            <a:r>
+              <a:rPr lang="en-US" dirty="0"/>
+              <a:t>&lt;</a:t>
+            </a:r>
+            <a:r>
+              <a:rPr lang="en-US" dirty="0" err="1"/>
+              <a:t>cstring</a:t>
+            </a:r>
+            <a:r>
+              <a:rPr lang="en-US" dirty="0"/>
+              <a:t>&gt;</a:t>
+            </a:r>
+            <a:r>
+              <a:rPr lang="zh-CN" altLang="en-US" dirty="0"/>
+              <a:t>的</a:t>
+            </a:r>
+            <a:r>
+              <a:rPr lang="en-US" dirty="0" err="1"/>
+              <a:t>strlen</a:t>
+            </a:r>
+            <a:r>
+              <a:rPr lang="en-US" dirty="0"/>
+              <a:t>()</a:t>
+            </a:r>
+            <a:r>
+              <a:rPr lang="zh-CN" altLang="en-US" dirty="0"/>
+              <a:t>函数</a:t>
+            </a:r>
+            <a:endParaRPr lang="en-US" dirty="0"/>
+          </a:p>
+        </p:txBody>
+      </p:sp>
+      <p:pic>
+        <p:nvPicPr>
+          <p:cNvPr id="5" name="图片 4">
+            <a:extLst>
+              <a:ext uri="{FF2B5EF4-FFF2-40B4-BE49-F238E27FC236}">
+                <a16:creationId xmlns:a16="http://schemas.microsoft.com/office/drawing/2014/main" id="{B6EA060D-3286-4DC3-AEBD-3BBEC77C8D47}"/>
+              </a:ext>
+            </a:extLst>
+          </p:cNvPr>
+          <p:cNvPicPr>
+            <a:picLocks noChangeAspect="1"/>
+          </p:cNvPicPr>
+          <p:nvPr/>
+        </p:nvPicPr>
+        <p:blipFill>
+          <a:blip r:embed="rId2"/>
+          <a:stretch>
+            <a:fillRect/>
+          </a:stretch>
+        </p:blipFill>
+        <p:spPr>
+          <a:xfrm>
+            <a:off x="421399" y="1439509"/>
+            <a:ext cx="11770601" cy="2037469"/>
+          </a:xfrm>
+          <a:prstGeom prst="rect">
+            <a:avLst/>
+          </a:prstGeom>
+        </p:spPr>
+      </p:pic>
+      <p:sp>
+        <p:nvSpPr>
+          <p:cNvPr id="7" name="文本框 6">
+            <a:extLst>
+              <a:ext uri="{FF2B5EF4-FFF2-40B4-BE49-F238E27FC236}">
+                <a16:creationId xmlns:a16="http://schemas.microsoft.com/office/drawing/2014/main" id="{6CD27006-1381-46B9-A29C-A3F8ED446E85}"/>
+              </a:ext>
+            </a:extLst>
+          </p:cNvPr>
+          <p:cNvSpPr txBox="1"/>
+          <p:nvPr/>
+        </p:nvSpPr>
+        <p:spPr>
+          <a:xfrm>
+            <a:off x="4154312" y="2764649"/>
+            <a:ext cx="487680" cy="508000"/>
+          </a:xfrm>
+          <a:prstGeom prst="rect">
+            <a:avLst/>
+          </a:prstGeom>
+          <a:noFill/>
+        </p:spPr>
+        <p:txBody>
+          <a:bodyPr wrap="square" rtlCol="0">
+            <a:spAutoFit/>
+          </a:bodyPr>
+          <a:lstStyle/>
+          <a:p>
+            <a:pPr algn="l"/>
+            <a:r>
+              <a:rPr lang="en-US" altLang="zh-CN" sz="2600" dirty="0"/>
+              <a:t>s</a:t>
+            </a:r>
+            <a:endParaRPr lang="en-US" sz="2600" dirty="0"/>
+          </a:p>
+        </p:txBody>
+      </p:sp>
+      <p:sp>
+        <p:nvSpPr>
+          <p:cNvPr id="8" name="文本框 7">
+            <a:extLst>
+              <a:ext uri="{FF2B5EF4-FFF2-40B4-BE49-F238E27FC236}">
+                <a16:creationId xmlns:a16="http://schemas.microsoft.com/office/drawing/2014/main" id="{394BECBA-DFD0-4944-AD24-8F2CF197E54C}"/>
+              </a:ext>
+            </a:extLst>
+          </p:cNvPr>
+          <p:cNvSpPr txBox="1"/>
+          <p:nvPr/>
+        </p:nvSpPr>
+        <p:spPr>
+          <a:xfrm>
+            <a:off x="3894666" y="3228621"/>
+            <a:ext cx="861209" cy="417689"/>
+          </a:xfrm>
+          <a:prstGeom prst="rect">
+            <a:avLst/>
+          </a:prstGeom>
+          <a:noFill/>
+          <a:ln w="25400">
+            <a:solidFill>
+              <a:schemeClr val="tx1"/>
+            </a:solidFill>
+          </a:ln>
+        </p:spPr>
+        <p:txBody>
+          <a:bodyPr wrap="square" rtlCol="0">
+            <a:spAutoFit/>
+          </a:bodyPr>
+          <a:lstStyle/>
+          <a:p>
+            <a:pPr algn="l"/>
+            <a:endParaRPr lang="en-US" sz="2600" dirty="0"/>
+          </a:p>
+        </p:txBody>
+      </p:sp>
+      <p:cxnSp>
+        <p:nvCxnSpPr>
+          <p:cNvPr id="9" name="直接箭头连接符 8">
+            <a:extLst>
+              <a:ext uri="{FF2B5EF4-FFF2-40B4-BE49-F238E27FC236}">
+                <a16:creationId xmlns:a16="http://schemas.microsoft.com/office/drawing/2014/main" id="{6A0E2B5F-4A88-47D6-B346-A12DC4C76D1F}"/>
+              </a:ext>
+            </a:extLst>
+          </p:cNvPr>
+          <p:cNvCxnSpPr>
+            <a:cxnSpLocks/>
+          </p:cNvCxnSpPr>
+          <p:nvPr/>
+        </p:nvCxnSpPr>
+        <p:spPr>
+          <a:xfrm>
+            <a:off x="4504267" y="3499556"/>
+            <a:ext cx="575733" cy="451555"/>
+          </a:xfrm>
+          <a:prstGeom prst="straightConnector1">
+            <a:avLst/>
+          </a:prstGeom>
+          <a:ln w="38100">
+            <a:solidFill>
+              <a:schemeClr val="tx1"/>
+            </a:solidFill>
+            <a:tailEnd type="triangle"/>
+          </a:ln>
+        </p:spPr>
+        <p:style>
+          <a:lnRef idx="1">
+            <a:schemeClr val="accent1"/>
+          </a:lnRef>
+          <a:fillRef idx="0">
+            <a:schemeClr val="accent1"/>
+          </a:fillRef>
+          <a:effectRef idx="0">
+            <a:schemeClr val="accent1"/>
+          </a:effectRef>
+          <a:fontRef idx="minor">
+            <a:schemeClr val="tx1"/>
+          </a:fontRef>
+        </p:style>
+      </p:cxnSp>
+      <p:graphicFrame>
+        <p:nvGraphicFramePr>
+          <p:cNvPr id="14" name="表格 4">
+            <a:extLst>
+              <a:ext uri="{FF2B5EF4-FFF2-40B4-BE49-F238E27FC236}">
+                <a16:creationId xmlns:a16="http://schemas.microsoft.com/office/drawing/2014/main" id="{6F222866-9039-425F-8E81-FD9F957E862C}"/>
+              </a:ext>
+            </a:extLst>
+          </p:cNvPr>
+          <p:cNvGraphicFramePr>
+            <a:graphicFrameLocks noGrp="1"/>
+          </p:cNvGraphicFramePr>
+          <p:nvPr>
+            <p:extLst>
+              <p:ext uri="{D42A27DB-BD31-4B8C-83A1-F6EECF244321}">
+                <p14:modId xmlns:p14="http://schemas.microsoft.com/office/powerpoint/2010/main" val="2606558581"/>
+              </p:ext>
+            </p:extLst>
+          </p:nvPr>
+        </p:nvGraphicFramePr>
+        <p:xfrm>
+          <a:off x="5000980" y="4061176"/>
+          <a:ext cx="4041420" cy="518160"/>
+        </p:xfrm>
+        <a:graphic>
+          <a:graphicData uri="http://schemas.openxmlformats.org/drawingml/2006/table">
+            <a:tbl>
+              <a:tblPr firstRow="1" bandRow="1">
+                <a:tableStyleId>{5940675A-B579-460E-94D1-54222C63F5DA}</a:tableStyleId>
+              </a:tblPr>
+              <a:tblGrid>
+                <a:gridCol w="673570">
+                  <a:extLst>
+                    <a:ext uri="{9D8B030D-6E8A-4147-A177-3AD203B41FA5}">
+                      <a16:colId xmlns:a16="http://schemas.microsoft.com/office/drawing/2014/main" val="85013235"/>
+                    </a:ext>
+                  </a:extLst>
+                </a:gridCol>
+                <a:gridCol w="673570">
+                  <a:extLst>
+                    <a:ext uri="{9D8B030D-6E8A-4147-A177-3AD203B41FA5}">
+                      <a16:colId xmlns:a16="http://schemas.microsoft.com/office/drawing/2014/main" val="3773297126"/>
+                    </a:ext>
+                  </a:extLst>
+                </a:gridCol>
+                <a:gridCol w="673570">
+                  <a:extLst>
+                    <a:ext uri="{9D8B030D-6E8A-4147-A177-3AD203B41FA5}">
+                      <a16:colId xmlns:a16="http://schemas.microsoft.com/office/drawing/2014/main" val="1427630036"/>
+                    </a:ext>
+                  </a:extLst>
+                </a:gridCol>
+                <a:gridCol w="673570">
+                  <a:extLst>
+                    <a:ext uri="{9D8B030D-6E8A-4147-A177-3AD203B41FA5}">
+                      <a16:colId xmlns:a16="http://schemas.microsoft.com/office/drawing/2014/main" val="3360912248"/>
+                    </a:ext>
+                  </a:extLst>
+                </a:gridCol>
+                <a:gridCol w="673570">
+                  <a:extLst>
+                    <a:ext uri="{9D8B030D-6E8A-4147-A177-3AD203B41FA5}">
+                      <a16:colId xmlns:a16="http://schemas.microsoft.com/office/drawing/2014/main" val="3467441352"/>
+                    </a:ext>
+                  </a:extLst>
+                </a:gridCol>
+                <a:gridCol w="673570">
+                  <a:extLst>
+                    <a:ext uri="{9D8B030D-6E8A-4147-A177-3AD203B41FA5}">
+                      <a16:colId xmlns:a16="http://schemas.microsoft.com/office/drawing/2014/main" val="586801133"/>
+                    </a:ext>
+                  </a:extLst>
+                </a:gridCol>
+              </a:tblGrid>
+              <a:tr h="443091">
+                <a:tc>
+                  <a:txBody>
+                    <a:bodyPr/>
+                    <a:lstStyle/>
+                    <a:p>
+                      <a:pPr algn="ctr"/>
+                      <a:r>
+                        <a:rPr lang="en-US" sz="2800" dirty="0"/>
+                        <a:t>h</a:t>
+                      </a:r>
+                    </a:p>
+                  </a:txBody>
+                  <a:tcPr/>
+                </a:tc>
+                <a:tc>
+                  <a:txBody>
+                    <a:bodyPr/>
+                    <a:lstStyle/>
+                    <a:p>
+                      <a:pPr algn="ctr"/>
+                      <a:r>
+                        <a:rPr lang="en-US" sz="2800" dirty="0"/>
+                        <a:t>e</a:t>
+                      </a:r>
+                    </a:p>
+                  </a:txBody>
+                  <a:tcPr/>
+                </a:tc>
+                <a:tc>
+                  <a:txBody>
+                    <a:bodyPr/>
+                    <a:lstStyle/>
+                    <a:p>
+                      <a:pPr algn="ctr"/>
+                      <a:r>
+                        <a:rPr lang="en-US" sz="2800" dirty="0"/>
+                        <a:t>l</a:t>
+                      </a:r>
+                    </a:p>
+                  </a:txBody>
+                  <a:tcPr/>
+                </a:tc>
+                <a:tc>
+                  <a:txBody>
+                    <a:bodyPr/>
+                    <a:lstStyle/>
+                    <a:p>
+                      <a:pPr algn="ctr"/>
+                      <a:r>
+                        <a:rPr lang="en-US" sz="2800" dirty="0"/>
+                        <a:t>l</a:t>
+                      </a:r>
+                    </a:p>
+                  </a:txBody>
+                  <a:tcPr/>
+                </a:tc>
+                <a:tc>
+                  <a:txBody>
+                    <a:bodyPr/>
+                    <a:lstStyle/>
+                    <a:p>
+                      <a:pPr algn="ctr"/>
+                      <a:r>
+                        <a:rPr lang="en-US" sz="2800" dirty="0"/>
+                        <a:t>o</a:t>
+                      </a:r>
+                    </a:p>
+                  </a:txBody>
+                  <a:tcPr/>
+                </a:tc>
+                <a:tc>
+                  <a:txBody>
+                    <a:bodyPr/>
+                    <a:lstStyle/>
+                    <a:p>
+                      <a:pPr algn="ctr"/>
+                      <a:r>
+                        <a:rPr lang="en-US" sz="2800" dirty="0"/>
+                        <a:t>\0</a:t>
+                      </a:r>
+                    </a:p>
+                  </a:txBody>
+                  <a:tcPr/>
+                </a:tc>
+                <a:extLst>
+                  <a:ext uri="{0D108BD9-81ED-4DB2-BD59-A6C34878D82A}">
+                    <a16:rowId xmlns:a16="http://schemas.microsoft.com/office/drawing/2014/main" val="153347786"/>
+                  </a:ext>
+                </a:extLst>
+              </a:tr>
+            </a:tbl>
+          </a:graphicData>
+        </a:graphic>
+      </p:graphicFrame>
+      <p:sp>
+        <p:nvSpPr>
+          <p:cNvPr id="16" name="文本框 15">
+            <a:extLst>
+              <a:ext uri="{FF2B5EF4-FFF2-40B4-BE49-F238E27FC236}">
+                <a16:creationId xmlns:a16="http://schemas.microsoft.com/office/drawing/2014/main" id="{E533CECA-15E9-495A-96AD-7C661A6210E0}"/>
+              </a:ext>
+            </a:extLst>
+          </p:cNvPr>
+          <p:cNvSpPr txBox="1"/>
+          <p:nvPr/>
+        </p:nvSpPr>
+        <p:spPr>
+          <a:xfrm>
+            <a:off x="5334001" y="2759005"/>
+            <a:ext cx="487680" cy="508000"/>
+          </a:xfrm>
+          <a:prstGeom prst="rect">
+            <a:avLst/>
+          </a:prstGeom>
+          <a:noFill/>
+        </p:spPr>
+        <p:txBody>
+          <a:bodyPr wrap="square" rtlCol="0">
+            <a:spAutoFit/>
+          </a:bodyPr>
+          <a:lstStyle/>
+          <a:p>
+            <a:pPr algn="l"/>
+            <a:r>
+              <a:rPr lang="en-US" sz="2600" dirty="0"/>
+              <a:t>p</a:t>
+            </a:r>
+          </a:p>
+        </p:txBody>
+      </p:sp>
+      <p:sp>
+        <p:nvSpPr>
+          <p:cNvPr id="17" name="文本框 16">
+            <a:extLst>
+              <a:ext uri="{FF2B5EF4-FFF2-40B4-BE49-F238E27FC236}">
+                <a16:creationId xmlns:a16="http://schemas.microsoft.com/office/drawing/2014/main" id="{66833D38-DDF8-4DB0-8E03-2AC707429DBC}"/>
+              </a:ext>
+            </a:extLst>
+          </p:cNvPr>
+          <p:cNvSpPr txBox="1"/>
+          <p:nvPr/>
+        </p:nvSpPr>
+        <p:spPr>
+          <a:xfrm>
+            <a:off x="5074355" y="3222977"/>
+            <a:ext cx="861209" cy="417689"/>
+          </a:xfrm>
+          <a:prstGeom prst="rect">
+            <a:avLst/>
+          </a:prstGeom>
+          <a:noFill/>
+          <a:ln w="25400">
+            <a:solidFill>
+              <a:schemeClr val="tx1"/>
+            </a:solidFill>
+          </a:ln>
+        </p:spPr>
+        <p:txBody>
+          <a:bodyPr wrap="square" rtlCol="0">
+            <a:spAutoFit/>
+          </a:bodyPr>
+          <a:lstStyle/>
+          <a:p>
+            <a:pPr algn="l"/>
+            <a:endParaRPr lang="en-US" sz="2600" dirty="0"/>
+          </a:p>
+        </p:txBody>
+      </p:sp>
+      <p:cxnSp>
+        <p:nvCxnSpPr>
+          <p:cNvPr id="18" name="直接箭头连接符 17">
+            <a:extLst>
+              <a:ext uri="{FF2B5EF4-FFF2-40B4-BE49-F238E27FC236}">
+                <a16:creationId xmlns:a16="http://schemas.microsoft.com/office/drawing/2014/main" id="{9062137C-6AB5-4794-A551-ACAC97BD23CD}"/>
+              </a:ext>
+            </a:extLst>
+          </p:cNvPr>
+          <p:cNvCxnSpPr>
+            <a:cxnSpLocks/>
+          </p:cNvCxnSpPr>
+          <p:nvPr/>
+        </p:nvCxnSpPr>
+        <p:spPr>
+          <a:xfrm flipH="1">
+            <a:off x="5429956" y="3493912"/>
+            <a:ext cx="254000" cy="457199"/>
+          </a:xfrm>
+          <a:prstGeom prst="straightConnector1">
+            <a:avLst/>
+          </a:prstGeom>
+          <a:ln w="38100">
+            <a:solidFill>
+              <a:schemeClr val="tx1"/>
+            </a:solidFill>
+            <a:tailEnd type="triangle"/>
+          </a:ln>
+        </p:spPr>
+        <p:style>
+          <a:lnRef idx="1">
+            <a:schemeClr val="accent1"/>
+          </a:lnRef>
+          <a:fillRef idx="0">
+            <a:schemeClr val="accent1"/>
+          </a:fillRef>
+          <a:effectRef idx="0">
+            <a:schemeClr val="accent1"/>
+          </a:effectRef>
+          <a:fontRef idx="minor">
+            <a:schemeClr val="tx1"/>
+          </a:fontRef>
+        </p:style>
+      </p:cxnSp>
+    </p:spTree>
+    <p:extLst>
+      <p:ext uri="{BB962C8B-B14F-4D97-AF65-F5344CB8AC3E}">
+        <p14:creationId xmlns:p14="http://schemas.microsoft.com/office/powerpoint/2010/main" val="652214392"/>
+      </p:ext>
+    </p:extLst>
+  </p:cSld>
+  <p:clrMapOvr>
+    <a:masterClrMapping/>
+  </p:clrMapOvr>
+  <p:timing>
+    <p:tnLst>
+      <p:par>
+        <p:cTn id="1" dur="indefinite" restart="never" nodeType="tmRoot">
+          <p:childTnLst>
+            <p:seq concurrent="1" nextAc="seek">
+              <p:cTn id="2" dur="indefinite" nodeType="mainSeq">
+                <p:childTnLst>
+                  <p:par>
+                    <p:cTn id="3" fill="hold">
+                      <p:stCondLst>
+                        <p:cond delay="indefinite"/>
+                      </p:stCondLst>
+                      <p:childTnLst>
+                        <p:par>
+                          <p:cTn id="4" fill="hold">
+                            <p:stCondLst>
+                              <p:cond delay="0"/>
+                            </p:stCondLst>
+                            <p:childTnLst>
+                              <p:par>
+                                <p:cTn id="5" presetID="1" presetClass="entr" presetSubtype="0" fill="hold" nodeType="clickEffect">
+                                  <p:stCondLst>
+                                    <p:cond delay="0"/>
+                                  </p:stCondLst>
+                                  <p:childTnLst>
+                                    <p:set>
+                                      <p:cBhvr>
+                                        <p:cTn id="6" dur="1" fill="hold">
+                                          <p:stCondLst>
+                                            <p:cond delay="0"/>
+                                          </p:stCondLst>
+                                        </p:cTn>
+                                        <p:tgtEl>
+                                          <p:spTgt spid="5"/>
+                                        </p:tgtEl>
+                                        <p:attrNameLst>
+                                          <p:attrName>style.visibility</p:attrName>
+                                        </p:attrNameLst>
+                                      </p:cBhvr>
+                                      <p:to>
+                                        <p:strVal val="visible"/>
+                                      </p:to>
+                                    </p:set>
+                                  </p:childTnLst>
+                                </p:cTn>
+                              </p:par>
+                            </p:childTnLst>
+                          </p:cTn>
+                        </p:par>
+                      </p:childTnLst>
+                    </p:cTn>
+                  </p:par>
+                  <p:par>
+                    <p:cTn id="7" fill="hold">
+                      <p:stCondLst>
+                        <p:cond delay="indefinite"/>
+                      </p:stCondLst>
+                      <p:childTnLst>
+                        <p:par>
+                          <p:cTn id="8" fill="hold">
+                            <p:stCondLst>
+                              <p:cond delay="0"/>
+                            </p:stCondLst>
+                            <p:childTnLst>
+                              <p:par>
+                                <p:cTn id="9" presetID="1" presetClass="entr" presetSubtype="0" fill="hold" nodeType="clickEffect">
+                                  <p:stCondLst>
+                                    <p:cond delay="0"/>
+                                  </p:stCondLst>
+                                  <p:childTnLst>
+                                    <p:set>
+                                      <p:cBhvr>
+                                        <p:cTn id="10" dur="1" fill="hold">
+                                          <p:stCondLst>
+                                            <p:cond delay="0"/>
+                                          </p:stCondLst>
+                                        </p:cTn>
+                                        <p:tgtEl>
+                                          <p:spTgt spid="14"/>
+                                        </p:tgtEl>
+                                        <p:attrNameLst>
+                                          <p:attrName>style.visibility</p:attrName>
+                                        </p:attrNameLst>
+                                      </p:cBhvr>
+                                      <p:to>
+                                        <p:strVal val="visible"/>
+                                      </p:to>
+                                    </p:set>
+                                  </p:childTnLst>
+                                </p:cTn>
+                              </p:par>
+                            </p:childTnLst>
+                          </p:cTn>
+                        </p:par>
+                      </p:childTnLst>
+                    </p:cTn>
+                  </p:par>
+                  <p:par>
+                    <p:cTn id="11" fill="hold">
+                      <p:stCondLst>
+                        <p:cond delay="indefinite"/>
+                      </p:stCondLst>
+                      <p:childTnLst>
+                        <p:par>
+                          <p:cTn id="12" fill="hold">
+                            <p:stCondLst>
+                              <p:cond delay="0"/>
+                            </p:stCondLst>
+                            <p:childTnLst>
+                              <p:par>
+                                <p:cTn id="13" presetID="1" presetClass="entr" presetSubtype="0" fill="hold" grpId="0" nodeType="clickEffect">
+                                  <p:stCondLst>
+                                    <p:cond delay="0"/>
+                                  </p:stCondLst>
+                                  <p:childTnLst>
+                                    <p:set>
+                                      <p:cBhvr>
+                                        <p:cTn id="14" dur="1" fill="hold">
+                                          <p:stCondLst>
+                                            <p:cond delay="0"/>
+                                          </p:stCondLst>
+                                        </p:cTn>
+                                        <p:tgtEl>
+                                          <p:spTgt spid="7"/>
+                                        </p:tgtEl>
+                                        <p:attrNameLst>
+                                          <p:attrName>style.visibility</p:attrName>
+                                        </p:attrNameLst>
+                                      </p:cBhvr>
+                                      <p:to>
+                                        <p:strVal val="visible"/>
+                                      </p:to>
+                                    </p:set>
+                                  </p:childTnLst>
+                                </p:cTn>
+                              </p:par>
+                              <p:par>
+                                <p:cTn id="15" presetID="1" presetClass="entr" presetSubtype="0" fill="hold" grpId="0" nodeType="withEffect">
+                                  <p:stCondLst>
+                                    <p:cond delay="0"/>
+                                  </p:stCondLst>
+                                  <p:childTnLst>
+                                    <p:set>
+                                      <p:cBhvr>
+                                        <p:cTn id="16" dur="1" fill="hold">
+                                          <p:stCondLst>
+                                            <p:cond delay="0"/>
+                                          </p:stCondLst>
+                                        </p:cTn>
+                                        <p:tgtEl>
+                                          <p:spTgt spid="8"/>
+                                        </p:tgtEl>
+                                        <p:attrNameLst>
+                                          <p:attrName>style.visibility</p:attrName>
+                                        </p:attrNameLst>
+                                      </p:cBhvr>
+                                      <p:to>
+                                        <p:strVal val="visible"/>
+                                      </p:to>
+                                    </p:set>
+                                  </p:childTnLst>
+                                </p:cTn>
+                              </p:par>
+                              <p:par>
+                                <p:cTn id="17" presetID="1" presetClass="entr" presetSubtype="0" fill="hold" nodeType="withEffect">
+                                  <p:stCondLst>
+                                    <p:cond delay="0"/>
+                                  </p:stCondLst>
+                                  <p:childTnLst>
+                                    <p:set>
+                                      <p:cBhvr>
+                                        <p:cTn id="18" dur="1" fill="hold">
+                                          <p:stCondLst>
+                                            <p:cond delay="0"/>
+                                          </p:stCondLst>
+                                        </p:cTn>
+                                        <p:tgtEl>
+                                          <p:spTgt spid="9"/>
+                                        </p:tgtEl>
+                                        <p:attrNameLst>
+                                          <p:attrName>style.visibility</p:attrName>
+                                        </p:attrNameLst>
+                                      </p:cBhvr>
+                                      <p:to>
+                                        <p:strVal val="visible"/>
+                                      </p:to>
+                                    </p:set>
+                                  </p:childTnLst>
+                                </p:cTn>
+                              </p:par>
+                            </p:childTnLst>
+                          </p:cTn>
+                        </p:par>
+                      </p:childTnLst>
+                    </p:cTn>
+                  </p:par>
+                  <p:par>
+                    <p:cTn id="19" fill="hold">
+                      <p:stCondLst>
+                        <p:cond delay="indefinite"/>
+                      </p:stCondLst>
+                      <p:childTnLst>
+                        <p:par>
+                          <p:cTn id="20" fill="hold">
+                            <p:stCondLst>
+                              <p:cond delay="0"/>
+                            </p:stCondLst>
+                            <p:childTnLst>
+                              <p:par>
+                                <p:cTn id="21" presetID="1" presetClass="entr" presetSubtype="0" fill="hold" grpId="0" nodeType="clickEffect">
+                                  <p:stCondLst>
+                                    <p:cond delay="0"/>
+                                  </p:stCondLst>
+                                  <p:childTnLst>
+                                    <p:set>
+                                      <p:cBhvr>
+                                        <p:cTn id="22" dur="1" fill="hold">
+                                          <p:stCondLst>
+                                            <p:cond delay="0"/>
+                                          </p:stCondLst>
+                                        </p:cTn>
+                                        <p:tgtEl>
+                                          <p:spTgt spid="16"/>
+                                        </p:tgtEl>
+                                        <p:attrNameLst>
+                                          <p:attrName>style.visibility</p:attrName>
+                                        </p:attrNameLst>
+                                      </p:cBhvr>
+                                      <p:to>
+                                        <p:strVal val="visible"/>
+                                      </p:to>
+                                    </p:set>
+                                  </p:childTnLst>
+                                </p:cTn>
+                              </p:par>
+                              <p:par>
+                                <p:cTn id="23" presetID="1" presetClass="entr" presetSubtype="0" fill="hold" grpId="0" nodeType="withEffect">
+                                  <p:stCondLst>
+                                    <p:cond delay="0"/>
+                                  </p:stCondLst>
+                                  <p:childTnLst>
+                                    <p:set>
+                                      <p:cBhvr>
+                                        <p:cTn id="24" dur="1" fill="hold">
+                                          <p:stCondLst>
+                                            <p:cond delay="0"/>
+                                          </p:stCondLst>
+                                        </p:cTn>
+                                        <p:tgtEl>
+                                          <p:spTgt spid="17"/>
+                                        </p:tgtEl>
+                                        <p:attrNameLst>
+                                          <p:attrName>style.visibility</p:attrName>
+                                        </p:attrNameLst>
+                                      </p:cBhvr>
+                                      <p:to>
+                                        <p:strVal val="visible"/>
+                                      </p:to>
+                                    </p:set>
+                                  </p:childTnLst>
+                                </p:cTn>
+                              </p:par>
+                              <p:par>
+                                <p:cTn id="25" presetID="1" presetClass="entr" presetSubtype="0" fill="hold" nodeType="withEffect">
+                                  <p:stCondLst>
+                                    <p:cond delay="0"/>
+                                  </p:stCondLst>
+                                  <p:childTnLst>
+                                    <p:set>
+                                      <p:cBhvr>
+                                        <p:cTn id="26" dur="1" fill="hold">
+                                          <p:stCondLst>
+                                            <p:cond delay="0"/>
+                                          </p:stCondLst>
+                                        </p:cTn>
+                                        <p:tgtEl>
+                                          <p:spTgt spid="18"/>
+                                        </p:tgtEl>
+                                        <p:attrNameLst>
+                                          <p:attrName>style.visibility</p:attrName>
+                                        </p:attrNameLst>
+                                      </p:cBhvr>
+                                      <p:to>
+                                        <p:strVal val="visible"/>
+                                      </p:to>
+                                    </p:set>
+                                  </p:childTnLst>
+                                </p:cTn>
+                              </p:par>
+                            </p:childTnLst>
+                          </p:cTn>
+                        </p:par>
+                      </p:childTnLst>
+                    </p:cTn>
+                  </p:par>
+                </p:childTnLst>
+              </p:cTn>
+              <p:prevCondLst>
+                <p:cond evt="onPrev" delay="0">
+                  <p:tgtEl>
+                    <p:sldTgt/>
+                  </p:tgtEl>
+                </p:cond>
+              </p:prevCondLst>
+              <p:nextCondLst>
+                <p:cond evt="onNext" delay="0">
+                  <p:tgtEl>
+                    <p:sldTgt/>
+                  </p:tgtEl>
+                </p:cond>
+              </p:nextCondLst>
+            </p:seq>
+          </p:childTnLst>
+        </p:cTn>
+      </p:par>
+    </p:tnLst>
+    <p:bldLst>
+      <p:bldP spid="7" grpId="0"/>
+      <p:bldP spid="8" grpId="0" animBg="1"/>
+      <p:bldP spid="16" grpId="0"/>
+      <p:bldP spid="17" grpId="0" animBg="1"/>
+    </p:bldLst>
+  </p:timing>
+</p:sld>
+</file>
+
+<file path=ppt/slides/slide44.xml><?xml version="1.0" encoding="utf-8"?>
+<p:sld xmlns:a="http://schemas.openxmlformats.org/drawingml/2006/main" xmlns:r="http://schemas.openxmlformats.org/officeDocument/2006/relationships" xmlns:p="http://schemas.openxmlformats.org/presentationml/2006/main">
+  <p:cSld>
+    <p:spTree>
+      <p:nvGrpSpPr>
+        <p:cNvPr id="1" name=""/>
+        <p:cNvGrpSpPr/>
+        <p:nvPr/>
+      </p:nvGrpSpPr>
+      <p:grpSpPr>
+        <a:xfrm>
+          <a:off x="0" y="0"/>
+          <a:ext cx="0" cy="0"/>
+          <a:chOff x="0" y="0"/>
+          <a:chExt cx="0" cy="0"/>
+        </a:xfrm>
+      </p:grpSpPr>
+      <p:sp>
+        <p:nvSpPr>
+          <p:cNvPr id="3" name="内容占位符 2">
+            <a:extLst>
+              <a:ext uri="{FF2B5EF4-FFF2-40B4-BE49-F238E27FC236}">
+                <a16:creationId xmlns:a16="http://schemas.microsoft.com/office/drawing/2014/main" id="{D6E6F31B-EC9F-4F20-83E8-041BD25EB130}"/>
+              </a:ext>
+            </a:extLst>
+          </p:cNvPr>
+          <p:cNvSpPr>
+            <a:spLocks noGrp="1"/>
+          </p:cNvSpPr>
+          <p:nvPr>
+            <p:ph idx="1"/>
+          </p:nvPr>
+        </p:nvSpPr>
+        <p:spPr>
+          <a:xfrm>
+            <a:off x="646289" y="527402"/>
+            <a:ext cx="10515600" cy="4351338"/>
+          </a:xfrm>
+        </p:spPr>
+        <p:txBody>
+          <a:bodyPr/>
+          <a:lstStyle/>
+          <a:p>
+            <a:r>
+              <a:rPr lang="zh-CN" altLang="en-US" dirty="0"/>
+              <a:t>编写自己的函数</a:t>
+            </a:r>
+            <a:r>
+              <a:rPr lang="en-US" dirty="0" err="1"/>
+              <a:t>Strlen</a:t>
+            </a:r>
+            <a:r>
+              <a:rPr lang="en-US" dirty="0"/>
+              <a:t>()</a:t>
+            </a:r>
+            <a:r>
+              <a:rPr lang="zh-CN" altLang="en-US" dirty="0"/>
+              <a:t>就是模拟</a:t>
+            </a:r>
+            <a:r>
+              <a:rPr lang="en-US" dirty="0"/>
+              <a:t>&lt;</a:t>
+            </a:r>
+            <a:r>
+              <a:rPr lang="en-US" dirty="0" err="1"/>
+              <a:t>cstring</a:t>
+            </a:r>
+            <a:r>
+              <a:rPr lang="en-US" dirty="0"/>
+              <a:t>&gt;</a:t>
+            </a:r>
+            <a:r>
+              <a:rPr lang="zh-CN" altLang="en-US" dirty="0"/>
+              <a:t>的</a:t>
+            </a:r>
+            <a:r>
+              <a:rPr lang="en-US" dirty="0" err="1"/>
+              <a:t>strlen</a:t>
+            </a:r>
+            <a:r>
+              <a:rPr lang="en-US" dirty="0"/>
+              <a:t>()</a:t>
+            </a:r>
+            <a:r>
+              <a:rPr lang="zh-CN" altLang="en-US" dirty="0"/>
+              <a:t>函数</a:t>
+            </a:r>
+            <a:endParaRPr lang="en-US" dirty="0"/>
+          </a:p>
+        </p:txBody>
+      </p:sp>
+      <p:pic>
+        <p:nvPicPr>
+          <p:cNvPr id="5" name="图片 4">
+            <a:extLst>
+              <a:ext uri="{FF2B5EF4-FFF2-40B4-BE49-F238E27FC236}">
+                <a16:creationId xmlns:a16="http://schemas.microsoft.com/office/drawing/2014/main" id="{B6EA060D-3286-4DC3-AEBD-3BBEC77C8D47}"/>
+              </a:ext>
+            </a:extLst>
+          </p:cNvPr>
+          <p:cNvPicPr>
+            <a:picLocks noChangeAspect="1"/>
+          </p:cNvPicPr>
+          <p:nvPr/>
+        </p:nvPicPr>
+        <p:blipFill>
+          <a:blip r:embed="rId2"/>
+          <a:stretch>
+            <a:fillRect/>
+          </a:stretch>
+        </p:blipFill>
+        <p:spPr>
+          <a:xfrm>
+            <a:off x="421399" y="1439509"/>
+            <a:ext cx="11770601" cy="2037469"/>
+          </a:xfrm>
+          <a:prstGeom prst="rect">
+            <a:avLst/>
+          </a:prstGeom>
+        </p:spPr>
+      </p:pic>
+      <p:sp>
+        <p:nvSpPr>
+          <p:cNvPr id="7" name="文本框 6">
+            <a:extLst>
+              <a:ext uri="{FF2B5EF4-FFF2-40B4-BE49-F238E27FC236}">
+                <a16:creationId xmlns:a16="http://schemas.microsoft.com/office/drawing/2014/main" id="{6CD27006-1381-46B9-A29C-A3F8ED446E85}"/>
+              </a:ext>
+            </a:extLst>
+          </p:cNvPr>
+          <p:cNvSpPr txBox="1"/>
+          <p:nvPr/>
+        </p:nvSpPr>
+        <p:spPr>
+          <a:xfrm>
+            <a:off x="4154312" y="2764649"/>
+            <a:ext cx="487680" cy="508000"/>
+          </a:xfrm>
+          <a:prstGeom prst="rect">
+            <a:avLst/>
+          </a:prstGeom>
+          <a:noFill/>
+        </p:spPr>
+        <p:txBody>
+          <a:bodyPr wrap="square" rtlCol="0">
+            <a:spAutoFit/>
+          </a:bodyPr>
+          <a:lstStyle/>
+          <a:p>
+            <a:pPr algn="l"/>
+            <a:r>
+              <a:rPr lang="en-US" altLang="zh-CN" sz="2600" dirty="0"/>
+              <a:t>s</a:t>
+            </a:r>
+            <a:endParaRPr lang="en-US" sz="2600" dirty="0"/>
+          </a:p>
+        </p:txBody>
+      </p:sp>
+      <p:sp>
+        <p:nvSpPr>
+          <p:cNvPr id="8" name="文本框 7">
+            <a:extLst>
+              <a:ext uri="{FF2B5EF4-FFF2-40B4-BE49-F238E27FC236}">
+                <a16:creationId xmlns:a16="http://schemas.microsoft.com/office/drawing/2014/main" id="{394BECBA-DFD0-4944-AD24-8F2CF197E54C}"/>
+              </a:ext>
+            </a:extLst>
+          </p:cNvPr>
+          <p:cNvSpPr txBox="1"/>
+          <p:nvPr/>
+        </p:nvSpPr>
+        <p:spPr>
+          <a:xfrm>
+            <a:off x="3894666" y="3228621"/>
+            <a:ext cx="861209" cy="417689"/>
+          </a:xfrm>
+          <a:prstGeom prst="rect">
+            <a:avLst/>
+          </a:prstGeom>
+          <a:noFill/>
+          <a:ln w="25400">
+            <a:solidFill>
+              <a:schemeClr val="tx1"/>
+            </a:solidFill>
+          </a:ln>
+        </p:spPr>
+        <p:txBody>
+          <a:bodyPr wrap="square" rtlCol="0">
+            <a:spAutoFit/>
+          </a:bodyPr>
+          <a:lstStyle/>
+          <a:p>
+            <a:pPr algn="l"/>
+            <a:endParaRPr lang="en-US" sz="2600" dirty="0"/>
+          </a:p>
+        </p:txBody>
+      </p:sp>
+      <p:cxnSp>
+        <p:nvCxnSpPr>
+          <p:cNvPr id="9" name="直接箭头连接符 8">
+            <a:extLst>
+              <a:ext uri="{FF2B5EF4-FFF2-40B4-BE49-F238E27FC236}">
+                <a16:creationId xmlns:a16="http://schemas.microsoft.com/office/drawing/2014/main" id="{6A0E2B5F-4A88-47D6-B346-A12DC4C76D1F}"/>
+              </a:ext>
+            </a:extLst>
+          </p:cNvPr>
+          <p:cNvCxnSpPr>
+            <a:cxnSpLocks/>
+          </p:cNvCxnSpPr>
+          <p:nvPr/>
+        </p:nvCxnSpPr>
+        <p:spPr>
+          <a:xfrm>
+            <a:off x="4504267" y="3499556"/>
+            <a:ext cx="575733" cy="451555"/>
+          </a:xfrm>
+          <a:prstGeom prst="straightConnector1">
+            <a:avLst/>
+          </a:prstGeom>
+          <a:ln w="38100">
+            <a:solidFill>
+              <a:schemeClr val="tx1"/>
+            </a:solidFill>
+            <a:tailEnd type="triangle"/>
+          </a:ln>
+        </p:spPr>
+        <p:style>
+          <a:lnRef idx="1">
+            <a:schemeClr val="accent1"/>
+          </a:lnRef>
+          <a:fillRef idx="0">
+            <a:schemeClr val="accent1"/>
+          </a:fillRef>
+          <a:effectRef idx="0">
+            <a:schemeClr val="accent1"/>
+          </a:effectRef>
+          <a:fontRef idx="minor">
+            <a:schemeClr val="tx1"/>
+          </a:fontRef>
+        </p:style>
+      </p:cxnSp>
+      <p:sp>
+        <p:nvSpPr>
+          <p:cNvPr id="16" name="文本框 15">
+            <a:extLst>
+              <a:ext uri="{FF2B5EF4-FFF2-40B4-BE49-F238E27FC236}">
+                <a16:creationId xmlns:a16="http://schemas.microsoft.com/office/drawing/2014/main" id="{E533CECA-15E9-495A-96AD-7C661A6210E0}"/>
+              </a:ext>
+            </a:extLst>
+          </p:cNvPr>
+          <p:cNvSpPr txBox="1"/>
+          <p:nvPr/>
+        </p:nvSpPr>
+        <p:spPr>
+          <a:xfrm>
+            <a:off x="5334001" y="2759005"/>
+            <a:ext cx="487680" cy="508000"/>
+          </a:xfrm>
+          <a:prstGeom prst="rect">
+            <a:avLst/>
+          </a:prstGeom>
+          <a:noFill/>
+        </p:spPr>
+        <p:txBody>
+          <a:bodyPr wrap="square" rtlCol="0">
+            <a:spAutoFit/>
+          </a:bodyPr>
+          <a:lstStyle/>
+          <a:p>
+            <a:pPr algn="l"/>
+            <a:r>
+              <a:rPr lang="en-US" sz="2600" dirty="0"/>
+              <a:t>p</a:t>
+            </a:r>
+          </a:p>
+        </p:txBody>
+      </p:sp>
+      <p:sp>
+        <p:nvSpPr>
+          <p:cNvPr id="17" name="文本框 16">
+            <a:extLst>
+              <a:ext uri="{FF2B5EF4-FFF2-40B4-BE49-F238E27FC236}">
+                <a16:creationId xmlns:a16="http://schemas.microsoft.com/office/drawing/2014/main" id="{66833D38-DDF8-4DB0-8E03-2AC707429DBC}"/>
+              </a:ext>
+            </a:extLst>
+          </p:cNvPr>
+          <p:cNvSpPr txBox="1"/>
+          <p:nvPr/>
+        </p:nvSpPr>
+        <p:spPr>
+          <a:xfrm>
+            <a:off x="5074355" y="3222977"/>
+            <a:ext cx="861209" cy="417689"/>
+          </a:xfrm>
+          <a:prstGeom prst="rect">
+            <a:avLst/>
+          </a:prstGeom>
+          <a:noFill/>
+          <a:ln w="25400">
+            <a:solidFill>
+              <a:schemeClr val="tx1"/>
+            </a:solidFill>
+          </a:ln>
+        </p:spPr>
+        <p:txBody>
+          <a:bodyPr wrap="square" rtlCol="0">
+            <a:spAutoFit/>
+          </a:bodyPr>
+          <a:lstStyle/>
+          <a:p>
+            <a:pPr algn="l"/>
+            <a:endParaRPr lang="en-US" sz="2600" dirty="0"/>
+          </a:p>
+        </p:txBody>
+      </p:sp>
+      <p:cxnSp>
+        <p:nvCxnSpPr>
+          <p:cNvPr id="18" name="直接箭头连接符 17">
+            <a:extLst>
+              <a:ext uri="{FF2B5EF4-FFF2-40B4-BE49-F238E27FC236}">
+                <a16:creationId xmlns:a16="http://schemas.microsoft.com/office/drawing/2014/main" id="{9062137C-6AB5-4794-A551-ACAC97BD23CD}"/>
+              </a:ext>
+            </a:extLst>
+          </p:cNvPr>
+          <p:cNvCxnSpPr>
+            <a:cxnSpLocks/>
+          </p:cNvCxnSpPr>
+          <p:nvPr/>
+        </p:nvCxnSpPr>
+        <p:spPr>
+          <a:xfrm>
+            <a:off x="5683956" y="3493912"/>
+            <a:ext cx="434622" cy="468488"/>
+          </a:xfrm>
+          <a:prstGeom prst="straightConnector1">
+            <a:avLst/>
+          </a:prstGeom>
+          <a:ln w="38100">
+            <a:solidFill>
+              <a:schemeClr val="tx1"/>
+            </a:solidFill>
+            <a:tailEnd type="triangle"/>
+          </a:ln>
+        </p:spPr>
+        <p:style>
+          <a:lnRef idx="1">
+            <a:schemeClr val="accent1"/>
+          </a:lnRef>
+          <a:fillRef idx="0">
+            <a:schemeClr val="accent1"/>
+          </a:fillRef>
+          <a:effectRef idx="0">
+            <a:schemeClr val="accent1"/>
+          </a:effectRef>
+          <a:fontRef idx="minor">
+            <a:schemeClr val="tx1"/>
+          </a:fontRef>
+        </p:style>
+      </p:cxnSp>
+      <p:graphicFrame>
+        <p:nvGraphicFramePr>
+          <p:cNvPr id="13" name="表格 4">
+            <a:extLst>
+              <a:ext uri="{FF2B5EF4-FFF2-40B4-BE49-F238E27FC236}">
+                <a16:creationId xmlns:a16="http://schemas.microsoft.com/office/drawing/2014/main" id="{A275A277-33B4-4E46-9E78-5ABBF31B369E}"/>
+              </a:ext>
+            </a:extLst>
+          </p:cNvPr>
+          <p:cNvGraphicFramePr>
+            <a:graphicFrameLocks noGrp="1"/>
+          </p:cNvGraphicFramePr>
+          <p:nvPr>
+            <p:extLst>
+              <p:ext uri="{D42A27DB-BD31-4B8C-83A1-F6EECF244321}">
+                <p14:modId xmlns:p14="http://schemas.microsoft.com/office/powerpoint/2010/main" val="3861890278"/>
+              </p:ext>
+            </p:extLst>
+          </p:nvPr>
+        </p:nvGraphicFramePr>
+        <p:xfrm>
+          <a:off x="5000980" y="4061176"/>
+          <a:ext cx="4041420" cy="518160"/>
+        </p:xfrm>
+        <a:graphic>
+          <a:graphicData uri="http://schemas.openxmlformats.org/drawingml/2006/table">
+            <a:tbl>
+              <a:tblPr firstRow="1" bandRow="1">
+                <a:tableStyleId>{5940675A-B579-460E-94D1-54222C63F5DA}</a:tableStyleId>
+              </a:tblPr>
+              <a:tblGrid>
+                <a:gridCol w="673570">
+                  <a:extLst>
+                    <a:ext uri="{9D8B030D-6E8A-4147-A177-3AD203B41FA5}">
+                      <a16:colId xmlns:a16="http://schemas.microsoft.com/office/drawing/2014/main" val="85013235"/>
+                    </a:ext>
+                  </a:extLst>
+                </a:gridCol>
+                <a:gridCol w="673570">
+                  <a:extLst>
+                    <a:ext uri="{9D8B030D-6E8A-4147-A177-3AD203B41FA5}">
+                      <a16:colId xmlns:a16="http://schemas.microsoft.com/office/drawing/2014/main" val="3773297126"/>
+                    </a:ext>
+                  </a:extLst>
+                </a:gridCol>
+                <a:gridCol w="673570">
+                  <a:extLst>
+                    <a:ext uri="{9D8B030D-6E8A-4147-A177-3AD203B41FA5}">
+                      <a16:colId xmlns:a16="http://schemas.microsoft.com/office/drawing/2014/main" val="1427630036"/>
+                    </a:ext>
+                  </a:extLst>
+                </a:gridCol>
+                <a:gridCol w="673570">
+                  <a:extLst>
+                    <a:ext uri="{9D8B030D-6E8A-4147-A177-3AD203B41FA5}">
+                      <a16:colId xmlns:a16="http://schemas.microsoft.com/office/drawing/2014/main" val="3360912248"/>
+                    </a:ext>
+                  </a:extLst>
+                </a:gridCol>
+                <a:gridCol w="673570">
+                  <a:extLst>
+                    <a:ext uri="{9D8B030D-6E8A-4147-A177-3AD203B41FA5}">
+                      <a16:colId xmlns:a16="http://schemas.microsoft.com/office/drawing/2014/main" val="3467441352"/>
+                    </a:ext>
+                  </a:extLst>
+                </a:gridCol>
+                <a:gridCol w="673570">
+                  <a:extLst>
+                    <a:ext uri="{9D8B030D-6E8A-4147-A177-3AD203B41FA5}">
+                      <a16:colId xmlns:a16="http://schemas.microsoft.com/office/drawing/2014/main" val="586801133"/>
+                    </a:ext>
+                  </a:extLst>
+                </a:gridCol>
+              </a:tblGrid>
+              <a:tr h="443091">
+                <a:tc>
+                  <a:txBody>
+                    <a:bodyPr/>
+                    <a:lstStyle/>
+                    <a:p>
+                      <a:pPr algn="ctr"/>
+                      <a:r>
+                        <a:rPr lang="en-US" sz="2800" dirty="0"/>
+                        <a:t>h</a:t>
+                      </a:r>
+                    </a:p>
+                  </a:txBody>
+                  <a:tcPr/>
+                </a:tc>
+                <a:tc>
+                  <a:txBody>
+                    <a:bodyPr/>
+                    <a:lstStyle/>
+                    <a:p>
+                      <a:pPr algn="ctr"/>
+                      <a:r>
+                        <a:rPr lang="en-US" sz="2800" dirty="0"/>
+                        <a:t>e</a:t>
+                      </a:r>
+                    </a:p>
+                  </a:txBody>
+                  <a:tcPr/>
+                </a:tc>
+                <a:tc>
+                  <a:txBody>
+                    <a:bodyPr/>
+                    <a:lstStyle/>
+                    <a:p>
+                      <a:pPr algn="ctr"/>
+                      <a:r>
+                        <a:rPr lang="en-US" sz="2800" dirty="0"/>
+                        <a:t>l</a:t>
+                      </a:r>
+                    </a:p>
+                  </a:txBody>
+                  <a:tcPr/>
+                </a:tc>
+                <a:tc>
+                  <a:txBody>
+                    <a:bodyPr/>
+                    <a:lstStyle/>
+                    <a:p>
+                      <a:pPr algn="ctr"/>
+                      <a:r>
+                        <a:rPr lang="en-US" sz="2800" dirty="0"/>
+                        <a:t>l</a:t>
+                      </a:r>
+                    </a:p>
+                  </a:txBody>
+                  <a:tcPr/>
+                </a:tc>
+                <a:tc>
+                  <a:txBody>
+                    <a:bodyPr/>
+                    <a:lstStyle/>
+                    <a:p>
+                      <a:pPr algn="ctr"/>
+                      <a:r>
+                        <a:rPr lang="en-US" sz="2800" dirty="0"/>
+                        <a:t>o</a:t>
+                      </a:r>
+                    </a:p>
+                  </a:txBody>
+                  <a:tcPr/>
+                </a:tc>
+                <a:tc>
+                  <a:txBody>
+                    <a:bodyPr/>
+                    <a:lstStyle/>
+                    <a:p>
+                      <a:pPr algn="ctr"/>
+                      <a:r>
+                        <a:rPr lang="en-US" sz="2800" dirty="0"/>
+                        <a:t>\0</a:t>
+                      </a:r>
+                    </a:p>
+                  </a:txBody>
+                  <a:tcPr/>
+                </a:tc>
+                <a:extLst>
+                  <a:ext uri="{0D108BD9-81ED-4DB2-BD59-A6C34878D82A}">
+                    <a16:rowId xmlns:a16="http://schemas.microsoft.com/office/drawing/2014/main" val="153347786"/>
+                  </a:ext>
+                </a:extLst>
+              </a:tr>
+            </a:tbl>
+          </a:graphicData>
+        </a:graphic>
+      </p:graphicFrame>
+    </p:spTree>
+    <p:extLst>
+      <p:ext uri="{BB962C8B-B14F-4D97-AF65-F5344CB8AC3E}">
+        <p14:creationId xmlns:p14="http://schemas.microsoft.com/office/powerpoint/2010/main" val="68133908"/>
+      </p:ext>
+    </p:extLst>
+  </p:cSld>
+  <p:clrMapOvr>
+    <a:masterClrMapping/>
+  </p:clrMapOvr>
+</p:sld>
+</file>
+
+<file path=ppt/slides/slide45.xml><?xml version="1.0" encoding="utf-8"?>
+<p:sld xmlns:a="http://schemas.openxmlformats.org/drawingml/2006/main" xmlns:r="http://schemas.openxmlformats.org/officeDocument/2006/relationships" xmlns:p="http://schemas.openxmlformats.org/presentationml/2006/main">
+  <p:cSld>
+    <p:spTree>
+      <p:nvGrpSpPr>
+        <p:cNvPr id="1" name=""/>
+        <p:cNvGrpSpPr/>
+        <p:nvPr/>
+      </p:nvGrpSpPr>
+      <p:grpSpPr>
+        <a:xfrm>
+          <a:off x="0" y="0"/>
+          <a:ext cx="0" cy="0"/>
+          <a:chOff x="0" y="0"/>
+          <a:chExt cx="0" cy="0"/>
+        </a:xfrm>
+      </p:grpSpPr>
+      <p:sp>
+        <p:nvSpPr>
+          <p:cNvPr id="3" name="内容占位符 2">
+            <a:extLst>
+              <a:ext uri="{FF2B5EF4-FFF2-40B4-BE49-F238E27FC236}">
+                <a16:creationId xmlns:a16="http://schemas.microsoft.com/office/drawing/2014/main" id="{D6E6F31B-EC9F-4F20-83E8-041BD25EB130}"/>
+              </a:ext>
+            </a:extLst>
+          </p:cNvPr>
+          <p:cNvSpPr>
+            <a:spLocks noGrp="1"/>
+          </p:cNvSpPr>
+          <p:nvPr>
+            <p:ph idx="1"/>
+          </p:nvPr>
+        </p:nvSpPr>
+        <p:spPr>
+          <a:xfrm>
+            <a:off x="646289" y="527402"/>
+            <a:ext cx="10515600" cy="4351338"/>
+          </a:xfrm>
+        </p:spPr>
+        <p:txBody>
+          <a:bodyPr/>
+          <a:lstStyle/>
+          <a:p>
+            <a:r>
+              <a:rPr lang="zh-CN" altLang="en-US" dirty="0"/>
+              <a:t>编写自己的函数</a:t>
+            </a:r>
+            <a:r>
+              <a:rPr lang="en-US" dirty="0" err="1"/>
+              <a:t>Strlen</a:t>
+            </a:r>
+            <a:r>
+              <a:rPr lang="en-US" dirty="0"/>
+              <a:t>()</a:t>
+            </a:r>
+            <a:r>
+              <a:rPr lang="zh-CN" altLang="en-US" dirty="0"/>
+              <a:t>就是模拟</a:t>
+            </a:r>
+            <a:r>
+              <a:rPr lang="en-US" dirty="0"/>
+              <a:t>&lt;</a:t>
+            </a:r>
+            <a:r>
+              <a:rPr lang="en-US" dirty="0" err="1"/>
+              <a:t>cstring</a:t>
+            </a:r>
+            <a:r>
+              <a:rPr lang="en-US" dirty="0"/>
+              <a:t>&gt;</a:t>
+            </a:r>
+            <a:r>
+              <a:rPr lang="zh-CN" altLang="en-US" dirty="0"/>
+              <a:t>的</a:t>
+            </a:r>
+            <a:r>
+              <a:rPr lang="en-US" dirty="0" err="1"/>
+              <a:t>strlen</a:t>
+            </a:r>
+            <a:r>
+              <a:rPr lang="en-US" dirty="0"/>
+              <a:t>()</a:t>
+            </a:r>
+            <a:r>
+              <a:rPr lang="zh-CN" altLang="en-US" dirty="0"/>
+              <a:t>函数</a:t>
+            </a:r>
+            <a:endParaRPr lang="en-US" dirty="0"/>
+          </a:p>
+        </p:txBody>
+      </p:sp>
+      <p:pic>
+        <p:nvPicPr>
+          <p:cNvPr id="5" name="图片 4">
+            <a:extLst>
+              <a:ext uri="{FF2B5EF4-FFF2-40B4-BE49-F238E27FC236}">
+                <a16:creationId xmlns:a16="http://schemas.microsoft.com/office/drawing/2014/main" id="{B6EA060D-3286-4DC3-AEBD-3BBEC77C8D47}"/>
+              </a:ext>
+            </a:extLst>
+          </p:cNvPr>
+          <p:cNvPicPr>
+            <a:picLocks noChangeAspect="1"/>
+          </p:cNvPicPr>
+          <p:nvPr/>
+        </p:nvPicPr>
+        <p:blipFill>
+          <a:blip r:embed="rId2"/>
+          <a:stretch>
+            <a:fillRect/>
+          </a:stretch>
+        </p:blipFill>
+        <p:spPr>
+          <a:xfrm>
+            <a:off x="421399" y="1439509"/>
+            <a:ext cx="11770601" cy="2037469"/>
+          </a:xfrm>
+          <a:prstGeom prst="rect">
+            <a:avLst/>
+          </a:prstGeom>
+        </p:spPr>
+      </p:pic>
+      <p:sp>
+        <p:nvSpPr>
+          <p:cNvPr id="6" name="文本框 5">
+            <a:extLst>
+              <a:ext uri="{FF2B5EF4-FFF2-40B4-BE49-F238E27FC236}">
+                <a16:creationId xmlns:a16="http://schemas.microsoft.com/office/drawing/2014/main" id="{9D2DE4E8-1FBB-4B9A-B890-89B5E731A71A}"/>
+              </a:ext>
+            </a:extLst>
+          </p:cNvPr>
+          <p:cNvSpPr txBox="1"/>
+          <p:nvPr/>
+        </p:nvSpPr>
+        <p:spPr>
+          <a:xfrm>
+            <a:off x="530577" y="4978401"/>
+            <a:ext cx="11187289" cy="892552"/>
+          </a:xfrm>
+          <a:prstGeom prst="rect">
+            <a:avLst/>
+          </a:prstGeom>
+          <a:noFill/>
+        </p:spPr>
+        <p:txBody>
+          <a:bodyPr wrap="square" rtlCol="0">
+            <a:spAutoFit/>
+          </a:bodyPr>
+          <a:lstStyle/>
+          <a:p>
+            <a:r>
+              <a:rPr lang="zh-CN" altLang="en-US" sz="2600" dirty="0"/>
+              <a:t>其中，</a:t>
+            </a:r>
+            <a:r>
+              <a:rPr lang="en-US" sz="2600" dirty="0"/>
+              <a:t>p</a:t>
+            </a:r>
+            <a:r>
+              <a:rPr lang="zh-CN" altLang="en-US" sz="2600" dirty="0"/>
+              <a:t>开始指向字符串</a:t>
+            </a:r>
+            <a:r>
+              <a:rPr lang="en-US" sz="2600" dirty="0"/>
+              <a:t>s</a:t>
+            </a:r>
+            <a:r>
+              <a:rPr lang="zh-CN" altLang="en-US" sz="2600" dirty="0"/>
+              <a:t>的第一个字符，循环中，每次</a:t>
+            </a:r>
+            <a:r>
+              <a:rPr lang="en-US" sz="2600" dirty="0"/>
+              <a:t>p++</a:t>
+            </a:r>
+            <a:r>
+              <a:rPr lang="zh-CN" altLang="en-US" sz="2600" dirty="0"/>
+              <a:t>就将</a:t>
+            </a:r>
+            <a:r>
+              <a:rPr lang="en-US" sz="2600" dirty="0"/>
+              <a:t>p</a:t>
+            </a:r>
+            <a:r>
+              <a:rPr lang="zh-CN" altLang="en-US" sz="2600" dirty="0"/>
+              <a:t>值修改为指向下一个字符的地址，直到</a:t>
+            </a:r>
+            <a:r>
+              <a:rPr lang="en-US" sz="2600" dirty="0"/>
+              <a:t>p</a:t>
+            </a:r>
+            <a:r>
+              <a:rPr lang="zh-CN" altLang="en-US" sz="2600" dirty="0"/>
+              <a:t>指向结束字符</a:t>
+            </a:r>
+            <a:r>
+              <a:rPr lang="en-US" sz="2600" dirty="0"/>
+              <a:t>'\0'</a:t>
+            </a:r>
+            <a:r>
+              <a:rPr lang="zh-CN" altLang="en-US" sz="2600" dirty="0"/>
+              <a:t>。</a:t>
+            </a:r>
+            <a:endParaRPr lang="en-US" sz="2600" dirty="0"/>
+          </a:p>
+        </p:txBody>
+      </p:sp>
+      <p:sp>
+        <p:nvSpPr>
+          <p:cNvPr id="7" name="文本框 6">
+            <a:extLst>
+              <a:ext uri="{FF2B5EF4-FFF2-40B4-BE49-F238E27FC236}">
+                <a16:creationId xmlns:a16="http://schemas.microsoft.com/office/drawing/2014/main" id="{6CD27006-1381-46B9-A29C-A3F8ED446E85}"/>
+              </a:ext>
+            </a:extLst>
+          </p:cNvPr>
+          <p:cNvSpPr txBox="1"/>
+          <p:nvPr/>
+        </p:nvSpPr>
+        <p:spPr>
+          <a:xfrm>
+            <a:off x="4154312" y="2764649"/>
+            <a:ext cx="487680" cy="508000"/>
+          </a:xfrm>
+          <a:prstGeom prst="rect">
+            <a:avLst/>
+          </a:prstGeom>
+          <a:noFill/>
+        </p:spPr>
+        <p:txBody>
+          <a:bodyPr wrap="square" rtlCol="0">
+            <a:spAutoFit/>
+          </a:bodyPr>
+          <a:lstStyle/>
+          <a:p>
+            <a:pPr algn="l"/>
+            <a:r>
+              <a:rPr lang="en-US" altLang="zh-CN" sz="2600" dirty="0"/>
+              <a:t>s</a:t>
+            </a:r>
+            <a:endParaRPr lang="en-US" sz="2600" dirty="0"/>
+          </a:p>
+        </p:txBody>
+      </p:sp>
+      <p:sp>
+        <p:nvSpPr>
+          <p:cNvPr id="8" name="文本框 7">
+            <a:extLst>
+              <a:ext uri="{FF2B5EF4-FFF2-40B4-BE49-F238E27FC236}">
+                <a16:creationId xmlns:a16="http://schemas.microsoft.com/office/drawing/2014/main" id="{394BECBA-DFD0-4944-AD24-8F2CF197E54C}"/>
+              </a:ext>
+            </a:extLst>
+          </p:cNvPr>
+          <p:cNvSpPr txBox="1"/>
+          <p:nvPr/>
+        </p:nvSpPr>
+        <p:spPr>
+          <a:xfrm>
+            <a:off x="3894666" y="3228621"/>
+            <a:ext cx="861209" cy="417689"/>
+          </a:xfrm>
+          <a:prstGeom prst="rect">
+            <a:avLst/>
+          </a:prstGeom>
+          <a:noFill/>
+          <a:ln w="25400">
+            <a:solidFill>
+              <a:schemeClr val="tx1"/>
+            </a:solidFill>
+          </a:ln>
+        </p:spPr>
+        <p:txBody>
+          <a:bodyPr wrap="square" rtlCol="0">
+            <a:spAutoFit/>
+          </a:bodyPr>
+          <a:lstStyle/>
+          <a:p>
+            <a:pPr algn="l"/>
+            <a:endParaRPr lang="en-US" sz="2600" dirty="0"/>
+          </a:p>
+        </p:txBody>
+      </p:sp>
+      <p:cxnSp>
+        <p:nvCxnSpPr>
+          <p:cNvPr id="9" name="直接箭头连接符 8">
+            <a:extLst>
+              <a:ext uri="{FF2B5EF4-FFF2-40B4-BE49-F238E27FC236}">
+                <a16:creationId xmlns:a16="http://schemas.microsoft.com/office/drawing/2014/main" id="{6A0E2B5F-4A88-47D6-B346-A12DC4C76D1F}"/>
+              </a:ext>
+            </a:extLst>
+          </p:cNvPr>
+          <p:cNvCxnSpPr>
+            <a:cxnSpLocks/>
+          </p:cNvCxnSpPr>
+          <p:nvPr/>
+        </p:nvCxnSpPr>
+        <p:spPr>
+          <a:xfrm>
+            <a:off x="4504267" y="3499556"/>
+            <a:ext cx="575733" cy="451555"/>
+          </a:xfrm>
+          <a:prstGeom prst="straightConnector1">
+            <a:avLst/>
+          </a:prstGeom>
+          <a:ln w="38100">
+            <a:solidFill>
+              <a:schemeClr val="tx1"/>
+            </a:solidFill>
+            <a:tailEnd type="triangle"/>
+          </a:ln>
+        </p:spPr>
+        <p:style>
+          <a:lnRef idx="1">
+            <a:schemeClr val="accent1"/>
+          </a:lnRef>
+          <a:fillRef idx="0">
+            <a:schemeClr val="accent1"/>
+          </a:fillRef>
+          <a:effectRef idx="0">
+            <a:schemeClr val="accent1"/>
+          </a:effectRef>
+          <a:fontRef idx="minor">
+            <a:schemeClr val="tx1"/>
+          </a:fontRef>
+        </p:style>
+      </p:cxnSp>
+      <p:sp>
+        <p:nvSpPr>
+          <p:cNvPr id="16" name="文本框 15">
+            <a:extLst>
+              <a:ext uri="{FF2B5EF4-FFF2-40B4-BE49-F238E27FC236}">
+                <a16:creationId xmlns:a16="http://schemas.microsoft.com/office/drawing/2014/main" id="{E533CECA-15E9-495A-96AD-7C661A6210E0}"/>
+              </a:ext>
+            </a:extLst>
+          </p:cNvPr>
+          <p:cNvSpPr txBox="1"/>
+          <p:nvPr/>
+        </p:nvSpPr>
+        <p:spPr>
+          <a:xfrm>
+            <a:off x="5334001" y="2759005"/>
+            <a:ext cx="487680" cy="508000"/>
+          </a:xfrm>
+          <a:prstGeom prst="rect">
+            <a:avLst/>
+          </a:prstGeom>
+          <a:noFill/>
+        </p:spPr>
+        <p:txBody>
+          <a:bodyPr wrap="square" rtlCol="0">
+            <a:spAutoFit/>
+          </a:bodyPr>
+          <a:lstStyle/>
+          <a:p>
+            <a:pPr algn="l"/>
+            <a:r>
+              <a:rPr lang="en-US" sz="2600" dirty="0"/>
+              <a:t>p</a:t>
+            </a:r>
+          </a:p>
+        </p:txBody>
+      </p:sp>
+      <p:sp>
+        <p:nvSpPr>
+          <p:cNvPr id="17" name="文本框 16">
+            <a:extLst>
+              <a:ext uri="{FF2B5EF4-FFF2-40B4-BE49-F238E27FC236}">
+                <a16:creationId xmlns:a16="http://schemas.microsoft.com/office/drawing/2014/main" id="{66833D38-DDF8-4DB0-8E03-2AC707429DBC}"/>
+              </a:ext>
+            </a:extLst>
+          </p:cNvPr>
+          <p:cNvSpPr txBox="1"/>
+          <p:nvPr/>
+        </p:nvSpPr>
+        <p:spPr>
+          <a:xfrm>
+            <a:off x="5074355" y="3222977"/>
+            <a:ext cx="861209" cy="417689"/>
+          </a:xfrm>
+          <a:prstGeom prst="rect">
+            <a:avLst/>
+          </a:prstGeom>
+          <a:noFill/>
+          <a:ln w="25400">
+            <a:solidFill>
+              <a:schemeClr val="tx1"/>
+            </a:solidFill>
+          </a:ln>
+        </p:spPr>
+        <p:txBody>
+          <a:bodyPr wrap="square" rtlCol="0">
+            <a:spAutoFit/>
+          </a:bodyPr>
+          <a:lstStyle/>
+          <a:p>
+            <a:pPr algn="l"/>
+            <a:endParaRPr lang="en-US" sz="2600" dirty="0"/>
+          </a:p>
+        </p:txBody>
+      </p:sp>
+      <p:cxnSp>
+        <p:nvCxnSpPr>
+          <p:cNvPr id="18" name="直接箭头连接符 17">
+            <a:extLst>
+              <a:ext uri="{FF2B5EF4-FFF2-40B4-BE49-F238E27FC236}">
+                <a16:creationId xmlns:a16="http://schemas.microsoft.com/office/drawing/2014/main" id="{9062137C-6AB5-4794-A551-ACAC97BD23CD}"/>
+              </a:ext>
+            </a:extLst>
+          </p:cNvPr>
+          <p:cNvCxnSpPr>
+            <a:cxnSpLocks/>
+          </p:cNvCxnSpPr>
+          <p:nvPr/>
+        </p:nvCxnSpPr>
+        <p:spPr>
+          <a:xfrm>
+            <a:off x="5683956" y="3493912"/>
+            <a:ext cx="2805288" cy="502355"/>
+          </a:xfrm>
+          <a:prstGeom prst="straightConnector1">
+            <a:avLst/>
+          </a:prstGeom>
+          <a:ln w="38100">
+            <a:solidFill>
+              <a:schemeClr val="tx1"/>
+            </a:solidFill>
+            <a:tailEnd type="triangle"/>
+          </a:ln>
+        </p:spPr>
+        <p:style>
+          <a:lnRef idx="1">
+            <a:schemeClr val="accent1"/>
+          </a:lnRef>
+          <a:fillRef idx="0">
+            <a:schemeClr val="accent1"/>
+          </a:fillRef>
+          <a:effectRef idx="0">
+            <a:schemeClr val="accent1"/>
+          </a:effectRef>
+          <a:fontRef idx="minor">
+            <a:schemeClr val="tx1"/>
+          </a:fontRef>
+        </p:style>
+      </p:cxnSp>
+      <p:graphicFrame>
+        <p:nvGraphicFramePr>
+          <p:cNvPr id="13" name="表格 4">
+            <a:extLst>
+              <a:ext uri="{FF2B5EF4-FFF2-40B4-BE49-F238E27FC236}">
+                <a16:creationId xmlns:a16="http://schemas.microsoft.com/office/drawing/2014/main" id="{0A1BC299-693D-4E97-AC7D-A8CB31C2E5B8}"/>
+              </a:ext>
+            </a:extLst>
+          </p:cNvPr>
+          <p:cNvGraphicFramePr>
+            <a:graphicFrameLocks noGrp="1"/>
+          </p:cNvGraphicFramePr>
+          <p:nvPr>
+            <p:extLst>
+              <p:ext uri="{D42A27DB-BD31-4B8C-83A1-F6EECF244321}">
+                <p14:modId xmlns:p14="http://schemas.microsoft.com/office/powerpoint/2010/main" val="3861890278"/>
+              </p:ext>
+            </p:extLst>
+          </p:nvPr>
+        </p:nvGraphicFramePr>
+        <p:xfrm>
+          <a:off x="5000980" y="4061176"/>
+          <a:ext cx="4041420" cy="518160"/>
+        </p:xfrm>
+        <a:graphic>
+          <a:graphicData uri="http://schemas.openxmlformats.org/drawingml/2006/table">
+            <a:tbl>
+              <a:tblPr firstRow="1" bandRow="1">
+                <a:tableStyleId>{5940675A-B579-460E-94D1-54222C63F5DA}</a:tableStyleId>
+              </a:tblPr>
+              <a:tblGrid>
+                <a:gridCol w="673570">
+                  <a:extLst>
+                    <a:ext uri="{9D8B030D-6E8A-4147-A177-3AD203B41FA5}">
+                      <a16:colId xmlns:a16="http://schemas.microsoft.com/office/drawing/2014/main" val="85013235"/>
+                    </a:ext>
+                  </a:extLst>
+                </a:gridCol>
+                <a:gridCol w="673570">
+                  <a:extLst>
+                    <a:ext uri="{9D8B030D-6E8A-4147-A177-3AD203B41FA5}">
+                      <a16:colId xmlns:a16="http://schemas.microsoft.com/office/drawing/2014/main" val="3773297126"/>
+                    </a:ext>
+                  </a:extLst>
+                </a:gridCol>
+                <a:gridCol w="673570">
+                  <a:extLst>
+                    <a:ext uri="{9D8B030D-6E8A-4147-A177-3AD203B41FA5}">
+                      <a16:colId xmlns:a16="http://schemas.microsoft.com/office/drawing/2014/main" val="1427630036"/>
+                    </a:ext>
+                  </a:extLst>
+                </a:gridCol>
+                <a:gridCol w="673570">
+                  <a:extLst>
+                    <a:ext uri="{9D8B030D-6E8A-4147-A177-3AD203B41FA5}">
+                      <a16:colId xmlns:a16="http://schemas.microsoft.com/office/drawing/2014/main" val="3360912248"/>
+                    </a:ext>
+                  </a:extLst>
+                </a:gridCol>
+                <a:gridCol w="673570">
+                  <a:extLst>
+                    <a:ext uri="{9D8B030D-6E8A-4147-A177-3AD203B41FA5}">
+                      <a16:colId xmlns:a16="http://schemas.microsoft.com/office/drawing/2014/main" val="3467441352"/>
+                    </a:ext>
+                  </a:extLst>
+                </a:gridCol>
+                <a:gridCol w="673570">
+                  <a:extLst>
+                    <a:ext uri="{9D8B030D-6E8A-4147-A177-3AD203B41FA5}">
+                      <a16:colId xmlns:a16="http://schemas.microsoft.com/office/drawing/2014/main" val="586801133"/>
+                    </a:ext>
+                  </a:extLst>
+                </a:gridCol>
+              </a:tblGrid>
+              <a:tr h="443091">
+                <a:tc>
+                  <a:txBody>
+                    <a:bodyPr/>
+                    <a:lstStyle/>
+                    <a:p>
+                      <a:pPr algn="ctr"/>
+                      <a:r>
+                        <a:rPr lang="en-US" sz="2800" dirty="0"/>
+                        <a:t>h</a:t>
+                      </a:r>
+                    </a:p>
+                  </a:txBody>
+                  <a:tcPr/>
+                </a:tc>
+                <a:tc>
+                  <a:txBody>
+                    <a:bodyPr/>
+                    <a:lstStyle/>
+                    <a:p>
+                      <a:pPr algn="ctr"/>
+                      <a:r>
+                        <a:rPr lang="en-US" sz="2800" dirty="0"/>
+                        <a:t>e</a:t>
+                      </a:r>
+                    </a:p>
+                  </a:txBody>
+                  <a:tcPr/>
+                </a:tc>
+                <a:tc>
+                  <a:txBody>
+                    <a:bodyPr/>
+                    <a:lstStyle/>
+                    <a:p>
+                      <a:pPr algn="ctr"/>
+                      <a:r>
+                        <a:rPr lang="en-US" sz="2800" dirty="0"/>
+                        <a:t>l</a:t>
+                      </a:r>
+                    </a:p>
+                  </a:txBody>
+                  <a:tcPr/>
+                </a:tc>
+                <a:tc>
+                  <a:txBody>
+                    <a:bodyPr/>
+                    <a:lstStyle/>
+                    <a:p>
+                      <a:pPr algn="ctr"/>
+                      <a:r>
+                        <a:rPr lang="en-US" sz="2800" dirty="0"/>
+                        <a:t>l</a:t>
+                      </a:r>
+                    </a:p>
+                  </a:txBody>
+                  <a:tcPr/>
+                </a:tc>
+                <a:tc>
+                  <a:txBody>
+                    <a:bodyPr/>
+                    <a:lstStyle/>
+                    <a:p>
+                      <a:pPr algn="ctr"/>
+                      <a:r>
+                        <a:rPr lang="en-US" sz="2800" dirty="0"/>
+                        <a:t>o</a:t>
+                      </a:r>
+                    </a:p>
+                  </a:txBody>
+                  <a:tcPr/>
+                </a:tc>
+                <a:tc>
+                  <a:txBody>
+                    <a:bodyPr/>
+                    <a:lstStyle/>
+                    <a:p>
+                      <a:pPr algn="ctr"/>
+                      <a:r>
+                        <a:rPr lang="en-US" sz="2800" dirty="0"/>
+                        <a:t>\0</a:t>
+                      </a:r>
+                    </a:p>
+                  </a:txBody>
+                  <a:tcPr/>
+                </a:tc>
+                <a:extLst>
+                  <a:ext uri="{0D108BD9-81ED-4DB2-BD59-A6C34878D82A}">
+                    <a16:rowId xmlns:a16="http://schemas.microsoft.com/office/drawing/2014/main" val="153347786"/>
+                  </a:ext>
+                </a:extLst>
+              </a:tr>
+            </a:tbl>
+          </a:graphicData>
+        </a:graphic>
+      </p:graphicFrame>
+    </p:spTree>
+    <p:extLst>
+      <p:ext uri="{BB962C8B-B14F-4D97-AF65-F5344CB8AC3E}">
+        <p14:creationId xmlns:p14="http://schemas.microsoft.com/office/powerpoint/2010/main" val="2473398811"/>
+      </p:ext>
+    </p:extLst>
+  </p:cSld>
+  <p:clrMapOvr>
+    <a:masterClrMapping/>
+  </p:clrMapOvr>
+  <p:timing>
+    <p:tnLst>
+      <p:par>
+        <p:cTn id="1" dur="indefinite" restart="never" nodeType="tmRoot">
+          <p:childTnLst>
+            <p:seq concurrent="1" nextAc="seek">
+              <p:cTn id="2" dur="indefinite" nodeType="mainSeq">
+                <p:childTnLst>
+                  <p:par>
+                    <p:cTn id="3" fill="hold">
+                      <p:stCondLst>
+                        <p:cond delay="indefinite"/>
+                      </p:stCondLst>
+                      <p:childTnLst>
+                        <p:par>
+                          <p:cTn id="4" fill="hold">
+                            <p:stCondLst>
+                              <p:cond delay="0"/>
+                            </p:stCondLst>
+                            <p:childTnLst>
+                              <p:par>
+                                <p:cTn id="5" presetID="1" presetClass="entr" presetSubtype="0" fill="hold" grpId="0" nodeType="clickEffect">
+                                  <p:stCondLst>
+                                    <p:cond delay="0"/>
+                                  </p:stCondLst>
+                                  <p:childTnLst>
+                                    <p:set>
+                                      <p:cBhvr>
+                                        <p:cTn id="6" dur="1" fill="hold">
+                                          <p:stCondLst>
+                                            <p:cond delay="0"/>
+                                          </p:stCondLst>
+                                        </p:cTn>
+                                        <p:tgtEl>
+                                          <p:spTgt spid="6"/>
+                                        </p:tgtEl>
+                                        <p:attrNameLst>
+                                          <p:attrName>style.visibility</p:attrName>
+                                        </p:attrNameLst>
+                                      </p:cBhvr>
+                                      <p:to>
+                                        <p:strVal val="visible"/>
+                                      </p:to>
+                                    </p:set>
+                                  </p:childTnLst>
+                                </p:cTn>
+                              </p:par>
+                            </p:childTnLst>
+                          </p:cTn>
+                        </p:par>
+                      </p:childTnLst>
+                    </p:cTn>
+                  </p:par>
+                </p:childTnLst>
+              </p:cTn>
+              <p:prevCondLst>
+                <p:cond evt="onPrev" delay="0">
+                  <p:tgtEl>
+                    <p:sldTgt/>
+                  </p:tgtEl>
+                </p:cond>
+              </p:prevCondLst>
+              <p:nextCondLst>
+                <p:cond evt="onNext" delay="0">
+                  <p:tgtEl>
+                    <p:sldTgt/>
+                  </p:tgtEl>
+                </p:cond>
+              </p:nextCondLst>
+            </p:seq>
+          </p:childTnLst>
+        </p:cTn>
+      </p:par>
+    </p:tnLst>
+    <p:bldLst>
+      <p:bldP spid="6" grpId="0"/>
+    </p:bldLst>
+  </p:timing>
+</p:sld>
+</file>
+
+<file path=ppt/slides/slide46.xml><?xml version="1.0" encoding="utf-8"?>
+<p:sld xmlns:a="http://schemas.openxmlformats.org/drawingml/2006/main" xmlns:r="http://schemas.openxmlformats.org/officeDocument/2006/relationships" xmlns:p="http://schemas.openxmlformats.org/presentationml/2006/main">
+  <p:cSld>
+    <p:spTree>
+      <p:nvGrpSpPr>
+        <p:cNvPr id="1" name=""/>
+        <p:cNvGrpSpPr/>
+        <p:nvPr/>
+      </p:nvGrpSpPr>
+      <p:grpSpPr>
+        <a:xfrm>
+          <a:off x="0" y="0"/>
+          <a:ext cx="0" cy="0"/>
+          <a:chOff x="0" y="0"/>
+          <a:chExt cx="0" cy="0"/>
+        </a:xfrm>
+      </p:grpSpPr>
+      <p:sp>
+        <p:nvSpPr>
+          <p:cNvPr id="3" name="内容占位符 2">
+            <a:extLst>
+              <a:ext uri="{FF2B5EF4-FFF2-40B4-BE49-F238E27FC236}">
+                <a16:creationId xmlns:a16="http://schemas.microsoft.com/office/drawing/2014/main" id="{9CAF659C-E6FA-49F3-A63E-0B8462BEA571}"/>
+              </a:ext>
+            </a:extLst>
+          </p:cNvPr>
+          <p:cNvSpPr>
+            <a:spLocks noGrp="1"/>
+          </p:cNvSpPr>
+          <p:nvPr>
+            <p:ph idx="1"/>
+          </p:nvPr>
+        </p:nvSpPr>
+        <p:spPr>
+          <a:xfrm>
+            <a:off x="691444" y="222603"/>
+            <a:ext cx="10515600" cy="4351338"/>
+          </a:xfrm>
+        </p:spPr>
+        <p:txBody>
+          <a:bodyPr/>
+          <a:lstStyle/>
+          <a:p>
+            <a:r>
+              <a:rPr lang="zh-CN" altLang="en-US" dirty="0"/>
+              <a:t>体会下列程序用下标和指针访问数组元素的用法。</a:t>
+            </a:r>
+            <a:endParaRPr lang="en-US" dirty="0"/>
+          </a:p>
+        </p:txBody>
+      </p:sp>
+      <p:pic>
+        <p:nvPicPr>
+          <p:cNvPr id="4" name="图片 3">
+            <a:extLst>
+              <a:ext uri="{FF2B5EF4-FFF2-40B4-BE49-F238E27FC236}">
+                <a16:creationId xmlns:a16="http://schemas.microsoft.com/office/drawing/2014/main" id="{F71BC1F7-AEA0-4D6B-AAE2-3E06C0387C6B}"/>
+              </a:ext>
+            </a:extLst>
+          </p:cNvPr>
+          <p:cNvPicPr>
+            <a:picLocks noChangeAspect="1"/>
+          </p:cNvPicPr>
+          <p:nvPr/>
+        </p:nvPicPr>
+        <p:blipFill>
+          <a:blip r:embed="rId2"/>
+          <a:stretch>
+            <a:fillRect/>
+          </a:stretch>
+        </p:blipFill>
+        <p:spPr>
+          <a:xfrm>
+            <a:off x="302506" y="1046339"/>
+            <a:ext cx="5217761" cy="4706682"/>
+          </a:xfrm>
+          <a:prstGeom prst="rect">
+            <a:avLst/>
+          </a:prstGeom>
+        </p:spPr>
+      </p:pic>
+      <p:pic>
+        <p:nvPicPr>
+          <p:cNvPr id="5" name="图片 4">
+            <a:extLst>
+              <a:ext uri="{FF2B5EF4-FFF2-40B4-BE49-F238E27FC236}">
+                <a16:creationId xmlns:a16="http://schemas.microsoft.com/office/drawing/2014/main" id="{57D48FA6-7260-465E-B9DD-2729DA961B6F}"/>
+              </a:ext>
+            </a:extLst>
+          </p:cNvPr>
+          <p:cNvPicPr>
+            <a:picLocks noChangeAspect="1"/>
+          </p:cNvPicPr>
+          <p:nvPr/>
+        </p:nvPicPr>
+        <p:blipFill>
+          <a:blip r:embed="rId2"/>
+          <a:stretch>
+            <a:fillRect/>
+          </a:stretch>
+        </p:blipFill>
+        <p:spPr>
+          <a:xfrm>
+            <a:off x="6421084" y="1057628"/>
+            <a:ext cx="5347690" cy="4823884"/>
+          </a:xfrm>
+          <a:prstGeom prst="rect">
+            <a:avLst/>
+          </a:prstGeom>
+        </p:spPr>
+      </p:pic>
+    </p:spTree>
+    <p:extLst>
+      <p:ext uri="{BB962C8B-B14F-4D97-AF65-F5344CB8AC3E}">
+        <p14:creationId xmlns:p14="http://schemas.microsoft.com/office/powerpoint/2010/main" val="2801232731"/>
+      </p:ext>
+    </p:extLst>
+  </p:cSld>
+  <p:clrMapOvr>
+    <a:masterClrMapping/>
+  </p:clrMapOvr>
+  <p:timing>
+    <p:tnLst>
+      <p:par>
+        <p:cTn id="1" dur="indefinite" restart="never" nodeType="tmRoot">
+          <p:childTnLst>
+            <p:seq concurrent="1" nextAc="seek">
+              <p:cTn id="2" dur="indefinite" nodeType="mainSeq">
+                <p:childTnLst>
+                  <p:par>
+                    <p:cTn id="3" fill="hold">
+                      <p:stCondLst>
+                        <p:cond delay="indefinite"/>
+                      </p:stCondLst>
+                      <p:childTnLst>
+                        <p:par>
+                          <p:cTn id="4" fill="hold">
+                            <p:stCondLst>
+                              <p:cond delay="0"/>
+                            </p:stCondLst>
+                            <p:childTnLst>
+                              <p:par>
+                                <p:cTn id="5" presetID="1" presetClass="entr" presetSubtype="0" fill="hold" nodeType="clickEffect">
+                                  <p:stCondLst>
+                                    <p:cond delay="0"/>
+                                  </p:stCondLst>
+                                  <p:childTnLst>
+                                    <p:set>
+                                      <p:cBhvr>
+                                        <p:cTn id="6" dur="1" fill="hold">
+                                          <p:stCondLst>
+                                            <p:cond delay="0"/>
+                                          </p:stCondLst>
+                                        </p:cTn>
+                                        <p:tgtEl>
+                                          <p:spTgt spid="5"/>
+                                        </p:tgtEl>
+                                        <p:attrNameLst>
+                                          <p:attrName>style.visibility</p:attrName>
+                                        </p:attrNameLst>
+                                      </p:cBhvr>
+                                      <p:to>
+                                        <p:strVal val="visible"/>
+                                      </p:to>
+                                    </p:set>
+                                  </p:childTnLst>
+                                </p:cTn>
+                              </p:par>
+                            </p:childTnLst>
+                          </p:cTn>
+                        </p:par>
+                      </p:childTnLst>
+                    </p:cTn>
+                  </p:par>
+                </p:childTnLst>
+              </p:cTn>
+              <p:prevCondLst>
+                <p:cond evt="onPrev" delay="0">
+                  <p:tgtEl>
+                    <p:sldTgt/>
+                  </p:tgtEl>
+                </p:cond>
+              </p:prevCondLst>
+              <p:nextCondLst>
+                <p:cond evt="onNext" delay="0">
+                  <p:tgtEl>
+                    <p:sldTgt/>
+                  </p:tgtEl>
+                </p:cond>
+              </p:nextCondLst>
+            </p:seq>
+          </p:childTnLst>
+        </p:cTn>
+      </p:par>
+    </p:tnLst>
+  </p:timing>
+</p:sld>
+</file>
+
+<file path=ppt/slides/slide47.xml><?xml version="1.0" encoding="utf-8"?>
+<p:sld xmlns:a="http://schemas.openxmlformats.org/drawingml/2006/main" xmlns:r="http://schemas.openxmlformats.org/officeDocument/2006/relationships" xmlns:p="http://schemas.openxmlformats.org/presentationml/2006/main">
+  <p:cSld>
+    <p:spTree>
+      <p:nvGrpSpPr>
+        <p:cNvPr id="1" name=""/>
+        <p:cNvGrpSpPr/>
+        <p:nvPr/>
+      </p:nvGrpSpPr>
+      <p:grpSpPr>
+        <a:xfrm>
+          <a:off x="0" y="0"/>
+          <a:ext cx="0" cy="0"/>
+          <a:chOff x="0" y="0"/>
+          <a:chExt cx="0" cy="0"/>
+        </a:xfrm>
+      </p:grpSpPr>
+      <p:sp>
+        <p:nvSpPr>
+          <p:cNvPr id="3" name="内容占位符 2">
+            <a:extLst>
+              <a:ext uri="{FF2B5EF4-FFF2-40B4-BE49-F238E27FC236}">
+                <a16:creationId xmlns:a16="http://schemas.microsoft.com/office/drawing/2014/main" id="{088611B7-F537-49A2-ACB8-E0D758C1CBFF}"/>
+              </a:ext>
+            </a:extLst>
+          </p:cNvPr>
+          <p:cNvSpPr>
+            <a:spLocks noGrp="1"/>
+          </p:cNvSpPr>
+          <p:nvPr>
+            <p:ph idx="1"/>
+          </p:nvPr>
+        </p:nvSpPr>
+        <p:spPr>
+          <a:xfrm>
+            <a:off x="849489" y="425803"/>
+            <a:ext cx="10515600" cy="4351338"/>
+          </a:xfrm>
+        </p:spPr>
+        <p:txBody>
+          <a:bodyPr/>
+          <a:lstStyle/>
+          <a:p>
+            <a:r>
+              <a:rPr lang="en-US" dirty="0"/>
+              <a:t>2</a:t>
+            </a:r>
+            <a:r>
+              <a:rPr lang="zh-CN" altLang="en-US" dirty="0"/>
+              <a:t>个指针不能相加，但指向同一个数组的指针可以相减：表示两者之间的元素个数。</a:t>
+            </a:r>
+            <a:endParaRPr lang="en-US" dirty="0"/>
+          </a:p>
+        </p:txBody>
+      </p:sp>
+      <p:pic>
+        <p:nvPicPr>
+          <p:cNvPr id="4" name="图片 3">
+            <a:extLst>
+              <a:ext uri="{FF2B5EF4-FFF2-40B4-BE49-F238E27FC236}">
+                <a16:creationId xmlns:a16="http://schemas.microsoft.com/office/drawing/2014/main" id="{0AC18793-C842-4FFC-868C-15D9E9DB81D4}"/>
+              </a:ext>
+            </a:extLst>
+          </p:cNvPr>
+          <p:cNvPicPr>
+            <a:picLocks noChangeAspect="1"/>
+          </p:cNvPicPr>
+          <p:nvPr/>
+        </p:nvPicPr>
+        <p:blipFill>
+          <a:blip r:embed="rId2"/>
+          <a:stretch>
+            <a:fillRect/>
+          </a:stretch>
+        </p:blipFill>
+        <p:spPr>
+          <a:xfrm>
+            <a:off x="869774" y="1737606"/>
+            <a:ext cx="10368103" cy="4053594"/>
+          </a:xfrm>
+          <a:prstGeom prst="rect">
+            <a:avLst/>
+          </a:prstGeom>
+        </p:spPr>
+      </p:pic>
+    </p:spTree>
+    <p:extLst>
+      <p:ext uri="{BB962C8B-B14F-4D97-AF65-F5344CB8AC3E}">
+        <p14:creationId xmlns:p14="http://schemas.microsoft.com/office/powerpoint/2010/main" val="3922855391"/>
+      </p:ext>
+    </p:extLst>
+  </p:cSld>
+  <p:clrMapOvr>
+    <a:masterClrMapping/>
+  </p:clrMapOvr>
+</p:sld>
+</file>
+
+<file path=ppt/slides/slide48.xml><?xml version="1.0" encoding="utf-8"?>
+<p:sld xmlns:a="http://schemas.openxmlformats.org/drawingml/2006/main" xmlns:r="http://schemas.openxmlformats.org/officeDocument/2006/relationships" xmlns:p="http://schemas.openxmlformats.org/presentationml/2006/main">
+  <p:cSld>
+    <p:spTree>
+      <p:nvGrpSpPr>
+        <p:cNvPr id="1" name=""/>
+        <p:cNvGrpSpPr/>
+        <p:nvPr/>
+      </p:nvGrpSpPr>
+      <p:grpSpPr>
+        <a:xfrm>
+          <a:off x="0" y="0"/>
+          <a:ext cx="0" cy="0"/>
+          <a:chOff x="0" y="0"/>
+          <a:chExt cx="0" cy="0"/>
+        </a:xfrm>
+      </p:grpSpPr>
+      <p:sp>
+        <p:nvSpPr>
+          <p:cNvPr id="3" name="内容占位符 2">
+            <a:extLst>
+              <a:ext uri="{FF2B5EF4-FFF2-40B4-BE49-F238E27FC236}">
+                <a16:creationId xmlns:a16="http://schemas.microsoft.com/office/drawing/2014/main" id="{B20BC784-B452-4225-A0E3-37A663F56D3E}"/>
+              </a:ext>
+            </a:extLst>
+          </p:cNvPr>
+          <p:cNvSpPr>
+            <a:spLocks noGrp="1"/>
+          </p:cNvSpPr>
+          <p:nvPr>
+            <p:ph idx="1"/>
+          </p:nvPr>
+        </p:nvSpPr>
+        <p:spPr>
+          <a:xfrm>
+            <a:off x="714022" y="504825"/>
+            <a:ext cx="10515600" cy="4351338"/>
+          </a:xfrm>
+        </p:spPr>
+        <p:txBody>
+          <a:bodyPr/>
+          <a:lstStyle/>
+          <a:p>
+            <a:r>
+              <a:rPr lang="zh-CN" altLang="en-US" dirty="0"/>
+              <a:t>不指向同一个数组的同类型指针可以比较或相减，但没意义。</a:t>
+            </a:r>
+            <a:endParaRPr lang="en-US" dirty="0"/>
+          </a:p>
+        </p:txBody>
+      </p:sp>
+      <p:pic>
+        <p:nvPicPr>
+          <p:cNvPr id="4" name="图片 3">
+            <a:extLst>
+              <a:ext uri="{FF2B5EF4-FFF2-40B4-BE49-F238E27FC236}">
+                <a16:creationId xmlns:a16="http://schemas.microsoft.com/office/drawing/2014/main" id="{C9077F24-D0A0-492B-AB2D-9ECE1218A598}"/>
+              </a:ext>
+            </a:extLst>
+          </p:cNvPr>
+          <p:cNvPicPr>
+            <a:picLocks noChangeAspect="1"/>
+          </p:cNvPicPr>
+          <p:nvPr/>
+        </p:nvPicPr>
+        <p:blipFill>
+          <a:blip r:embed="rId2"/>
+          <a:stretch>
+            <a:fillRect/>
+          </a:stretch>
+        </p:blipFill>
+        <p:spPr>
+          <a:xfrm>
+            <a:off x="953558" y="1430690"/>
+            <a:ext cx="9810558" cy="2915532"/>
+          </a:xfrm>
+          <a:prstGeom prst="rect">
+            <a:avLst/>
+          </a:prstGeom>
+        </p:spPr>
+      </p:pic>
+    </p:spTree>
+    <p:extLst>
+      <p:ext uri="{BB962C8B-B14F-4D97-AF65-F5344CB8AC3E}">
+        <p14:creationId xmlns:p14="http://schemas.microsoft.com/office/powerpoint/2010/main" val="3808627935"/>
+      </p:ext>
+    </p:extLst>
+  </p:cSld>
+  <p:clrMapOvr>
+    <a:masterClrMapping/>
+  </p:clrMapOvr>
+</p:sld>
+</file>
+
+<file path=ppt/slides/slide49.xml><?xml version="1.0" encoding="utf-8"?>
+<p:sld xmlns:a="http://schemas.openxmlformats.org/drawingml/2006/main" xmlns:r="http://schemas.openxmlformats.org/officeDocument/2006/relationships" xmlns:p="http://schemas.openxmlformats.org/presentationml/2006/main">
+  <p:cSld>
+    <p:spTree>
+      <p:nvGrpSpPr>
+        <p:cNvPr id="1" name=""/>
+        <p:cNvGrpSpPr/>
+        <p:nvPr/>
+      </p:nvGrpSpPr>
+      <p:grpSpPr>
+        <a:xfrm>
+          <a:off x="0" y="0"/>
+          <a:ext cx="0" cy="0"/>
+          <a:chOff x="0" y="0"/>
+          <a:chExt cx="0" cy="0"/>
+        </a:xfrm>
+      </p:grpSpPr>
+      <p:sp>
+        <p:nvSpPr>
+          <p:cNvPr id="3" name="内容占位符 2">
+            <a:extLst>
+              <a:ext uri="{FF2B5EF4-FFF2-40B4-BE49-F238E27FC236}">
+                <a16:creationId xmlns:a16="http://schemas.microsoft.com/office/drawing/2014/main" id="{4BACB6A5-7348-4065-BFEE-B9B198AA0DD2}"/>
+              </a:ext>
+            </a:extLst>
+          </p:cNvPr>
+          <p:cNvSpPr>
+            <a:spLocks noGrp="1"/>
+          </p:cNvSpPr>
+          <p:nvPr>
+            <p:ph idx="1"/>
+          </p:nvPr>
+        </p:nvSpPr>
+        <p:spPr>
+          <a:xfrm>
+            <a:off x="793045" y="674158"/>
+            <a:ext cx="10515600" cy="1098198"/>
+          </a:xfrm>
+        </p:spPr>
+        <p:txBody>
+          <a:bodyPr/>
+          <a:lstStyle/>
+          <a:p>
+            <a:r>
+              <a:rPr lang="zh-CN" altLang="en-US" dirty="0"/>
+              <a:t>下列代码通过比较指向同一个数组元素的</a:t>
+            </a:r>
+            <a:r>
+              <a:rPr lang="en-US" dirty="0"/>
+              <a:t>2</a:t>
+            </a:r>
+            <a:r>
+              <a:rPr lang="zh-CN" altLang="en-US" dirty="0"/>
+              <a:t>个指针，控制循环过程：</a:t>
+            </a:r>
+            <a:endParaRPr lang="en-US" dirty="0"/>
+          </a:p>
+        </p:txBody>
+      </p:sp>
+      <p:pic>
+        <p:nvPicPr>
+          <p:cNvPr id="4" name="图片 3">
+            <a:extLst>
+              <a:ext uri="{FF2B5EF4-FFF2-40B4-BE49-F238E27FC236}">
+                <a16:creationId xmlns:a16="http://schemas.microsoft.com/office/drawing/2014/main" id="{B2DB5564-1250-4286-940F-70B54C0AEA25}"/>
+              </a:ext>
+            </a:extLst>
+          </p:cNvPr>
+          <p:cNvPicPr>
+            <a:picLocks noChangeAspect="1"/>
+          </p:cNvPicPr>
+          <p:nvPr/>
+        </p:nvPicPr>
+        <p:blipFill>
+          <a:blip r:embed="rId2"/>
+          <a:stretch>
+            <a:fillRect/>
+          </a:stretch>
+        </p:blipFill>
+        <p:spPr>
+          <a:xfrm>
+            <a:off x="1450798" y="1682750"/>
+            <a:ext cx="5876831" cy="3848806"/>
+          </a:xfrm>
+          <a:prstGeom prst="rect">
+            <a:avLst/>
+          </a:prstGeom>
+        </p:spPr>
+      </p:pic>
+    </p:spTree>
+    <p:extLst>
+      <p:ext uri="{BB962C8B-B14F-4D97-AF65-F5344CB8AC3E}">
+        <p14:creationId xmlns:p14="http://schemas.microsoft.com/office/powerpoint/2010/main" val="3933967484"/>
+      </p:ext>
+    </p:extLst>
+  </p:cSld>
+  <p:clrMapOvr>
+    <a:masterClrMapping/>
+  </p:clrMapOvr>
+</p:sld>
+</file>
+
 <file path=ppt/slides/slide5.xml><?xml version="1.0" encoding="utf-8"?>
 <p:sld xmlns:a="http://schemas.openxmlformats.org/drawingml/2006/main" xmlns:r="http://schemas.openxmlformats.org/officeDocument/2006/relationships" xmlns:p="http://schemas.openxmlformats.org/presentationml/2006/main">
   <p:cSld>
@@ -10610,6 +18541,319 @@
   <p:clrMapOvr>
     <a:masterClrMapping/>
   </p:clrMapOvr>
+</p:sld>
+</file>
+
+<file path=ppt/slides/slide50.xml><?xml version="1.0" encoding="utf-8"?>
+<p:sld xmlns:a="http://schemas.openxmlformats.org/drawingml/2006/main" xmlns:r="http://schemas.openxmlformats.org/officeDocument/2006/relationships" xmlns:p="http://schemas.openxmlformats.org/presentationml/2006/main">
+  <p:cSld>
+    <p:spTree>
+      <p:nvGrpSpPr>
+        <p:cNvPr id="1" name=""/>
+        <p:cNvGrpSpPr/>
+        <p:nvPr/>
+      </p:nvGrpSpPr>
+      <p:grpSpPr>
+        <a:xfrm>
+          <a:off x="0" y="0"/>
+          <a:ext cx="0" cy="0"/>
+          <a:chOff x="0" y="0"/>
+          <a:chExt cx="0" cy="0"/>
+        </a:xfrm>
+      </p:grpSpPr>
+      <p:sp>
+        <p:nvSpPr>
+          <p:cNvPr id="3" name="内容占位符 2">
+            <a:extLst>
+              <a:ext uri="{FF2B5EF4-FFF2-40B4-BE49-F238E27FC236}">
+                <a16:creationId xmlns:a16="http://schemas.microsoft.com/office/drawing/2014/main" id="{199A3256-1031-4056-82BB-9D1D89C1E87A}"/>
+              </a:ext>
+            </a:extLst>
+          </p:cNvPr>
+          <p:cNvSpPr>
+            <a:spLocks noGrp="1"/>
+          </p:cNvSpPr>
+          <p:nvPr>
+            <p:ph idx="1"/>
+          </p:nvPr>
+        </p:nvSpPr>
+        <p:spPr>
+          <a:xfrm>
+            <a:off x="555978" y="391936"/>
+            <a:ext cx="10515600" cy="4351338"/>
+          </a:xfrm>
+        </p:spPr>
+        <p:txBody>
+          <a:bodyPr/>
+          <a:lstStyle/>
+          <a:p>
+            <a:r>
+              <a:rPr lang="zh-CN" altLang="en-US" dirty="0"/>
+              <a:t>对于一个数组，可以用</a:t>
+            </a:r>
+            <a:r>
+              <a:rPr lang="en-US" dirty="0"/>
+              <a:t>C++</a:t>
+            </a:r>
+            <a:r>
+              <a:rPr lang="zh-CN" altLang="en-US" dirty="0"/>
+              <a:t>标准库提供的</a:t>
+            </a:r>
+            <a:r>
+              <a:rPr lang="en-US" dirty="0"/>
+              <a:t>begin()</a:t>
+            </a:r>
+            <a:r>
+              <a:rPr lang="zh-CN" altLang="en-US" dirty="0"/>
+              <a:t>和</a:t>
+            </a:r>
+            <a:r>
+              <a:rPr lang="en-US" dirty="0"/>
+              <a:t>end()</a:t>
+            </a:r>
+            <a:r>
+              <a:rPr lang="zh-CN" altLang="en-US" dirty="0"/>
+              <a:t>函数得到这个数组的起始地址和结束地址</a:t>
+            </a:r>
+            <a:r>
+              <a:rPr lang="en-US" dirty="0"/>
+              <a:t>(</a:t>
+            </a:r>
+            <a:r>
+              <a:rPr lang="zh-CN" altLang="en-US" dirty="0"/>
+              <a:t>最后</a:t>
+            </a:r>
+            <a:r>
+              <a:rPr lang="en-US" dirty="0"/>
+              <a:t>1</a:t>
+            </a:r>
+            <a:r>
+              <a:rPr lang="zh-CN" altLang="en-US" dirty="0"/>
+              <a:t>个元素的后一个地址</a:t>
+            </a:r>
+            <a:r>
+              <a:rPr lang="en-US" dirty="0"/>
+              <a:t>)</a:t>
+            </a:r>
+            <a:r>
+              <a:rPr lang="zh-CN" altLang="en-US" dirty="0"/>
+              <a:t>。</a:t>
+            </a:r>
+            <a:endParaRPr lang="en-US" dirty="0"/>
+          </a:p>
+        </p:txBody>
+      </p:sp>
+      <p:pic>
+        <p:nvPicPr>
+          <p:cNvPr id="4" name="图片 3">
+            <a:extLst>
+              <a:ext uri="{FF2B5EF4-FFF2-40B4-BE49-F238E27FC236}">
+                <a16:creationId xmlns:a16="http://schemas.microsoft.com/office/drawing/2014/main" id="{562C4BC5-C3B7-477F-957E-13EC2AEDCB17}"/>
+              </a:ext>
+            </a:extLst>
+          </p:cNvPr>
+          <p:cNvPicPr>
+            <a:picLocks noChangeAspect="1"/>
+          </p:cNvPicPr>
+          <p:nvPr/>
+        </p:nvPicPr>
+        <p:blipFill>
+          <a:blip r:embed="rId2"/>
+          <a:stretch>
+            <a:fillRect/>
+          </a:stretch>
+        </p:blipFill>
+        <p:spPr>
+          <a:xfrm>
+            <a:off x="174976" y="1899002"/>
+            <a:ext cx="12186700" cy="3440642"/>
+          </a:xfrm>
+          <a:prstGeom prst="rect">
+            <a:avLst/>
+          </a:prstGeom>
+        </p:spPr>
+      </p:pic>
+      <p:sp>
+        <p:nvSpPr>
+          <p:cNvPr id="5" name="文本框 4">
+            <a:extLst>
+              <a:ext uri="{FF2B5EF4-FFF2-40B4-BE49-F238E27FC236}">
+                <a16:creationId xmlns:a16="http://schemas.microsoft.com/office/drawing/2014/main" id="{95A7B2C4-8052-4C2C-BA8A-6DF384D7B4F8}"/>
+              </a:ext>
+            </a:extLst>
+          </p:cNvPr>
+          <p:cNvSpPr txBox="1"/>
+          <p:nvPr/>
+        </p:nvSpPr>
+        <p:spPr>
+          <a:xfrm>
+            <a:off x="5678311" y="2974622"/>
+            <a:ext cx="914400" cy="914400"/>
+          </a:xfrm>
+          <a:prstGeom prst="rect">
+            <a:avLst/>
+          </a:prstGeom>
+          <a:noFill/>
+        </p:spPr>
+        <p:txBody>
+          <a:bodyPr wrap="square" rtlCol="0">
+            <a:spAutoFit/>
+          </a:bodyPr>
+          <a:lstStyle/>
+          <a:p>
+            <a:pPr algn="l"/>
+            <a:endParaRPr lang="en-US" sz="2600" dirty="0"/>
+          </a:p>
+        </p:txBody>
+      </p:sp>
+      <p:sp>
+        <p:nvSpPr>
+          <p:cNvPr id="6" name="文本框 5">
+            <a:extLst>
+              <a:ext uri="{FF2B5EF4-FFF2-40B4-BE49-F238E27FC236}">
+                <a16:creationId xmlns:a16="http://schemas.microsoft.com/office/drawing/2014/main" id="{2A9C1CD7-D444-487E-B960-8D36901DB908}"/>
+              </a:ext>
+            </a:extLst>
+          </p:cNvPr>
+          <p:cNvSpPr txBox="1"/>
+          <p:nvPr/>
+        </p:nvSpPr>
+        <p:spPr>
+          <a:xfrm>
+            <a:off x="2810933" y="5599289"/>
+            <a:ext cx="4368800" cy="492443"/>
+          </a:xfrm>
+          <a:prstGeom prst="rect">
+            <a:avLst/>
+          </a:prstGeom>
+          <a:noFill/>
+        </p:spPr>
+        <p:txBody>
+          <a:bodyPr wrap="square" rtlCol="0">
+            <a:spAutoFit/>
+          </a:bodyPr>
+          <a:lstStyle/>
+          <a:p>
+            <a:r>
+              <a:rPr lang="zh-CN" altLang="en-US" sz="2600" dirty="0"/>
+              <a:t>其中</a:t>
+            </a:r>
+            <a:r>
+              <a:rPr lang="en-US" sz="2600" dirty="0"/>
+              <a:t>b</a:t>
+            </a:r>
+            <a:r>
+              <a:rPr lang="zh-CN" altLang="en-US" sz="2600" dirty="0"/>
+              <a:t>、</a:t>
+            </a:r>
+            <a:r>
+              <a:rPr lang="en-US" sz="2600" dirty="0"/>
+              <a:t>e</a:t>
+            </a:r>
+            <a:r>
+              <a:rPr lang="zh-CN" altLang="en-US" sz="2600" dirty="0"/>
+              <a:t>的类型都是</a:t>
+            </a:r>
+            <a:r>
+              <a:rPr lang="en-US" sz="2600" dirty="0"/>
+              <a:t>int*</a:t>
+            </a:r>
+            <a:r>
+              <a:rPr lang="zh-CN" altLang="en-US" sz="2600" dirty="0"/>
+              <a:t>。</a:t>
+            </a:r>
+            <a:endParaRPr lang="en-US" sz="2600" dirty="0"/>
+          </a:p>
+        </p:txBody>
+      </p:sp>
+    </p:spTree>
+    <p:extLst>
+      <p:ext uri="{BB962C8B-B14F-4D97-AF65-F5344CB8AC3E}">
+        <p14:creationId xmlns:p14="http://schemas.microsoft.com/office/powerpoint/2010/main" val="2750296378"/>
+      </p:ext>
+    </p:extLst>
+  </p:cSld>
+  <p:clrMapOvr>
+    <a:masterClrMapping/>
+  </p:clrMapOvr>
+  <p:timing>
+    <p:tnLst>
+      <p:par>
+        <p:cTn id="1" dur="indefinite" restart="never" nodeType="tmRoot">
+          <p:childTnLst>
+            <p:seq concurrent="1" nextAc="seek">
+              <p:cTn id="2" dur="indefinite" nodeType="mainSeq">
+                <p:childTnLst>
+                  <p:par>
+                    <p:cTn id="3" fill="hold">
+                      <p:stCondLst>
+                        <p:cond delay="indefinite"/>
+                      </p:stCondLst>
+                      <p:childTnLst>
+                        <p:par>
+                          <p:cTn id="4" fill="hold">
+                            <p:stCondLst>
+                              <p:cond delay="0"/>
+                            </p:stCondLst>
+                            <p:childTnLst>
+                              <p:par>
+                                <p:cTn id="5" presetID="1" presetClass="entr" presetSubtype="0" fill="hold" grpId="0" nodeType="clickEffect">
+                                  <p:stCondLst>
+                                    <p:cond delay="0"/>
+                                  </p:stCondLst>
+                                  <p:childTnLst>
+                                    <p:set>
+                                      <p:cBhvr>
+                                        <p:cTn id="6" dur="1" fill="hold">
+                                          <p:stCondLst>
+                                            <p:cond delay="0"/>
+                                          </p:stCondLst>
+                                        </p:cTn>
+                                        <p:tgtEl>
+                                          <p:spTgt spid="6"/>
+                                        </p:tgtEl>
+                                        <p:attrNameLst>
+                                          <p:attrName>style.visibility</p:attrName>
+                                        </p:attrNameLst>
+                                      </p:cBhvr>
+                                      <p:to>
+                                        <p:strVal val="visible"/>
+                                      </p:to>
+                                    </p:set>
+                                  </p:childTnLst>
+                                </p:cTn>
+                              </p:par>
+                            </p:childTnLst>
+                          </p:cTn>
+                        </p:par>
+                      </p:childTnLst>
+                    </p:cTn>
+                  </p:par>
+                </p:childTnLst>
+              </p:cTn>
+              <p:prevCondLst>
+                <p:cond evt="onPrev" delay="0">
+                  <p:tgtEl>
+                    <p:sldTgt/>
+                  </p:tgtEl>
+                </p:cond>
+              </p:prevCondLst>
+              <p:nextCondLst>
+                <p:cond evt="onNext" delay="0">
+                  <p:tgtEl>
+                    <p:sldTgt/>
+                  </p:tgtEl>
+                </p:cond>
+              </p:nextCondLst>
+            </p:seq>
+          </p:childTnLst>
+        </p:cTn>
+      </p:par>
+    </p:tnLst>
+    <p:bldLst>
+      <p:bldP spid="6" grpId="0"/>
+    </p:bldLst>
+  </p:timing>
 </p:sld>
 </file>
 

--- a/ppt/第5章 复合类型.pptx
+++ b/ppt/第5章 复合类型.pptx
@@ -55,6 +55,27 @@
     <p:sldId id="304" r:id="rId49"/>
     <p:sldId id="305" r:id="rId50"/>
     <p:sldId id="306" r:id="rId51"/>
+    <p:sldId id="307" r:id="rId52"/>
+    <p:sldId id="308" r:id="rId53"/>
+    <p:sldId id="309" r:id="rId54"/>
+    <p:sldId id="310" r:id="rId55"/>
+    <p:sldId id="312" r:id="rId56"/>
+    <p:sldId id="311" r:id="rId57"/>
+    <p:sldId id="313" r:id="rId58"/>
+    <p:sldId id="314" r:id="rId59"/>
+    <p:sldId id="315" r:id="rId60"/>
+    <p:sldId id="316" r:id="rId61"/>
+    <p:sldId id="317" r:id="rId62"/>
+    <p:sldId id="318" r:id="rId63"/>
+    <p:sldId id="319" r:id="rId64"/>
+    <p:sldId id="320" r:id="rId65"/>
+    <p:sldId id="321" r:id="rId66"/>
+    <p:sldId id="322" r:id="rId67"/>
+    <p:sldId id="323" r:id="rId68"/>
+    <p:sldId id="324" r:id="rId69"/>
+    <p:sldId id="325" r:id="rId70"/>
+    <p:sldId id="326" r:id="rId71"/>
+    <p:sldId id="327" r:id="rId72"/>
   </p:sldIdLst>
   <p:sldSz cx="12192000" cy="6858000"/>
   <p:notesSz cx="6858000" cy="9144000"/>
@@ -18675,39 +18696,6 @@
       </p:pic>
       <p:sp>
         <p:nvSpPr>
-          <p:cNvPr id="5" name="文本框 4">
-            <a:extLst>
-              <a:ext uri="{FF2B5EF4-FFF2-40B4-BE49-F238E27FC236}">
-                <a16:creationId xmlns:a16="http://schemas.microsoft.com/office/drawing/2014/main" id="{95A7B2C4-8052-4C2C-BA8A-6DF384D7B4F8}"/>
-              </a:ext>
-            </a:extLst>
-          </p:cNvPr>
-          <p:cNvSpPr txBox="1"/>
-          <p:nvPr/>
-        </p:nvSpPr>
-        <p:spPr>
-          <a:xfrm>
-            <a:off x="5678311" y="2974622"/>
-            <a:ext cx="914400" cy="914400"/>
-          </a:xfrm>
-          <a:prstGeom prst="rect">
-            <a:avLst/>
-          </a:prstGeom>
-          <a:noFill/>
-        </p:spPr>
-        <p:txBody>
-          <a:bodyPr wrap="square" rtlCol="0">
-            <a:spAutoFit/>
-          </a:bodyPr>
-          <a:lstStyle/>
-          <a:p>
-            <a:pPr algn="l"/>
-            <a:endParaRPr lang="en-US" sz="2600" dirty="0"/>
-          </a:p>
-        </p:txBody>
-      </p:sp>
-      <p:sp>
-        <p:nvSpPr>
           <p:cNvPr id="6" name="文本框 5">
             <a:extLst>
               <a:ext uri="{FF2B5EF4-FFF2-40B4-BE49-F238E27FC236}">
@@ -18854,6 +18842,2046 @@
       <p:bldP spid="6" grpId="0"/>
     </p:bldLst>
   </p:timing>
+</p:sld>
+</file>
+
+<file path=ppt/slides/slide51.xml><?xml version="1.0" encoding="utf-8"?>
+<p:sld xmlns:a="http://schemas.openxmlformats.org/drawingml/2006/main" xmlns:r="http://schemas.openxmlformats.org/officeDocument/2006/relationships" xmlns:p="http://schemas.openxmlformats.org/presentationml/2006/main">
+  <p:cSld>
+    <p:spTree>
+      <p:nvGrpSpPr>
+        <p:cNvPr id="1" name=""/>
+        <p:cNvGrpSpPr/>
+        <p:nvPr/>
+      </p:nvGrpSpPr>
+      <p:grpSpPr>
+        <a:xfrm>
+          <a:off x="0" y="0"/>
+          <a:ext cx="0" cy="0"/>
+          <a:chOff x="0" y="0"/>
+          <a:chExt cx="0" cy="0"/>
+        </a:xfrm>
+      </p:grpSpPr>
+      <p:sp>
+        <p:nvSpPr>
+          <p:cNvPr id="2" name="标题 1">
+            <a:extLst>
+              <a:ext uri="{FF2B5EF4-FFF2-40B4-BE49-F238E27FC236}">
+                <a16:creationId xmlns:a16="http://schemas.microsoft.com/office/drawing/2014/main" id="{227062FD-D205-4D8F-85DE-A5FA5493FDF0}"/>
+              </a:ext>
+            </a:extLst>
+          </p:cNvPr>
+          <p:cNvSpPr>
+            <a:spLocks noGrp="1"/>
+          </p:cNvSpPr>
+          <p:nvPr>
+            <p:ph type="title"/>
+          </p:nvPr>
+        </p:nvSpPr>
+        <p:spPr/>
+        <p:txBody>
+          <a:bodyPr/>
+          <a:lstStyle/>
+          <a:p>
+            <a:r>
+              <a:rPr lang="en-US" b="1" dirty="0"/>
+              <a:t>5.3.5 Range for</a:t>
+            </a:r>
+            <a:endParaRPr lang="en-US" dirty="0"/>
+          </a:p>
+        </p:txBody>
+      </p:sp>
+      <p:sp>
+        <p:nvSpPr>
+          <p:cNvPr id="3" name="内容占位符 2">
+            <a:extLst>
+              <a:ext uri="{FF2B5EF4-FFF2-40B4-BE49-F238E27FC236}">
+                <a16:creationId xmlns:a16="http://schemas.microsoft.com/office/drawing/2014/main" id="{CE545E9F-602E-4AF7-93B9-E3070DD5FCC1}"/>
+              </a:ext>
+            </a:extLst>
+          </p:cNvPr>
+          <p:cNvSpPr>
+            <a:spLocks noGrp="1"/>
+          </p:cNvSpPr>
+          <p:nvPr>
+            <p:ph idx="1"/>
+          </p:nvPr>
+        </p:nvSpPr>
+        <p:spPr/>
+        <p:txBody>
+          <a:bodyPr/>
+          <a:lstStyle/>
+          <a:p>
+            <a:r>
+              <a:rPr lang="en-US" b="1" dirty="0"/>
+              <a:t>Range for</a:t>
+            </a:r>
+            <a:r>
+              <a:rPr lang="zh-CN" altLang="en-US" dirty="0"/>
+              <a:t>遍历一个数组（集合）里的每个元素。</a:t>
+            </a:r>
+            <a:endParaRPr lang="en-US" dirty="0"/>
+          </a:p>
+        </p:txBody>
+      </p:sp>
+      <p:pic>
+        <p:nvPicPr>
+          <p:cNvPr id="4" name="图片 3">
+            <a:extLst>
+              <a:ext uri="{FF2B5EF4-FFF2-40B4-BE49-F238E27FC236}">
+                <a16:creationId xmlns:a16="http://schemas.microsoft.com/office/drawing/2014/main" id="{C12D11B5-6751-4060-8308-291BF3CBEFFA}"/>
+              </a:ext>
+            </a:extLst>
+          </p:cNvPr>
+          <p:cNvPicPr>
+            <a:picLocks noChangeAspect="1"/>
+          </p:cNvPicPr>
+          <p:nvPr/>
+        </p:nvPicPr>
+        <p:blipFill>
+          <a:blip r:embed="rId2"/>
+          <a:stretch>
+            <a:fillRect/>
+          </a:stretch>
+        </p:blipFill>
+        <p:spPr>
+          <a:xfrm>
+            <a:off x="905403" y="2817812"/>
+            <a:ext cx="8457199" cy="2228322"/>
+          </a:xfrm>
+          <a:prstGeom prst="rect">
+            <a:avLst/>
+          </a:prstGeom>
+        </p:spPr>
+      </p:pic>
+    </p:spTree>
+    <p:extLst>
+      <p:ext uri="{BB962C8B-B14F-4D97-AF65-F5344CB8AC3E}">
+        <p14:creationId xmlns:p14="http://schemas.microsoft.com/office/powerpoint/2010/main" val="105329578"/>
+      </p:ext>
+    </p:extLst>
+  </p:cSld>
+  <p:clrMapOvr>
+    <a:masterClrMapping/>
+  </p:clrMapOvr>
+</p:sld>
+</file>
+
+<file path=ppt/slides/slide52.xml><?xml version="1.0" encoding="utf-8"?>
+<p:sld xmlns:a="http://schemas.openxmlformats.org/drawingml/2006/main" xmlns:r="http://schemas.openxmlformats.org/officeDocument/2006/relationships" xmlns:p="http://schemas.openxmlformats.org/presentationml/2006/main">
+  <p:cSld>
+    <p:spTree>
+      <p:nvGrpSpPr>
+        <p:cNvPr id="1" name=""/>
+        <p:cNvGrpSpPr/>
+        <p:nvPr/>
+      </p:nvGrpSpPr>
+      <p:grpSpPr>
+        <a:xfrm>
+          <a:off x="0" y="0"/>
+          <a:ext cx="0" cy="0"/>
+          <a:chOff x="0" y="0"/>
+          <a:chExt cx="0" cy="0"/>
+        </a:xfrm>
+      </p:grpSpPr>
+      <p:pic>
+        <p:nvPicPr>
+          <p:cNvPr id="4" name="图片 3">
+            <a:extLst>
+              <a:ext uri="{FF2B5EF4-FFF2-40B4-BE49-F238E27FC236}">
+                <a16:creationId xmlns:a16="http://schemas.microsoft.com/office/drawing/2014/main" id="{99BC0363-99EA-4BB3-A15E-D99ABA696AFB}"/>
+              </a:ext>
+            </a:extLst>
+          </p:cNvPr>
+          <p:cNvPicPr>
+            <a:picLocks noChangeAspect="1"/>
+          </p:cNvPicPr>
+          <p:nvPr/>
+        </p:nvPicPr>
+        <p:blipFill>
+          <a:blip r:embed="rId2"/>
+          <a:stretch>
+            <a:fillRect/>
+          </a:stretch>
+        </p:blipFill>
+        <p:spPr>
+          <a:xfrm>
+            <a:off x="396522" y="805743"/>
+            <a:ext cx="11290992" cy="5075767"/>
+          </a:xfrm>
+          <a:prstGeom prst="rect">
+            <a:avLst/>
+          </a:prstGeom>
+        </p:spPr>
+      </p:pic>
+    </p:spTree>
+    <p:extLst>
+      <p:ext uri="{BB962C8B-B14F-4D97-AF65-F5344CB8AC3E}">
+        <p14:creationId xmlns:p14="http://schemas.microsoft.com/office/powerpoint/2010/main" val="2153012157"/>
+      </p:ext>
+    </p:extLst>
+  </p:cSld>
+  <p:clrMapOvr>
+    <a:masterClrMapping/>
+  </p:clrMapOvr>
+</p:sld>
+</file>
+
+<file path=ppt/slides/slide53.xml><?xml version="1.0" encoding="utf-8"?>
+<p:sld xmlns:a="http://schemas.openxmlformats.org/drawingml/2006/main" xmlns:r="http://schemas.openxmlformats.org/officeDocument/2006/relationships" xmlns:p="http://schemas.openxmlformats.org/presentationml/2006/main">
+  <p:cSld>
+    <p:spTree>
+      <p:nvGrpSpPr>
+        <p:cNvPr id="1" name=""/>
+        <p:cNvGrpSpPr/>
+        <p:nvPr/>
+      </p:nvGrpSpPr>
+      <p:grpSpPr>
+        <a:xfrm>
+          <a:off x="0" y="0"/>
+          <a:ext cx="0" cy="0"/>
+          <a:chOff x="0" y="0"/>
+          <a:chExt cx="0" cy="0"/>
+        </a:xfrm>
+      </p:grpSpPr>
+      <p:sp>
+        <p:nvSpPr>
+          <p:cNvPr id="3" name="内容占位符 2">
+            <a:extLst>
+              <a:ext uri="{FF2B5EF4-FFF2-40B4-BE49-F238E27FC236}">
+                <a16:creationId xmlns:a16="http://schemas.microsoft.com/office/drawing/2014/main" id="{DDEFE2DC-C991-48AA-B6CB-228376549A1C}"/>
+              </a:ext>
+            </a:extLst>
+          </p:cNvPr>
+          <p:cNvSpPr>
+            <a:spLocks noGrp="1"/>
+          </p:cNvSpPr>
+          <p:nvPr>
+            <p:ph idx="1"/>
+          </p:nvPr>
+        </p:nvSpPr>
+        <p:spPr>
+          <a:xfrm>
+            <a:off x="770467" y="459670"/>
+            <a:ext cx="10515600" cy="669219"/>
+          </a:xfrm>
+        </p:spPr>
+        <p:txBody>
+          <a:bodyPr/>
+          <a:lstStyle/>
+          <a:p>
+            <a:r>
+              <a:rPr lang="zh-CN" altLang="en-US" dirty="0"/>
+              <a:t>可以将</a:t>
+            </a:r>
+            <a:r>
+              <a:rPr lang="en-US" dirty="0"/>
+              <a:t>range for</a:t>
+            </a:r>
+            <a:r>
+              <a:rPr lang="zh-CN" altLang="en-US" dirty="0"/>
+              <a:t>的变量类型用</a:t>
+            </a:r>
+            <a:r>
+              <a:rPr lang="en-US" dirty="0"/>
+              <a:t>auto</a:t>
+            </a:r>
+            <a:r>
+              <a:rPr lang="zh-CN" altLang="en-US" dirty="0"/>
+              <a:t>来自动推断，即：</a:t>
+            </a:r>
+            <a:endParaRPr lang="en-US" dirty="0"/>
+          </a:p>
+        </p:txBody>
+      </p:sp>
+      <p:pic>
+        <p:nvPicPr>
+          <p:cNvPr id="4" name="图片 3">
+            <a:extLst>
+              <a:ext uri="{FF2B5EF4-FFF2-40B4-BE49-F238E27FC236}">
+                <a16:creationId xmlns:a16="http://schemas.microsoft.com/office/drawing/2014/main" id="{06AC3929-7A00-49DC-B687-615A9AF98AAC}"/>
+              </a:ext>
+            </a:extLst>
+          </p:cNvPr>
+          <p:cNvPicPr>
+            <a:picLocks noChangeAspect="1"/>
+          </p:cNvPicPr>
+          <p:nvPr/>
+        </p:nvPicPr>
+        <p:blipFill>
+          <a:blip r:embed="rId2"/>
+          <a:stretch>
+            <a:fillRect/>
+          </a:stretch>
+        </p:blipFill>
+        <p:spPr>
+          <a:xfrm>
+            <a:off x="850194" y="1117423"/>
+            <a:ext cx="9900924" cy="5373688"/>
+          </a:xfrm>
+          <a:prstGeom prst="rect">
+            <a:avLst/>
+          </a:prstGeom>
+        </p:spPr>
+      </p:pic>
+    </p:spTree>
+    <p:extLst>
+      <p:ext uri="{BB962C8B-B14F-4D97-AF65-F5344CB8AC3E}">
+        <p14:creationId xmlns:p14="http://schemas.microsoft.com/office/powerpoint/2010/main" val="321514423"/>
+      </p:ext>
+    </p:extLst>
+  </p:cSld>
+  <p:clrMapOvr>
+    <a:masterClrMapping/>
+  </p:clrMapOvr>
+</p:sld>
+</file>
+
+<file path=ppt/slides/slide54.xml><?xml version="1.0" encoding="utf-8"?>
+<p:sld xmlns:a="http://schemas.openxmlformats.org/drawingml/2006/main" xmlns:r="http://schemas.openxmlformats.org/officeDocument/2006/relationships" xmlns:p="http://schemas.openxmlformats.org/presentationml/2006/main">
+  <p:cSld>
+    <p:spTree>
+      <p:nvGrpSpPr>
+        <p:cNvPr id="1" name=""/>
+        <p:cNvGrpSpPr/>
+        <p:nvPr/>
+      </p:nvGrpSpPr>
+      <p:grpSpPr>
+        <a:xfrm>
+          <a:off x="0" y="0"/>
+          <a:ext cx="0" cy="0"/>
+          <a:chOff x="0" y="0"/>
+          <a:chExt cx="0" cy="0"/>
+        </a:xfrm>
+      </p:grpSpPr>
+      <p:sp>
+        <p:nvSpPr>
+          <p:cNvPr id="3" name="内容占位符 2">
+            <a:extLst>
+              <a:ext uri="{FF2B5EF4-FFF2-40B4-BE49-F238E27FC236}">
+                <a16:creationId xmlns:a16="http://schemas.microsoft.com/office/drawing/2014/main" id="{64DB4FA1-4CE0-4006-A7F1-E8B570FC29A2}"/>
+              </a:ext>
+            </a:extLst>
+          </p:cNvPr>
+          <p:cNvSpPr>
+            <a:spLocks noGrp="1"/>
+          </p:cNvSpPr>
+          <p:nvPr>
+            <p:ph idx="1"/>
+          </p:nvPr>
+        </p:nvSpPr>
+        <p:spPr>
+          <a:xfrm>
+            <a:off x="680156" y="403225"/>
+            <a:ext cx="10515600" cy="748242"/>
+          </a:xfrm>
+        </p:spPr>
+        <p:txBody>
+          <a:bodyPr/>
+          <a:lstStyle/>
+          <a:p>
+            <a:r>
+              <a:rPr lang="zh-CN" altLang="en-US" b="1" dirty="0"/>
+              <a:t>注意</a:t>
+            </a:r>
+            <a:r>
+              <a:rPr lang="zh-CN" altLang="en-US" dirty="0"/>
+              <a:t>：</a:t>
+            </a:r>
+            <a:r>
+              <a:rPr lang="en-US" dirty="0"/>
+              <a:t>Range for</a:t>
+            </a:r>
+            <a:r>
+              <a:rPr lang="zh-CN" altLang="en-US" dirty="0"/>
+              <a:t>不能用于指针。例如：</a:t>
+            </a:r>
+            <a:endParaRPr lang="en-US" dirty="0"/>
+          </a:p>
+          <a:p>
+            <a:endParaRPr lang="en-US" dirty="0"/>
+          </a:p>
+        </p:txBody>
+      </p:sp>
+      <p:pic>
+        <p:nvPicPr>
+          <p:cNvPr id="4" name="图片 3">
+            <a:extLst>
+              <a:ext uri="{FF2B5EF4-FFF2-40B4-BE49-F238E27FC236}">
+                <a16:creationId xmlns:a16="http://schemas.microsoft.com/office/drawing/2014/main" id="{8B8A54C0-57B0-482E-9301-E19FA891F88B}"/>
+              </a:ext>
+            </a:extLst>
+          </p:cNvPr>
+          <p:cNvPicPr>
+            <a:picLocks noChangeAspect="1"/>
+          </p:cNvPicPr>
+          <p:nvPr/>
+        </p:nvPicPr>
+        <p:blipFill>
+          <a:blip r:embed="rId2"/>
+          <a:stretch>
+            <a:fillRect/>
+          </a:stretch>
+        </p:blipFill>
+        <p:spPr>
+          <a:xfrm>
+            <a:off x="1103136" y="1190095"/>
+            <a:ext cx="8112559" cy="4544661"/>
+          </a:xfrm>
+          <a:prstGeom prst="rect">
+            <a:avLst/>
+          </a:prstGeom>
+        </p:spPr>
+      </p:pic>
+    </p:spTree>
+    <p:extLst>
+      <p:ext uri="{BB962C8B-B14F-4D97-AF65-F5344CB8AC3E}">
+        <p14:creationId xmlns:p14="http://schemas.microsoft.com/office/powerpoint/2010/main" val="190403995"/>
+      </p:ext>
+    </p:extLst>
+  </p:cSld>
+  <p:clrMapOvr>
+    <a:masterClrMapping/>
+  </p:clrMapOvr>
+</p:sld>
+</file>
+
+<file path=ppt/slides/slide55.xml><?xml version="1.0" encoding="utf-8"?>
+<p:sld xmlns:a="http://schemas.openxmlformats.org/drawingml/2006/main" xmlns:r="http://schemas.openxmlformats.org/officeDocument/2006/relationships" xmlns:p="http://schemas.openxmlformats.org/presentationml/2006/main">
+  <p:cSld>
+    <p:spTree>
+      <p:nvGrpSpPr>
+        <p:cNvPr id="1" name=""/>
+        <p:cNvGrpSpPr/>
+        <p:nvPr/>
+      </p:nvGrpSpPr>
+      <p:grpSpPr>
+        <a:xfrm>
+          <a:off x="0" y="0"/>
+          <a:ext cx="0" cy="0"/>
+          <a:chOff x="0" y="0"/>
+          <a:chExt cx="0" cy="0"/>
+        </a:xfrm>
+      </p:grpSpPr>
+      <p:sp>
+        <p:nvSpPr>
+          <p:cNvPr id="2" name="标题 1">
+            <a:extLst>
+              <a:ext uri="{FF2B5EF4-FFF2-40B4-BE49-F238E27FC236}">
+                <a16:creationId xmlns:a16="http://schemas.microsoft.com/office/drawing/2014/main" id="{AF5A34AE-6329-44B4-8AC5-142F6EFA6687}"/>
+              </a:ext>
+            </a:extLst>
+          </p:cNvPr>
+          <p:cNvSpPr>
+            <a:spLocks noGrp="1"/>
+          </p:cNvSpPr>
+          <p:nvPr>
+            <p:ph type="title"/>
+          </p:nvPr>
+        </p:nvSpPr>
+        <p:spPr/>
+        <p:txBody>
+          <a:bodyPr/>
+          <a:lstStyle/>
+          <a:p>
+            <a:r>
+              <a:rPr lang="en-US" b="1" dirty="0"/>
+              <a:t>5.3.6 </a:t>
+            </a:r>
+            <a:r>
+              <a:rPr lang="zh-CN" altLang="en-US" b="1" dirty="0"/>
+              <a:t>多维数组</a:t>
+            </a:r>
+            <a:endParaRPr lang="en-US" dirty="0"/>
+          </a:p>
+        </p:txBody>
+      </p:sp>
+      <p:sp>
+        <p:nvSpPr>
+          <p:cNvPr id="3" name="内容占位符 2">
+            <a:extLst>
+              <a:ext uri="{FF2B5EF4-FFF2-40B4-BE49-F238E27FC236}">
+                <a16:creationId xmlns:a16="http://schemas.microsoft.com/office/drawing/2014/main" id="{ADFCBA51-CBB9-4DC6-9A69-3298F4C4D880}"/>
+              </a:ext>
+            </a:extLst>
+          </p:cNvPr>
+          <p:cNvSpPr>
+            <a:spLocks noGrp="1"/>
+          </p:cNvSpPr>
+          <p:nvPr>
+            <p:ph idx="1"/>
+          </p:nvPr>
+        </p:nvSpPr>
+        <p:spPr>
+          <a:xfrm>
+            <a:off x="838200" y="1825625"/>
+            <a:ext cx="10515600" cy="714375"/>
+          </a:xfrm>
+        </p:spPr>
+        <p:txBody>
+          <a:bodyPr>
+            <a:noAutofit/>
+          </a:bodyPr>
+          <a:lstStyle/>
+          <a:p>
+            <a:r>
+              <a:rPr lang="en-US" altLang="zh-CN" sz="2600" dirty="0"/>
+              <a:t>3</a:t>
+            </a:r>
+            <a:r>
+              <a:rPr lang="zh-CN" altLang="en-US" sz="2600" dirty="0"/>
+              <a:t>个游戏玩家和</a:t>
+            </a:r>
+            <a:r>
+              <a:rPr lang="en-US" altLang="zh-CN" sz="2600" dirty="0"/>
+              <a:t>5</a:t>
+            </a:r>
+            <a:r>
+              <a:rPr lang="zh-CN" altLang="en-US" sz="2600" dirty="0"/>
+              <a:t>个游戏的得分</a:t>
+            </a:r>
+            <a:endParaRPr lang="en-US" altLang="zh-CN" sz="2600" dirty="0"/>
+          </a:p>
+          <a:p>
+            <a:endParaRPr lang="en-US" sz="2600" dirty="0"/>
+          </a:p>
+          <a:p>
+            <a:endParaRPr lang="en-US" sz="2600" dirty="0"/>
+          </a:p>
+          <a:p>
+            <a:endParaRPr lang="en-US" sz="2600" dirty="0"/>
+          </a:p>
+          <a:p>
+            <a:r>
+              <a:rPr lang="zh-CN" altLang="en-US" sz="2600" dirty="0"/>
+              <a:t>表示一个立方体，需要</a:t>
+            </a:r>
+            <a:r>
+              <a:rPr lang="en-US" altLang="zh-CN" sz="2600" dirty="0"/>
+              <a:t>8</a:t>
+            </a:r>
+            <a:r>
+              <a:rPr lang="zh-CN" altLang="en-US" sz="2600" dirty="0"/>
+              <a:t>个三维坐标点</a:t>
+            </a:r>
+            <a:endParaRPr lang="en-US" sz="2600" dirty="0"/>
+          </a:p>
+        </p:txBody>
+      </p:sp>
+      <p:graphicFrame>
+        <p:nvGraphicFramePr>
+          <p:cNvPr id="4" name="表格 4">
+            <a:extLst>
+              <a:ext uri="{FF2B5EF4-FFF2-40B4-BE49-F238E27FC236}">
+                <a16:creationId xmlns:a16="http://schemas.microsoft.com/office/drawing/2014/main" id="{C297CD54-4DF6-430C-AF4C-CD8AC484A2D3}"/>
+              </a:ext>
+            </a:extLst>
+          </p:cNvPr>
+          <p:cNvGraphicFramePr>
+            <a:graphicFrameLocks noGrp="1"/>
+          </p:cNvGraphicFramePr>
+          <p:nvPr>
+            <p:extLst>
+              <p:ext uri="{D42A27DB-BD31-4B8C-83A1-F6EECF244321}">
+                <p14:modId xmlns:p14="http://schemas.microsoft.com/office/powerpoint/2010/main" val="3158736584"/>
+              </p:ext>
+            </p:extLst>
+          </p:nvPr>
+        </p:nvGraphicFramePr>
+        <p:xfrm>
+          <a:off x="1354667" y="2627488"/>
+          <a:ext cx="8128000" cy="1371600"/>
+        </p:xfrm>
+        <a:graphic>
+          <a:graphicData uri="http://schemas.openxmlformats.org/drawingml/2006/table">
+            <a:tbl>
+              <a:tblPr firstRow="1" bandRow="1">
+                <a:tableStyleId>{5940675A-B579-460E-94D1-54222C63F5DA}</a:tableStyleId>
+              </a:tblPr>
+              <a:tblGrid>
+                <a:gridCol w="1625600">
+                  <a:extLst>
+                    <a:ext uri="{9D8B030D-6E8A-4147-A177-3AD203B41FA5}">
+                      <a16:colId xmlns:a16="http://schemas.microsoft.com/office/drawing/2014/main" val="586421867"/>
+                    </a:ext>
+                  </a:extLst>
+                </a:gridCol>
+                <a:gridCol w="1625600">
+                  <a:extLst>
+                    <a:ext uri="{9D8B030D-6E8A-4147-A177-3AD203B41FA5}">
+                      <a16:colId xmlns:a16="http://schemas.microsoft.com/office/drawing/2014/main" val="1967205612"/>
+                    </a:ext>
+                  </a:extLst>
+                </a:gridCol>
+                <a:gridCol w="1625600">
+                  <a:extLst>
+                    <a:ext uri="{9D8B030D-6E8A-4147-A177-3AD203B41FA5}">
+                      <a16:colId xmlns:a16="http://schemas.microsoft.com/office/drawing/2014/main" val="2817590712"/>
+                    </a:ext>
+                  </a:extLst>
+                </a:gridCol>
+                <a:gridCol w="1625600">
+                  <a:extLst>
+                    <a:ext uri="{9D8B030D-6E8A-4147-A177-3AD203B41FA5}">
+                      <a16:colId xmlns:a16="http://schemas.microsoft.com/office/drawing/2014/main" val="2244384941"/>
+                    </a:ext>
+                  </a:extLst>
+                </a:gridCol>
+                <a:gridCol w="1625600">
+                  <a:extLst>
+                    <a:ext uri="{9D8B030D-6E8A-4147-A177-3AD203B41FA5}">
+                      <a16:colId xmlns:a16="http://schemas.microsoft.com/office/drawing/2014/main" val="3686001104"/>
+                    </a:ext>
+                  </a:extLst>
+                </a:gridCol>
+              </a:tblGrid>
+              <a:tr h="370840">
+                <a:tc>
+                  <a:txBody>
+                    <a:bodyPr/>
+                    <a:lstStyle/>
+                    <a:p>
+                      <a:pPr algn="ctr"/>
+                      <a:r>
+                        <a:rPr lang="en-US" sz="2400" dirty="0"/>
+                        <a:t>500</a:t>
+                      </a:r>
+                    </a:p>
+                  </a:txBody>
+                  <a:tcPr/>
+                </a:tc>
+                <a:tc>
+                  <a:txBody>
+                    <a:bodyPr/>
+                    <a:lstStyle/>
+                    <a:p>
+                      <a:pPr algn="ctr"/>
+                      <a:r>
+                        <a:rPr lang="en-US" sz="2400" dirty="0"/>
+                        <a:t>578</a:t>
+                      </a:r>
+                    </a:p>
+                  </a:txBody>
+                  <a:tcPr/>
+                </a:tc>
+                <a:tc>
+                  <a:txBody>
+                    <a:bodyPr/>
+                    <a:lstStyle/>
+                    <a:p>
+                      <a:pPr algn="ctr"/>
+                      <a:r>
+                        <a:rPr lang="en-US" sz="2400" dirty="0"/>
+                        <a:t>700</a:t>
+                      </a:r>
+                    </a:p>
+                  </a:txBody>
+                  <a:tcPr/>
+                </a:tc>
+                <a:tc>
+                  <a:txBody>
+                    <a:bodyPr/>
+                    <a:lstStyle/>
+                    <a:p>
+                      <a:pPr algn="ctr"/>
+                      <a:r>
+                        <a:rPr lang="en-US" sz="2400" dirty="0"/>
+                        <a:t>467</a:t>
+                      </a:r>
+                    </a:p>
+                  </a:txBody>
+                  <a:tcPr/>
+                </a:tc>
+                <a:tc>
+                  <a:txBody>
+                    <a:bodyPr/>
+                    <a:lstStyle/>
+                    <a:p>
+                      <a:pPr algn="ctr"/>
+                      <a:r>
+                        <a:rPr lang="en-US" sz="2400" dirty="0"/>
+                        <a:t>351</a:t>
+                      </a:r>
+                    </a:p>
+                  </a:txBody>
+                  <a:tcPr/>
+                </a:tc>
+                <a:extLst>
+                  <a:ext uri="{0D108BD9-81ED-4DB2-BD59-A6C34878D82A}">
+                    <a16:rowId xmlns:a16="http://schemas.microsoft.com/office/drawing/2014/main" val="3756398000"/>
+                  </a:ext>
+                </a:extLst>
+              </a:tr>
+              <a:tr h="370840">
+                <a:tc>
+                  <a:txBody>
+                    <a:bodyPr/>
+                    <a:lstStyle/>
+                    <a:p>
+                      <a:pPr algn="ctr"/>
+                      <a:r>
+                        <a:rPr lang="en-US" sz="2400" dirty="0"/>
+                        <a:t>560</a:t>
+                      </a:r>
+                    </a:p>
+                  </a:txBody>
+                  <a:tcPr/>
+                </a:tc>
+                <a:tc>
+                  <a:txBody>
+                    <a:bodyPr/>
+                    <a:lstStyle/>
+                    <a:p>
+                      <a:pPr algn="ctr"/>
+                      <a:r>
+                        <a:rPr lang="en-US" sz="2400" dirty="0"/>
+                        <a:t>608</a:t>
+                      </a:r>
+                    </a:p>
+                  </a:txBody>
+                  <a:tcPr/>
+                </a:tc>
+                <a:tc>
+                  <a:txBody>
+                    <a:bodyPr/>
+                    <a:lstStyle/>
+                    <a:p>
+                      <a:pPr algn="ctr"/>
+                      <a:r>
+                        <a:rPr lang="en-US" sz="2400" dirty="0"/>
+                        <a:t>740</a:t>
+                      </a:r>
+                    </a:p>
+                  </a:txBody>
+                  <a:tcPr/>
+                </a:tc>
+                <a:tc>
+                  <a:txBody>
+                    <a:bodyPr/>
+                    <a:lstStyle/>
+                    <a:p>
+                      <a:pPr algn="ctr"/>
+                      <a:r>
+                        <a:rPr lang="en-US" sz="2400" dirty="0"/>
+                        <a:t>497</a:t>
+                      </a:r>
+                    </a:p>
+                  </a:txBody>
+                  <a:tcPr/>
+                </a:tc>
+                <a:tc>
+                  <a:txBody>
+                    <a:bodyPr/>
+                    <a:lstStyle/>
+                    <a:p>
+                      <a:pPr algn="ctr"/>
+                      <a:r>
+                        <a:rPr lang="en-US" sz="2400" dirty="0"/>
+                        <a:t>336</a:t>
+                      </a:r>
+                    </a:p>
+                  </a:txBody>
+                  <a:tcPr/>
+                </a:tc>
+                <a:extLst>
+                  <a:ext uri="{0D108BD9-81ED-4DB2-BD59-A6C34878D82A}">
+                    <a16:rowId xmlns:a16="http://schemas.microsoft.com/office/drawing/2014/main" val="4064052658"/>
+                  </a:ext>
+                </a:extLst>
+              </a:tr>
+              <a:tr h="370840">
+                <a:tc>
+                  <a:txBody>
+                    <a:bodyPr/>
+                    <a:lstStyle/>
+                    <a:p>
+                      <a:pPr algn="ctr"/>
+                      <a:r>
+                        <a:rPr lang="en-US" sz="2400" dirty="0"/>
+                        <a:t>480</a:t>
+                      </a:r>
+                    </a:p>
+                  </a:txBody>
+                  <a:tcPr/>
+                </a:tc>
+                <a:tc>
+                  <a:txBody>
+                    <a:bodyPr/>
+                    <a:lstStyle/>
+                    <a:p>
+                      <a:pPr algn="ctr"/>
+                      <a:r>
+                        <a:rPr lang="en-US" sz="2400" dirty="0"/>
+                        <a:t>538</a:t>
+                      </a:r>
+                    </a:p>
+                  </a:txBody>
+                  <a:tcPr/>
+                </a:tc>
+                <a:tc>
+                  <a:txBody>
+                    <a:bodyPr/>
+                    <a:lstStyle/>
+                    <a:p>
+                      <a:pPr algn="ctr"/>
+                      <a:r>
+                        <a:rPr lang="en-US" sz="2400" dirty="0"/>
+                        <a:t>730</a:t>
+                      </a:r>
+                    </a:p>
+                  </a:txBody>
+                  <a:tcPr/>
+                </a:tc>
+                <a:tc>
+                  <a:txBody>
+                    <a:bodyPr/>
+                    <a:lstStyle/>
+                    <a:p>
+                      <a:pPr algn="ctr"/>
+                      <a:r>
+                        <a:rPr lang="en-US" sz="2400" dirty="0"/>
+                        <a:t>512</a:t>
+                      </a:r>
+                    </a:p>
+                  </a:txBody>
+                  <a:tcPr/>
+                </a:tc>
+                <a:tc>
+                  <a:txBody>
+                    <a:bodyPr/>
+                    <a:lstStyle/>
+                    <a:p>
+                      <a:pPr algn="ctr"/>
+                      <a:r>
+                        <a:rPr lang="en-US" sz="2400" dirty="0"/>
+                        <a:t>401</a:t>
+                      </a:r>
+                    </a:p>
+                  </a:txBody>
+                  <a:tcPr/>
+                </a:tc>
+                <a:extLst>
+                  <a:ext uri="{0D108BD9-81ED-4DB2-BD59-A6C34878D82A}">
+                    <a16:rowId xmlns:a16="http://schemas.microsoft.com/office/drawing/2014/main" val="194287500"/>
+                  </a:ext>
+                </a:extLst>
+              </a:tr>
+            </a:tbl>
+          </a:graphicData>
+        </a:graphic>
+      </p:graphicFrame>
+      <p:pic>
+        <p:nvPicPr>
+          <p:cNvPr id="6" name="图片 5">
+            <a:extLst>
+              <a:ext uri="{FF2B5EF4-FFF2-40B4-BE49-F238E27FC236}">
+                <a16:creationId xmlns:a16="http://schemas.microsoft.com/office/drawing/2014/main" id="{CA90BEC8-6E1F-483C-8020-6AD999C068BF}"/>
+              </a:ext>
+            </a:extLst>
+          </p:cNvPr>
+          <p:cNvPicPr>
+            <a:picLocks noChangeAspect="1"/>
+          </p:cNvPicPr>
+          <p:nvPr/>
+        </p:nvPicPr>
+        <p:blipFill>
+          <a:blip r:embed="rId2"/>
+          <a:stretch>
+            <a:fillRect/>
+          </a:stretch>
+        </p:blipFill>
+        <p:spPr>
+          <a:xfrm>
+            <a:off x="2585156" y="4812381"/>
+            <a:ext cx="1903412" cy="1876285"/>
+          </a:xfrm>
+          <a:prstGeom prst="rect">
+            <a:avLst/>
+          </a:prstGeom>
+        </p:spPr>
+      </p:pic>
+      <p:graphicFrame>
+        <p:nvGraphicFramePr>
+          <p:cNvPr id="7" name="表格 7">
+            <a:extLst>
+              <a:ext uri="{FF2B5EF4-FFF2-40B4-BE49-F238E27FC236}">
+                <a16:creationId xmlns:a16="http://schemas.microsoft.com/office/drawing/2014/main" id="{FD5EB14C-4D0F-42FA-BD8D-0C0D8F51FA97}"/>
+              </a:ext>
+            </a:extLst>
+          </p:cNvPr>
+          <p:cNvGraphicFramePr>
+            <a:graphicFrameLocks noGrp="1"/>
+          </p:cNvGraphicFramePr>
+          <p:nvPr>
+            <p:extLst>
+              <p:ext uri="{D42A27DB-BD31-4B8C-83A1-F6EECF244321}">
+                <p14:modId xmlns:p14="http://schemas.microsoft.com/office/powerpoint/2010/main" val="185236122"/>
+              </p:ext>
+            </p:extLst>
+          </p:nvPr>
+        </p:nvGraphicFramePr>
+        <p:xfrm>
+          <a:off x="5881511" y="4794955"/>
+          <a:ext cx="2607732" cy="1828800"/>
+        </p:xfrm>
+        <a:graphic>
+          <a:graphicData uri="http://schemas.openxmlformats.org/drawingml/2006/table">
+            <a:tbl>
+              <a:tblPr firstRow="1" bandRow="1">
+                <a:tableStyleId>{5940675A-B579-460E-94D1-54222C63F5DA}</a:tableStyleId>
+              </a:tblPr>
+              <a:tblGrid>
+                <a:gridCol w="869244">
+                  <a:extLst>
+                    <a:ext uri="{9D8B030D-6E8A-4147-A177-3AD203B41FA5}">
+                      <a16:colId xmlns:a16="http://schemas.microsoft.com/office/drawing/2014/main" val="1382534468"/>
+                    </a:ext>
+                  </a:extLst>
+                </a:gridCol>
+                <a:gridCol w="869244">
+                  <a:extLst>
+                    <a:ext uri="{9D8B030D-6E8A-4147-A177-3AD203B41FA5}">
+                      <a16:colId xmlns:a16="http://schemas.microsoft.com/office/drawing/2014/main" val="3361690927"/>
+                    </a:ext>
+                  </a:extLst>
+                </a:gridCol>
+                <a:gridCol w="869244">
+                  <a:extLst>
+                    <a:ext uri="{9D8B030D-6E8A-4147-A177-3AD203B41FA5}">
+                      <a16:colId xmlns:a16="http://schemas.microsoft.com/office/drawing/2014/main" val="389713064"/>
+                    </a:ext>
+                  </a:extLst>
+                </a:gridCol>
+              </a:tblGrid>
+              <a:tr h="404284">
+                <a:tc>
+                  <a:txBody>
+                    <a:bodyPr/>
+                    <a:lstStyle/>
+                    <a:p>
+                      <a:pPr algn="ctr"/>
+                      <a:r>
+                        <a:rPr lang="en-US" sz="2400" dirty="0"/>
+                        <a:t>0</a:t>
+                      </a:r>
+                    </a:p>
+                  </a:txBody>
+                  <a:tcPr/>
+                </a:tc>
+                <a:tc>
+                  <a:txBody>
+                    <a:bodyPr/>
+                    <a:lstStyle/>
+                    <a:p>
+                      <a:pPr algn="ctr"/>
+                      <a:r>
+                        <a:rPr lang="en-US" sz="2400" dirty="0"/>
+                        <a:t>0</a:t>
+                      </a:r>
+                    </a:p>
+                  </a:txBody>
+                  <a:tcPr/>
+                </a:tc>
+                <a:tc>
+                  <a:txBody>
+                    <a:bodyPr/>
+                    <a:lstStyle/>
+                    <a:p>
+                      <a:pPr algn="ctr"/>
+                      <a:r>
+                        <a:rPr lang="en-US" sz="2400" dirty="0"/>
+                        <a:t>0</a:t>
+                      </a:r>
+                    </a:p>
+                  </a:txBody>
+                  <a:tcPr/>
+                </a:tc>
+                <a:extLst>
+                  <a:ext uri="{0D108BD9-81ED-4DB2-BD59-A6C34878D82A}">
+                    <a16:rowId xmlns:a16="http://schemas.microsoft.com/office/drawing/2014/main" val="1636496888"/>
+                  </a:ext>
+                </a:extLst>
+              </a:tr>
+              <a:tr h="404284">
+                <a:tc>
+                  <a:txBody>
+                    <a:bodyPr/>
+                    <a:lstStyle/>
+                    <a:p>
+                      <a:pPr algn="ctr"/>
+                      <a:r>
+                        <a:rPr lang="en-US" sz="2400" dirty="0"/>
+                        <a:t>0</a:t>
+                      </a:r>
+                    </a:p>
+                  </a:txBody>
+                  <a:tcPr/>
+                </a:tc>
+                <a:tc>
+                  <a:txBody>
+                    <a:bodyPr/>
+                    <a:lstStyle/>
+                    <a:p>
+                      <a:pPr algn="ctr"/>
+                      <a:r>
+                        <a:rPr lang="en-US" sz="2400" dirty="0"/>
+                        <a:t>1</a:t>
+                      </a:r>
+                    </a:p>
+                  </a:txBody>
+                  <a:tcPr/>
+                </a:tc>
+                <a:tc>
+                  <a:txBody>
+                    <a:bodyPr/>
+                    <a:lstStyle/>
+                    <a:p>
+                      <a:pPr algn="ctr"/>
+                      <a:r>
+                        <a:rPr lang="en-US" sz="2400" dirty="0"/>
+                        <a:t>0</a:t>
+                      </a:r>
+                    </a:p>
+                  </a:txBody>
+                  <a:tcPr/>
+                </a:tc>
+                <a:extLst>
+                  <a:ext uri="{0D108BD9-81ED-4DB2-BD59-A6C34878D82A}">
+                    <a16:rowId xmlns:a16="http://schemas.microsoft.com/office/drawing/2014/main" val="1931837211"/>
+                  </a:ext>
+                </a:extLst>
+              </a:tr>
+              <a:tr h="404284">
+                <a:tc>
+                  <a:txBody>
+                    <a:bodyPr/>
+                    <a:lstStyle/>
+                    <a:p>
+                      <a:pPr algn="ctr"/>
+                      <a:r>
+                        <a:rPr lang="en-US" sz="2400" dirty="0"/>
+                        <a:t>0</a:t>
+                      </a:r>
+                    </a:p>
+                  </a:txBody>
+                  <a:tcPr/>
+                </a:tc>
+                <a:tc>
+                  <a:txBody>
+                    <a:bodyPr/>
+                    <a:lstStyle/>
+                    <a:p>
+                      <a:pPr algn="ctr"/>
+                      <a:r>
+                        <a:rPr lang="en-US" sz="2400" dirty="0"/>
+                        <a:t>1</a:t>
+                      </a:r>
+                    </a:p>
+                  </a:txBody>
+                  <a:tcPr/>
+                </a:tc>
+                <a:tc>
+                  <a:txBody>
+                    <a:bodyPr/>
+                    <a:lstStyle/>
+                    <a:p>
+                      <a:pPr algn="ctr"/>
+                      <a:r>
+                        <a:rPr lang="en-US" sz="2400" dirty="0"/>
+                        <a:t>1</a:t>
+                      </a:r>
+                    </a:p>
+                  </a:txBody>
+                  <a:tcPr/>
+                </a:tc>
+                <a:extLst>
+                  <a:ext uri="{0D108BD9-81ED-4DB2-BD59-A6C34878D82A}">
+                    <a16:rowId xmlns:a16="http://schemas.microsoft.com/office/drawing/2014/main" val="4001258440"/>
+                  </a:ext>
+                </a:extLst>
+              </a:tr>
+              <a:tr h="404284">
+                <a:tc>
+                  <a:txBody>
+                    <a:bodyPr/>
+                    <a:lstStyle/>
+                    <a:p>
+                      <a:pPr algn="ctr"/>
+                      <a:r>
+                        <a:rPr lang="en-US" sz="2400" dirty="0"/>
+                        <a:t>0</a:t>
+                      </a:r>
+                    </a:p>
+                  </a:txBody>
+                  <a:tcPr/>
+                </a:tc>
+                <a:tc>
+                  <a:txBody>
+                    <a:bodyPr/>
+                    <a:lstStyle/>
+                    <a:p>
+                      <a:pPr algn="ctr"/>
+                      <a:r>
+                        <a:rPr lang="en-US" sz="2400" dirty="0"/>
+                        <a:t>1</a:t>
+                      </a:r>
+                    </a:p>
+                  </a:txBody>
+                  <a:tcPr/>
+                </a:tc>
+                <a:tc>
+                  <a:txBody>
+                    <a:bodyPr/>
+                    <a:lstStyle/>
+                    <a:p>
+                      <a:pPr algn="ctr"/>
+                      <a:r>
+                        <a:rPr lang="en-US" sz="2400" dirty="0"/>
+                        <a:t>1</a:t>
+                      </a:r>
+                    </a:p>
+                  </a:txBody>
+                  <a:tcPr/>
+                </a:tc>
+                <a:extLst>
+                  <a:ext uri="{0D108BD9-81ED-4DB2-BD59-A6C34878D82A}">
+                    <a16:rowId xmlns:a16="http://schemas.microsoft.com/office/drawing/2014/main" val="723501515"/>
+                  </a:ext>
+                </a:extLst>
+              </a:tr>
+            </a:tbl>
+          </a:graphicData>
+        </a:graphic>
+      </p:graphicFrame>
+      <p:sp>
+        <p:nvSpPr>
+          <p:cNvPr id="10" name="对话气泡: 矩形 9">
+            <a:extLst>
+              <a:ext uri="{FF2B5EF4-FFF2-40B4-BE49-F238E27FC236}">
+                <a16:creationId xmlns:a16="http://schemas.microsoft.com/office/drawing/2014/main" id="{930E8F5F-9F32-4047-AEC8-1D35FFED04AB}"/>
+              </a:ext>
+            </a:extLst>
+          </p:cNvPr>
+          <p:cNvSpPr/>
+          <p:nvPr/>
+        </p:nvSpPr>
+        <p:spPr>
+          <a:xfrm>
+            <a:off x="9855200" y="4323644"/>
+            <a:ext cx="2099733" cy="880533"/>
+          </a:xfrm>
+          <a:prstGeom prst="wedgeRectCallout">
+            <a:avLst>
+              <a:gd name="adj1" fmla="val -82123"/>
+              <a:gd name="adj2" fmla="val -50999"/>
+            </a:avLst>
+          </a:prstGeom>
+        </p:spPr>
+        <p:style>
+          <a:lnRef idx="2">
+            <a:schemeClr val="accent1">
+              <a:shade val="50000"/>
+            </a:schemeClr>
+          </a:lnRef>
+          <a:fillRef idx="1">
+            <a:schemeClr val="accent1"/>
+          </a:fillRef>
+          <a:effectRef idx="0">
+            <a:schemeClr val="accent1"/>
+          </a:effectRef>
+          <a:fontRef idx="minor">
+            <a:schemeClr val="lt1"/>
+          </a:fontRef>
+        </p:style>
+        <p:txBody>
+          <a:bodyPr rtlCol="0" anchor="ctr"/>
+          <a:lstStyle/>
+          <a:p>
+            <a:r>
+              <a:rPr lang="zh-CN" altLang="en-US" sz="2400" dirty="0"/>
+              <a:t>二维数组，也称为矩阵</a:t>
+            </a:r>
+            <a:endParaRPr lang="en-US" sz="2400" dirty="0"/>
+          </a:p>
+        </p:txBody>
+      </p:sp>
+    </p:spTree>
+    <p:extLst>
+      <p:ext uri="{BB962C8B-B14F-4D97-AF65-F5344CB8AC3E}">
+        <p14:creationId xmlns:p14="http://schemas.microsoft.com/office/powerpoint/2010/main" val="3722578165"/>
+      </p:ext>
+    </p:extLst>
+  </p:cSld>
+  <p:clrMapOvr>
+    <a:masterClrMapping/>
+  </p:clrMapOvr>
+  <p:timing>
+    <p:tnLst>
+      <p:par>
+        <p:cTn id="1" dur="indefinite" restart="never" nodeType="tmRoot">
+          <p:childTnLst>
+            <p:seq concurrent="1" nextAc="seek">
+              <p:cTn id="2" dur="indefinite" nodeType="mainSeq">
+                <p:childTnLst>
+                  <p:par>
+                    <p:cTn id="3" fill="hold">
+                      <p:stCondLst>
+                        <p:cond delay="indefinite"/>
+                      </p:stCondLst>
+                      <p:childTnLst>
+                        <p:par>
+                          <p:cTn id="4" fill="hold">
+                            <p:stCondLst>
+                              <p:cond delay="0"/>
+                            </p:stCondLst>
+                            <p:childTnLst>
+                              <p:par>
+                                <p:cTn id="5" presetID="1" presetClass="entr" presetSubtype="0" fill="hold" nodeType="clickEffect">
+                                  <p:stCondLst>
+                                    <p:cond delay="0"/>
+                                  </p:stCondLst>
+                                  <p:childTnLst>
+                                    <p:set>
+                                      <p:cBhvr>
+                                        <p:cTn id="6" dur="1" fill="hold">
+                                          <p:stCondLst>
+                                            <p:cond delay="0"/>
+                                          </p:stCondLst>
+                                        </p:cTn>
+                                        <p:tgtEl>
+                                          <p:spTgt spid="3">
+                                            <p:txEl>
+                                              <p:pRg st="4" end="4"/>
+                                            </p:txEl>
+                                          </p:spTgt>
+                                        </p:tgtEl>
+                                        <p:attrNameLst>
+                                          <p:attrName>style.visibility</p:attrName>
+                                        </p:attrNameLst>
+                                      </p:cBhvr>
+                                      <p:to>
+                                        <p:strVal val="visible"/>
+                                      </p:to>
+                                    </p:set>
+                                  </p:childTnLst>
+                                </p:cTn>
+                              </p:par>
+                            </p:childTnLst>
+                          </p:cTn>
+                        </p:par>
+                      </p:childTnLst>
+                    </p:cTn>
+                  </p:par>
+                  <p:par>
+                    <p:cTn id="7" fill="hold">
+                      <p:stCondLst>
+                        <p:cond delay="indefinite"/>
+                      </p:stCondLst>
+                      <p:childTnLst>
+                        <p:par>
+                          <p:cTn id="8" fill="hold">
+                            <p:stCondLst>
+                              <p:cond delay="0"/>
+                            </p:stCondLst>
+                            <p:childTnLst>
+                              <p:par>
+                                <p:cTn id="9" presetID="1" presetClass="entr" presetSubtype="0" fill="hold" nodeType="clickEffect">
+                                  <p:stCondLst>
+                                    <p:cond delay="0"/>
+                                  </p:stCondLst>
+                                  <p:childTnLst>
+                                    <p:set>
+                                      <p:cBhvr>
+                                        <p:cTn id="10" dur="1" fill="hold">
+                                          <p:stCondLst>
+                                            <p:cond delay="0"/>
+                                          </p:stCondLst>
+                                        </p:cTn>
+                                        <p:tgtEl>
+                                          <p:spTgt spid="6"/>
+                                        </p:tgtEl>
+                                        <p:attrNameLst>
+                                          <p:attrName>style.visibility</p:attrName>
+                                        </p:attrNameLst>
+                                      </p:cBhvr>
+                                      <p:to>
+                                        <p:strVal val="visible"/>
+                                      </p:to>
+                                    </p:set>
+                                  </p:childTnLst>
+                                </p:cTn>
+                              </p:par>
+                            </p:childTnLst>
+                          </p:cTn>
+                        </p:par>
+                      </p:childTnLst>
+                    </p:cTn>
+                  </p:par>
+                  <p:par>
+                    <p:cTn id="11" fill="hold">
+                      <p:stCondLst>
+                        <p:cond delay="indefinite"/>
+                      </p:stCondLst>
+                      <p:childTnLst>
+                        <p:par>
+                          <p:cTn id="12" fill="hold">
+                            <p:stCondLst>
+                              <p:cond delay="0"/>
+                            </p:stCondLst>
+                            <p:childTnLst>
+                              <p:par>
+                                <p:cTn id="13" presetID="1" presetClass="entr" presetSubtype="0" fill="hold" nodeType="clickEffect">
+                                  <p:stCondLst>
+                                    <p:cond delay="0"/>
+                                  </p:stCondLst>
+                                  <p:childTnLst>
+                                    <p:set>
+                                      <p:cBhvr>
+                                        <p:cTn id="14" dur="1" fill="hold">
+                                          <p:stCondLst>
+                                            <p:cond delay="0"/>
+                                          </p:stCondLst>
+                                        </p:cTn>
+                                        <p:tgtEl>
+                                          <p:spTgt spid="7"/>
+                                        </p:tgtEl>
+                                        <p:attrNameLst>
+                                          <p:attrName>style.visibility</p:attrName>
+                                        </p:attrNameLst>
+                                      </p:cBhvr>
+                                      <p:to>
+                                        <p:strVal val="visible"/>
+                                      </p:to>
+                                    </p:set>
+                                  </p:childTnLst>
+                                </p:cTn>
+                              </p:par>
+                            </p:childTnLst>
+                          </p:cTn>
+                        </p:par>
+                      </p:childTnLst>
+                    </p:cTn>
+                  </p:par>
+                  <p:par>
+                    <p:cTn id="15" fill="hold">
+                      <p:stCondLst>
+                        <p:cond delay="indefinite"/>
+                      </p:stCondLst>
+                      <p:childTnLst>
+                        <p:par>
+                          <p:cTn id="16" fill="hold">
+                            <p:stCondLst>
+                              <p:cond delay="0"/>
+                            </p:stCondLst>
+                            <p:childTnLst>
+                              <p:par>
+                                <p:cTn id="17" presetID="1" presetClass="entr" presetSubtype="0" fill="hold" grpId="0" nodeType="clickEffect">
+                                  <p:stCondLst>
+                                    <p:cond delay="0"/>
+                                  </p:stCondLst>
+                                  <p:childTnLst>
+                                    <p:set>
+                                      <p:cBhvr>
+                                        <p:cTn id="18" dur="1" fill="hold">
+                                          <p:stCondLst>
+                                            <p:cond delay="0"/>
+                                          </p:stCondLst>
+                                        </p:cTn>
+                                        <p:tgtEl>
+                                          <p:spTgt spid="10"/>
+                                        </p:tgtEl>
+                                        <p:attrNameLst>
+                                          <p:attrName>style.visibility</p:attrName>
+                                        </p:attrNameLst>
+                                      </p:cBhvr>
+                                      <p:to>
+                                        <p:strVal val="visible"/>
+                                      </p:to>
+                                    </p:set>
+                                  </p:childTnLst>
+                                </p:cTn>
+                              </p:par>
+                            </p:childTnLst>
+                          </p:cTn>
+                        </p:par>
+                      </p:childTnLst>
+                    </p:cTn>
+                  </p:par>
+                </p:childTnLst>
+              </p:cTn>
+              <p:prevCondLst>
+                <p:cond evt="onPrev" delay="0">
+                  <p:tgtEl>
+                    <p:sldTgt/>
+                  </p:tgtEl>
+                </p:cond>
+              </p:prevCondLst>
+              <p:nextCondLst>
+                <p:cond evt="onNext" delay="0">
+                  <p:tgtEl>
+                    <p:sldTgt/>
+                  </p:tgtEl>
+                </p:cond>
+              </p:nextCondLst>
+            </p:seq>
+          </p:childTnLst>
+        </p:cTn>
+      </p:par>
+    </p:tnLst>
+    <p:bldLst>
+      <p:bldP spid="10" grpId="0" animBg="1"/>
+    </p:bldLst>
+  </p:timing>
+</p:sld>
+</file>
+
+<file path=ppt/slides/slide56.xml><?xml version="1.0" encoding="utf-8"?>
+<p:sld xmlns:a="http://schemas.openxmlformats.org/drawingml/2006/main" xmlns:r="http://schemas.openxmlformats.org/officeDocument/2006/relationships" xmlns:p="http://schemas.openxmlformats.org/presentationml/2006/main">
+  <p:cSld>
+    <p:spTree>
+      <p:nvGrpSpPr>
+        <p:cNvPr id="1" name=""/>
+        <p:cNvGrpSpPr/>
+        <p:nvPr/>
+      </p:nvGrpSpPr>
+      <p:grpSpPr>
+        <a:xfrm>
+          <a:off x="0" y="0"/>
+          <a:ext cx="0" cy="0"/>
+          <a:chOff x="0" y="0"/>
+          <a:chExt cx="0" cy="0"/>
+        </a:xfrm>
+      </p:grpSpPr>
+      <p:sp>
+        <p:nvSpPr>
+          <p:cNvPr id="2" name="标题 1">
+            <a:extLst>
+              <a:ext uri="{FF2B5EF4-FFF2-40B4-BE49-F238E27FC236}">
+                <a16:creationId xmlns:a16="http://schemas.microsoft.com/office/drawing/2014/main" id="{69408F28-F3FA-4723-B235-5337DC3956C5}"/>
+              </a:ext>
+            </a:extLst>
+          </p:cNvPr>
+          <p:cNvSpPr>
+            <a:spLocks noGrp="1"/>
+          </p:cNvSpPr>
+          <p:nvPr>
+            <p:ph type="title"/>
+          </p:nvPr>
+        </p:nvSpPr>
+        <p:spPr/>
+        <p:txBody>
+          <a:bodyPr/>
+          <a:lstStyle/>
+          <a:p>
+            <a:r>
+              <a:rPr lang="en-US" b="1" dirty="0"/>
+              <a:t>5.3.6 </a:t>
+            </a:r>
+            <a:r>
+              <a:rPr lang="zh-CN" altLang="en-US" b="1" dirty="0"/>
+              <a:t>多维数组</a:t>
+            </a:r>
+            <a:endParaRPr lang="en-US" dirty="0"/>
+          </a:p>
+        </p:txBody>
+      </p:sp>
+      <p:sp>
+        <p:nvSpPr>
+          <p:cNvPr id="3" name="内容占位符 2">
+            <a:extLst>
+              <a:ext uri="{FF2B5EF4-FFF2-40B4-BE49-F238E27FC236}">
+                <a16:creationId xmlns:a16="http://schemas.microsoft.com/office/drawing/2014/main" id="{A36B817A-6785-4D7F-8372-048A4567A649}"/>
+              </a:ext>
+            </a:extLst>
+          </p:cNvPr>
+          <p:cNvSpPr>
+            <a:spLocks noGrp="1"/>
+          </p:cNvSpPr>
+          <p:nvPr>
+            <p:ph idx="1"/>
+          </p:nvPr>
+        </p:nvSpPr>
+        <p:spPr/>
+        <p:txBody>
+          <a:bodyPr/>
+          <a:lstStyle/>
+          <a:p>
+            <a:r>
+              <a:rPr lang="zh-CN" altLang="en-US" dirty="0"/>
+              <a:t>严格地说，</a:t>
+            </a:r>
+            <a:r>
+              <a:rPr lang="en-US" dirty="0"/>
+              <a:t>C++</a:t>
+            </a:r>
+            <a:r>
+              <a:rPr lang="zh-CN" altLang="en-US" dirty="0"/>
+              <a:t>没有提供多维数组，只有一维数组。所谓的多维数组是通过一维数组来表示的。也就是说多维数组实质上就是一维数组，只不过这个一维数组的元素仍然是一个数组，并且可以一直这样表示下去。例如：</a:t>
+            </a:r>
+            <a:endParaRPr lang="en-US" dirty="0"/>
+          </a:p>
+          <a:p>
+            <a:endParaRPr lang="en-US" dirty="0"/>
+          </a:p>
+        </p:txBody>
+      </p:sp>
+      <p:pic>
+        <p:nvPicPr>
+          <p:cNvPr id="4" name="图片 3">
+            <a:extLst>
+              <a:ext uri="{FF2B5EF4-FFF2-40B4-BE49-F238E27FC236}">
+                <a16:creationId xmlns:a16="http://schemas.microsoft.com/office/drawing/2014/main" id="{FC0835D1-4453-4ECB-9FA6-A9409B313A5A}"/>
+              </a:ext>
+            </a:extLst>
+          </p:cNvPr>
+          <p:cNvPicPr>
+            <a:picLocks noChangeAspect="1"/>
+          </p:cNvPicPr>
+          <p:nvPr/>
+        </p:nvPicPr>
+        <p:blipFill>
+          <a:blip r:embed="rId2"/>
+          <a:stretch>
+            <a:fillRect/>
+          </a:stretch>
+        </p:blipFill>
+        <p:spPr>
+          <a:xfrm>
+            <a:off x="933273" y="4050947"/>
+            <a:ext cx="10670082" cy="1062920"/>
+          </a:xfrm>
+          <a:prstGeom prst="rect">
+            <a:avLst/>
+          </a:prstGeom>
+        </p:spPr>
+      </p:pic>
+      <p:pic>
+        <p:nvPicPr>
+          <p:cNvPr id="5" name="图片 4">
+            <a:extLst>
+              <a:ext uri="{FF2B5EF4-FFF2-40B4-BE49-F238E27FC236}">
+                <a16:creationId xmlns:a16="http://schemas.microsoft.com/office/drawing/2014/main" id="{3B1483E0-AA58-4608-8C7D-97A2643B4EFD}"/>
+              </a:ext>
+            </a:extLst>
+          </p:cNvPr>
+          <p:cNvPicPr>
+            <a:picLocks noChangeAspect="1"/>
+          </p:cNvPicPr>
+          <p:nvPr/>
+        </p:nvPicPr>
+        <p:blipFill>
+          <a:blip r:embed="rId3"/>
+          <a:stretch>
+            <a:fillRect/>
+          </a:stretch>
+        </p:blipFill>
+        <p:spPr>
+          <a:xfrm>
+            <a:off x="846666" y="5661555"/>
+            <a:ext cx="10769600" cy="358575"/>
+          </a:xfrm>
+          <a:prstGeom prst="rect">
+            <a:avLst/>
+          </a:prstGeom>
+        </p:spPr>
+      </p:pic>
+    </p:spTree>
+    <p:extLst>
+      <p:ext uri="{BB962C8B-B14F-4D97-AF65-F5344CB8AC3E}">
+        <p14:creationId xmlns:p14="http://schemas.microsoft.com/office/powerpoint/2010/main" val="317403811"/>
+      </p:ext>
+    </p:extLst>
+  </p:cSld>
+  <p:clrMapOvr>
+    <a:masterClrMapping/>
+  </p:clrMapOvr>
+  <p:timing>
+    <p:tnLst>
+      <p:par>
+        <p:cTn id="1" dur="indefinite" restart="never" nodeType="tmRoot">
+          <p:childTnLst>
+            <p:seq concurrent="1" nextAc="seek">
+              <p:cTn id="2" dur="indefinite" nodeType="mainSeq">
+                <p:childTnLst>
+                  <p:par>
+                    <p:cTn id="3" fill="hold">
+                      <p:stCondLst>
+                        <p:cond delay="indefinite"/>
+                      </p:stCondLst>
+                      <p:childTnLst>
+                        <p:par>
+                          <p:cTn id="4" fill="hold">
+                            <p:stCondLst>
+                              <p:cond delay="0"/>
+                            </p:stCondLst>
+                            <p:childTnLst>
+                              <p:par>
+                                <p:cTn id="5" presetID="1" presetClass="entr" presetSubtype="0" fill="hold" nodeType="clickEffect">
+                                  <p:stCondLst>
+                                    <p:cond delay="0"/>
+                                  </p:stCondLst>
+                                  <p:childTnLst>
+                                    <p:set>
+                                      <p:cBhvr>
+                                        <p:cTn id="6" dur="1" fill="hold">
+                                          <p:stCondLst>
+                                            <p:cond delay="0"/>
+                                          </p:stCondLst>
+                                        </p:cTn>
+                                        <p:tgtEl>
+                                          <p:spTgt spid="4"/>
+                                        </p:tgtEl>
+                                        <p:attrNameLst>
+                                          <p:attrName>style.visibility</p:attrName>
+                                        </p:attrNameLst>
+                                      </p:cBhvr>
+                                      <p:to>
+                                        <p:strVal val="visible"/>
+                                      </p:to>
+                                    </p:set>
+                                  </p:childTnLst>
+                                </p:cTn>
+                              </p:par>
+                            </p:childTnLst>
+                          </p:cTn>
+                        </p:par>
+                      </p:childTnLst>
+                    </p:cTn>
+                  </p:par>
+                  <p:par>
+                    <p:cTn id="7" fill="hold">
+                      <p:stCondLst>
+                        <p:cond delay="indefinite"/>
+                      </p:stCondLst>
+                      <p:childTnLst>
+                        <p:par>
+                          <p:cTn id="8" fill="hold">
+                            <p:stCondLst>
+                              <p:cond delay="0"/>
+                            </p:stCondLst>
+                            <p:childTnLst>
+                              <p:par>
+                                <p:cTn id="9" presetID="1" presetClass="entr" presetSubtype="0" fill="hold" nodeType="clickEffect">
+                                  <p:stCondLst>
+                                    <p:cond delay="0"/>
+                                  </p:stCondLst>
+                                  <p:childTnLst>
+                                    <p:set>
+                                      <p:cBhvr>
+                                        <p:cTn id="10" dur="1" fill="hold">
+                                          <p:stCondLst>
+                                            <p:cond delay="0"/>
+                                          </p:stCondLst>
+                                        </p:cTn>
+                                        <p:tgtEl>
+                                          <p:spTgt spid="5"/>
+                                        </p:tgtEl>
+                                        <p:attrNameLst>
+                                          <p:attrName>style.visibility</p:attrName>
+                                        </p:attrNameLst>
+                                      </p:cBhvr>
+                                      <p:to>
+                                        <p:strVal val="visible"/>
+                                      </p:to>
+                                    </p:set>
+                                  </p:childTnLst>
+                                </p:cTn>
+                              </p:par>
+                            </p:childTnLst>
+                          </p:cTn>
+                        </p:par>
+                      </p:childTnLst>
+                    </p:cTn>
+                  </p:par>
+                </p:childTnLst>
+              </p:cTn>
+              <p:prevCondLst>
+                <p:cond evt="onPrev" delay="0">
+                  <p:tgtEl>
+                    <p:sldTgt/>
+                  </p:tgtEl>
+                </p:cond>
+              </p:prevCondLst>
+              <p:nextCondLst>
+                <p:cond evt="onNext" delay="0">
+                  <p:tgtEl>
+                    <p:sldTgt/>
+                  </p:tgtEl>
+                </p:cond>
+              </p:nextCondLst>
+            </p:seq>
+          </p:childTnLst>
+        </p:cTn>
+      </p:par>
+    </p:tnLst>
+  </p:timing>
+</p:sld>
+</file>
+
+<file path=ppt/slides/slide57.xml><?xml version="1.0" encoding="utf-8"?>
+<p:sld xmlns:a="http://schemas.openxmlformats.org/drawingml/2006/main" xmlns:r="http://schemas.openxmlformats.org/officeDocument/2006/relationships" xmlns:p="http://schemas.openxmlformats.org/presentationml/2006/main">
+  <p:cSld>
+    <p:spTree>
+      <p:nvGrpSpPr>
+        <p:cNvPr id="1" name=""/>
+        <p:cNvGrpSpPr/>
+        <p:nvPr/>
+      </p:nvGrpSpPr>
+      <p:grpSpPr>
+        <a:xfrm>
+          <a:off x="0" y="0"/>
+          <a:ext cx="0" cy="0"/>
+          <a:chOff x="0" y="0"/>
+          <a:chExt cx="0" cy="0"/>
+        </a:xfrm>
+      </p:grpSpPr>
+      <p:sp>
+        <p:nvSpPr>
+          <p:cNvPr id="3" name="内容占位符 2">
+            <a:extLst>
+              <a:ext uri="{FF2B5EF4-FFF2-40B4-BE49-F238E27FC236}">
+                <a16:creationId xmlns:a16="http://schemas.microsoft.com/office/drawing/2014/main" id="{1769CA06-2681-4DFA-83BB-5273268F15F2}"/>
+              </a:ext>
+            </a:extLst>
+          </p:cNvPr>
+          <p:cNvSpPr>
+            <a:spLocks noGrp="1"/>
+          </p:cNvSpPr>
+          <p:nvPr>
+            <p:ph idx="1"/>
+          </p:nvPr>
+        </p:nvSpPr>
+        <p:spPr>
+          <a:xfrm>
+            <a:off x="838200" y="1678870"/>
+            <a:ext cx="10515600" cy="4351338"/>
+          </a:xfrm>
+        </p:spPr>
+        <p:txBody>
+          <a:bodyPr/>
+          <a:lstStyle/>
+          <a:p>
+            <a:r>
+              <a:rPr lang="zh-CN" altLang="en-US" b="1" dirty="0"/>
+              <a:t>由内向外、自右向左</a:t>
+            </a:r>
+            <a:r>
+              <a:rPr lang="en-US" dirty="0"/>
+              <a:t>”</a:t>
+            </a:r>
+            <a:r>
+              <a:rPr lang="zh-CN" altLang="en-US" dirty="0"/>
+              <a:t>的阅读方法，</a:t>
+            </a:r>
+            <a:r>
+              <a:rPr lang="en-US" dirty="0" err="1"/>
+              <a:t>ia</a:t>
+            </a:r>
+            <a:r>
+              <a:rPr lang="zh-CN" altLang="en-US" dirty="0"/>
+              <a:t>是一个</a:t>
+            </a:r>
+            <a:r>
+              <a:rPr lang="en-US" dirty="0"/>
+              <a:t>3</a:t>
+            </a:r>
+            <a:r>
+              <a:rPr lang="zh-CN" altLang="en-US" dirty="0"/>
+              <a:t>个元素的数组，而每个元素又是一个</a:t>
+            </a:r>
+            <a:r>
+              <a:rPr lang="en-US" dirty="0"/>
+              <a:t>int[4]</a:t>
+            </a:r>
+            <a:r>
+              <a:rPr lang="zh-CN" altLang="en-US" dirty="0"/>
+              <a:t>的数组，即每个元素是一个包含</a:t>
+            </a:r>
+            <a:r>
+              <a:rPr lang="en-US" dirty="0"/>
+              <a:t>4</a:t>
+            </a:r>
+            <a:r>
+              <a:rPr lang="zh-CN" altLang="en-US" dirty="0"/>
+              <a:t>个</a:t>
+            </a:r>
+            <a:r>
+              <a:rPr lang="en-US" dirty="0"/>
+              <a:t>int</a:t>
+            </a:r>
+            <a:r>
+              <a:rPr lang="zh-CN" altLang="en-US" dirty="0"/>
+              <a:t>元素的数组。</a:t>
+            </a:r>
+            <a:endParaRPr lang="en-US" dirty="0"/>
+          </a:p>
+        </p:txBody>
+      </p:sp>
+      <p:pic>
+        <p:nvPicPr>
+          <p:cNvPr id="4" name="图片 3">
+            <a:extLst>
+              <a:ext uri="{FF2B5EF4-FFF2-40B4-BE49-F238E27FC236}">
+                <a16:creationId xmlns:a16="http://schemas.microsoft.com/office/drawing/2014/main" id="{719028AE-5684-4992-A622-2CA56794DE9F}"/>
+              </a:ext>
+            </a:extLst>
+          </p:cNvPr>
+          <p:cNvPicPr>
+            <a:picLocks noChangeAspect="1"/>
+          </p:cNvPicPr>
+          <p:nvPr/>
+        </p:nvPicPr>
+        <p:blipFill>
+          <a:blip r:embed="rId2"/>
+          <a:stretch>
+            <a:fillRect/>
+          </a:stretch>
+        </p:blipFill>
+        <p:spPr>
+          <a:xfrm>
+            <a:off x="3918302" y="482776"/>
+            <a:ext cx="2934054" cy="929806"/>
+          </a:xfrm>
+          <a:prstGeom prst="rect">
+            <a:avLst/>
+          </a:prstGeom>
+        </p:spPr>
+      </p:pic>
+      <p:pic>
+        <p:nvPicPr>
+          <p:cNvPr id="5" name="图片 4">
+            <a:extLst>
+              <a:ext uri="{FF2B5EF4-FFF2-40B4-BE49-F238E27FC236}">
+                <a16:creationId xmlns:a16="http://schemas.microsoft.com/office/drawing/2014/main" id="{E8BDCBA4-1858-4867-9BE6-475C2FFE77AE}"/>
+              </a:ext>
+            </a:extLst>
+          </p:cNvPr>
+          <p:cNvPicPr>
+            <a:picLocks noChangeAspect="1"/>
+          </p:cNvPicPr>
+          <p:nvPr/>
+        </p:nvPicPr>
+        <p:blipFill>
+          <a:blip r:embed="rId3"/>
+          <a:stretch>
+            <a:fillRect/>
+          </a:stretch>
+        </p:blipFill>
+        <p:spPr>
+          <a:xfrm>
+            <a:off x="90311" y="3600410"/>
+            <a:ext cx="11861727" cy="2281101"/>
+          </a:xfrm>
+          <a:prstGeom prst="rect">
+            <a:avLst/>
+          </a:prstGeom>
+        </p:spPr>
+      </p:pic>
+    </p:spTree>
+    <p:extLst>
+      <p:ext uri="{BB962C8B-B14F-4D97-AF65-F5344CB8AC3E}">
+        <p14:creationId xmlns:p14="http://schemas.microsoft.com/office/powerpoint/2010/main" val="805271463"/>
+      </p:ext>
+    </p:extLst>
+  </p:cSld>
+  <p:clrMapOvr>
+    <a:masterClrMapping/>
+  </p:clrMapOvr>
+  <p:timing>
+    <p:tnLst>
+      <p:par>
+        <p:cTn id="1" dur="indefinite" restart="never" nodeType="tmRoot">
+          <p:childTnLst>
+            <p:seq concurrent="1" nextAc="seek">
+              <p:cTn id="2" dur="indefinite" nodeType="mainSeq">
+                <p:childTnLst>
+                  <p:par>
+                    <p:cTn id="3" fill="hold">
+                      <p:stCondLst>
+                        <p:cond delay="indefinite"/>
+                      </p:stCondLst>
+                      <p:childTnLst>
+                        <p:par>
+                          <p:cTn id="4" fill="hold">
+                            <p:stCondLst>
+                              <p:cond delay="0"/>
+                            </p:stCondLst>
+                            <p:childTnLst>
+                              <p:par>
+                                <p:cTn id="5" presetID="1" presetClass="entr" presetSubtype="0" fill="hold" nodeType="clickEffect">
+                                  <p:stCondLst>
+                                    <p:cond delay="0"/>
+                                  </p:stCondLst>
+                                  <p:childTnLst>
+                                    <p:set>
+                                      <p:cBhvr>
+                                        <p:cTn id="6" dur="1" fill="hold">
+                                          <p:stCondLst>
+                                            <p:cond delay="0"/>
+                                          </p:stCondLst>
+                                        </p:cTn>
+                                        <p:tgtEl>
+                                          <p:spTgt spid="5"/>
+                                        </p:tgtEl>
+                                        <p:attrNameLst>
+                                          <p:attrName>style.visibility</p:attrName>
+                                        </p:attrNameLst>
+                                      </p:cBhvr>
+                                      <p:to>
+                                        <p:strVal val="visible"/>
+                                      </p:to>
+                                    </p:set>
+                                  </p:childTnLst>
+                                </p:cTn>
+                              </p:par>
+                            </p:childTnLst>
+                          </p:cTn>
+                        </p:par>
+                      </p:childTnLst>
+                    </p:cTn>
+                  </p:par>
+                </p:childTnLst>
+              </p:cTn>
+              <p:prevCondLst>
+                <p:cond evt="onPrev" delay="0">
+                  <p:tgtEl>
+                    <p:sldTgt/>
+                  </p:tgtEl>
+                </p:cond>
+              </p:prevCondLst>
+              <p:nextCondLst>
+                <p:cond evt="onNext" delay="0">
+                  <p:tgtEl>
+                    <p:sldTgt/>
+                  </p:tgtEl>
+                </p:cond>
+              </p:nextCondLst>
+            </p:seq>
+          </p:childTnLst>
+        </p:cTn>
+      </p:par>
+    </p:tnLst>
+  </p:timing>
+</p:sld>
+</file>
+
+<file path=ppt/slides/slide58.xml><?xml version="1.0" encoding="utf-8"?>
+<p:sld xmlns:a="http://schemas.openxmlformats.org/drawingml/2006/main" xmlns:r="http://schemas.openxmlformats.org/officeDocument/2006/relationships" xmlns:p="http://schemas.openxmlformats.org/presentationml/2006/main">
+  <p:cSld>
+    <p:spTree>
+      <p:nvGrpSpPr>
+        <p:cNvPr id="1" name=""/>
+        <p:cNvGrpSpPr/>
+        <p:nvPr/>
+      </p:nvGrpSpPr>
+      <p:grpSpPr>
+        <a:xfrm>
+          <a:off x="0" y="0"/>
+          <a:ext cx="0" cy="0"/>
+          <a:chOff x="0" y="0"/>
+          <a:chExt cx="0" cy="0"/>
+        </a:xfrm>
+      </p:grpSpPr>
+      <p:pic>
+        <p:nvPicPr>
+          <p:cNvPr id="4" name="图片 3">
+            <a:extLst>
+              <a:ext uri="{FF2B5EF4-FFF2-40B4-BE49-F238E27FC236}">
+                <a16:creationId xmlns:a16="http://schemas.microsoft.com/office/drawing/2014/main" id="{C34144DE-A8F9-433C-BF40-79D71C2164CE}"/>
+              </a:ext>
+            </a:extLst>
+          </p:cNvPr>
+          <p:cNvPicPr>
+            <a:picLocks noChangeAspect="1"/>
+          </p:cNvPicPr>
+          <p:nvPr/>
+        </p:nvPicPr>
+        <p:blipFill>
+          <a:blip r:embed="rId2"/>
+          <a:stretch>
+            <a:fillRect/>
+          </a:stretch>
+        </p:blipFill>
+        <p:spPr>
+          <a:xfrm>
+            <a:off x="623711" y="417865"/>
+            <a:ext cx="10879667" cy="5757157"/>
+          </a:xfrm>
+          <a:prstGeom prst="rect">
+            <a:avLst/>
+          </a:prstGeom>
+        </p:spPr>
+      </p:pic>
+    </p:spTree>
+    <p:extLst>
+      <p:ext uri="{BB962C8B-B14F-4D97-AF65-F5344CB8AC3E}">
+        <p14:creationId xmlns:p14="http://schemas.microsoft.com/office/powerpoint/2010/main" val="769060370"/>
+      </p:ext>
+    </p:extLst>
+  </p:cSld>
+  <p:clrMapOvr>
+    <a:masterClrMapping/>
+  </p:clrMapOvr>
+</p:sld>
+</file>
+
+<file path=ppt/slides/slide59.xml><?xml version="1.0" encoding="utf-8"?>
+<p:sld xmlns:a="http://schemas.openxmlformats.org/drawingml/2006/main" xmlns:r="http://schemas.openxmlformats.org/officeDocument/2006/relationships" xmlns:p="http://schemas.openxmlformats.org/presentationml/2006/main">
+  <p:cSld>
+    <p:spTree>
+      <p:nvGrpSpPr>
+        <p:cNvPr id="1" name=""/>
+        <p:cNvGrpSpPr/>
+        <p:nvPr/>
+      </p:nvGrpSpPr>
+      <p:grpSpPr>
+        <a:xfrm>
+          <a:off x="0" y="0"/>
+          <a:ext cx="0" cy="0"/>
+          <a:chOff x="0" y="0"/>
+          <a:chExt cx="0" cy="0"/>
+        </a:xfrm>
+      </p:grpSpPr>
+      <p:pic>
+        <p:nvPicPr>
+          <p:cNvPr id="5" name="图片 4">
+            <a:extLst>
+              <a:ext uri="{FF2B5EF4-FFF2-40B4-BE49-F238E27FC236}">
+                <a16:creationId xmlns:a16="http://schemas.microsoft.com/office/drawing/2014/main" id="{4BC80DC1-00D7-44B0-A0EE-52E6D3D2986C}"/>
+              </a:ext>
+            </a:extLst>
+          </p:cNvPr>
+          <p:cNvPicPr>
+            <a:picLocks noChangeAspect="1"/>
+          </p:cNvPicPr>
+          <p:nvPr/>
+        </p:nvPicPr>
+        <p:blipFill>
+          <a:blip r:embed="rId2"/>
+          <a:stretch>
+            <a:fillRect/>
+          </a:stretch>
+        </p:blipFill>
+        <p:spPr>
+          <a:xfrm>
+            <a:off x="564974" y="143051"/>
+            <a:ext cx="9678769" cy="6506105"/>
+          </a:xfrm>
+          <a:prstGeom prst="rect">
+            <a:avLst/>
+          </a:prstGeom>
+        </p:spPr>
+      </p:pic>
+    </p:spTree>
+    <p:extLst>
+      <p:ext uri="{BB962C8B-B14F-4D97-AF65-F5344CB8AC3E}">
+        <p14:creationId xmlns:p14="http://schemas.microsoft.com/office/powerpoint/2010/main" val="1255594280"/>
+      </p:ext>
+    </p:extLst>
+  </p:cSld>
+  <p:clrMapOvr>
+    <a:masterClrMapping/>
+  </p:clrMapOvr>
 </p:sld>
 </file>
 
@@ -19201,6 +21229,1733 @@
 </p:sld>
 </file>
 
+<file path=ppt/slides/slide60.xml><?xml version="1.0" encoding="utf-8"?>
+<p:sld xmlns:a="http://schemas.openxmlformats.org/drawingml/2006/main" xmlns:r="http://schemas.openxmlformats.org/officeDocument/2006/relationships" xmlns:p="http://schemas.openxmlformats.org/presentationml/2006/main">
+  <p:cSld>
+    <p:spTree>
+      <p:nvGrpSpPr>
+        <p:cNvPr id="1" name=""/>
+        <p:cNvGrpSpPr/>
+        <p:nvPr/>
+      </p:nvGrpSpPr>
+      <p:grpSpPr>
+        <a:xfrm>
+          <a:off x="0" y="0"/>
+          <a:ext cx="0" cy="0"/>
+          <a:chOff x="0" y="0"/>
+          <a:chExt cx="0" cy="0"/>
+        </a:xfrm>
+      </p:grpSpPr>
+      <p:sp>
+        <p:nvSpPr>
+          <p:cNvPr id="3" name="内容占位符 2">
+            <a:extLst>
+              <a:ext uri="{FF2B5EF4-FFF2-40B4-BE49-F238E27FC236}">
+                <a16:creationId xmlns:a16="http://schemas.microsoft.com/office/drawing/2014/main" id="{0DAA9634-63E7-4C33-9D72-E1004A8DC562}"/>
+              </a:ext>
+            </a:extLst>
+          </p:cNvPr>
+          <p:cNvSpPr>
+            <a:spLocks noGrp="1"/>
+          </p:cNvSpPr>
+          <p:nvPr>
+            <p:ph idx="1"/>
+          </p:nvPr>
+        </p:nvSpPr>
+        <p:spPr>
+          <a:xfrm>
+            <a:off x="691444" y="233892"/>
+            <a:ext cx="10515600" cy="578908"/>
+          </a:xfrm>
+        </p:spPr>
+        <p:txBody>
+          <a:bodyPr/>
+          <a:lstStyle/>
+          <a:p>
+            <a:r>
+              <a:rPr lang="zh-CN" altLang="en-US" dirty="0"/>
+              <a:t>用</a:t>
+            </a:r>
+            <a:r>
+              <a:rPr lang="en-US" dirty="0"/>
+              <a:t>auto</a:t>
+            </a:r>
+            <a:r>
+              <a:rPr lang="zh-CN" altLang="en-US" dirty="0"/>
+              <a:t>来改写上述代码</a:t>
+            </a:r>
+            <a:endParaRPr lang="en-US" dirty="0"/>
+          </a:p>
+        </p:txBody>
+      </p:sp>
+      <p:pic>
+        <p:nvPicPr>
+          <p:cNvPr id="4" name="图片 3">
+            <a:extLst>
+              <a:ext uri="{FF2B5EF4-FFF2-40B4-BE49-F238E27FC236}">
+                <a16:creationId xmlns:a16="http://schemas.microsoft.com/office/drawing/2014/main" id="{86B41EB1-BF3C-4E07-90EE-3E197F89E8C4}"/>
+              </a:ext>
+            </a:extLst>
+          </p:cNvPr>
+          <p:cNvPicPr>
+            <a:picLocks noChangeAspect="1"/>
+          </p:cNvPicPr>
+          <p:nvPr/>
+        </p:nvPicPr>
+        <p:blipFill>
+          <a:blip r:embed="rId2"/>
+          <a:stretch>
+            <a:fillRect/>
+          </a:stretch>
+        </p:blipFill>
+        <p:spPr>
+          <a:xfrm>
+            <a:off x="855838" y="906109"/>
+            <a:ext cx="9200653" cy="5731758"/>
+          </a:xfrm>
+          <a:prstGeom prst="rect">
+            <a:avLst/>
+          </a:prstGeom>
+        </p:spPr>
+      </p:pic>
+    </p:spTree>
+    <p:extLst>
+      <p:ext uri="{BB962C8B-B14F-4D97-AF65-F5344CB8AC3E}">
+        <p14:creationId xmlns:p14="http://schemas.microsoft.com/office/powerpoint/2010/main" val="1745659229"/>
+      </p:ext>
+    </p:extLst>
+  </p:cSld>
+  <p:clrMapOvr>
+    <a:masterClrMapping/>
+  </p:clrMapOvr>
+</p:sld>
+</file>
+
+<file path=ppt/slides/slide61.xml><?xml version="1.0" encoding="utf-8"?>
+<p:sld xmlns:a="http://schemas.openxmlformats.org/drawingml/2006/main" xmlns:r="http://schemas.openxmlformats.org/officeDocument/2006/relationships" xmlns:p="http://schemas.openxmlformats.org/presentationml/2006/main">
+  <p:cSld>
+    <p:spTree>
+      <p:nvGrpSpPr>
+        <p:cNvPr id="1" name=""/>
+        <p:cNvGrpSpPr/>
+        <p:nvPr/>
+      </p:nvGrpSpPr>
+      <p:grpSpPr>
+        <a:xfrm>
+          <a:off x="0" y="0"/>
+          <a:ext cx="0" cy="0"/>
+          <a:chOff x="0" y="0"/>
+          <a:chExt cx="0" cy="0"/>
+        </a:xfrm>
+      </p:grpSpPr>
+      <p:sp>
+        <p:nvSpPr>
+          <p:cNvPr id="3" name="内容占位符 2">
+            <a:extLst>
+              <a:ext uri="{FF2B5EF4-FFF2-40B4-BE49-F238E27FC236}">
+                <a16:creationId xmlns:a16="http://schemas.microsoft.com/office/drawing/2014/main" id="{04D22BEA-C59D-4A26-8F53-2AB051838A1E}"/>
+              </a:ext>
+            </a:extLst>
+          </p:cNvPr>
+          <p:cNvSpPr>
+            <a:spLocks noGrp="1"/>
+          </p:cNvSpPr>
+          <p:nvPr>
+            <p:ph idx="1"/>
+          </p:nvPr>
+        </p:nvSpPr>
+        <p:spPr>
+          <a:xfrm>
+            <a:off x="680155" y="290336"/>
+            <a:ext cx="10515600" cy="567619"/>
+          </a:xfrm>
+        </p:spPr>
+        <p:txBody>
+          <a:bodyPr/>
+          <a:lstStyle/>
+          <a:p>
+            <a:r>
+              <a:rPr lang="zh-CN" altLang="en-US" dirty="0"/>
+              <a:t>用</a:t>
+            </a:r>
+            <a:r>
+              <a:rPr lang="en-US" dirty="0"/>
+              <a:t>Range for</a:t>
+            </a:r>
+            <a:r>
+              <a:rPr lang="zh-CN" altLang="en-US" dirty="0"/>
+              <a:t>写出更简单的代码</a:t>
+            </a:r>
+            <a:endParaRPr lang="en-US" dirty="0"/>
+          </a:p>
+        </p:txBody>
+      </p:sp>
+      <p:pic>
+        <p:nvPicPr>
+          <p:cNvPr id="4" name="图片 3">
+            <a:extLst>
+              <a:ext uri="{FF2B5EF4-FFF2-40B4-BE49-F238E27FC236}">
+                <a16:creationId xmlns:a16="http://schemas.microsoft.com/office/drawing/2014/main" id="{7A9C5294-3981-4279-90F2-A269438EC4D4}"/>
+              </a:ext>
+            </a:extLst>
+          </p:cNvPr>
+          <p:cNvPicPr>
+            <a:picLocks noChangeAspect="1"/>
+          </p:cNvPicPr>
+          <p:nvPr/>
+        </p:nvPicPr>
+        <p:blipFill>
+          <a:blip r:embed="rId2"/>
+          <a:stretch>
+            <a:fillRect/>
+          </a:stretch>
+        </p:blipFill>
+        <p:spPr>
+          <a:xfrm>
+            <a:off x="806273" y="1128360"/>
+            <a:ext cx="10047626" cy="5148262"/>
+          </a:xfrm>
+          <a:prstGeom prst="rect">
+            <a:avLst/>
+          </a:prstGeom>
+        </p:spPr>
+      </p:pic>
+    </p:spTree>
+    <p:extLst>
+      <p:ext uri="{BB962C8B-B14F-4D97-AF65-F5344CB8AC3E}">
+        <p14:creationId xmlns:p14="http://schemas.microsoft.com/office/powerpoint/2010/main" val="2823808504"/>
+      </p:ext>
+    </p:extLst>
+  </p:cSld>
+  <p:clrMapOvr>
+    <a:masterClrMapping/>
+  </p:clrMapOvr>
+</p:sld>
+</file>
+
+<file path=ppt/slides/slide62.xml><?xml version="1.0" encoding="utf-8"?>
+<p:sld xmlns:a="http://schemas.openxmlformats.org/drawingml/2006/main" xmlns:r="http://schemas.openxmlformats.org/officeDocument/2006/relationships" xmlns:p="http://schemas.openxmlformats.org/presentationml/2006/main">
+  <p:cSld>
+    <p:spTree>
+      <p:nvGrpSpPr>
+        <p:cNvPr id="1" name=""/>
+        <p:cNvGrpSpPr/>
+        <p:nvPr/>
+      </p:nvGrpSpPr>
+      <p:grpSpPr>
+        <a:xfrm>
+          <a:off x="0" y="0"/>
+          <a:ext cx="0" cy="0"/>
+          <a:chOff x="0" y="0"/>
+          <a:chExt cx="0" cy="0"/>
+        </a:xfrm>
+      </p:grpSpPr>
+      <p:sp>
+        <p:nvSpPr>
+          <p:cNvPr id="3" name="内容占位符 2">
+            <a:extLst>
+              <a:ext uri="{FF2B5EF4-FFF2-40B4-BE49-F238E27FC236}">
+                <a16:creationId xmlns:a16="http://schemas.microsoft.com/office/drawing/2014/main" id="{22F59FC4-909C-4D51-BD49-3FDAC3460B23}"/>
+              </a:ext>
+            </a:extLst>
+          </p:cNvPr>
+          <p:cNvSpPr>
+            <a:spLocks noGrp="1"/>
+          </p:cNvSpPr>
+          <p:nvPr>
+            <p:ph idx="1"/>
+          </p:nvPr>
+        </p:nvSpPr>
+        <p:spPr>
+          <a:xfrm>
+            <a:off x="759178" y="335492"/>
+            <a:ext cx="10515600" cy="4351338"/>
+          </a:xfrm>
+        </p:spPr>
+        <p:txBody>
+          <a:bodyPr/>
+          <a:lstStyle/>
+          <a:p>
+            <a:r>
+              <a:rPr lang="zh-CN" altLang="en-US" b="1" dirty="0"/>
+              <a:t>注意</a:t>
+            </a:r>
+            <a:r>
+              <a:rPr lang="zh-CN" altLang="en-US" dirty="0"/>
+              <a:t>：将</a:t>
+            </a:r>
+            <a:r>
+              <a:rPr lang="en-US" dirty="0"/>
+              <a:t>row</a:t>
+            </a:r>
+            <a:r>
+              <a:rPr lang="zh-CN" altLang="en-US" dirty="0"/>
+              <a:t>和</a:t>
+            </a:r>
+            <a:r>
+              <a:rPr lang="en-US" dirty="0"/>
+              <a:t>col</a:t>
+            </a:r>
+            <a:r>
+              <a:rPr lang="zh-CN" altLang="en-US" dirty="0"/>
+              <a:t>定义成引用变量，即直接引用原来数组元素而不是复制它们的值。</a:t>
+            </a:r>
+            <a:endParaRPr lang="en-US" dirty="0"/>
+          </a:p>
+          <a:p>
+            <a:endParaRPr lang="en-US" dirty="0"/>
+          </a:p>
+          <a:p>
+            <a:endParaRPr lang="en-US" dirty="0"/>
+          </a:p>
+          <a:p>
+            <a:endParaRPr lang="en-US" dirty="0"/>
+          </a:p>
+          <a:p>
+            <a:r>
+              <a:rPr lang="zh-CN" altLang="en-US" dirty="0"/>
+              <a:t>除了最内层外，其他层的</a:t>
+            </a:r>
+            <a:r>
+              <a:rPr lang="en-US" dirty="0"/>
+              <a:t>Rang for</a:t>
+            </a:r>
+            <a:r>
+              <a:rPr lang="zh-CN" altLang="en-US" dirty="0"/>
+              <a:t>元素的变量必须声明为引用类型</a:t>
+            </a:r>
+            <a:endParaRPr lang="en-US" dirty="0"/>
+          </a:p>
+        </p:txBody>
+      </p:sp>
+      <p:pic>
+        <p:nvPicPr>
+          <p:cNvPr id="4" name="图片 3">
+            <a:extLst>
+              <a:ext uri="{FF2B5EF4-FFF2-40B4-BE49-F238E27FC236}">
+                <a16:creationId xmlns:a16="http://schemas.microsoft.com/office/drawing/2014/main" id="{DD42AD92-C781-46C4-A430-5C531F6B4966}"/>
+              </a:ext>
+            </a:extLst>
+          </p:cNvPr>
+          <p:cNvPicPr>
+            <a:picLocks noChangeAspect="1"/>
+          </p:cNvPicPr>
+          <p:nvPr/>
+        </p:nvPicPr>
+        <p:blipFill>
+          <a:blip r:embed="rId2"/>
+          <a:stretch>
+            <a:fillRect/>
+          </a:stretch>
+        </p:blipFill>
+        <p:spPr>
+          <a:xfrm>
+            <a:off x="1014412" y="1543755"/>
+            <a:ext cx="9108083" cy="1560689"/>
+          </a:xfrm>
+          <a:prstGeom prst="rect">
+            <a:avLst/>
+          </a:prstGeom>
+        </p:spPr>
+      </p:pic>
+      <p:pic>
+        <p:nvPicPr>
+          <p:cNvPr id="5" name="图片 4">
+            <a:extLst>
+              <a:ext uri="{FF2B5EF4-FFF2-40B4-BE49-F238E27FC236}">
+                <a16:creationId xmlns:a16="http://schemas.microsoft.com/office/drawing/2014/main" id="{A35D04E4-0755-4AA3-A1BA-A052F72CF313}"/>
+              </a:ext>
+            </a:extLst>
+          </p:cNvPr>
+          <p:cNvPicPr>
+            <a:picLocks noChangeAspect="1"/>
+          </p:cNvPicPr>
+          <p:nvPr/>
+        </p:nvPicPr>
+        <p:blipFill>
+          <a:blip r:embed="rId3"/>
+          <a:stretch>
+            <a:fillRect/>
+          </a:stretch>
+        </p:blipFill>
+        <p:spPr>
+          <a:xfrm>
+            <a:off x="728397" y="4264554"/>
+            <a:ext cx="11463603" cy="1368601"/>
+          </a:xfrm>
+          <a:prstGeom prst="rect">
+            <a:avLst/>
+          </a:prstGeom>
+        </p:spPr>
+      </p:pic>
+    </p:spTree>
+    <p:extLst>
+      <p:ext uri="{BB962C8B-B14F-4D97-AF65-F5344CB8AC3E}">
+        <p14:creationId xmlns:p14="http://schemas.microsoft.com/office/powerpoint/2010/main" val="1215444517"/>
+      </p:ext>
+    </p:extLst>
+  </p:cSld>
+  <p:clrMapOvr>
+    <a:masterClrMapping/>
+  </p:clrMapOvr>
+  <p:timing>
+    <p:tnLst>
+      <p:par>
+        <p:cTn id="1" dur="indefinite" restart="never" nodeType="tmRoot">
+          <p:childTnLst>
+            <p:seq concurrent="1" nextAc="seek">
+              <p:cTn id="2" dur="indefinite" nodeType="mainSeq">
+                <p:childTnLst>
+                  <p:par>
+                    <p:cTn id="3" fill="hold">
+                      <p:stCondLst>
+                        <p:cond delay="indefinite"/>
+                      </p:stCondLst>
+                      <p:childTnLst>
+                        <p:par>
+                          <p:cTn id="4" fill="hold">
+                            <p:stCondLst>
+                              <p:cond delay="0"/>
+                            </p:stCondLst>
+                            <p:childTnLst>
+                              <p:par>
+                                <p:cTn id="5" presetID="1" presetClass="entr" presetSubtype="0" fill="hold" nodeType="clickEffect">
+                                  <p:stCondLst>
+                                    <p:cond delay="0"/>
+                                  </p:stCondLst>
+                                  <p:childTnLst>
+                                    <p:set>
+                                      <p:cBhvr>
+                                        <p:cTn id="6" dur="1" fill="hold">
+                                          <p:stCondLst>
+                                            <p:cond delay="0"/>
+                                          </p:stCondLst>
+                                        </p:cTn>
+                                        <p:tgtEl>
+                                          <p:spTgt spid="3">
+                                            <p:txEl>
+                                              <p:pRg st="4" end="4"/>
+                                            </p:txEl>
+                                          </p:spTgt>
+                                        </p:tgtEl>
+                                        <p:attrNameLst>
+                                          <p:attrName>style.visibility</p:attrName>
+                                        </p:attrNameLst>
+                                      </p:cBhvr>
+                                      <p:to>
+                                        <p:strVal val="visible"/>
+                                      </p:to>
+                                    </p:set>
+                                  </p:childTnLst>
+                                </p:cTn>
+                              </p:par>
+                            </p:childTnLst>
+                          </p:cTn>
+                        </p:par>
+                      </p:childTnLst>
+                    </p:cTn>
+                  </p:par>
+                  <p:par>
+                    <p:cTn id="7" fill="hold">
+                      <p:stCondLst>
+                        <p:cond delay="indefinite"/>
+                      </p:stCondLst>
+                      <p:childTnLst>
+                        <p:par>
+                          <p:cTn id="8" fill="hold">
+                            <p:stCondLst>
+                              <p:cond delay="0"/>
+                            </p:stCondLst>
+                            <p:childTnLst>
+                              <p:par>
+                                <p:cTn id="9" presetID="1" presetClass="entr" presetSubtype="0" fill="hold" nodeType="clickEffect">
+                                  <p:stCondLst>
+                                    <p:cond delay="0"/>
+                                  </p:stCondLst>
+                                  <p:childTnLst>
+                                    <p:set>
+                                      <p:cBhvr>
+                                        <p:cTn id="10" dur="1" fill="hold">
+                                          <p:stCondLst>
+                                            <p:cond delay="0"/>
+                                          </p:stCondLst>
+                                        </p:cTn>
+                                        <p:tgtEl>
+                                          <p:spTgt spid="5"/>
+                                        </p:tgtEl>
+                                        <p:attrNameLst>
+                                          <p:attrName>style.visibility</p:attrName>
+                                        </p:attrNameLst>
+                                      </p:cBhvr>
+                                      <p:to>
+                                        <p:strVal val="visible"/>
+                                      </p:to>
+                                    </p:set>
+                                  </p:childTnLst>
+                                </p:cTn>
+                              </p:par>
+                            </p:childTnLst>
+                          </p:cTn>
+                        </p:par>
+                      </p:childTnLst>
+                    </p:cTn>
+                  </p:par>
+                </p:childTnLst>
+              </p:cTn>
+              <p:prevCondLst>
+                <p:cond evt="onPrev" delay="0">
+                  <p:tgtEl>
+                    <p:sldTgt/>
+                  </p:tgtEl>
+                </p:cond>
+              </p:prevCondLst>
+              <p:nextCondLst>
+                <p:cond evt="onNext" delay="0">
+                  <p:tgtEl>
+                    <p:sldTgt/>
+                  </p:tgtEl>
+                </p:cond>
+              </p:nextCondLst>
+            </p:seq>
+          </p:childTnLst>
+        </p:cTn>
+      </p:par>
+    </p:tnLst>
+  </p:timing>
+</p:sld>
+</file>
+
+<file path=ppt/slides/slide63.xml><?xml version="1.0" encoding="utf-8"?>
+<p:sld xmlns:a="http://schemas.openxmlformats.org/drawingml/2006/main" xmlns:r="http://schemas.openxmlformats.org/officeDocument/2006/relationships" xmlns:p="http://schemas.openxmlformats.org/presentationml/2006/main">
+  <p:cSld>
+    <p:spTree>
+      <p:nvGrpSpPr>
+        <p:cNvPr id="1" name=""/>
+        <p:cNvGrpSpPr/>
+        <p:nvPr/>
+      </p:nvGrpSpPr>
+      <p:grpSpPr>
+        <a:xfrm>
+          <a:off x="0" y="0"/>
+          <a:ext cx="0" cy="0"/>
+          <a:chOff x="0" y="0"/>
+          <a:chExt cx="0" cy="0"/>
+        </a:xfrm>
+      </p:grpSpPr>
+      <p:sp>
+        <p:nvSpPr>
+          <p:cNvPr id="2" name="标题 1">
+            <a:extLst>
+              <a:ext uri="{FF2B5EF4-FFF2-40B4-BE49-F238E27FC236}">
+                <a16:creationId xmlns:a16="http://schemas.microsoft.com/office/drawing/2014/main" id="{A91DFC87-F35E-4139-8EC7-8F60925A164A}"/>
+              </a:ext>
+            </a:extLst>
+          </p:cNvPr>
+          <p:cNvSpPr>
+            <a:spLocks noGrp="1"/>
+          </p:cNvSpPr>
+          <p:nvPr>
+            <p:ph type="title"/>
+          </p:nvPr>
+        </p:nvSpPr>
+        <p:spPr>
+          <a:xfrm>
+            <a:off x="838200" y="0"/>
+            <a:ext cx="10515600" cy="1930399"/>
+          </a:xfrm>
+        </p:spPr>
+        <p:txBody>
+          <a:bodyPr>
+            <a:normAutofit/>
+          </a:bodyPr>
+          <a:lstStyle/>
+          <a:p>
+            <a:r>
+              <a:rPr lang="en-US" dirty="0"/>
+              <a:t>5.4 </a:t>
+            </a:r>
+            <a:r>
+              <a:rPr lang="zh-CN" altLang="en-US" dirty="0"/>
+              <a:t>动态内存</a:t>
+            </a:r>
+            <a:br>
+              <a:rPr lang="en-US" altLang="zh-CN" dirty="0"/>
+            </a:br>
+            <a:r>
+              <a:rPr lang="en-US" b="1" dirty="0"/>
+              <a:t>5.4.1 </a:t>
+            </a:r>
+            <a:r>
+              <a:rPr lang="zh-CN" altLang="en-US" b="1" dirty="0"/>
+              <a:t>程序堆栈区</a:t>
+            </a:r>
+            <a:endParaRPr lang="en-US" dirty="0"/>
+          </a:p>
+        </p:txBody>
+      </p:sp>
+      <p:sp>
+        <p:nvSpPr>
+          <p:cNvPr id="3" name="内容占位符 2">
+            <a:extLst>
+              <a:ext uri="{FF2B5EF4-FFF2-40B4-BE49-F238E27FC236}">
+                <a16:creationId xmlns:a16="http://schemas.microsoft.com/office/drawing/2014/main" id="{842177AE-6219-47DD-9C54-92D609242C99}"/>
+              </a:ext>
+            </a:extLst>
+          </p:cNvPr>
+          <p:cNvSpPr>
+            <a:spLocks noGrp="1"/>
+          </p:cNvSpPr>
+          <p:nvPr>
+            <p:ph idx="1"/>
+          </p:nvPr>
+        </p:nvSpPr>
+        <p:spPr>
+          <a:xfrm>
+            <a:off x="872066" y="2096559"/>
+            <a:ext cx="10515600" cy="4351338"/>
+          </a:xfrm>
+        </p:spPr>
+        <p:txBody>
+          <a:bodyPr/>
+          <a:lstStyle/>
+          <a:p>
+            <a:pPr marL="0" indent="0">
+              <a:buNone/>
+            </a:pPr>
+            <a:r>
+              <a:rPr lang="zh-CN" altLang="en-US" dirty="0"/>
+              <a:t>每个程序除了代码占据的内存外，都有一个称为</a:t>
+            </a:r>
+            <a:r>
+              <a:rPr lang="zh-CN" altLang="en-US" b="1" dirty="0"/>
+              <a:t>堆栈（</a:t>
+            </a:r>
+            <a:r>
+              <a:rPr lang="en-US" b="1" dirty="0"/>
+              <a:t>Stack</a:t>
+            </a:r>
+            <a:r>
+              <a:rPr lang="zh-CN" altLang="en-US" b="1" dirty="0"/>
+              <a:t>）</a:t>
+            </a:r>
+            <a:r>
+              <a:rPr lang="zh-CN" altLang="en-US" dirty="0"/>
+              <a:t>的内存块，用于存储程序块的非静态局部变量。</a:t>
+            </a:r>
+            <a:endParaRPr lang="en-US" dirty="0"/>
+          </a:p>
+        </p:txBody>
+      </p:sp>
+      <p:pic>
+        <p:nvPicPr>
+          <p:cNvPr id="4" name="图片 3">
+            <a:extLst>
+              <a:ext uri="{FF2B5EF4-FFF2-40B4-BE49-F238E27FC236}">
+                <a16:creationId xmlns:a16="http://schemas.microsoft.com/office/drawing/2014/main" id="{DCF73AB4-6362-4937-AF91-2B6B7ADD4D7E}"/>
+              </a:ext>
+            </a:extLst>
+          </p:cNvPr>
+          <p:cNvPicPr>
+            <a:picLocks noChangeAspect="1"/>
+          </p:cNvPicPr>
+          <p:nvPr/>
+        </p:nvPicPr>
+        <p:blipFill>
+          <a:blip r:embed="rId2"/>
+          <a:stretch>
+            <a:fillRect/>
+          </a:stretch>
+        </p:blipFill>
+        <p:spPr>
+          <a:xfrm>
+            <a:off x="1373010" y="3538537"/>
+            <a:ext cx="3179125" cy="2805819"/>
+          </a:xfrm>
+          <a:prstGeom prst="rect">
+            <a:avLst/>
+          </a:prstGeom>
+        </p:spPr>
+      </p:pic>
+    </p:spTree>
+    <p:extLst>
+      <p:ext uri="{BB962C8B-B14F-4D97-AF65-F5344CB8AC3E}">
+        <p14:creationId xmlns:p14="http://schemas.microsoft.com/office/powerpoint/2010/main" val="951859166"/>
+      </p:ext>
+    </p:extLst>
+  </p:cSld>
+  <p:clrMapOvr>
+    <a:masterClrMapping/>
+  </p:clrMapOvr>
+</p:sld>
+</file>
+
+<file path=ppt/slides/slide64.xml><?xml version="1.0" encoding="utf-8"?>
+<p:sld xmlns:a="http://schemas.openxmlformats.org/drawingml/2006/main" xmlns:r="http://schemas.openxmlformats.org/officeDocument/2006/relationships" xmlns:p="http://schemas.openxmlformats.org/presentationml/2006/main">
+  <p:cSld>
+    <p:spTree>
+      <p:nvGrpSpPr>
+        <p:cNvPr id="1" name=""/>
+        <p:cNvGrpSpPr/>
+        <p:nvPr/>
+      </p:nvGrpSpPr>
+      <p:grpSpPr>
+        <a:xfrm>
+          <a:off x="0" y="0"/>
+          <a:ext cx="0" cy="0"/>
+          <a:chOff x="0" y="0"/>
+          <a:chExt cx="0" cy="0"/>
+        </a:xfrm>
+      </p:grpSpPr>
+      <p:sp>
+        <p:nvSpPr>
+          <p:cNvPr id="3" name="内容占位符 2">
+            <a:extLst>
+              <a:ext uri="{FF2B5EF4-FFF2-40B4-BE49-F238E27FC236}">
+                <a16:creationId xmlns:a16="http://schemas.microsoft.com/office/drawing/2014/main" id="{5F661C13-8D3D-44F0-915F-FB943F00CAE4}"/>
+              </a:ext>
+            </a:extLst>
+          </p:cNvPr>
+          <p:cNvSpPr>
+            <a:spLocks noGrp="1"/>
+          </p:cNvSpPr>
+          <p:nvPr>
+            <p:ph idx="1"/>
+          </p:nvPr>
+        </p:nvSpPr>
+        <p:spPr>
+          <a:xfrm>
+            <a:off x="623711" y="482247"/>
+            <a:ext cx="10515600" cy="4351338"/>
+          </a:xfrm>
+        </p:spPr>
+        <p:txBody>
+          <a:bodyPr/>
+          <a:lstStyle/>
+          <a:p>
+            <a:r>
+              <a:rPr lang="zh-CN" altLang="en-US" b="1" dirty="0"/>
+              <a:t>局部变量的入栈和出栈</a:t>
+            </a:r>
+            <a:endParaRPr lang="en-US" dirty="0"/>
+          </a:p>
+        </p:txBody>
+      </p:sp>
+      <p:pic>
+        <p:nvPicPr>
+          <p:cNvPr id="4" name="图片 3">
+            <a:extLst>
+              <a:ext uri="{FF2B5EF4-FFF2-40B4-BE49-F238E27FC236}">
+                <a16:creationId xmlns:a16="http://schemas.microsoft.com/office/drawing/2014/main" id="{27A10F2C-51DB-4A9D-878F-D6A001EDE7A8}"/>
+              </a:ext>
+            </a:extLst>
+          </p:cNvPr>
+          <p:cNvPicPr>
+            <a:picLocks noChangeAspect="1"/>
+          </p:cNvPicPr>
+          <p:nvPr/>
+        </p:nvPicPr>
+        <p:blipFill>
+          <a:blip r:embed="rId2"/>
+          <a:stretch>
+            <a:fillRect/>
+          </a:stretch>
+        </p:blipFill>
+        <p:spPr>
+          <a:xfrm>
+            <a:off x="4843639" y="-1"/>
+            <a:ext cx="6016272" cy="6738225"/>
+          </a:xfrm>
+          <a:prstGeom prst="rect">
+            <a:avLst/>
+          </a:prstGeom>
+        </p:spPr>
+      </p:pic>
+    </p:spTree>
+    <p:extLst>
+      <p:ext uri="{BB962C8B-B14F-4D97-AF65-F5344CB8AC3E}">
+        <p14:creationId xmlns:p14="http://schemas.microsoft.com/office/powerpoint/2010/main" val="2797731102"/>
+      </p:ext>
+    </p:extLst>
+  </p:cSld>
+  <p:clrMapOvr>
+    <a:masterClrMapping/>
+  </p:clrMapOvr>
+</p:sld>
+</file>
+
+<file path=ppt/slides/slide65.xml><?xml version="1.0" encoding="utf-8"?>
+<p:sld xmlns:a="http://schemas.openxmlformats.org/drawingml/2006/main" xmlns:r="http://schemas.openxmlformats.org/officeDocument/2006/relationships" xmlns:p="http://schemas.openxmlformats.org/presentationml/2006/main">
+  <p:cSld>
+    <p:spTree>
+      <p:nvGrpSpPr>
+        <p:cNvPr id="1" name=""/>
+        <p:cNvGrpSpPr/>
+        <p:nvPr/>
+      </p:nvGrpSpPr>
+      <p:grpSpPr>
+        <a:xfrm>
+          <a:off x="0" y="0"/>
+          <a:ext cx="0" cy="0"/>
+          <a:chOff x="0" y="0"/>
+          <a:chExt cx="0" cy="0"/>
+        </a:xfrm>
+      </p:grpSpPr>
+      <p:sp>
+        <p:nvSpPr>
+          <p:cNvPr id="2" name="标题 1">
+            <a:extLst>
+              <a:ext uri="{FF2B5EF4-FFF2-40B4-BE49-F238E27FC236}">
+                <a16:creationId xmlns:a16="http://schemas.microsoft.com/office/drawing/2014/main" id="{BB5B3073-4B2C-4546-B3DA-9250A94307FE}"/>
+              </a:ext>
+            </a:extLst>
+          </p:cNvPr>
+          <p:cNvSpPr>
+            <a:spLocks noGrp="1"/>
+          </p:cNvSpPr>
+          <p:nvPr>
+            <p:ph type="title"/>
+          </p:nvPr>
+        </p:nvSpPr>
+        <p:spPr/>
+        <p:txBody>
+          <a:bodyPr/>
+          <a:lstStyle/>
+          <a:p>
+            <a:r>
+              <a:rPr lang="en-US" b="1" dirty="0"/>
+              <a:t>5.4.2 </a:t>
+            </a:r>
+            <a:r>
+              <a:rPr lang="zh-CN" altLang="en-US" b="1" dirty="0"/>
+              <a:t>堆存储区：</a:t>
+            </a:r>
+            <a:r>
+              <a:rPr lang="en-US" b="1" dirty="0"/>
+              <a:t>new</a:t>
+            </a:r>
+            <a:r>
+              <a:rPr lang="zh-CN" altLang="en-US" b="1" dirty="0"/>
+              <a:t>和</a:t>
+            </a:r>
+            <a:r>
+              <a:rPr lang="en-US" b="1" dirty="0"/>
+              <a:t>delete</a:t>
+            </a:r>
+            <a:r>
+              <a:rPr lang="zh-CN" altLang="en-US" b="1" dirty="0"/>
+              <a:t>运算符</a:t>
+            </a:r>
+            <a:endParaRPr lang="en-US" dirty="0"/>
+          </a:p>
+        </p:txBody>
+      </p:sp>
+      <p:sp>
+        <p:nvSpPr>
+          <p:cNvPr id="3" name="内容占位符 2">
+            <a:extLst>
+              <a:ext uri="{FF2B5EF4-FFF2-40B4-BE49-F238E27FC236}">
+                <a16:creationId xmlns:a16="http://schemas.microsoft.com/office/drawing/2014/main" id="{8364CD91-8FA6-4569-AABF-4EAC90B183BE}"/>
+              </a:ext>
+            </a:extLst>
+          </p:cNvPr>
+          <p:cNvSpPr>
+            <a:spLocks noGrp="1"/>
+          </p:cNvSpPr>
+          <p:nvPr>
+            <p:ph idx="1"/>
+          </p:nvPr>
+        </p:nvSpPr>
+        <p:spPr>
+          <a:xfrm>
+            <a:off x="838200" y="1825625"/>
+            <a:ext cx="10515600" cy="4665486"/>
+          </a:xfrm>
+        </p:spPr>
+        <p:txBody>
+          <a:bodyPr>
+            <a:normAutofit/>
+          </a:bodyPr>
+          <a:lstStyle/>
+          <a:p>
+            <a:r>
+              <a:rPr lang="zh-CN" altLang="en-US" b="1" dirty="0"/>
+              <a:t>堆存储区：所有程序共享的内存</a:t>
+            </a:r>
+            <a:endParaRPr lang="en-US" dirty="0"/>
+          </a:p>
+          <a:p>
+            <a:r>
+              <a:rPr lang="en-US" dirty="0"/>
+              <a:t>new</a:t>
+            </a:r>
+            <a:r>
+              <a:rPr lang="zh-CN" altLang="en-US" dirty="0"/>
+              <a:t>和</a:t>
+            </a:r>
+            <a:r>
+              <a:rPr lang="en-US" altLang="zh-CN" dirty="0"/>
+              <a:t>delete</a:t>
+            </a:r>
+            <a:r>
+              <a:rPr lang="zh-CN" altLang="en-US" dirty="0"/>
+              <a:t>分配和释放动态内存</a:t>
+            </a:r>
+            <a:endParaRPr lang="en-US" altLang="zh-CN" dirty="0"/>
+          </a:p>
+          <a:p>
+            <a:r>
+              <a:rPr lang="zh-CN" altLang="en-US" dirty="0"/>
+              <a:t>“</a:t>
+            </a:r>
+            <a:r>
+              <a:rPr lang="en-US" b="1" dirty="0"/>
+              <a:t>new</a:t>
+            </a:r>
+            <a:r>
+              <a:rPr lang="en-US" dirty="0"/>
+              <a:t> T</a:t>
+            </a:r>
+            <a:r>
+              <a:rPr lang="zh-CN" altLang="en-US" dirty="0"/>
+              <a:t>”用于申请一个</a:t>
+            </a:r>
+            <a:r>
+              <a:rPr lang="en-US" dirty="0"/>
+              <a:t>T</a:t>
+            </a:r>
+            <a:r>
+              <a:rPr lang="zh-CN" altLang="en-US" dirty="0"/>
+              <a:t>类型大小元素的内存，而“</a:t>
+            </a:r>
+            <a:r>
+              <a:rPr lang="en-US" b="1" dirty="0"/>
+              <a:t>new</a:t>
+            </a:r>
+            <a:r>
+              <a:rPr lang="en-US" dirty="0"/>
+              <a:t> T[size]</a:t>
+            </a:r>
+            <a:r>
+              <a:rPr lang="zh-CN" altLang="en-US" dirty="0"/>
+              <a:t>”用于申请可存储</a:t>
+            </a:r>
+            <a:r>
+              <a:rPr lang="en-US" dirty="0"/>
+              <a:t>size</a:t>
+            </a:r>
+            <a:r>
+              <a:rPr lang="zh-CN" altLang="en-US" dirty="0"/>
+              <a:t>个</a:t>
+            </a:r>
+            <a:r>
+              <a:rPr lang="en-US" dirty="0"/>
+              <a:t>T</a:t>
+            </a:r>
+            <a:r>
+              <a:rPr lang="zh-CN" altLang="en-US" dirty="0"/>
+              <a:t>类型元素的一块内存。“</a:t>
+            </a:r>
+            <a:r>
+              <a:rPr lang="en-US" dirty="0"/>
+              <a:t>new T</a:t>
+            </a:r>
+            <a:r>
+              <a:rPr lang="zh-CN" altLang="en-US" dirty="0"/>
+              <a:t>”和“</a:t>
+            </a:r>
+            <a:r>
+              <a:rPr lang="en-US" dirty="0"/>
+              <a:t>new T[size]</a:t>
+            </a:r>
+            <a:r>
+              <a:rPr lang="zh-CN" altLang="en-US" dirty="0"/>
+              <a:t>”都返回分配内存块的起始地址，返回值的类型是</a:t>
+            </a:r>
+            <a:r>
+              <a:rPr lang="en-US" dirty="0"/>
+              <a:t>T *</a:t>
+            </a:r>
+            <a:r>
+              <a:rPr lang="zh-CN" altLang="en-US" dirty="0"/>
+              <a:t>，即指向</a:t>
+            </a:r>
+            <a:r>
+              <a:rPr lang="en-US" dirty="0"/>
+              <a:t>T</a:t>
+            </a:r>
+            <a:r>
+              <a:rPr lang="zh-CN" altLang="en-US" dirty="0"/>
+              <a:t>类型元素的指针类型，如果</a:t>
+            </a:r>
+            <a:r>
+              <a:rPr lang="en-US" dirty="0"/>
+              <a:t>new</a:t>
+            </a:r>
+            <a:r>
+              <a:rPr lang="zh-CN" altLang="en-US" dirty="0"/>
+              <a:t>申请内存失败，返回的值是</a:t>
+            </a:r>
+            <a:r>
+              <a:rPr lang="en-US" dirty="0"/>
+              <a:t>0</a:t>
+            </a:r>
+            <a:r>
+              <a:rPr lang="zh-CN" altLang="en-US" dirty="0"/>
+              <a:t>。例如：</a:t>
+            </a:r>
+            <a:endParaRPr lang="en-US" dirty="0"/>
+          </a:p>
+          <a:p>
+            <a:pPr marL="0" indent="0">
+              <a:buNone/>
+            </a:pPr>
+            <a:r>
+              <a:rPr lang="en-US" dirty="0"/>
+              <a:t>   double *p = new double;</a:t>
+            </a:r>
+          </a:p>
+          <a:p>
+            <a:pPr marL="0" indent="0">
+              <a:buNone/>
+            </a:pPr>
+            <a:r>
+              <a:rPr lang="en-US" dirty="0"/>
+              <a:t>   double *q= new double[3]; </a:t>
+            </a:r>
+          </a:p>
+        </p:txBody>
+      </p:sp>
+    </p:spTree>
+    <p:extLst>
+      <p:ext uri="{BB962C8B-B14F-4D97-AF65-F5344CB8AC3E}">
+        <p14:creationId xmlns:p14="http://schemas.microsoft.com/office/powerpoint/2010/main" val="2825536339"/>
+      </p:ext>
+    </p:extLst>
+  </p:cSld>
+  <p:clrMapOvr>
+    <a:masterClrMapping/>
+  </p:clrMapOvr>
+  <p:timing>
+    <p:tnLst>
+      <p:par>
+        <p:cTn id="1" dur="indefinite" restart="never" nodeType="tmRoot">
+          <p:childTnLst>
+            <p:seq concurrent="1" nextAc="seek">
+              <p:cTn id="2" dur="indefinite" nodeType="mainSeq">
+                <p:childTnLst>
+                  <p:par>
+                    <p:cTn id="3" fill="hold">
+                      <p:stCondLst>
+                        <p:cond delay="indefinite"/>
+                      </p:stCondLst>
+                      <p:childTnLst>
+                        <p:par>
+                          <p:cTn id="4" fill="hold">
+                            <p:stCondLst>
+                              <p:cond delay="0"/>
+                            </p:stCondLst>
+                            <p:childTnLst>
+                              <p:par>
+                                <p:cTn id="5" presetID="1" presetClass="entr" presetSubtype="0" fill="hold" nodeType="clickEffect">
+                                  <p:stCondLst>
+                                    <p:cond delay="0"/>
+                                  </p:stCondLst>
+                                  <p:childTnLst>
+                                    <p:set>
+                                      <p:cBhvr>
+                                        <p:cTn id="6" dur="1" fill="hold">
+                                          <p:stCondLst>
+                                            <p:cond delay="0"/>
+                                          </p:stCondLst>
+                                        </p:cTn>
+                                        <p:tgtEl>
+                                          <p:spTgt spid="3">
+                                            <p:txEl>
+                                              <p:pRg st="2" end="2"/>
+                                            </p:txEl>
+                                          </p:spTgt>
+                                        </p:tgtEl>
+                                        <p:attrNameLst>
+                                          <p:attrName>style.visibility</p:attrName>
+                                        </p:attrNameLst>
+                                      </p:cBhvr>
+                                      <p:to>
+                                        <p:strVal val="visible"/>
+                                      </p:to>
+                                    </p:set>
+                                  </p:childTnLst>
+                                </p:cTn>
+                              </p:par>
+                              <p:par>
+                                <p:cTn id="7" presetID="1" presetClass="entr" presetSubtype="0" fill="hold" nodeType="withEffect">
+                                  <p:stCondLst>
+                                    <p:cond delay="0"/>
+                                  </p:stCondLst>
+                                  <p:childTnLst>
+                                    <p:set>
+                                      <p:cBhvr>
+                                        <p:cTn id="8" dur="1" fill="hold">
+                                          <p:stCondLst>
+                                            <p:cond delay="0"/>
+                                          </p:stCondLst>
+                                        </p:cTn>
+                                        <p:tgtEl>
+                                          <p:spTgt spid="3">
+                                            <p:txEl>
+                                              <p:pRg st="3" end="3"/>
+                                            </p:txEl>
+                                          </p:spTgt>
+                                        </p:tgtEl>
+                                        <p:attrNameLst>
+                                          <p:attrName>style.visibility</p:attrName>
+                                        </p:attrNameLst>
+                                      </p:cBhvr>
+                                      <p:to>
+                                        <p:strVal val="visible"/>
+                                      </p:to>
+                                    </p:set>
+                                  </p:childTnLst>
+                                </p:cTn>
+                              </p:par>
+                              <p:par>
+                                <p:cTn id="9" presetID="1" presetClass="entr" presetSubtype="0" fill="hold" nodeType="withEffect">
+                                  <p:stCondLst>
+                                    <p:cond delay="0"/>
+                                  </p:stCondLst>
+                                  <p:childTnLst>
+                                    <p:set>
+                                      <p:cBhvr>
+                                        <p:cTn id="10" dur="1" fill="hold">
+                                          <p:stCondLst>
+                                            <p:cond delay="0"/>
+                                          </p:stCondLst>
+                                        </p:cTn>
+                                        <p:tgtEl>
+                                          <p:spTgt spid="3">
+                                            <p:txEl>
+                                              <p:pRg st="4" end="4"/>
+                                            </p:txEl>
+                                          </p:spTgt>
+                                        </p:tgtEl>
+                                        <p:attrNameLst>
+                                          <p:attrName>style.visibility</p:attrName>
+                                        </p:attrNameLst>
+                                      </p:cBhvr>
+                                      <p:to>
+                                        <p:strVal val="visible"/>
+                                      </p:to>
+                                    </p:set>
+                                  </p:childTnLst>
+                                </p:cTn>
+                              </p:par>
+                            </p:childTnLst>
+                          </p:cTn>
+                        </p:par>
+                      </p:childTnLst>
+                    </p:cTn>
+                  </p:par>
+                </p:childTnLst>
+              </p:cTn>
+              <p:prevCondLst>
+                <p:cond evt="onPrev" delay="0">
+                  <p:tgtEl>
+                    <p:sldTgt/>
+                  </p:tgtEl>
+                </p:cond>
+              </p:prevCondLst>
+              <p:nextCondLst>
+                <p:cond evt="onNext" delay="0">
+                  <p:tgtEl>
+                    <p:sldTgt/>
+                  </p:tgtEl>
+                </p:cond>
+              </p:nextCondLst>
+            </p:seq>
+          </p:childTnLst>
+        </p:cTn>
+      </p:par>
+    </p:tnLst>
+  </p:timing>
+</p:sld>
+</file>
+
+<file path=ppt/slides/slide66.xml><?xml version="1.0" encoding="utf-8"?>
+<p:sld xmlns:a="http://schemas.openxmlformats.org/drawingml/2006/main" xmlns:r="http://schemas.openxmlformats.org/officeDocument/2006/relationships" xmlns:p="http://schemas.openxmlformats.org/presentationml/2006/main">
+  <p:cSld>
+    <p:spTree>
+      <p:nvGrpSpPr>
+        <p:cNvPr id="1" name=""/>
+        <p:cNvGrpSpPr/>
+        <p:nvPr/>
+      </p:nvGrpSpPr>
+      <p:grpSpPr>
+        <a:xfrm>
+          <a:off x="0" y="0"/>
+          <a:ext cx="0" cy="0"/>
+          <a:chOff x="0" y="0"/>
+          <a:chExt cx="0" cy="0"/>
+        </a:xfrm>
+      </p:grpSpPr>
+      <p:sp>
+        <p:nvSpPr>
+          <p:cNvPr id="3" name="内容占位符 2">
+            <a:extLst>
+              <a:ext uri="{FF2B5EF4-FFF2-40B4-BE49-F238E27FC236}">
+                <a16:creationId xmlns:a16="http://schemas.microsoft.com/office/drawing/2014/main" id="{5F3354BE-14AE-4289-807E-32F238CDCEFA}"/>
+              </a:ext>
+            </a:extLst>
+          </p:cNvPr>
+          <p:cNvSpPr>
+            <a:spLocks noGrp="1"/>
+          </p:cNvSpPr>
+          <p:nvPr>
+            <p:ph idx="1"/>
+          </p:nvPr>
+        </p:nvSpPr>
+        <p:spPr>
+          <a:xfrm>
+            <a:off x="804334" y="1137003"/>
+            <a:ext cx="10515600" cy="4351338"/>
+          </a:xfrm>
+        </p:spPr>
+        <p:txBody>
+          <a:bodyPr/>
+          <a:lstStyle/>
+          <a:p>
+            <a:r>
+              <a:rPr lang="zh-CN" altLang="en-US" dirty="0"/>
+              <a:t>对于</a:t>
+            </a:r>
+            <a:r>
+              <a:rPr lang="en-US" dirty="0"/>
+              <a:t>new T</a:t>
+            </a:r>
+            <a:r>
+              <a:rPr lang="zh-CN" altLang="en-US" dirty="0"/>
+              <a:t>分配的一个</a:t>
+            </a:r>
+            <a:r>
+              <a:rPr lang="en-US" dirty="0"/>
+              <a:t>T</a:t>
+            </a:r>
+            <a:r>
+              <a:rPr lang="zh-CN" altLang="en-US" dirty="0"/>
+              <a:t>元素的内存，用</a:t>
+            </a:r>
+            <a:r>
+              <a:rPr lang="en-US" dirty="0"/>
+              <a:t>delete p</a:t>
+            </a:r>
+            <a:r>
+              <a:rPr lang="zh-CN" altLang="en-US" dirty="0"/>
+              <a:t>释放</a:t>
+            </a:r>
+            <a:r>
+              <a:rPr lang="en-US" dirty="0"/>
+              <a:t>p</a:t>
+            </a:r>
+            <a:r>
+              <a:rPr lang="zh-CN" altLang="en-US" dirty="0"/>
+              <a:t>指向的这块</a:t>
+            </a:r>
+            <a:r>
+              <a:rPr lang="en-US" dirty="0"/>
+              <a:t>T</a:t>
+            </a:r>
+            <a:r>
+              <a:rPr lang="zh-CN" altLang="en-US" dirty="0"/>
+              <a:t>元素占据的内存。对于</a:t>
+            </a:r>
+            <a:r>
+              <a:rPr lang="en-US" dirty="0"/>
+              <a:t>new T[size]</a:t>
+            </a:r>
+            <a:r>
+              <a:rPr lang="zh-CN" altLang="en-US" dirty="0"/>
+              <a:t>分配的多个</a:t>
+            </a:r>
+            <a:r>
+              <a:rPr lang="en-US" dirty="0"/>
+              <a:t>T</a:t>
+            </a:r>
+            <a:r>
+              <a:rPr lang="zh-CN" altLang="en-US" dirty="0"/>
+              <a:t>元素空间的内存，用</a:t>
+            </a:r>
+            <a:r>
+              <a:rPr lang="en-US" dirty="0"/>
+              <a:t>delete[] p</a:t>
+            </a:r>
+            <a:r>
+              <a:rPr lang="zh-CN" altLang="en-US" dirty="0"/>
+              <a:t>释放</a:t>
+            </a:r>
+            <a:r>
+              <a:rPr lang="en-US" dirty="0"/>
+              <a:t>p</a:t>
+            </a:r>
+            <a:r>
+              <a:rPr lang="zh-CN" altLang="en-US" dirty="0"/>
+              <a:t>指向的多个</a:t>
+            </a:r>
+            <a:r>
+              <a:rPr lang="en-US" dirty="0"/>
+              <a:t>T</a:t>
+            </a:r>
+            <a:r>
+              <a:rPr lang="zh-CN" altLang="en-US" dirty="0"/>
+              <a:t>元素占用的内存，如果写成了</a:t>
+            </a:r>
+            <a:r>
+              <a:rPr lang="en-US" dirty="0"/>
+              <a:t>delete p</a:t>
+            </a:r>
+            <a:r>
+              <a:rPr lang="zh-CN" altLang="en-US" dirty="0"/>
+              <a:t>释放的将是第一个</a:t>
+            </a:r>
+            <a:r>
+              <a:rPr lang="en-US" dirty="0"/>
+              <a:t>T</a:t>
+            </a:r>
+            <a:r>
+              <a:rPr lang="zh-CN" altLang="en-US" dirty="0"/>
+              <a:t>元素占用的内存，其他元素的内存并没有得到释放，这会造成</a:t>
+            </a:r>
+            <a:r>
+              <a:rPr lang="zh-CN" altLang="en-US" b="1" dirty="0"/>
+              <a:t>内存泄漏</a:t>
+            </a:r>
+            <a:r>
+              <a:rPr lang="zh-CN" altLang="en-US" dirty="0"/>
+              <a:t>。</a:t>
+            </a:r>
+            <a:endParaRPr lang="en-US" altLang="zh-CN" dirty="0"/>
+          </a:p>
+          <a:p>
+            <a:endParaRPr lang="en-US" dirty="0"/>
+          </a:p>
+          <a:p>
+            <a:pPr marL="0" indent="0">
+              <a:buNone/>
+            </a:pPr>
+            <a:r>
+              <a:rPr lang="en-US" dirty="0"/>
+              <a:t>  </a:t>
+            </a:r>
+            <a:r>
+              <a:rPr lang="en-US" altLang="zh-CN" dirty="0"/>
+              <a:t>delete p;  //Ok</a:t>
+            </a:r>
+          </a:p>
+          <a:p>
+            <a:pPr marL="0" indent="0">
+              <a:buNone/>
+            </a:pPr>
+            <a:r>
+              <a:rPr lang="en-US" dirty="0"/>
+              <a:t>  </a:t>
+            </a:r>
+            <a:r>
+              <a:rPr lang="en-US" altLang="zh-CN" dirty="0"/>
+              <a:t>delete q;  //</a:t>
+            </a:r>
+            <a:r>
+              <a:rPr lang="zh-CN" altLang="en-US" dirty="0"/>
+              <a:t>错！运行不会出错，但只释放了</a:t>
+            </a:r>
+            <a:r>
+              <a:rPr lang="en-US" altLang="zh-CN" dirty="0"/>
+              <a:t>q[0]</a:t>
+            </a:r>
+            <a:r>
+              <a:rPr lang="zh-CN" altLang="en-US" dirty="0"/>
+              <a:t>占用的内存</a:t>
+            </a:r>
+            <a:endParaRPr lang="en-US" dirty="0"/>
+          </a:p>
+        </p:txBody>
+      </p:sp>
+    </p:spTree>
+    <p:extLst>
+      <p:ext uri="{BB962C8B-B14F-4D97-AF65-F5344CB8AC3E}">
+        <p14:creationId xmlns:p14="http://schemas.microsoft.com/office/powerpoint/2010/main" val="1080853936"/>
+      </p:ext>
+    </p:extLst>
+  </p:cSld>
+  <p:clrMapOvr>
+    <a:masterClrMapping/>
+  </p:clrMapOvr>
+  <p:timing>
+    <p:tnLst>
+      <p:par>
+        <p:cTn id="1" dur="indefinite" restart="never" nodeType="tmRoot">
+          <p:childTnLst>
+            <p:seq concurrent="1" nextAc="seek">
+              <p:cTn id="2" dur="indefinite" nodeType="mainSeq">
+                <p:childTnLst>
+                  <p:par>
+                    <p:cTn id="3" fill="hold">
+                      <p:stCondLst>
+                        <p:cond delay="indefinite"/>
+                      </p:stCondLst>
+                      <p:childTnLst>
+                        <p:par>
+                          <p:cTn id="4" fill="hold">
+                            <p:stCondLst>
+                              <p:cond delay="0"/>
+                            </p:stCondLst>
+                            <p:childTnLst>
+                              <p:par>
+                                <p:cTn id="5" presetID="1" presetClass="entr" presetSubtype="0" fill="hold" nodeType="clickEffect">
+                                  <p:stCondLst>
+                                    <p:cond delay="0"/>
+                                  </p:stCondLst>
+                                  <p:childTnLst>
+                                    <p:set>
+                                      <p:cBhvr>
+                                        <p:cTn id="6" dur="1" fill="hold">
+                                          <p:stCondLst>
+                                            <p:cond delay="0"/>
+                                          </p:stCondLst>
+                                        </p:cTn>
+                                        <p:tgtEl>
+                                          <p:spTgt spid="3">
+                                            <p:txEl>
+                                              <p:pRg st="2" end="2"/>
+                                            </p:txEl>
+                                          </p:spTgt>
+                                        </p:tgtEl>
+                                        <p:attrNameLst>
+                                          <p:attrName>style.visibility</p:attrName>
+                                        </p:attrNameLst>
+                                      </p:cBhvr>
+                                      <p:to>
+                                        <p:strVal val="visible"/>
+                                      </p:to>
+                                    </p:set>
+                                  </p:childTnLst>
+                                </p:cTn>
+                              </p:par>
+                              <p:par>
+                                <p:cTn id="7" presetID="1" presetClass="entr" presetSubtype="0" fill="hold" nodeType="withEffect">
+                                  <p:stCondLst>
+                                    <p:cond delay="0"/>
+                                  </p:stCondLst>
+                                  <p:childTnLst>
+                                    <p:set>
+                                      <p:cBhvr>
+                                        <p:cTn id="8" dur="1" fill="hold">
+                                          <p:stCondLst>
+                                            <p:cond delay="0"/>
+                                          </p:stCondLst>
+                                        </p:cTn>
+                                        <p:tgtEl>
+                                          <p:spTgt spid="3">
+                                            <p:txEl>
+                                              <p:pRg st="3" end="3"/>
+                                            </p:txEl>
+                                          </p:spTgt>
+                                        </p:tgtEl>
+                                        <p:attrNameLst>
+                                          <p:attrName>style.visibility</p:attrName>
+                                        </p:attrNameLst>
+                                      </p:cBhvr>
+                                      <p:to>
+                                        <p:strVal val="visible"/>
+                                      </p:to>
+                                    </p:set>
+                                  </p:childTnLst>
+                                </p:cTn>
+                              </p:par>
+                            </p:childTnLst>
+                          </p:cTn>
+                        </p:par>
+                      </p:childTnLst>
+                    </p:cTn>
+                  </p:par>
+                </p:childTnLst>
+              </p:cTn>
+              <p:prevCondLst>
+                <p:cond evt="onPrev" delay="0">
+                  <p:tgtEl>
+                    <p:sldTgt/>
+                  </p:tgtEl>
+                </p:cond>
+              </p:prevCondLst>
+              <p:nextCondLst>
+                <p:cond evt="onNext" delay="0">
+                  <p:tgtEl>
+                    <p:sldTgt/>
+                  </p:tgtEl>
+                </p:cond>
+              </p:nextCondLst>
+            </p:seq>
+          </p:childTnLst>
+        </p:cTn>
+      </p:par>
+    </p:tnLst>
+  </p:timing>
+</p:sld>
+</file>
+
+<file path=ppt/slides/slide67.xml><?xml version="1.0" encoding="utf-8"?>
+<p:sld xmlns:a="http://schemas.openxmlformats.org/drawingml/2006/main" xmlns:r="http://schemas.openxmlformats.org/officeDocument/2006/relationships" xmlns:p="http://schemas.openxmlformats.org/presentationml/2006/main">
+  <p:cSld>
+    <p:spTree>
+      <p:nvGrpSpPr>
+        <p:cNvPr id="1" name=""/>
+        <p:cNvGrpSpPr/>
+        <p:nvPr/>
+      </p:nvGrpSpPr>
+      <p:grpSpPr>
+        <a:xfrm>
+          <a:off x="0" y="0"/>
+          <a:ext cx="0" cy="0"/>
+          <a:chOff x="0" y="0"/>
+          <a:chExt cx="0" cy="0"/>
+        </a:xfrm>
+      </p:grpSpPr>
+      <p:pic>
+        <p:nvPicPr>
+          <p:cNvPr id="4" name="图片 3">
+            <a:extLst>
+              <a:ext uri="{FF2B5EF4-FFF2-40B4-BE49-F238E27FC236}">
+                <a16:creationId xmlns:a16="http://schemas.microsoft.com/office/drawing/2014/main" id="{7E54E7E9-144F-4FAE-9501-BF3ED388FE68}"/>
+              </a:ext>
+            </a:extLst>
+          </p:cNvPr>
+          <p:cNvPicPr>
+            <a:picLocks noChangeAspect="1"/>
+          </p:cNvPicPr>
+          <p:nvPr/>
+        </p:nvPicPr>
+        <p:blipFill>
+          <a:blip r:embed="rId2"/>
+          <a:stretch>
+            <a:fillRect/>
+          </a:stretch>
+        </p:blipFill>
+        <p:spPr>
+          <a:xfrm>
+            <a:off x="915106" y="759707"/>
+            <a:ext cx="6883368" cy="3180116"/>
+          </a:xfrm>
+          <a:prstGeom prst="rect">
+            <a:avLst/>
+          </a:prstGeom>
+        </p:spPr>
+      </p:pic>
+    </p:spTree>
+    <p:extLst>
+      <p:ext uri="{BB962C8B-B14F-4D97-AF65-F5344CB8AC3E}">
+        <p14:creationId xmlns:p14="http://schemas.microsoft.com/office/powerpoint/2010/main" val="2117249944"/>
+      </p:ext>
+    </p:extLst>
+  </p:cSld>
+  <p:clrMapOvr>
+    <a:masterClrMapping/>
+  </p:clrMapOvr>
+</p:sld>
+</file>
+
+<file path=ppt/slides/slide68.xml><?xml version="1.0" encoding="utf-8"?>
+<p:sld xmlns:a="http://schemas.openxmlformats.org/drawingml/2006/main" xmlns:r="http://schemas.openxmlformats.org/officeDocument/2006/relationships" xmlns:p="http://schemas.openxmlformats.org/presentationml/2006/main">
+  <p:cSld>
+    <p:spTree>
+      <p:nvGrpSpPr>
+        <p:cNvPr id="1" name=""/>
+        <p:cNvGrpSpPr/>
+        <p:nvPr/>
+      </p:nvGrpSpPr>
+      <p:grpSpPr>
+        <a:xfrm>
+          <a:off x="0" y="0"/>
+          <a:ext cx="0" cy="0"/>
+          <a:chOff x="0" y="0"/>
+          <a:chExt cx="0" cy="0"/>
+        </a:xfrm>
+      </p:grpSpPr>
+      <p:pic>
+        <p:nvPicPr>
+          <p:cNvPr id="4" name="图片 3">
+            <a:extLst>
+              <a:ext uri="{FF2B5EF4-FFF2-40B4-BE49-F238E27FC236}">
+                <a16:creationId xmlns:a16="http://schemas.microsoft.com/office/drawing/2014/main" id="{A8170EA4-CC0A-4C48-958E-455D13B20C7B}"/>
+              </a:ext>
+            </a:extLst>
+          </p:cNvPr>
+          <p:cNvPicPr>
+            <a:picLocks noChangeAspect="1"/>
+          </p:cNvPicPr>
+          <p:nvPr/>
+        </p:nvPicPr>
+        <p:blipFill>
+          <a:blip r:embed="rId2"/>
+          <a:stretch>
+            <a:fillRect/>
+          </a:stretch>
+        </p:blipFill>
+        <p:spPr>
+          <a:xfrm>
+            <a:off x="847563" y="767645"/>
+            <a:ext cx="10611894" cy="4678362"/>
+          </a:xfrm>
+          <a:prstGeom prst="rect">
+            <a:avLst/>
+          </a:prstGeom>
+        </p:spPr>
+      </p:pic>
+    </p:spTree>
+    <p:extLst>
+      <p:ext uri="{BB962C8B-B14F-4D97-AF65-F5344CB8AC3E}">
+        <p14:creationId xmlns:p14="http://schemas.microsoft.com/office/powerpoint/2010/main" val="1132160712"/>
+      </p:ext>
+    </p:extLst>
+  </p:cSld>
+  <p:clrMapOvr>
+    <a:masterClrMapping/>
+  </p:clrMapOvr>
+</p:sld>
+</file>
+
+<file path=ppt/slides/slide69.xml><?xml version="1.0" encoding="utf-8"?>
+<p:sld xmlns:a="http://schemas.openxmlformats.org/drawingml/2006/main" xmlns:r="http://schemas.openxmlformats.org/officeDocument/2006/relationships" xmlns:p="http://schemas.openxmlformats.org/presentationml/2006/main">
+  <p:cSld>
+    <p:spTree>
+      <p:nvGrpSpPr>
+        <p:cNvPr id="1" name=""/>
+        <p:cNvGrpSpPr/>
+        <p:nvPr/>
+      </p:nvGrpSpPr>
+      <p:grpSpPr>
+        <a:xfrm>
+          <a:off x="0" y="0"/>
+          <a:ext cx="0" cy="0"/>
+          <a:chOff x="0" y="0"/>
+          <a:chExt cx="0" cy="0"/>
+        </a:xfrm>
+      </p:grpSpPr>
+      <p:sp>
+        <p:nvSpPr>
+          <p:cNvPr id="3" name="内容占位符 2">
+            <a:extLst>
+              <a:ext uri="{FF2B5EF4-FFF2-40B4-BE49-F238E27FC236}">
+                <a16:creationId xmlns:a16="http://schemas.microsoft.com/office/drawing/2014/main" id="{4AF67681-2938-4ADD-98E6-0FABB4FA1A67}"/>
+              </a:ext>
+            </a:extLst>
+          </p:cNvPr>
+          <p:cNvSpPr>
+            <a:spLocks noGrp="1"/>
+          </p:cNvSpPr>
+          <p:nvPr>
+            <p:ph idx="1"/>
+          </p:nvPr>
+        </p:nvSpPr>
+        <p:spPr>
+          <a:xfrm>
+            <a:off x="804334" y="527403"/>
+            <a:ext cx="10515600" cy="1357841"/>
+          </a:xfrm>
+        </p:spPr>
+        <p:txBody>
+          <a:bodyPr/>
+          <a:lstStyle/>
+          <a:p>
+            <a:r>
+              <a:rPr lang="zh-CN" altLang="en-US" dirty="0"/>
+              <a:t>对一个指针</a:t>
+            </a:r>
+            <a:r>
+              <a:rPr lang="en-US" dirty="0"/>
+              <a:t>p</a:t>
+            </a:r>
+            <a:r>
+              <a:rPr lang="zh-CN" altLang="en-US" dirty="0"/>
+              <a:t>，因为</a:t>
+            </a:r>
+            <a:r>
+              <a:rPr lang="en-US" dirty="0"/>
+              <a:t>p[</a:t>
+            </a:r>
+            <a:r>
+              <a:rPr lang="en-US" dirty="0" err="1"/>
+              <a:t>i</a:t>
+            </a:r>
+            <a:r>
+              <a:rPr lang="en-US" dirty="0"/>
+              <a:t>]</a:t>
+            </a:r>
+            <a:r>
+              <a:rPr lang="zh-CN" altLang="en-US" dirty="0"/>
+              <a:t>就是</a:t>
+            </a:r>
+            <a:r>
+              <a:rPr lang="en-US" dirty="0"/>
+              <a:t>*(</a:t>
+            </a:r>
+            <a:r>
+              <a:rPr lang="en-US" dirty="0" err="1"/>
+              <a:t>p+i</a:t>
+            </a:r>
+            <a:r>
+              <a:rPr lang="en-US" dirty="0"/>
+              <a:t>)</a:t>
+            </a:r>
+            <a:r>
+              <a:rPr lang="zh-CN" altLang="en-US" dirty="0"/>
+              <a:t>，当然可以通过下标访问指针指向的动态内存：</a:t>
+            </a:r>
+            <a:endParaRPr lang="en-US" dirty="0"/>
+          </a:p>
+          <a:p>
+            <a:endParaRPr lang="en-US" dirty="0"/>
+          </a:p>
+        </p:txBody>
+      </p:sp>
+      <p:pic>
+        <p:nvPicPr>
+          <p:cNvPr id="5" name="图片 4">
+            <a:extLst>
+              <a:ext uri="{FF2B5EF4-FFF2-40B4-BE49-F238E27FC236}">
+                <a16:creationId xmlns:a16="http://schemas.microsoft.com/office/drawing/2014/main" id="{428D913C-359B-4708-8694-4C9F23AADD7A}"/>
+              </a:ext>
+            </a:extLst>
+          </p:cNvPr>
+          <p:cNvPicPr>
+            <a:picLocks noChangeAspect="1"/>
+          </p:cNvPicPr>
+          <p:nvPr/>
+        </p:nvPicPr>
+        <p:blipFill>
+          <a:blip r:embed="rId2"/>
+          <a:stretch>
+            <a:fillRect/>
+          </a:stretch>
+        </p:blipFill>
+        <p:spPr>
+          <a:xfrm>
+            <a:off x="1091670" y="1749425"/>
+            <a:ext cx="5202309" cy="3545064"/>
+          </a:xfrm>
+          <a:prstGeom prst="rect">
+            <a:avLst/>
+          </a:prstGeom>
+        </p:spPr>
+      </p:pic>
+    </p:spTree>
+    <p:extLst>
+      <p:ext uri="{BB962C8B-B14F-4D97-AF65-F5344CB8AC3E}">
+        <p14:creationId xmlns:p14="http://schemas.microsoft.com/office/powerpoint/2010/main" val="2861350459"/>
+      </p:ext>
+    </p:extLst>
+  </p:cSld>
+  <p:clrMapOvr>
+    <a:masterClrMapping/>
+  </p:clrMapOvr>
+</p:sld>
+</file>
+
 <file path=ppt/slides/slide7.xml><?xml version="1.0" encoding="utf-8"?>
 <p:sld xmlns:a="http://schemas.openxmlformats.org/drawingml/2006/main" xmlns:r="http://schemas.openxmlformats.org/officeDocument/2006/relationships" xmlns:p="http://schemas.openxmlformats.org/presentationml/2006/main">
   <p:cSld>
@@ -19538,6 +23293,358 @@
                                               <p:pRg st="5" end="5"/>
                                             </p:txEl>
                                           </p:spTgt>
+                                        </p:tgtEl>
+                                        <p:attrNameLst>
+                                          <p:attrName>style.visibility</p:attrName>
+                                        </p:attrNameLst>
+                                      </p:cBhvr>
+                                      <p:to>
+                                        <p:strVal val="visible"/>
+                                      </p:to>
+                                    </p:set>
+                                  </p:childTnLst>
+                                </p:cTn>
+                              </p:par>
+                            </p:childTnLst>
+                          </p:cTn>
+                        </p:par>
+                      </p:childTnLst>
+                    </p:cTn>
+                  </p:par>
+                </p:childTnLst>
+              </p:cTn>
+              <p:prevCondLst>
+                <p:cond evt="onPrev" delay="0">
+                  <p:tgtEl>
+                    <p:sldTgt/>
+                  </p:tgtEl>
+                </p:cond>
+              </p:prevCondLst>
+              <p:nextCondLst>
+                <p:cond evt="onNext" delay="0">
+                  <p:tgtEl>
+                    <p:sldTgt/>
+                  </p:tgtEl>
+                </p:cond>
+              </p:nextCondLst>
+            </p:seq>
+          </p:childTnLst>
+        </p:cTn>
+      </p:par>
+    </p:tnLst>
+  </p:timing>
+</p:sld>
+</file>
+
+<file path=ppt/slides/slide70.xml><?xml version="1.0" encoding="utf-8"?>
+<p:sld xmlns:a="http://schemas.openxmlformats.org/drawingml/2006/main" xmlns:r="http://schemas.openxmlformats.org/officeDocument/2006/relationships" xmlns:p="http://schemas.openxmlformats.org/presentationml/2006/main">
+  <p:cSld>
+    <p:spTree>
+      <p:nvGrpSpPr>
+        <p:cNvPr id="1" name=""/>
+        <p:cNvGrpSpPr/>
+        <p:nvPr/>
+      </p:nvGrpSpPr>
+      <p:grpSpPr>
+        <a:xfrm>
+          <a:off x="0" y="0"/>
+          <a:ext cx="0" cy="0"/>
+          <a:chOff x="0" y="0"/>
+          <a:chExt cx="0" cy="0"/>
+        </a:xfrm>
+      </p:grpSpPr>
+      <p:sp>
+        <p:nvSpPr>
+          <p:cNvPr id="2" name="标题 1">
+            <a:extLst>
+              <a:ext uri="{FF2B5EF4-FFF2-40B4-BE49-F238E27FC236}">
+                <a16:creationId xmlns:a16="http://schemas.microsoft.com/office/drawing/2014/main" id="{B100F326-0541-424A-B8B6-8F8C37A8AB63}"/>
+              </a:ext>
+            </a:extLst>
+          </p:cNvPr>
+          <p:cNvSpPr>
+            <a:spLocks noGrp="1"/>
+          </p:cNvSpPr>
+          <p:nvPr>
+            <p:ph type="title"/>
+          </p:nvPr>
+        </p:nvSpPr>
+        <p:spPr/>
+        <p:txBody>
+          <a:bodyPr/>
+          <a:lstStyle/>
+          <a:p>
+            <a:r>
+              <a:rPr lang="en-US" b="1" dirty="0"/>
+              <a:t>5.4.3  </a:t>
+            </a:r>
+            <a:r>
+              <a:rPr lang="zh-CN" altLang="en-US" b="1" dirty="0"/>
+              <a:t>动态内存表示多维数组</a:t>
+            </a:r>
+            <a:endParaRPr lang="en-US" dirty="0"/>
+          </a:p>
+        </p:txBody>
+      </p:sp>
+      <p:sp>
+        <p:nvSpPr>
+          <p:cNvPr id="3" name="内容占位符 2">
+            <a:extLst>
+              <a:ext uri="{FF2B5EF4-FFF2-40B4-BE49-F238E27FC236}">
+                <a16:creationId xmlns:a16="http://schemas.microsoft.com/office/drawing/2014/main" id="{D73B93DC-7138-48EF-AC99-D85E10B22684}"/>
+              </a:ext>
+            </a:extLst>
+          </p:cNvPr>
+          <p:cNvSpPr>
+            <a:spLocks noGrp="1"/>
+          </p:cNvSpPr>
+          <p:nvPr>
+            <p:ph idx="1"/>
+          </p:nvPr>
+        </p:nvSpPr>
+        <p:spPr/>
+        <p:txBody>
+          <a:bodyPr/>
+          <a:lstStyle/>
+          <a:p>
+            <a:r>
+              <a:rPr lang="zh-CN" altLang="en-US" dirty="0"/>
+              <a:t>一个班级所有学生成绩可以用一个二维数组表示：</a:t>
+            </a:r>
+            <a:endParaRPr lang="en-US" dirty="0"/>
+          </a:p>
+          <a:p>
+            <a:pPr marL="0" indent="0">
+              <a:buNone/>
+            </a:pPr>
+            <a:r>
+              <a:rPr lang="en-US" dirty="0"/>
+              <a:t>     double scores[100][4]; //</a:t>
+            </a:r>
+            <a:r>
+              <a:rPr lang="zh-CN" altLang="en-US" dirty="0"/>
+              <a:t>最多可以存储</a:t>
+            </a:r>
+            <a:r>
+              <a:rPr lang="en-US" dirty="0"/>
+              <a:t>100</a:t>
+            </a:r>
+            <a:r>
+              <a:rPr lang="zh-CN" altLang="en-US" dirty="0"/>
+              <a:t>个学生成绩</a:t>
+            </a:r>
+            <a:endParaRPr lang="en-US" dirty="0"/>
+          </a:p>
+          <a:p>
+            <a:pPr marL="0" indent="0">
+              <a:buNone/>
+            </a:pPr>
+            <a:r>
+              <a:rPr lang="en-US" dirty="0"/>
+              <a:t>     int n = 0; //</a:t>
+            </a:r>
+            <a:r>
+              <a:rPr lang="zh-CN" altLang="en-US" dirty="0"/>
+              <a:t>学生人数</a:t>
+            </a:r>
+            <a:endParaRPr lang="en-US" dirty="0"/>
+          </a:p>
+          <a:p>
+            <a:r>
+              <a:rPr lang="zh-CN" altLang="en-US" dirty="0"/>
+              <a:t>但大小固定，缺点：空间不足、浪费</a:t>
+            </a:r>
+            <a:endParaRPr lang="en-US" dirty="0"/>
+          </a:p>
+        </p:txBody>
+      </p:sp>
+    </p:spTree>
+    <p:extLst>
+      <p:ext uri="{BB962C8B-B14F-4D97-AF65-F5344CB8AC3E}">
+        <p14:creationId xmlns:p14="http://schemas.microsoft.com/office/powerpoint/2010/main" val="1183938501"/>
+      </p:ext>
+    </p:extLst>
+  </p:cSld>
+  <p:clrMapOvr>
+    <a:masterClrMapping/>
+  </p:clrMapOvr>
+</p:sld>
+</file>
+
+<file path=ppt/slides/slide71.xml><?xml version="1.0" encoding="utf-8"?>
+<p:sld xmlns:a="http://schemas.openxmlformats.org/drawingml/2006/main" xmlns:r="http://schemas.openxmlformats.org/officeDocument/2006/relationships" xmlns:p="http://schemas.openxmlformats.org/presentationml/2006/main">
+  <p:cSld>
+    <p:spTree>
+      <p:nvGrpSpPr>
+        <p:cNvPr id="1" name=""/>
+        <p:cNvGrpSpPr/>
+        <p:nvPr/>
+      </p:nvGrpSpPr>
+      <p:grpSpPr>
+        <a:xfrm>
+          <a:off x="0" y="0"/>
+          <a:ext cx="0" cy="0"/>
+          <a:chOff x="0" y="0"/>
+          <a:chExt cx="0" cy="0"/>
+        </a:xfrm>
+      </p:grpSpPr>
+      <p:sp>
+        <p:nvSpPr>
+          <p:cNvPr id="3" name="内容占位符 2">
+            <a:extLst>
+              <a:ext uri="{FF2B5EF4-FFF2-40B4-BE49-F238E27FC236}">
+                <a16:creationId xmlns:a16="http://schemas.microsoft.com/office/drawing/2014/main" id="{D52EBE79-47C5-44FD-96EE-23F8D2722C16}"/>
+              </a:ext>
+            </a:extLst>
+          </p:cNvPr>
+          <p:cNvSpPr>
+            <a:spLocks noGrp="1"/>
+          </p:cNvSpPr>
+          <p:nvPr>
+            <p:ph idx="1"/>
+          </p:nvPr>
+        </p:nvSpPr>
+        <p:spPr>
+          <a:xfrm>
+            <a:off x="804334" y="245181"/>
+            <a:ext cx="10515600" cy="4351338"/>
+          </a:xfrm>
+        </p:spPr>
+        <p:txBody>
+          <a:bodyPr/>
+          <a:lstStyle/>
+          <a:p>
+            <a:r>
+              <a:rPr lang="zh-CN" altLang="en-US" dirty="0"/>
+              <a:t>分配一块动态内存：</a:t>
+            </a:r>
+            <a:endParaRPr lang="en-US" dirty="0"/>
+          </a:p>
+        </p:txBody>
+      </p:sp>
+      <p:pic>
+        <p:nvPicPr>
+          <p:cNvPr id="4" name="图片 3">
+            <a:extLst>
+              <a:ext uri="{FF2B5EF4-FFF2-40B4-BE49-F238E27FC236}">
+                <a16:creationId xmlns:a16="http://schemas.microsoft.com/office/drawing/2014/main" id="{97CD6AEF-FBD0-4FE7-94C8-16DFA33E0614}"/>
+              </a:ext>
+            </a:extLst>
+          </p:cNvPr>
+          <p:cNvPicPr>
+            <a:picLocks noChangeAspect="1"/>
+          </p:cNvPicPr>
+          <p:nvPr/>
+        </p:nvPicPr>
+        <p:blipFill>
+          <a:blip r:embed="rId2"/>
+          <a:stretch>
+            <a:fillRect/>
+          </a:stretch>
+        </p:blipFill>
+        <p:spPr>
+          <a:xfrm>
+            <a:off x="1004004" y="895701"/>
+            <a:ext cx="6864352" cy="5874707"/>
+          </a:xfrm>
+          <a:prstGeom prst="rect">
+            <a:avLst/>
+          </a:prstGeom>
+        </p:spPr>
+      </p:pic>
+      <p:sp>
+        <p:nvSpPr>
+          <p:cNvPr id="5" name="文本框 4">
+            <a:extLst>
+              <a:ext uri="{FF2B5EF4-FFF2-40B4-BE49-F238E27FC236}">
+                <a16:creationId xmlns:a16="http://schemas.microsoft.com/office/drawing/2014/main" id="{5A5E5EE8-E5AD-4005-BC37-C970336381BA}"/>
+              </a:ext>
+            </a:extLst>
+          </p:cNvPr>
+          <p:cNvSpPr txBox="1"/>
+          <p:nvPr/>
+        </p:nvSpPr>
+        <p:spPr>
+          <a:xfrm>
+            <a:off x="6163734" y="259644"/>
+            <a:ext cx="5192888" cy="1200329"/>
+          </a:xfrm>
+          <a:prstGeom prst="rect">
+            <a:avLst/>
+          </a:prstGeom>
+          <a:noFill/>
+        </p:spPr>
+        <p:txBody>
+          <a:bodyPr wrap="square" rtlCol="0">
+            <a:spAutoFit/>
+          </a:bodyPr>
+          <a:lstStyle/>
+          <a:p>
+            <a:r>
+              <a:rPr lang="en-US" sz="2400" dirty="0"/>
+              <a:t>double [4]</a:t>
+            </a:r>
+            <a:r>
+              <a:rPr lang="zh-CN" altLang="en-US" sz="2400" dirty="0"/>
+              <a:t>就是一个编译时大小确定的数组类型。可分配类似是</a:t>
+            </a:r>
+            <a:r>
+              <a:rPr lang="en-US" sz="2400" dirty="0"/>
+              <a:t>double [4]</a:t>
+            </a:r>
+            <a:r>
+              <a:rPr lang="zh-CN" altLang="en-US" sz="2400" dirty="0"/>
+              <a:t>的一块动态内存。</a:t>
+            </a:r>
+            <a:endParaRPr lang="en-US" sz="2400" dirty="0"/>
+          </a:p>
+        </p:txBody>
+      </p:sp>
+    </p:spTree>
+    <p:extLst>
+      <p:ext uri="{BB962C8B-B14F-4D97-AF65-F5344CB8AC3E}">
+        <p14:creationId xmlns:p14="http://schemas.microsoft.com/office/powerpoint/2010/main" val="3051337418"/>
+      </p:ext>
+    </p:extLst>
+  </p:cSld>
+  <p:clrMapOvr>
+    <a:masterClrMapping/>
+  </p:clrMapOvr>
+  <p:timing>
+    <p:tnLst>
+      <p:par>
+        <p:cTn id="1" dur="indefinite" restart="never" nodeType="tmRoot">
+          <p:childTnLst>
+            <p:seq concurrent="1" nextAc="seek">
+              <p:cTn id="2" dur="indefinite" nodeType="mainSeq">
+                <p:childTnLst>
+                  <p:par>
+                    <p:cTn id="3" fill="hold">
+                      <p:stCondLst>
+                        <p:cond delay="indefinite"/>
+                      </p:stCondLst>
+                      <p:childTnLst>
+                        <p:par>
+                          <p:cTn id="4" fill="hold">
+                            <p:stCondLst>
+                              <p:cond delay="0"/>
+                            </p:stCondLst>
+                            <p:childTnLst>
+                              <p:par>
+                                <p:cTn id="5" presetID="1" presetClass="entr" presetSubtype="0" fill="hold" nodeType="clickEffect">
+                                  <p:stCondLst>
+                                    <p:cond delay="0"/>
+                                  </p:stCondLst>
+                                  <p:childTnLst>
+                                    <p:set>
+                                      <p:cBhvr>
+                                        <p:cTn id="6" dur="1" fill="hold">
+                                          <p:stCondLst>
+                                            <p:cond delay="0"/>
+                                          </p:stCondLst>
+                                        </p:cTn>
+                                        <p:tgtEl>
+                                          <p:spTgt spid="4"/>
                                         </p:tgtEl>
                                         <p:attrNameLst>
                                           <p:attrName>style.visibility</p:attrName>

--- a/ppt/第5章 复合类型.pptx
+++ b/ppt/第5章 复合类型.pptx
@@ -76,6 +76,36 @@
     <p:sldId id="325" r:id="rId70"/>
     <p:sldId id="326" r:id="rId71"/>
     <p:sldId id="327" r:id="rId72"/>
+    <p:sldId id="328" r:id="rId73"/>
+    <p:sldId id="329" r:id="rId74"/>
+    <p:sldId id="330" r:id="rId75"/>
+    <p:sldId id="331" r:id="rId76"/>
+    <p:sldId id="332" r:id="rId77"/>
+    <p:sldId id="333" r:id="rId78"/>
+    <p:sldId id="334" r:id="rId79"/>
+    <p:sldId id="335" r:id="rId80"/>
+    <p:sldId id="336" r:id="rId81"/>
+    <p:sldId id="337" r:id="rId82"/>
+    <p:sldId id="338" r:id="rId83"/>
+    <p:sldId id="339" r:id="rId84"/>
+    <p:sldId id="340" r:id="rId85"/>
+    <p:sldId id="341" r:id="rId86"/>
+    <p:sldId id="342" r:id="rId87"/>
+    <p:sldId id="343" r:id="rId88"/>
+    <p:sldId id="344" r:id="rId89"/>
+    <p:sldId id="345" r:id="rId90"/>
+    <p:sldId id="346" r:id="rId91"/>
+    <p:sldId id="347" r:id="rId92"/>
+    <p:sldId id="348" r:id="rId93"/>
+    <p:sldId id="349" r:id="rId94"/>
+    <p:sldId id="350" r:id="rId95"/>
+    <p:sldId id="351" r:id="rId96"/>
+    <p:sldId id="352" r:id="rId97"/>
+    <p:sldId id="353" r:id="rId98"/>
+    <p:sldId id="354" r:id="rId99"/>
+    <p:sldId id="355" r:id="rId100"/>
+    <p:sldId id="356" r:id="rId101"/>
+    <p:sldId id="357" r:id="rId102"/>
   </p:sldIdLst>
   <p:sldSz cx="12192000" cy="6858000"/>
   <p:notesSz cx="6858000" cy="9144000"/>
@@ -3839,6 +3869,219 @@
     <p:extLst>
       <p:ext uri="{BB962C8B-B14F-4D97-AF65-F5344CB8AC3E}">
         <p14:creationId xmlns:p14="http://schemas.microsoft.com/office/powerpoint/2010/main" val="285847590"/>
+      </p:ext>
+    </p:extLst>
+  </p:cSld>
+  <p:clrMapOvr>
+    <a:masterClrMapping/>
+  </p:clrMapOvr>
+</p:sld>
+</file>
+
+<file path=ppt/slides/slide100.xml><?xml version="1.0" encoding="utf-8"?>
+<p:sld xmlns:a="http://schemas.openxmlformats.org/drawingml/2006/main" xmlns:r="http://schemas.openxmlformats.org/officeDocument/2006/relationships" xmlns:p="http://schemas.openxmlformats.org/presentationml/2006/main">
+  <p:cSld>
+    <p:spTree>
+      <p:nvGrpSpPr>
+        <p:cNvPr id="1" name=""/>
+        <p:cNvGrpSpPr/>
+        <p:nvPr/>
+      </p:nvGrpSpPr>
+      <p:grpSpPr>
+        <a:xfrm>
+          <a:off x="0" y="0"/>
+          <a:ext cx="0" cy="0"/>
+          <a:chOff x="0" y="0"/>
+          <a:chExt cx="0" cy="0"/>
+        </a:xfrm>
+      </p:grpSpPr>
+      <p:pic>
+        <p:nvPicPr>
+          <p:cNvPr id="2" name="图片 1">
+            <a:extLst>
+              <a:ext uri="{FF2B5EF4-FFF2-40B4-BE49-F238E27FC236}">
+                <a16:creationId xmlns:a16="http://schemas.microsoft.com/office/drawing/2014/main" id="{28459311-5EC9-49AB-8D19-6EE935B375E3}"/>
+              </a:ext>
+            </a:extLst>
+          </p:cNvPr>
+          <p:cNvPicPr>
+            <a:picLocks noChangeAspect="1"/>
+          </p:cNvPicPr>
+          <p:nvPr/>
+        </p:nvPicPr>
+        <p:blipFill>
+          <a:blip r:embed="rId2"/>
+          <a:stretch>
+            <a:fillRect/>
+          </a:stretch>
+        </p:blipFill>
+        <p:spPr>
+          <a:xfrm>
+            <a:off x="1902070" y="652828"/>
+            <a:ext cx="4373328" cy="4823523"/>
+          </a:xfrm>
+          <a:prstGeom prst="rect">
+            <a:avLst/>
+          </a:prstGeom>
+        </p:spPr>
+      </p:pic>
+    </p:spTree>
+    <p:extLst>
+      <p:ext uri="{BB962C8B-B14F-4D97-AF65-F5344CB8AC3E}">
+        <p14:creationId xmlns:p14="http://schemas.microsoft.com/office/powerpoint/2010/main" val="3179838483"/>
+      </p:ext>
+    </p:extLst>
+  </p:cSld>
+  <p:clrMapOvr>
+    <a:masterClrMapping/>
+  </p:clrMapOvr>
+</p:sld>
+</file>
+
+<file path=ppt/slides/slide101.xml><?xml version="1.0" encoding="utf-8"?>
+<p:sld xmlns:a="http://schemas.openxmlformats.org/drawingml/2006/main" xmlns:r="http://schemas.openxmlformats.org/officeDocument/2006/relationships" xmlns:p="http://schemas.openxmlformats.org/presentationml/2006/main">
+  <p:cSld>
+    <p:spTree>
+      <p:nvGrpSpPr>
+        <p:cNvPr id="1" name=""/>
+        <p:cNvGrpSpPr/>
+        <p:nvPr/>
+      </p:nvGrpSpPr>
+      <p:grpSpPr>
+        <a:xfrm>
+          <a:off x="0" y="0"/>
+          <a:ext cx="0" cy="0"/>
+          <a:chOff x="0" y="0"/>
+          <a:chExt cx="0" cy="0"/>
+        </a:xfrm>
+      </p:grpSpPr>
+      <p:sp>
+        <p:nvSpPr>
+          <p:cNvPr id="3" name="内容占位符 2">
+            <a:extLst>
+              <a:ext uri="{FF2B5EF4-FFF2-40B4-BE49-F238E27FC236}">
+                <a16:creationId xmlns:a16="http://schemas.microsoft.com/office/drawing/2014/main" id="{C5C45B8C-AC6F-47FC-8937-3E516C06DA4A}"/>
+              </a:ext>
+            </a:extLst>
+          </p:cNvPr>
+          <p:cNvSpPr>
+            <a:spLocks noGrp="1"/>
+          </p:cNvSpPr>
+          <p:nvPr>
+            <p:ph idx="1"/>
+          </p:nvPr>
+        </p:nvSpPr>
+        <p:spPr>
+          <a:xfrm>
+            <a:off x="707571" y="308323"/>
+            <a:ext cx="10515600" cy="4351338"/>
+          </a:xfrm>
+        </p:spPr>
+        <p:txBody>
+          <a:bodyPr/>
+          <a:lstStyle/>
+          <a:p>
+            <a:r>
+              <a:rPr lang="zh-CN" altLang="en-US" dirty="0"/>
+              <a:t>根据路径矩阵</a:t>
+            </a:r>
+            <a:r>
+              <a:rPr lang="en-US" dirty="0"/>
+              <a:t>P</a:t>
+            </a:r>
+            <a:r>
+              <a:rPr lang="zh-CN" altLang="en-US" dirty="0"/>
+              <a:t>，对于任何一对顶点</a:t>
+            </a:r>
+            <a:r>
+              <a:rPr lang="en-US" dirty="0"/>
+              <a:t>u</a:t>
+            </a:r>
+            <a:r>
+              <a:rPr lang="zh-CN" altLang="en-US" dirty="0"/>
+              <a:t>、</a:t>
+            </a:r>
+            <a:r>
+              <a:rPr lang="en-US" dirty="0"/>
+              <a:t>v</a:t>
+            </a:r>
+            <a:r>
+              <a:rPr lang="zh-CN" altLang="en-US" dirty="0"/>
+              <a:t>，其路径可以从终点倒过来追踪到起点。即终点是</a:t>
+            </a:r>
+            <a:r>
+              <a:rPr lang="en-US" dirty="0"/>
+              <a:t>v</a:t>
+            </a:r>
+            <a:r>
+              <a:rPr lang="zh-CN" altLang="en-US" dirty="0"/>
+              <a:t>，其前一个顶点是</a:t>
+            </a:r>
+            <a:r>
+              <a:rPr lang="en-US" dirty="0"/>
+              <a:t> P[u][v]</a:t>
+            </a:r>
+            <a:r>
+              <a:rPr lang="zh-CN" altLang="en-US" dirty="0"/>
+              <a:t>，再前一个顶点是</a:t>
+            </a:r>
+            <a:r>
+              <a:rPr lang="en-US" dirty="0"/>
+              <a:t>P[u][ P[u][v] ]</a:t>
+            </a:r>
+            <a:r>
+              <a:rPr lang="zh-CN" altLang="en-US" dirty="0"/>
+              <a:t>，</a:t>
+            </a:r>
+            <a:r>
+              <a:rPr lang="en-US" dirty="0"/>
+              <a:t>…...</a:t>
+            </a:r>
+            <a:r>
+              <a:rPr lang="zh-CN" altLang="en-US" dirty="0"/>
+              <a:t>。</a:t>
+            </a:r>
+            <a:endParaRPr lang="en-US" dirty="0"/>
+          </a:p>
+          <a:p>
+            <a:endParaRPr lang="en-US" dirty="0"/>
+          </a:p>
+        </p:txBody>
+      </p:sp>
+      <p:pic>
+        <p:nvPicPr>
+          <p:cNvPr id="4" name="图片 3">
+            <a:extLst>
+              <a:ext uri="{FF2B5EF4-FFF2-40B4-BE49-F238E27FC236}">
+                <a16:creationId xmlns:a16="http://schemas.microsoft.com/office/drawing/2014/main" id="{AF4FA65B-1162-4E3E-ADA1-267AFBA9351B}"/>
+              </a:ext>
+            </a:extLst>
+          </p:cNvPr>
+          <p:cNvPicPr>
+            <a:picLocks noChangeAspect="1"/>
+          </p:cNvPicPr>
+          <p:nvPr/>
+        </p:nvPicPr>
+        <p:blipFill>
+          <a:blip r:embed="rId2"/>
+          <a:stretch>
+            <a:fillRect/>
+          </a:stretch>
+        </p:blipFill>
+        <p:spPr>
+          <a:xfrm>
+            <a:off x="2638737" y="1912064"/>
+            <a:ext cx="6545456" cy="4737969"/>
+          </a:xfrm>
+          <a:prstGeom prst="rect">
+            <a:avLst/>
+          </a:prstGeom>
+        </p:spPr>
+      </p:pic>
+    </p:spTree>
+    <p:extLst>
+      <p:ext uri="{BB962C8B-B14F-4D97-AF65-F5344CB8AC3E}">
+        <p14:creationId xmlns:p14="http://schemas.microsoft.com/office/powerpoint/2010/main" val="1780880505"/>
       </p:ext>
     </p:extLst>
   </p:cSld>
@@ -23688,6 +23931,1354 @@
 </p:sld>
 </file>
 
+<file path=ppt/slides/slide72.xml><?xml version="1.0" encoding="utf-8"?>
+<p:sld xmlns:a="http://schemas.openxmlformats.org/drawingml/2006/main" xmlns:r="http://schemas.openxmlformats.org/officeDocument/2006/relationships" xmlns:p="http://schemas.openxmlformats.org/presentationml/2006/main">
+  <p:cSld>
+    <p:spTree>
+      <p:nvGrpSpPr>
+        <p:cNvPr id="1" name=""/>
+        <p:cNvGrpSpPr/>
+        <p:nvPr/>
+      </p:nvGrpSpPr>
+      <p:grpSpPr>
+        <a:xfrm>
+          <a:off x="0" y="0"/>
+          <a:ext cx="0" cy="0"/>
+          <a:chOff x="0" y="0"/>
+          <a:chExt cx="0" cy="0"/>
+        </a:xfrm>
+      </p:grpSpPr>
+      <p:sp>
+        <p:nvSpPr>
+          <p:cNvPr id="2" name="标题 1">
+            <a:extLst>
+              <a:ext uri="{FF2B5EF4-FFF2-40B4-BE49-F238E27FC236}">
+                <a16:creationId xmlns:a16="http://schemas.microsoft.com/office/drawing/2014/main" id="{BBAC93B3-DB75-4A17-8121-AA4B7FC5673C}"/>
+              </a:ext>
+            </a:extLst>
+          </p:cNvPr>
+          <p:cNvSpPr>
+            <a:spLocks noGrp="1"/>
+          </p:cNvSpPr>
+          <p:nvPr>
+            <p:ph type="title"/>
+          </p:nvPr>
+        </p:nvSpPr>
+        <p:spPr/>
+        <p:txBody>
+          <a:bodyPr/>
+          <a:lstStyle/>
+          <a:p>
+            <a:r>
+              <a:rPr lang="en-US" dirty="0"/>
+              <a:t>5.5 const</a:t>
+            </a:r>
+            <a:r>
+              <a:rPr lang="zh-CN" altLang="en-US" dirty="0"/>
+              <a:t>修饰符</a:t>
+            </a:r>
+            <a:endParaRPr lang="en-US" dirty="0"/>
+          </a:p>
+        </p:txBody>
+      </p:sp>
+      <p:sp>
+        <p:nvSpPr>
+          <p:cNvPr id="3" name="内容占位符 2">
+            <a:extLst>
+              <a:ext uri="{FF2B5EF4-FFF2-40B4-BE49-F238E27FC236}">
+                <a16:creationId xmlns:a16="http://schemas.microsoft.com/office/drawing/2014/main" id="{4C65E3F5-67F1-405A-9E74-BABE41BD81B7}"/>
+              </a:ext>
+            </a:extLst>
+          </p:cNvPr>
+          <p:cNvSpPr>
+            <a:spLocks noGrp="1"/>
+          </p:cNvSpPr>
+          <p:nvPr>
+            <p:ph idx="1"/>
+          </p:nvPr>
+        </p:nvSpPr>
+        <p:spPr/>
+        <p:txBody>
+          <a:bodyPr/>
+          <a:lstStyle/>
+          <a:p>
+            <a:r>
+              <a:rPr lang="en-US" dirty="0"/>
+              <a:t>const</a:t>
+            </a:r>
+            <a:r>
+              <a:rPr lang="zh-CN" altLang="en-US" dirty="0"/>
+              <a:t>修饰基本类型的变量时，表示这个变量是不可修改的。</a:t>
+            </a:r>
+            <a:r>
+              <a:rPr lang="en-US" dirty="0"/>
+              <a:t>const</a:t>
+            </a:r>
+            <a:r>
+              <a:rPr lang="zh-CN" altLang="en-US" dirty="0"/>
+              <a:t>和复合类型结合，其含义就不是那么简单的，需要根据</a:t>
+            </a:r>
+            <a:r>
+              <a:rPr lang="en-US" dirty="0"/>
+              <a:t>const</a:t>
+            </a:r>
+            <a:r>
+              <a:rPr lang="zh-CN" altLang="en-US" dirty="0"/>
+              <a:t>在变量声明中的位置来理解其含义。</a:t>
+            </a:r>
+            <a:endParaRPr lang="en-US" dirty="0"/>
+          </a:p>
+        </p:txBody>
+      </p:sp>
+    </p:spTree>
+    <p:extLst>
+      <p:ext uri="{BB962C8B-B14F-4D97-AF65-F5344CB8AC3E}">
+        <p14:creationId xmlns:p14="http://schemas.microsoft.com/office/powerpoint/2010/main" val="650555767"/>
+      </p:ext>
+    </p:extLst>
+  </p:cSld>
+  <p:clrMapOvr>
+    <a:masterClrMapping/>
+  </p:clrMapOvr>
+</p:sld>
+</file>
+
+<file path=ppt/slides/slide73.xml><?xml version="1.0" encoding="utf-8"?>
+<p:sld xmlns:a="http://schemas.openxmlformats.org/drawingml/2006/main" xmlns:r="http://schemas.openxmlformats.org/officeDocument/2006/relationships" xmlns:p="http://schemas.openxmlformats.org/presentationml/2006/main">
+  <p:cSld>
+    <p:spTree>
+      <p:nvGrpSpPr>
+        <p:cNvPr id="1" name=""/>
+        <p:cNvGrpSpPr/>
+        <p:nvPr/>
+      </p:nvGrpSpPr>
+      <p:grpSpPr>
+        <a:xfrm>
+          <a:off x="0" y="0"/>
+          <a:ext cx="0" cy="0"/>
+          <a:chOff x="0" y="0"/>
+          <a:chExt cx="0" cy="0"/>
+        </a:xfrm>
+      </p:grpSpPr>
+      <p:sp>
+        <p:nvSpPr>
+          <p:cNvPr id="2" name="标题 1">
+            <a:extLst>
+              <a:ext uri="{FF2B5EF4-FFF2-40B4-BE49-F238E27FC236}">
+                <a16:creationId xmlns:a16="http://schemas.microsoft.com/office/drawing/2014/main" id="{7F77FBE8-C360-4C0A-87C9-C172E3BAA570}"/>
+              </a:ext>
+            </a:extLst>
+          </p:cNvPr>
+          <p:cNvSpPr>
+            <a:spLocks noGrp="1"/>
+          </p:cNvSpPr>
+          <p:nvPr>
+            <p:ph type="title"/>
+          </p:nvPr>
+        </p:nvSpPr>
+        <p:spPr/>
+        <p:txBody>
+          <a:bodyPr/>
+          <a:lstStyle/>
+          <a:p>
+            <a:r>
+              <a:rPr lang="en-US" b="1" dirty="0"/>
+              <a:t>5.5.1 const</a:t>
+            </a:r>
+            <a:r>
+              <a:rPr lang="zh-CN" altLang="en-US" b="1" dirty="0"/>
+              <a:t>和指针</a:t>
+            </a:r>
+            <a:endParaRPr lang="en-US" dirty="0"/>
+          </a:p>
+        </p:txBody>
+      </p:sp>
+      <p:pic>
+        <p:nvPicPr>
+          <p:cNvPr id="5" name="内容占位符 4">
+            <a:extLst>
+              <a:ext uri="{FF2B5EF4-FFF2-40B4-BE49-F238E27FC236}">
+                <a16:creationId xmlns:a16="http://schemas.microsoft.com/office/drawing/2014/main" id="{361ED34D-7F30-4D9D-AD51-847A35A1C31C}"/>
+              </a:ext>
+            </a:extLst>
+          </p:cNvPr>
+          <p:cNvPicPr>
+            <a:picLocks noGrp="1" noChangeAspect="1"/>
+          </p:cNvPicPr>
+          <p:nvPr>
+            <p:ph idx="1"/>
+          </p:nvPr>
+        </p:nvPicPr>
+        <p:blipFill>
+          <a:blip r:embed="rId2"/>
+          <a:stretch>
+            <a:fillRect/>
+          </a:stretch>
+        </p:blipFill>
+        <p:spPr>
+          <a:xfrm>
+            <a:off x="1331248" y="2000625"/>
+            <a:ext cx="7126782" cy="2832632"/>
+          </a:xfrm>
+          <a:prstGeom prst="rect">
+            <a:avLst/>
+          </a:prstGeom>
+        </p:spPr>
+      </p:pic>
+      <p:sp>
+        <p:nvSpPr>
+          <p:cNvPr id="8" name="对话气泡: 矩形 7">
+            <a:extLst>
+              <a:ext uri="{FF2B5EF4-FFF2-40B4-BE49-F238E27FC236}">
+                <a16:creationId xmlns:a16="http://schemas.microsoft.com/office/drawing/2014/main" id="{216666EB-9100-4E81-A8C9-3709068ED164}"/>
+              </a:ext>
+            </a:extLst>
+          </p:cNvPr>
+          <p:cNvSpPr/>
+          <p:nvPr/>
+        </p:nvSpPr>
+        <p:spPr>
+          <a:xfrm>
+            <a:off x="3815024" y="1964173"/>
+            <a:ext cx="5901733" cy="537866"/>
+          </a:xfrm>
+          <a:prstGeom prst="wedgeRectCallout">
+            <a:avLst>
+              <a:gd name="adj1" fmla="val -57325"/>
+              <a:gd name="adj2" fmla="val 52828"/>
+            </a:avLst>
+          </a:prstGeom>
+        </p:spPr>
+        <p:style>
+          <a:lnRef idx="2">
+            <a:schemeClr val="accent1">
+              <a:shade val="50000"/>
+            </a:schemeClr>
+          </a:lnRef>
+          <a:fillRef idx="1">
+            <a:schemeClr val="accent1"/>
+          </a:fillRef>
+          <a:effectRef idx="0">
+            <a:schemeClr val="accent1"/>
+          </a:effectRef>
+          <a:fontRef idx="minor">
+            <a:schemeClr val="lt1"/>
+          </a:fontRef>
+        </p:style>
+        <p:txBody>
+          <a:bodyPr rtlCol="0" anchor="ctr"/>
+          <a:lstStyle/>
+          <a:p>
+            <a:pPr algn="ctr"/>
+            <a:r>
+              <a:rPr lang="en-US" sz="2600" dirty="0"/>
+              <a:t>p</a:t>
+            </a:r>
+            <a:r>
+              <a:rPr lang="zh-CN" altLang="en-US" sz="2600" dirty="0"/>
+              <a:t>称为</a:t>
+            </a:r>
+            <a:r>
+              <a:rPr lang="en-US" sz="2600" b="1" dirty="0"/>
+              <a:t>const</a:t>
+            </a:r>
+            <a:r>
+              <a:rPr lang="zh-CN" altLang="en-US" sz="2600" b="1" dirty="0"/>
+              <a:t>指针</a:t>
+            </a:r>
+            <a:r>
+              <a:rPr lang="zh-CN" altLang="en-US" sz="2600" dirty="0"/>
+              <a:t>，即不能被修改的指针</a:t>
+            </a:r>
+            <a:endParaRPr lang="en-US" sz="2600" dirty="0"/>
+          </a:p>
+        </p:txBody>
+      </p:sp>
+      <p:sp>
+        <p:nvSpPr>
+          <p:cNvPr id="9" name="对话气泡: 矩形 8">
+            <a:extLst>
+              <a:ext uri="{FF2B5EF4-FFF2-40B4-BE49-F238E27FC236}">
+                <a16:creationId xmlns:a16="http://schemas.microsoft.com/office/drawing/2014/main" id="{07FA7FD1-7522-4C4B-8636-666CECDC83FB}"/>
+              </a:ext>
+            </a:extLst>
+          </p:cNvPr>
+          <p:cNvSpPr/>
+          <p:nvPr/>
+        </p:nvSpPr>
+        <p:spPr>
+          <a:xfrm>
+            <a:off x="5027523" y="2968589"/>
+            <a:ext cx="4779667" cy="1000510"/>
+          </a:xfrm>
+          <a:prstGeom prst="wedgeRectCallout">
+            <a:avLst>
+              <a:gd name="adj1" fmla="val -70492"/>
+              <a:gd name="adj2" fmla="val 18693"/>
+            </a:avLst>
+          </a:prstGeom>
+        </p:spPr>
+        <p:style>
+          <a:lnRef idx="2">
+            <a:schemeClr val="accent1">
+              <a:shade val="50000"/>
+            </a:schemeClr>
+          </a:lnRef>
+          <a:fillRef idx="1">
+            <a:schemeClr val="accent1"/>
+          </a:fillRef>
+          <a:effectRef idx="0">
+            <a:schemeClr val="accent1"/>
+          </a:effectRef>
+          <a:fontRef idx="minor">
+            <a:schemeClr val="lt1"/>
+          </a:fontRef>
+        </p:style>
+        <p:txBody>
+          <a:bodyPr rtlCol="0" anchor="ctr"/>
+          <a:lstStyle/>
+          <a:p>
+            <a:pPr algn="ctr"/>
+            <a:r>
+              <a:rPr lang="en-US" sz="2600" dirty="0"/>
+              <a:t>q</a:t>
+            </a:r>
+            <a:r>
+              <a:rPr lang="zh-CN" altLang="en-US" sz="2600" dirty="0"/>
+              <a:t>和</a:t>
+            </a:r>
+            <a:r>
+              <a:rPr lang="en-US" sz="2600" dirty="0"/>
+              <a:t>s</a:t>
+            </a:r>
+            <a:r>
+              <a:rPr lang="zh-CN" altLang="en-US" sz="2600" dirty="0"/>
+              <a:t>称为</a:t>
+            </a:r>
+            <a:r>
+              <a:rPr lang="en-US" sz="2600" b="1" dirty="0"/>
+              <a:t>const</a:t>
+            </a:r>
+            <a:r>
+              <a:rPr lang="zh-CN" altLang="en-US" sz="2600" b="1" dirty="0"/>
+              <a:t>对象的指针</a:t>
+            </a:r>
+            <a:r>
+              <a:rPr lang="zh-CN" altLang="en-US" sz="2600" dirty="0"/>
+              <a:t>，即其指向的</a:t>
+            </a:r>
+            <a:r>
+              <a:rPr lang="en-US" sz="2600" dirty="0"/>
+              <a:t>const</a:t>
+            </a:r>
+            <a:r>
+              <a:rPr lang="zh-CN" altLang="en-US" sz="2600" dirty="0"/>
+              <a:t>对象不能被修改</a:t>
+            </a:r>
+            <a:endParaRPr lang="en-US" sz="2600" dirty="0"/>
+          </a:p>
+        </p:txBody>
+      </p:sp>
+    </p:spTree>
+    <p:extLst>
+      <p:ext uri="{BB962C8B-B14F-4D97-AF65-F5344CB8AC3E}">
+        <p14:creationId xmlns:p14="http://schemas.microsoft.com/office/powerpoint/2010/main" val="4092084251"/>
+      </p:ext>
+    </p:extLst>
+  </p:cSld>
+  <p:clrMapOvr>
+    <a:masterClrMapping/>
+  </p:clrMapOvr>
+  <p:timing>
+    <p:tnLst>
+      <p:par>
+        <p:cTn id="1" dur="indefinite" restart="never" nodeType="tmRoot">
+          <p:childTnLst>
+            <p:seq concurrent="1" nextAc="seek">
+              <p:cTn id="2" dur="indefinite" nodeType="mainSeq">
+                <p:childTnLst>
+                  <p:par>
+                    <p:cTn id="3" fill="hold">
+                      <p:stCondLst>
+                        <p:cond delay="indefinite"/>
+                      </p:stCondLst>
+                      <p:childTnLst>
+                        <p:par>
+                          <p:cTn id="4" fill="hold">
+                            <p:stCondLst>
+                              <p:cond delay="0"/>
+                            </p:stCondLst>
+                            <p:childTnLst>
+                              <p:par>
+                                <p:cTn id="5" presetID="1" presetClass="entr" presetSubtype="0" fill="hold" grpId="0" nodeType="clickEffect">
+                                  <p:stCondLst>
+                                    <p:cond delay="0"/>
+                                  </p:stCondLst>
+                                  <p:childTnLst>
+                                    <p:set>
+                                      <p:cBhvr>
+                                        <p:cTn id="6" dur="1" fill="hold">
+                                          <p:stCondLst>
+                                            <p:cond delay="0"/>
+                                          </p:stCondLst>
+                                        </p:cTn>
+                                        <p:tgtEl>
+                                          <p:spTgt spid="8"/>
+                                        </p:tgtEl>
+                                        <p:attrNameLst>
+                                          <p:attrName>style.visibility</p:attrName>
+                                        </p:attrNameLst>
+                                      </p:cBhvr>
+                                      <p:to>
+                                        <p:strVal val="visible"/>
+                                      </p:to>
+                                    </p:set>
+                                  </p:childTnLst>
+                                </p:cTn>
+                              </p:par>
+                            </p:childTnLst>
+                          </p:cTn>
+                        </p:par>
+                      </p:childTnLst>
+                    </p:cTn>
+                  </p:par>
+                  <p:par>
+                    <p:cTn id="7" fill="hold">
+                      <p:stCondLst>
+                        <p:cond delay="indefinite"/>
+                      </p:stCondLst>
+                      <p:childTnLst>
+                        <p:par>
+                          <p:cTn id="8" fill="hold">
+                            <p:stCondLst>
+                              <p:cond delay="0"/>
+                            </p:stCondLst>
+                            <p:childTnLst>
+                              <p:par>
+                                <p:cTn id="9" presetID="1" presetClass="entr" presetSubtype="0" fill="hold" grpId="0" nodeType="clickEffect">
+                                  <p:stCondLst>
+                                    <p:cond delay="0"/>
+                                  </p:stCondLst>
+                                  <p:childTnLst>
+                                    <p:set>
+                                      <p:cBhvr>
+                                        <p:cTn id="10" dur="1" fill="hold">
+                                          <p:stCondLst>
+                                            <p:cond delay="0"/>
+                                          </p:stCondLst>
+                                        </p:cTn>
+                                        <p:tgtEl>
+                                          <p:spTgt spid="9"/>
+                                        </p:tgtEl>
+                                        <p:attrNameLst>
+                                          <p:attrName>style.visibility</p:attrName>
+                                        </p:attrNameLst>
+                                      </p:cBhvr>
+                                      <p:to>
+                                        <p:strVal val="visible"/>
+                                      </p:to>
+                                    </p:set>
+                                  </p:childTnLst>
+                                </p:cTn>
+                              </p:par>
+                            </p:childTnLst>
+                          </p:cTn>
+                        </p:par>
+                      </p:childTnLst>
+                    </p:cTn>
+                  </p:par>
+                </p:childTnLst>
+              </p:cTn>
+              <p:prevCondLst>
+                <p:cond evt="onPrev" delay="0">
+                  <p:tgtEl>
+                    <p:sldTgt/>
+                  </p:tgtEl>
+                </p:cond>
+              </p:prevCondLst>
+              <p:nextCondLst>
+                <p:cond evt="onNext" delay="0">
+                  <p:tgtEl>
+                    <p:sldTgt/>
+                  </p:tgtEl>
+                </p:cond>
+              </p:nextCondLst>
+            </p:seq>
+          </p:childTnLst>
+        </p:cTn>
+      </p:par>
+    </p:tnLst>
+    <p:bldLst>
+      <p:bldP spid="8" grpId="0" animBg="1"/>
+      <p:bldP spid="9" grpId="0" animBg="1"/>
+    </p:bldLst>
+  </p:timing>
+</p:sld>
+</file>
+
+<file path=ppt/slides/slide74.xml><?xml version="1.0" encoding="utf-8"?>
+<p:sld xmlns:a="http://schemas.openxmlformats.org/drawingml/2006/main" xmlns:r="http://schemas.openxmlformats.org/officeDocument/2006/relationships" xmlns:p="http://schemas.openxmlformats.org/presentationml/2006/main">
+  <p:cSld>
+    <p:spTree>
+      <p:nvGrpSpPr>
+        <p:cNvPr id="1" name=""/>
+        <p:cNvGrpSpPr/>
+        <p:nvPr/>
+      </p:nvGrpSpPr>
+      <p:grpSpPr>
+        <a:xfrm>
+          <a:off x="0" y="0"/>
+          <a:ext cx="0" cy="0"/>
+          <a:chOff x="0" y="0"/>
+          <a:chExt cx="0" cy="0"/>
+        </a:xfrm>
+      </p:grpSpPr>
+      <p:pic>
+        <p:nvPicPr>
+          <p:cNvPr id="4" name="内容占位符 4">
+            <a:extLst>
+              <a:ext uri="{FF2B5EF4-FFF2-40B4-BE49-F238E27FC236}">
+                <a16:creationId xmlns:a16="http://schemas.microsoft.com/office/drawing/2014/main" id="{0A5EB3A9-7D6B-44CF-826C-F21109F87C3A}"/>
+              </a:ext>
+            </a:extLst>
+          </p:cNvPr>
+          <p:cNvPicPr>
+            <a:picLocks noGrp="1" noChangeAspect="1"/>
+          </p:cNvPicPr>
+          <p:nvPr>
+            <p:ph idx="1"/>
+          </p:nvPr>
+        </p:nvPicPr>
+        <p:blipFill>
+          <a:blip r:embed="rId2"/>
+          <a:stretch>
+            <a:fillRect/>
+          </a:stretch>
+        </p:blipFill>
+        <p:spPr>
+          <a:xfrm>
+            <a:off x="738394" y="291402"/>
+            <a:ext cx="5865243" cy="2331217"/>
+          </a:xfrm>
+          <a:prstGeom prst="rect">
+            <a:avLst/>
+          </a:prstGeom>
+        </p:spPr>
+      </p:pic>
+      <p:pic>
+        <p:nvPicPr>
+          <p:cNvPr id="5" name="图片 4">
+            <a:extLst>
+              <a:ext uri="{FF2B5EF4-FFF2-40B4-BE49-F238E27FC236}">
+                <a16:creationId xmlns:a16="http://schemas.microsoft.com/office/drawing/2014/main" id="{D42E702C-9B68-495A-AE45-0879F2B96B07}"/>
+              </a:ext>
+            </a:extLst>
+          </p:cNvPr>
+          <p:cNvPicPr>
+            <a:picLocks noChangeAspect="1"/>
+          </p:cNvPicPr>
+          <p:nvPr/>
+        </p:nvPicPr>
+        <p:blipFill>
+          <a:blip r:embed="rId3"/>
+          <a:stretch>
+            <a:fillRect/>
+          </a:stretch>
+        </p:blipFill>
+        <p:spPr>
+          <a:xfrm>
+            <a:off x="684438" y="3263412"/>
+            <a:ext cx="8454525" cy="2675163"/>
+          </a:xfrm>
+          <a:prstGeom prst="rect">
+            <a:avLst/>
+          </a:prstGeom>
+        </p:spPr>
+      </p:pic>
+      <p:sp>
+        <p:nvSpPr>
+          <p:cNvPr id="6" name="对话气泡: 矩形 5">
+            <a:extLst>
+              <a:ext uri="{FF2B5EF4-FFF2-40B4-BE49-F238E27FC236}">
+                <a16:creationId xmlns:a16="http://schemas.microsoft.com/office/drawing/2014/main" id="{306AB41E-1CEA-4DCB-8107-77BCD1A2C0A8}"/>
+              </a:ext>
+            </a:extLst>
+          </p:cNvPr>
+          <p:cNvSpPr/>
+          <p:nvPr/>
+        </p:nvSpPr>
+        <p:spPr>
+          <a:xfrm>
+            <a:off x="7616652" y="2542232"/>
+            <a:ext cx="2974312" cy="522515"/>
+          </a:xfrm>
+          <a:prstGeom prst="wedgeRectCallout">
+            <a:avLst>
+              <a:gd name="adj1" fmla="val -42419"/>
+              <a:gd name="adj2" fmla="val 106997"/>
+            </a:avLst>
+          </a:prstGeom>
+        </p:spPr>
+        <p:style>
+          <a:lnRef idx="2">
+            <a:schemeClr val="accent1">
+              <a:shade val="50000"/>
+            </a:schemeClr>
+          </a:lnRef>
+          <a:fillRef idx="1">
+            <a:schemeClr val="accent1"/>
+          </a:fillRef>
+          <a:effectRef idx="0">
+            <a:schemeClr val="accent1"/>
+          </a:effectRef>
+          <a:fontRef idx="minor">
+            <a:schemeClr val="lt1"/>
+          </a:fontRef>
+        </p:style>
+        <p:txBody>
+          <a:bodyPr rtlCol="0" anchor="ctr"/>
+          <a:lstStyle/>
+          <a:p>
+            <a:pPr algn="ctr"/>
+            <a:r>
+              <a:rPr lang="zh-CN" altLang="en-US" sz="2600" dirty="0"/>
+              <a:t>下列代码没有问题</a:t>
+            </a:r>
+            <a:endParaRPr lang="en-US" sz="2600" dirty="0"/>
+          </a:p>
+        </p:txBody>
+      </p:sp>
+    </p:spTree>
+    <p:extLst>
+      <p:ext uri="{BB962C8B-B14F-4D97-AF65-F5344CB8AC3E}">
+        <p14:creationId xmlns:p14="http://schemas.microsoft.com/office/powerpoint/2010/main" val="4271687479"/>
+      </p:ext>
+    </p:extLst>
+  </p:cSld>
+  <p:clrMapOvr>
+    <a:masterClrMapping/>
+  </p:clrMapOvr>
+  <p:timing>
+    <p:tnLst>
+      <p:par>
+        <p:cTn id="1" dur="indefinite" restart="never" nodeType="tmRoot">
+          <p:childTnLst>
+            <p:seq concurrent="1" nextAc="seek">
+              <p:cTn id="2" dur="indefinite" nodeType="mainSeq">
+                <p:childTnLst>
+                  <p:par>
+                    <p:cTn id="3" fill="hold">
+                      <p:stCondLst>
+                        <p:cond delay="indefinite"/>
+                      </p:stCondLst>
+                      <p:childTnLst>
+                        <p:par>
+                          <p:cTn id="4" fill="hold">
+                            <p:stCondLst>
+                              <p:cond delay="0"/>
+                            </p:stCondLst>
+                            <p:childTnLst>
+                              <p:par>
+                                <p:cTn id="5" presetID="1" presetClass="entr" presetSubtype="0" fill="hold" grpId="0" nodeType="clickEffect">
+                                  <p:stCondLst>
+                                    <p:cond delay="0"/>
+                                  </p:stCondLst>
+                                  <p:childTnLst>
+                                    <p:set>
+                                      <p:cBhvr>
+                                        <p:cTn id="6" dur="1" fill="hold">
+                                          <p:stCondLst>
+                                            <p:cond delay="0"/>
+                                          </p:stCondLst>
+                                        </p:cTn>
+                                        <p:tgtEl>
+                                          <p:spTgt spid="6"/>
+                                        </p:tgtEl>
+                                        <p:attrNameLst>
+                                          <p:attrName>style.visibility</p:attrName>
+                                        </p:attrNameLst>
+                                      </p:cBhvr>
+                                      <p:to>
+                                        <p:strVal val="visible"/>
+                                      </p:to>
+                                    </p:set>
+                                  </p:childTnLst>
+                                </p:cTn>
+                              </p:par>
+                            </p:childTnLst>
+                          </p:cTn>
+                        </p:par>
+                      </p:childTnLst>
+                    </p:cTn>
+                  </p:par>
+                </p:childTnLst>
+              </p:cTn>
+              <p:prevCondLst>
+                <p:cond evt="onPrev" delay="0">
+                  <p:tgtEl>
+                    <p:sldTgt/>
+                  </p:tgtEl>
+                </p:cond>
+              </p:prevCondLst>
+              <p:nextCondLst>
+                <p:cond evt="onNext" delay="0">
+                  <p:tgtEl>
+                    <p:sldTgt/>
+                  </p:tgtEl>
+                </p:cond>
+              </p:nextCondLst>
+            </p:seq>
+          </p:childTnLst>
+        </p:cTn>
+      </p:par>
+    </p:tnLst>
+    <p:bldLst>
+      <p:bldP spid="6" grpId="0" animBg="1"/>
+    </p:bldLst>
+  </p:timing>
+</p:sld>
+</file>
+
+<file path=ppt/slides/slide75.xml><?xml version="1.0" encoding="utf-8"?>
+<p:sld xmlns:a="http://schemas.openxmlformats.org/drawingml/2006/main" xmlns:r="http://schemas.openxmlformats.org/officeDocument/2006/relationships" xmlns:p="http://schemas.openxmlformats.org/presentationml/2006/main">
+  <p:cSld>
+    <p:spTree>
+      <p:nvGrpSpPr>
+        <p:cNvPr id="1" name=""/>
+        <p:cNvGrpSpPr/>
+        <p:nvPr/>
+      </p:nvGrpSpPr>
+      <p:grpSpPr>
+        <a:xfrm>
+          <a:off x="0" y="0"/>
+          <a:ext cx="0" cy="0"/>
+          <a:chOff x="0" y="0"/>
+          <a:chExt cx="0" cy="0"/>
+        </a:xfrm>
+      </p:grpSpPr>
+      <p:pic>
+        <p:nvPicPr>
+          <p:cNvPr id="4" name="内容占位符 4">
+            <a:extLst>
+              <a:ext uri="{FF2B5EF4-FFF2-40B4-BE49-F238E27FC236}">
+                <a16:creationId xmlns:a16="http://schemas.microsoft.com/office/drawing/2014/main" id="{0A5EB3A9-7D6B-44CF-826C-F21109F87C3A}"/>
+              </a:ext>
+            </a:extLst>
+          </p:cNvPr>
+          <p:cNvPicPr>
+            <a:picLocks noGrp="1" noChangeAspect="1"/>
+          </p:cNvPicPr>
+          <p:nvPr>
+            <p:ph idx="1"/>
+          </p:nvPr>
+        </p:nvPicPr>
+        <p:blipFill>
+          <a:blip r:embed="rId2"/>
+          <a:stretch>
+            <a:fillRect/>
+          </a:stretch>
+        </p:blipFill>
+        <p:spPr>
+          <a:xfrm>
+            <a:off x="738394" y="291402"/>
+            <a:ext cx="5865243" cy="2331217"/>
+          </a:xfrm>
+          <a:prstGeom prst="rect">
+            <a:avLst/>
+          </a:prstGeom>
+        </p:spPr>
+      </p:pic>
+      <p:pic>
+        <p:nvPicPr>
+          <p:cNvPr id="2" name="图片 1">
+            <a:extLst>
+              <a:ext uri="{FF2B5EF4-FFF2-40B4-BE49-F238E27FC236}">
+                <a16:creationId xmlns:a16="http://schemas.microsoft.com/office/drawing/2014/main" id="{2EBC2ADC-3A62-4A63-A9FB-A48541999E3B}"/>
+              </a:ext>
+            </a:extLst>
+          </p:cNvPr>
+          <p:cNvPicPr>
+            <a:picLocks noChangeAspect="1"/>
+          </p:cNvPicPr>
+          <p:nvPr/>
+        </p:nvPicPr>
+        <p:blipFill>
+          <a:blip r:embed="rId3"/>
+          <a:stretch>
+            <a:fillRect/>
+          </a:stretch>
+        </p:blipFill>
+        <p:spPr>
+          <a:xfrm>
+            <a:off x="688888" y="3155390"/>
+            <a:ext cx="9501322" cy="3154973"/>
+          </a:xfrm>
+          <a:prstGeom prst="rect">
+            <a:avLst/>
+          </a:prstGeom>
+        </p:spPr>
+      </p:pic>
+    </p:spTree>
+    <p:extLst>
+      <p:ext uri="{BB962C8B-B14F-4D97-AF65-F5344CB8AC3E}">
+        <p14:creationId xmlns:p14="http://schemas.microsoft.com/office/powerpoint/2010/main" val="3928186285"/>
+      </p:ext>
+    </p:extLst>
+  </p:cSld>
+  <p:clrMapOvr>
+    <a:masterClrMapping/>
+  </p:clrMapOvr>
+</p:sld>
+</file>
+
+<file path=ppt/slides/slide76.xml><?xml version="1.0" encoding="utf-8"?>
+<p:sld xmlns:a="http://schemas.openxmlformats.org/drawingml/2006/main" xmlns:r="http://schemas.openxmlformats.org/officeDocument/2006/relationships" xmlns:p="http://schemas.openxmlformats.org/presentationml/2006/main">
+  <p:cSld>
+    <p:spTree>
+      <p:nvGrpSpPr>
+        <p:cNvPr id="1" name=""/>
+        <p:cNvGrpSpPr/>
+        <p:nvPr/>
+      </p:nvGrpSpPr>
+      <p:grpSpPr>
+        <a:xfrm>
+          <a:off x="0" y="0"/>
+          <a:ext cx="0" cy="0"/>
+          <a:chOff x="0" y="0"/>
+          <a:chExt cx="0" cy="0"/>
+        </a:xfrm>
+      </p:grpSpPr>
+      <p:sp>
+        <p:nvSpPr>
+          <p:cNvPr id="3" name="内容占位符 2">
+            <a:extLst>
+              <a:ext uri="{FF2B5EF4-FFF2-40B4-BE49-F238E27FC236}">
+                <a16:creationId xmlns:a16="http://schemas.microsoft.com/office/drawing/2014/main" id="{2D27E1E0-25DF-4DBC-B4DD-7B013D7D011B}"/>
+              </a:ext>
+            </a:extLst>
+          </p:cNvPr>
+          <p:cNvSpPr>
+            <a:spLocks noGrp="1"/>
+          </p:cNvSpPr>
+          <p:nvPr>
+            <p:ph idx="1"/>
+          </p:nvPr>
+        </p:nvSpPr>
+        <p:spPr>
+          <a:xfrm>
+            <a:off x="687474" y="670065"/>
+            <a:ext cx="10515600" cy="4351338"/>
+          </a:xfrm>
+        </p:spPr>
+        <p:txBody>
+          <a:bodyPr/>
+          <a:lstStyle/>
+          <a:p>
+            <a:pPr marL="0" indent="0">
+              <a:buNone/>
+            </a:pPr>
+            <a:r>
+              <a:rPr lang="en-US" dirty="0"/>
+              <a:t>                              </a:t>
+            </a:r>
+            <a:r>
+              <a:rPr lang="en-US" dirty="0">
+                <a:latin typeface="+mn-lt"/>
+              </a:rPr>
+              <a:t>const int * const </a:t>
+            </a:r>
+            <a:r>
+              <a:rPr lang="en-US" dirty="0" err="1">
+                <a:latin typeface="+mn-lt"/>
+              </a:rPr>
+              <a:t>ptr</a:t>
+            </a:r>
+            <a:r>
+              <a:rPr lang="en-US" dirty="0">
+                <a:latin typeface="+mn-lt"/>
+              </a:rPr>
+              <a:t> = &amp;</a:t>
+            </a:r>
+            <a:r>
+              <a:rPr lang="en-US" dirty="0" err="1">
+                <a:latin typeface="+mn-lt"/>
+              </a:rPr>
+              <a:t>i</a:t>
+            </a:r>
+            <a:r>
+              <a:rPr lang="en-US" dirty="0">
+                <a:latin typeface="+mn-lt"/>
+              </a:rPr>
+              <a:t>;</a:t>
+            </a:r>
+          </a:p>
+          <a:p>
+            <a:r>
+              <a:rPr lang="en-US" dirty="0" err="1"/>
+              <a:t>ptr</a:t>
+            </a:r>
+            <a:r>
+              <a:rPr lang="zh-CN" altLang="en-US" dirty="0"/>
+              <a:t>是</a:t>
+            </a:r>
+            <a:r>
+              <a:rPr lang="en-US" dirty="0"/>
+              <a:t>const</a:t>
+            </a:r>
+            <a:r>
+              <a:rPr lang="zh-CN" altLang="en-US" dirty="0"/>
+              <a:t>指针，且它指向的也是一个</a:t>
+            </a:r>
+            <a:r>
+              <a:rPr lang="en-US" dirty="0"/>
+              <a:t>const</a:t>
+            </a:r>
+            <a:r>
+              <a:rPr lang="zh-CN" altLang="en-US" dirty="0"/>
+              <a:t>对象。因此，不但</a:t>
+            </a:r>
+            <a:r>
+              <a:rPr lang="en-US" dirty="0" err="1"/>
+              <a:t>ptr</a:t>
+            </a:r>
+            <a:r>
+              <a:rPr lang="zh-CN" altLang="en-US" dirty="0"/>
+              <a:t>不能被修改（必须始终指向</a:t>
+            </a:r>
+            <a:r>
+              <a:rPr lang="en-US" dirty="0" err="1"/>
+              <a:t>i</a:t>
+            </a:r>
+            <a:r>
+              <a:rPr lang="zh-CN" altLang="en-US" dirty="0"/>
+              <a:t>），其指向的</a:t>
+            </a:r>
+            <a:r>
+              <a:rPr lang="en-US" dirty="0"/>
+              <a:t>const int</a:t>
+            </a:r>
+            <a:r>
+              <a:rPr lang="zh-CN" altLang="en-US" dirty="0"/>
+              <a:t>变量也不能被修改。</a:t>
+            </a:r>
+            <a:endParaRPr lang="en-US" dirty="0"/>
+          </a:p>
+          <a:p>
+            <a:endParaRPr lang="en-US" dirty="0"/>
+          </a:p>
+        </p:txBody>
+      </p:sp>
+    </p:spTree>
+    <p:extLst>
+      <p:ext uri="{BB962C8B-B14F-4D97-AF65-F5344CB8AC3E}">
+        <p14:creationId xmlns:p14="http://schemas.microsoft.com/office/powerpoint/2010/main" val="2290707401"/>
+      </p:ext>
+    </p:extLst>
+  </p:cSld>
+  <p:clrMapOvr>
+    <a:masterClrMapping/>
+  </p:clrMapOvr>
+</p:sld>
+</file>
+
+<file path=ppt/slides/slide77.xml><?xml version="1.0" encoding="utf-8"?>
+<p:sld xmlns:a="http://schemas.openxmlformats.org/drawingml/2006/main" xmlns:r="http://schemas.openxmlformats.org/officeDocument/2006/relationships" xmlns:p="http://schemas.openxmlformats.org/presentationml/2006/main">
+  <p:cSld>
+    <p:spTree>
+      <p:nvGrpSpPr>
+        <p:cNvPr id="1" name=""/>
+        <p:cNvGrpSpPr/>
+        <p:nvPr/>
+      </p:nvGrpSpPr>
+      <p:grpSpPr>
+        <a:xfrm>
+          <a:off x="0" y="0"/>
+          <a:ext cx="0" cy="0"/>
+          <a:chOff x="0" y="0"/>
+          <a:chExt cx="0" cy="0"/>
+        </a:xfrm>
+      </p:grpSpPr>
+      <p:sp>
+        <p:nvSpPr>
+          <p:cNvPr id="3" name="内容占位符 2">
+            <a:extLst>
+              <a:ext uri="{FF2B5EF4-FFF2-40B4-BE49-F238E27FC236}">
+                <a16:creationId xmlns:a16="http://schemas.microsoft.com/office/drawing/2014/main" id="{3C502760-8F3C-4076-A53E-313D66D6A4AD}"/>
+              </a:ext>
+            </a:extLst>
+          </p:cNvPr>
+          <p:cNvSpPr>
+            <a:spLocks noGrp="1"/>
+          </p:cNvSpPr>
+          <p:nvPr>
+            <p:ph idx="1"/>
+          </p:nvPr>
+        </p:nvSpPr>
+        <p:spPr>
+          <a:xfrm>
+            <a:off x="798006" y="690162"/>
+            <a:ext cx="10515600" cy="4351338"/>
+          </a:xfrm>
+        </p:spPr>
+        <p:txBody>
+          <a:bodyPr/>
+          <a:lstStyle/>
+          <a:p>
+            <a:r>
+              <a:rPr lang="zh-CN" altLang="en-US" dirty="0"/>
+              <a:t>指针和</a:t>
+            </a:r>
+            <a:r>
+              <a:rPr lang="en-US" dirty="0"/>
+              <a:t>const</a:t>
+            </a:r>
+            <a:r>
+              <a:rPr lang="zh-CN" altLang="en-US" dirty="0"/>
+              <a:t>可产生如下组合：</a:t>
+            </a:r>
+            <a:endParaRPr lang="en-US" dirty="0"/>
+          </a:p>
+          <a:p>
+            <a:pPr marL="0" indent="0">
+              <a:buNone/>
+            </a:pPr>
+            <a:endParaRPr lang="en-US" dirty="0"/>
+          </a:p>
+        </p:txBody>
+      </p:sp>
+      <p:pic>
+        <p:nvPicPr>
+          <p:cNvPr id="4" name="图片 3">
+            <a:extLst>
+              <a:ext uri="{FF2B5EF4-FFF2-40B4-BE49-F238E27FC236}">
+                <a16:creationId xmlns:a16="http://schemas.microsoft.com/office/drawing/2014/main" id="{FD3BA886-4F07-4A29-8370-5C87013F417D}"/>
+              </a:ext>
+            </a:extLst>
+          </p:cNvPr>
+          <p:cNvPicPr>
+            <a:picLocks noChangeAspect="1"/>
+          </p:cNvPicPr>
+          <p:nvPr/>
+        </p:nvPicPr>
+        <p:blipFill>
+          <a:blip r:embed="rId2"/>
+          <a:stretch>
+            <a:fillRect/>
+          </a:stretch>
+        </p:blipFill>
+        <p:spPr>
+          <a:xfrm>
+            <a:off x="1001277" y="1417862"/>
+            <a:ext cx="8760268" cy="1988527"/>
+          </a:xfrm>
+          <a:prstGeom prst="rect">
+            <a:avLst/>
+          </a:prstGeom>
+        </p:spPr>
+      </p:pic>
+      <p:sp>
+        <p:nvSpPr>
+          <p:cNvPr id="6" name="文本框 5">
+            <a:extLst>
+              <a:ext uri="{FF2B5EF4-FFF2-40B4-BE49-F238E27FC236}">
+                <a16:creationId xmlns:a16="http://schemas.microsoft.com/office/drawing/2014/main" id="{83C2B1FB-182B-46E3-9F57-FAF5190E9A01}"/>
+              </a:ext>
+            </a:extLst>
+          </p:cNvPr>
+          <p:cNvSpPr txBox="1"/>
+          <p:nvPr/>
+        </p:nvSpPr>
+        <p:spPr>
+          <a:xfrm>
+            <a:off x="1115367" y="3989196"/>
+            <a:ext cx="9545934" cy="1292662"/>
+          </a:xfrm>
+          <a:prstGeom prst="rect">
+            <a:avLst/>
+          </a:prstGeom>
+          <a:noFill/>
+        </p:spPr>
+        <p:txBody>
+          <a:bodyPr wrap="square" rtlCol="0">
+            <a:spAutoFit/>
+          </a:bodyPr>
+          <a:lstStyle/>
+          <a:p>
+            <a:r>
+              <a:rPr lang="zh-CN" altLang="en-US" sz="2600"/>
+              <a:t>有的书上将</a:t>
+            </a:r>
+            <a:r>
+              <a:rPr lang="en-US" sz="2600"/>
+              <a:t>const</a:t>
+            </a:r>
+            <a:r>
+              <a:rPr lang="zh-CN" altLang="en-US" sz="2600"/>
+              <a:t>指针称为常指针（如</a:t>
+            </a:r>
+            <a:r>
+              <a:rPr lang="en-US" sz="2600"/>
+              <a:t>cp</a:t>
+            </a:r>
+            <a:r>
+              <a:rPr lang="zh-CN" altLang="en-US" sz="2600"/>
+              <a:t>、</a:t>
+            </a:r>
+            <a:r>
+              <a:rPr lang="en-US" sz="2600"/>
+              <a:t>pc3</a:t>
+            </a:r>
+            <a:r>
+              <a:rPr lang="zh-CN" altLang="en-US" sz="2600"/>
+              <a:t>），而一个指针指向的如果是</a:t>
+            </a:r>
+            <a:r>
+              <a:rPr lang="en-US" sz="2600"/>
+              <a:t>const</a:t>
+            </a:r>
+            <a:r>
+              <a:rPr lang="zh-CN" altLang="en-US" sz="2600"/>
+              <a:t>对象，则称为常量的指针（如</a:t>
+            </a:r>
+            <a:r>
+              <a:rPr lang="en-US" sz="2600"/>
+              <a:t>pc</a:t>
+            </a:r>
+            <a:r>
+              <a:rPr lang="zh-CN" altLang="en-US" sz="2600"/>
+              <a:t>、</a:t>
+            </a:r>
+            <a:r>
+              <a:rPr lang="en-US" sz="2600"/>
+              <a:t>pc2</a:t>
+            </a:r>
+            <a:r>
+              <a:rPr lang="zh-CN" altLang="en-US" sz="2600"/>
+              <a:t>）。当然</a:t>
+            </a:r>
+            <a:r>
+              <a:rPr lang="en-US" sz="2600"/>
+              <a:t>pc3</a:t>
+            </a:r>
+            <a:r>
+              <a:rPr lang="zh-CN" altLang="en-US" sz="2600"/>
+              <a:t>既是常指针也是常量 的指针，可称为常量的常指针。</a:t>
+            </a:r>
+            <a:endParaRPr lang="en-US" sz="2600"/>
+          </a:p>
+        </p:txBody>
+      </p:sp>
+    </p:spTree>
+    <p:extLst>
+      <p:ext uri="{BB962C8B-B14F-4D97-AF65-F5344CB8AC3E}">
+        <p14:creationId xmlns:p14="http://schemas.microsoft.com/office/powerpoint/2010/main" val="1702005434"/>
+      </p:ext>
+    </p:extLst>
+  </p:cSld>
+  <p:clrMapOvr>
+    <a:masterClrMapping/>
+  </p:clrMapOvr>
+  <p:timing>
+    <p:tnLst>
+      <p:par>
+        <p:cTn id="1" dur="indefinite" restart="never" nodeType="tmRoot">
+          <p:childTnLst>
+            <p:seq concurrent="1" nextAc="seek">
+              <p:cTn id="2" dur="indefinite" nodeType="mainSeq">
+                <p:childTnLst>
+                  <p:par>
+                    <p:cTn id="3" fill="hold">
+                      <p:stCondLst>
+                        <p:cond delay="indefinite"/>
+                      </p:stCondLst>
+                      <p:childTnLst>
+                        <p:par>
+                          <p:cTn id="4" fill="hold">
+                            <p:stCondLst>
+                              <p:cond delay="0"/>
+                            </p:stCondLst>
+                            <p:childTnLst>
+                              <p:par>
+                                <p:cTn id="5" presetID="1" presetClass="entr" presetSubtype="0" fill="hold" grpId="0" nodeType="clickEffect">
+                                  <p:stCondLst>
+                                    <p:cond delay="0"/>
+                                  </p:stCondLst>
+                                  <p:childTnLst>
+                                    <p:set>
+                                      <p:cBhvr>
+                                        <p:cTn id="6" dur="1" fill="hold">
+                                          <p:stCondLst>
+                                            <p:cond delay="0"/>
+                                          </p:stCondLst>
+                                        </p:cTn>
+                                        <p:tgtEl>
+                                          <p:spTgt spid="6"/>
+                                        </p:tgtEl>
+                                        <p:attrNameLst>
+                                          <p:attrName>style.visibility</p:attrName>
+                                        </p:attrNameLst>
+                                      </p:cBhvr>
+                                      <p:to>
+                                        <p:strVal val="visible"/>
+                                      </p:to>
+                                    </p:set>
+                                  </p:childTnLst>
+                                </p:cTn>
+                              </p:par>
+                            </p:childTnLst>
+                          </p:cTn>
+                        </p:par>
+                      </p:childTnLst>
+                    </p:cTn>
+                  </p:par>
+                </p:childTnLst>
+              </p:cTn>
+              <p:prevCondLst>
+                <p:cond evt="onPrev" delay="0">
+                  <p:tgtEl>
+                    <p:sldTgt/>
+                  </p:tgtEl>
+                </p:cond>
+              </p:prevCondLst>
+              <p:nextCondLst>
+                <p:cond evt="onNext" delay="0">
+                  <p:tgtEl>
+                    <p:sldTgt/>
+                  </p:tgtEl>
+                </p:cond>
+              </p:nextCondLst>
+            </p:seq>
+          </p:childTnLst>
+        </p:cTn>
+      </p:par>
+    </p:tnLst>
+    <p:bldLst>
+      <p:bldP spid="6" grpId="0"/>
+    </p:bldLst>
+  </p:timing>
+</p:sld>
+</file>
+
+<file path=ppt/slides/slide78.xml><?xml version="1.0" encoding="utf-8"?>
+<p:sld xmlns:a="http://schemas.openxmlformats.org/drawingml/2006/main" xmlns:r="http://schemas.openxmlformats.org/officeDocument/2006/relationships" xmlns:p="http://schemas.openxmlformats.org/presentationml/2006/main">
+  <p:cSld>
+    <p:spTree>
+      <p:nvGrpSpPr>
+        <p:cNvPr id="1" name=""/>
+        <p:cNvGrpSpPr/>
+        <p:nvPr/>
+      </p:nvGrpSpPr>
+      <p:grpSpPr>
+        <a:xfrm>
+          <a:off x="0" y="0"/>
+          <a:ext cx="0" cy="0"/>
+          <a:chOff x="0" y="0"/>
+          <a:chExt cx="0" cy="0"/>
+        </a:xfrm>
+      </p:grpSpPr>
+      <p:pic>
+        <p:nvPicPr>
+          <p:cNvPr id="4" name="图片 3">
+            <a:extLst>
+              <a:ext uri="{FF2B5EF4-FFF2-40B4-BE49-F238E27FC236}">
+                <a16:creationId xmlns:a16="http://schemas.microsoft.com/office/drawing/2014/main" id="{3F0A891B-AB2D-4CBC-A18B-C24092144948}"/>
+              </a:ext>
+            </a:extLst>
+          </p:cNvPr>
+          <p:cNvPicPr>
+            <a:picLocks noChangeAspect="1"/>
+          </p:cNvPicPr>
+          <p:nvPr/>
+        </p:nvPicPr>
+        <p:blipFill>
+          <a:blip r:embed="rId2"/>
+          <a:stretch>
+            <a:fillRect/>
+          </a:stretch>
+        </p:blipFill>
+        <p:spPr>
+          <a:xfrm>
+            <a:off x="1294877" y="113619"/>
+            <a:ext cx="7409444" cy="6658970"/>
+          </a:xfrm>
+          <a:prstGeom prst="rect">
+            <a:avLst/>
+          </a:prstGeom>
+        </p:spPr>
+      </p:pic>
+    </p:spTree>
+    <p:extLst>
+      <p:ext uri="{BB962C8B-B14F-4D97-AF65-F5344CB8AC3E}">
+        <p14:creationId xmlns:p14="http://schemas.microsoft.com/office/powerpoint/2010/main" val="2554328132"/>
+      </p:ext>
+    </p:extLst>
+  </p:cSld>
+  <p:clrMapOvr>
+    <a:masterClrMapping/>
+  </p:clrMapOvr>
+</p:sld>
+</file>
+
+<file path=ppt/slides/slide79.xml><?xml version="1.0" encoding="utf-8"?>
+<p:sld xmlns:a="http://schemas.openxmlformats.org/drawingml/2006/main" xmlns:r="http://schemas.openxmlformats.org/officeDocument/2006/relationships" xmlns:p="http://schemas.openxmlformats.org/presentationml/2006/main">
+  <p:cSld>
+    <p:spTree>
+      <p:nvGrpSpPr>
+        <p:cNvPr id="1" name=""/>
+        <p:cNvGrpSpPr/>
+        <p:nvPr/>
+      </p:nvGrpSpPr>
+      <p:grpSpPr>
+        <a:xfrm>
+          <a:off x="0" y="0"/>
+          <a:ext cx="0" cy="0"/>
+          <a:chOff x="0" y="0"/>
+          <a:chExt cx="0" cy="0"/>
+        </a:xfrm>
+      </p:grpSpPr>
+      <p:pic>
+        <p:nvPicPr>
+          <p:cNvPr id="2" name="图片 1">
+            <a:extLst>
+              <a:ext uri="{FF2B5EF4-FFF2-40B4-BE49-F238E27FC236}">
+                <a16:creationId xmlns:a16="http://schemas.microsoft.com/office/drawing/2014/main" id="{5C9E58B6-3385-47DD-BFC1-8627BF4DBAAB}"/>
+              </a:ext>
+            </a:extLst>
+          </p:cNvPr>
+          <p:cNvPicPr>
+            <a:picLocks noChangeAspect="1"/>
+          </p:cNvPicPr>
+          <p:nvPr/>
+        </p:nvPicPr>
+        <p:blipFill>
+          <a:blip r:embed="rId2"/>
+          <a:stretch>
+            <a:fillRect/>
+          </a:stretch>
+        </p:blipFill>
+        <p:spPr>
+          <a:xfrm>
+            <a:off x="941352" y="453640"/>
+            <a:ext cx="8025283" cy="4289181"/>
+          </a:xfrm>
+          <a:prstGeom prst="rect">
+            <a:avLst/>
+          </a:prstGeom>
+        </p:spPr>
+      </p:pic>
+    </p:spTree>
+    <p:extLst>
+      <p:ext uri="{BB962C8B-B14F-4D97-AF65-F5344CB8AC3E}">
+        <p14:creationId xmlns:p14="http://schemas.microsoft.com/office/powerpoint/2010/main" val="3604512741"/>
+      </p:ext>
+    </p:extLst>
+  </p:cSld>
+  <p:clrMapOvr>
+    <a:masterClrMapping/>
+  </p:clrMapOvr>
+</p:sld>
+</file>
+
 <file path=ppt/slides/slide8.xml><?xml version="1.0" encoding="utf-8"?>
 <p:sld xmlns:a="http://schemas.openxmlformats.org/drawingml/2006/main" xmlns:r="http://schemas.openxmlformats.org/officeDocument/2006/relationships" xmlns:p="http://schemas.openxmlformats.org/presentationml/2006/main">
   <p:cSld>
@@ -23901,6 +25492,1446 @@
     <p:extLst>
       <p:ext uri="{BB962C8B-B14F-4D97-AF65-F5344CB8AC3E}">
         <p14:creationId xmlns:p14="http://schemas.microsoft.com/office/powerpoint/2010/main" val="550243110"/>
+      </p:ext>
+    </p:extLst>
+  </p:cSld>
+  <p:clrMapOvr>
+    <a:masterClrMapping/>
+  </p:clrMapOvr>
+</p:sld>
+</file>
+
+<file path=ppt/slides/slide80.xml><?xml version="1.0" encoding="utf-8"?>
+<p:sld xmlns:a="http://schemas.openxmlformats.org/drawingml/2006/main" xmlns:r="http://schemas.openxmlformats.org/officeDocument/2006/relationships" xmlns:p="http://schemas.openxmlformats.org/presentationml/2006/main">
+  <p:cSld>
+    <p:spTree>
+      <p:nvGrpSpPr>
+        <p:cNvPr id="1" name=""/>
+        <p:cNvGrpSpPr/>
+        <p:nvPr/>
+      </p:nvGrpSpPr>
+      <p:grpSpPr>
+        <a:xfrm>
+          <a:off x="0" y="0"/>
+          <a:ext cx="0" cy="0"/>
+          <a:chOff x="0" y="0"/>
+          <a:chExt cx="0" cy="0"/>
+        </a:xfrm>
+      </p:grpSpPr>
+      <p:sp>
+        <p:nvSpPr>
+          <p:cNvPr id="2" name="标题 1">
+            <a:extLst>
+              <a:ext uri="{FF2B5EF4-FFF2-40B4-BE49-F238E27FC236}">
+                <a16:creationId xmlns:a16="http://schemas.microsoft.com/office/drawing/2014/main" id="{4990E37C-AF46-470C-BDA7-312F87578F91}"/>
+              </a:ext>
+            </a:extLst>
+          </p:cNvPr>
+          <p:cNvSpPr>
+            <a:spLocks noGrp="1"/>
+          </p:cNvSpPr>
+          <p:nvPr>
+            <p:ph type="title"/>
+          </p:nvPr>
+        </p:nvSpPr>
+        <p:spPr/>
+        <p:txBody>
+          <a:bodyPr/>
+          <a:lstStyle/>
+          <a:p>
+            <a:r>
+              <a:rPr lang="en-US" b="1" dirty="0"/>
+              <a:t>5.5.2 const</a:t>
+            </a:r>
+            <a:r>
+              <a:rPr lang="zh-CN" altLang="en-US" b="1" dirty="0"/>
+              <a:t>对象的引用</a:t>
+            </a:r>
+            <a:endParaRPr lang="en-US" dirty="0"/>
+          </a:p>
+        </p:txBody>
+      </p:sp>
+      <p:sp>
+        <p:nvSpPr>
+          <p:cNvPr id="3" name="内容占位符 2">
+            <a:extLst>
+              <a:ext uri="{FF2B5EF4-FFF2-40B4-BE49-F238E27FC236}">
+                <a16:creationId xmlns:a16="http://schemas.microsoft.com/office/drawing/2014/main" id="{B7A9D8A1-6B6D-4C2F-8ED0-9A94FEB46593}"/>
+              </a:ext>
+            </a:extLst>
+          </p:cNvPr>
+          <p:cNvSpPr>
+            <a:spLocks noGrp="1"/>
+          </p:cNvSpPr>
+          <p:nvPr>
+            <p:ph idx="1"/>
+          </p:nvPr>
+        </p:nvSpPr>
+        <p:spPr/>
+        <p:txBody>
+          <a:bodyPr/>
+          <a:lstStyle/>
+          <a:p>
+            <a:r>
+              <a:rPr lang="zh-CN" altLang="en-US" dirty="0"/>
+              <a:t>类似于</a:t>
+            </a:r>
+            <a:r>
+              <a:rPr lang="en-US" dirty="0"/>
+              <a:t>const</a:t>
+            </a:r>
+            <a:r>
+              <a:rPr lang="zh-CN" altLang="en-US" dirty="0"/>
+              <a:t>对象的指针一样，可以定义</a:t>
+            </a:r>
+            <a:r>
+              <a:rPr lang="en-US" dirty="0"/>
+              <a:t>const</a:t>
+            </a:r>
+            <a:r>
+              <a:rPr lang="zh-CN" altLang="en-US" dirty="0"/>
+              <a:t>对象的引用。即引用变量绑定的是一个</a:t>
+            </a:r>
+            <a:r>
+              <a:rPr lang="en-US" dirty="0"/>
+              <a:t>const</a:t>
+            </a:r>
+            <a:r>
+              <a:rPr lang="zh-CN" altLang="en-US" dirty="0"/>
+              <a:t>对象。既然是一个</a:t>
+            </a:r>
+            <a:r>
+              <a:rPr lang="en-US" dirty="0"/>
+              <a:t>const</a:t>
+            </a:r>
+            <a:r>
+              <a:rPr lang="zh-CN" altLang="en-US" dirty="0"/>
+              <a:t>对象的引用，就不能通过该引用变量去修改它引用的对象。</a:t>
+            </a:r>
+            <a:endParaRPr lang="en-US" dirty="0"/>
+          </a:p>
+          <a:p>
+            <a:endParaRPr lang="en-US" dirty="0"/>
+          </a:p>
+        </p:txBody>
+      </p:sp>
+    </p:spTree>
+    <p:extLst>
+      <p:ext uri="{BB962C8B-B14F-4D97-AF65-F5344CB8AC3E}">
+        <p14:creationId xmlns:p14="http://schemas.microsoft.com/office/powerpoint/2010/main" val="575213690"/>
+      </p:ext>
+    </p:extLst>
+  </p:cSld>
+  <p:clrMapOvr>
+    <a:masterClrMapping/>
+  </p:clrMapOvr>
+</p:sld>
+</file>
+
+<file path=ppt/slides/slide81.xml><?xml version="1.0" encoding="utf-8"?>
+<p:sld xmlns:a="http://schemas.openxmlformats.org/drawingml/2006/main" xmlns:r="http://schemas.openxmlformats.org/officeDocument/2006/relationships" xmlns:p="http://schemas.openxmlformats.org/presentationml/2006/main">
+  <p:cSld>
+    <p:spTree>
+      <p:nvGrpSpPr>
+        <p:cNvPr id="1" name=""/>
+        <p:cNvGrpSpPr/>
+        <p:nvPr/>
+      </p:nvGrpSpPr>
+      <p:grpSpPr>
+        <a:xfrm>
+          <a:off x="0" y="0"/>
+          <a:ext cx="0" cy="0"/>
+          <a:chOff x="0" y="0"/>
+          <a:chExt cx="0" cy="0"/>
+        </a:xfrm>
+      </p:grpSpPr>
+      <p:sp>
+        <p:nvSpPr>
+          <p:cNvPr id="3" name="内容占位符 2">
+            <a:extLst>
+              <a:ext uri="{FF2B5EF4-FFF2-40B4-BE49-F238E27FC236}">
+                <a16:creationId xmlns:a16="http://schemas.microsoft.com/office/drawing/2014/main" id="{694A53B8-BE6C-4BA2-8366-3CDB41C86985}"/>
+              </a:ext>
+            </a:extLst>
+          </p:cNvPr>
+          <p:cNvSpPr>
+            <a:spLocks noGrp="1"/>
+          </p:cNvSpPr>
+          <p:nvPr>
+            <p:ph idx="1"/>
+          </p:nvPr>
+        </p:nvSpPr>
+        <p:spPr>
+          <a:xfrm>
+            <a:off x="878393" y="539436"/>
+            <a:ext cx="10515600" cy="4351338"/>
+          </a:xfrm>
+        </p:spPr>
+        <p:txBody>
+          <a:bodyPr/>
+          <a:lstStyle/>
+          <a:p>
+            <a:r>
+              <a:rPr lang="en-US" dirty="0"/>
+              <a:t>const</a:t>
+            </a:r>
+            <a:r>
+              <a:rPr lang="zh-CN" altLang="en-US" dirty="0"/>
+              <a:t>对象的引用可以用非</a:t>
+            </a:r>
+            <a:r>
+              <a:rPr lang="en-US" dirty="0"/>
+              <a:t>const </a:t>
+            </a:r>
+            <a:r>
+              <a:rPr lang="zh-CN" altLang="en-US" dirty="0"/>
+              <a:t>对象、文字量和一般表达式初始化。例如：</a:t>
+            </a:r>
+            <a:endParaRPr lang="en-US" dirty="0"/>
+          </a:p>
+          <a:p>
+            <a:endParaRPr lang="en-US" dirty="0"/>
+          </a:p>
+        </p:txBody>
+      </p:sp>
+      <p:pic>
+        <p:nvPicPr>
+          <p:cNvPr id="4" name="图片 3">
+            <a:extLst>
+              <a:ext uri="{FF2B5EF4-FFF2-40B4-BE49-F238E27FC236}">
+                <a16:creationId xmlns:a16="http://schemas.microsoft.com/office/drawing/2014/main" id="{C84604D8-34B6-436B-92AA-CE7F69900B13}"/>
+              </a:ext>
+            </a:extLst>
+          </p:cNvPr>
+          <p:cNvPicPr>
+            <a:picLocks noChangeAspect="1"/>
+          </p:cNvPicPr>
+          <p:nvPr/>
+        </p:nvPicPr>
+        <p:blipFill>
+          <a:blip r:embed="rId2"/>
+          <a:stretch>
+            <a:fillRect/>
+          </a:stretch>
+        </p:blipFill>
+        <p:spPr>
+          <a:xfrm>
+            <a:off x="1218990" y="1572619"/>
+            <a:ext cx="10052595" cy="2446722"/>
+          </a:xfrm>
+          <a:prstGeom prst="rect">
+            <a:avLst/>
+          </a:prstGeom>
+        </p:spPr>
+      </p:pic>
+      <p:sp>
+        <p:nvSpPr>
+          <p:cNvPr id="5" name="文本框 4">
+            <a:extLst>
+              <a:ext uri="{FF2B5EF4-FFF2-40B4-BE49-F238E27FC236}">
+                <a16:creationId xmlns:a16="http://schemas.microsoft.com/office/drawing/2014/main" id="{C3124D54-A7A9-489F-91EC-782BF9AE8D8E}"/>
+              </a:ext>
+            </a:extLst>
+          </p:cNvPr>
+          <p:cNvSpPr txBox="1"/>
+          <p:nvPr/>
+        </p:nvSpPr>
+        <p:spPr>
+          <a:xfrm>
+            <a:off x="1235947" y="4411226"/>
+            <a:ext cx="10219174" cy="884255"/>
+          </a:xfrm>
+          <a:prstGeom prst="rect">
+            <a:avLst/>
+          </a:prstGeom>
+          <a:noFill/>
+        </p:spPr>
+        <p:txBody>
+          <a:bodyPr wrap="square" rtlCol="0">
+            <a:spAutoFit/>
+          </a:bodyPr>
+          <a:lstStyle/>
+          <a:p>
+            <a:r>
+              <a:rPr lang="zh-CN" altLang="en-US" sz="2600" dirty="0"/>
+              <a:t>可以用“非</a:t>
+            </a:r>
+            <a:r>
+              <a:rPr lang="en-US" sz="2600" dirty="0"/>
+              <a:t>const</a:t>
+            </a:r>
+            <a:r>
+              <a:rPr lang="zh-CN" altLang="en-US" sz="2600" dirty="0"/>
+              <a:t>对象”或“表达式”初始化一个</a:t>
+            </a:r>
+            <a:r>
+              <a:rPr lang="en-US" sz="2600" dirty="0"/>
+              <a:t>const</a:t>
+            </a:r>
+            <a:r>
+              <a:rPr lang="zh-CN" altLang="en-US" sz="2600" dirty="0"/>
+              <a:t>对象的引用，只要这个表达式类型能转化成引用的类型。</a:t>
+            </a:r>
+            <a:endParaRPr lang="en-US" sz="2600" dirty="0"/>
+          </a:p>
+        </p:txBody>
+      </p:sp>
+    </p:spTree>
+    <p:extLst>
+      <p:ext uri="{BB962C8B-B14F-4D97-AF65-F5344CB8AC3E}">
+        <p14:creationId xmlns:p14="http://schemas.microsoft.com/office/powerpoint/2010/main" val="1305180683"/>
+      </p:ext>
+    </p:extLst>
+  </p:cSld>
+  <p:clrMapOvr>
+    <a:masterClrMapping/>
+  </p:clrMapOvr>
+  <p:timing>
+    <p:tnLst>
+      <p:par>
+        <p:cTn id="1" dur="indefinite" restart="never" nodeType="tmRoot">
+          <p:childTnLst>
+            <p:seq concurrent="1" nextAc="seek">
+              <p:cTn id="2" dur="indefinite" nodeType="mainSeq">
+                <p:childTnLst>
+                  <p:par>
+                    <p:cTn id="3" fill="hold">
+                      <p:stCondLst>
+                        <p:cond delay="indefinite"/>
+                      </p:stCondLst>
+                      <p:childTnLst>
+                        <p:par>
+                          <p:cTn id="4" fill="hold">
+                            <p:stCondLst>
+                              <p:cond delay="0"/>
+                            </p:stCondLst>
+                            <p:childTnLst>
+                              <p:par>
+                                <p:cTn id="5" presetID="1" presetClass="entr" presetSubtype="0" fill="hold" nodeType="clickEffect">
+                                  <p:stCondLst>
+                                    <p:cond delay="0"/>
+                                  </p:stCondLst>
+                                  <p:childTnLst>
+                                    <p:set>
+                                      <p:cBhvr>
+                                        <p:cTn id="6" dur="1" fill="hold">
+                                          <p:stCondLst>
+                                            <p:cond delay="0"/>
+                                          </p:stCondLst>
+                                        </p:cTn>
+                                        <p:tgtEl>
+                                          <p:spTgt spid="4"/>
+                                        </p:tgtEl>
+                                        <p:attrNameLst>
+                                          <p:attrName>style.visibility</p:attrName>
+                                        </p:attrNameLst>
+                                      </p:cBhvr>
+                                      <p:to>
+                                        <p:strVal val="visible"/>
+                                      </p:to>
+                                    </p:set>
+                                  </p:childTnLst>
+                                </p:cTn>
+                              </p:par>
+                            </p:childTnLst>
+                          </p:cTn>
+                        </p:par>
+                      </p:childTnLst>
+                    </p:cTn>
+                  </p:par>
+                  <p:par>
+                    <p:cTn id="7" fill="hold">
+                      <p:stCondLst>
+                        <p:cond delay="indefinite"/>
+                      </p:stCondLst>
+                      <p:childTnLst>
+                        <p:par>
+                          <p:cTn id="8" fill="hold">
+                            <p:stCondLst>
+                              <p:cond delay="0"/>
+                            </p:stCondLst>
+                            <p:childTnLst>
+                              <p:par>
+                                <p:cTn id="9" presetID="1" presetClass="entr" presetSubtype="0" fill="hold" grpId="0" nodeType="clickEffect">
+                                  <p:stCondLst>
+                                    <p:cond delay="0"/>
+                                  </p:stCondLst>
+                                  <p:childTnLst>
+                                    <p:set>
+                                      <p:cBhvr>
+                                        <p:cTn id="10" dur="1" fill="hold">
+                                          <p:stCondLst>
+                                            <p:cond delay="0"/>
+                                          </p:stCondLst>
+                                        </p:cTn>
+                                        <p:tgtEl>
+                                          <p:spTgt spid="5"/>
+                                        </p:tgtEl>
+                                        <p:attrNameLst>
+                                          <p:attrName>style.visibility</p:attrName>
+                                        </p:attrNameLst>
+                                      </p:cBhvr>
+                                      <p:to>
+                                        <p:strVal val="visible"/>
+                                      </p:to>
+                                    </p:set>
+                                  </p:childTnLst>
+                                </p:cTn>
+                              </p:par>
+                            </p:childTnLst>
+                          </p:cTn>
+                        </p:par>
+                      </p:childTnLst>
+                    </p:cTn>
+                  </p:par>
+                </p:childTnLst>
+              </p:cTn>
+              <p:prevCondLst>
+                <p:cond evt="onPrev" delay="0">
+                  <p:tgtEl>
+                    <p:sldTgt/>
+                  </p:tgtEl>
+                </p:cond>
+              </p:prevCondLst>
+              <p:nextCondLst>
+                <p:cond evt="onNext" delay="0">
+                  <p:tgtEl>
+                    <p:sldTgt/>
+                  </p:tgtEl>
+                </p:cond>
+              </p:nextCondLst>
+            </p:seq>
+          </p:childTnLst>
+        </p:cTn>
+      </p:par>
+    </p:tnLst>
+    <p:bldLst>
+      <p:bldP spid="5" grpId="0"/>
+    </p:bldLst>
+  </p:timing>
+</p:sld>
+</file>
+
+<file path=ppt/slides/slide82.xml><?xml version="1.0" encoding="utf-8"?>
+<p:sld xmlns:a="http://schemas.openxmlformats.org/drawingml/2006/main" xmlns:r="http://schemas.openxmlformats.org/officeDocument/2006/relationships" xmlns:p="http://schemas.openxmlformats.org/presentationml/2006/main">
+  <p:cSld>
+    <p:spTree>
+      <p:nvGrpSpPr>
+        <p:cNvPr id="1" name=""/>
+        <p:cNvGrpSpPr/>
+        <p:nvPr/>
+      </p:nvGrpSpPr>
+      <p:grpSpPr>
+        <a:xfrm>
+          <a:off x="0" y="0"/>
+          <a:ext cx="0" cy="0"/>
+          <a:chOff x="0" y="0"/>
+          <a:chExt cx="0" cy="0"/>
+        </a:xfrm>
+      </p:grpSpPr>
+      <p:sp>
+        <p:nvSpPr>
+          <p:cNvPr id="3" name="内容占位符 2">
+            <a:extLst>
+              <a:ext uri="{FF2B5EF4-FFF2-40B4-BE49-F238E27FC236}">
+                <a16:creationId xmlns:a16="http://schemas.microsoft.com/office/drawing/2014/main" id="{6A7C569D-6A50-4F72-B095-AF67CE0DF8B8}"/>
+              </a:ext>
+            </a:extLst>
+          </p:cNvPr>
+          <p:cNvSpPr>
+            <a:spLocks noGrp="1"/>
+          </p:cNvSpPr>
+          <p:nvPr>
+            <p:ph idx="1"/>
+          </p:nvPr>
+        </p:nvSpPr>
+        <p:spPr>
+          <a:xfrm>
+            <a:off x="848248" y="499243"/>
+            <a:ext cx="10515600" cy="4351338"/>
+          </a:xfrm>
+        </p:spPr>
+        <p:txBody>
+          <a:bodyPr/>
+          <a:lstStyle/>
+          <a:p>
+            <a:r>
+              <a:rPr lang="en-US" dirty="0"/>
+              <a:t>const</a:t>
+            </a:r>
+            <a:r>
+              <a:rPr lang="zh-CN" altLang="en-US" dirty="0"/>
+              <a:t>对象的引用往往绑定的是一个临时变量，如：</a:t>
+            </a:r>
+            <a:endParaRPr lang="en-US" altLang="zh-CN" dirty="0"/>
+          </a:p>
+          <a:p>
+            <a:endParaRPr lang="en-US" dirty="0"/>
+          </a:p>
+          <a:p>
+            <a:endParaRPr lang="en-US" dirty="0"/>
+          </a:p>
+          <a:p>
+            <a:r>
+              <a:rPr lang="en-US" dirty="0"/>
+              <a:t>r8</a:t>
+            </a:r>
+            <a:r>
+              <a:rPr lang="zh-CN" altLang="en-US" dirty="0"/>
+              <a:t>实际上是绑定到一个临时变量而不是</a:t>
+            </a:r>
+            <a:r>
+              <a:rPr lang="en-US" dirty="0" err="1"/>
+              <a:t>dval</a:t>
+            </a:r>
+            <a:r>
+              <a:rPr lang="zh-CN" altLang="en-US" dirty="0"/>
+              <a:t>。即编译器实际上创建了一个临时变量，即将“</a:t>
+            </a:r>
+            <a:r>
+              <a:rPr lang="en-US" dirty="0"/>
+              <a:t>const int &amp;r8 = </a:t>
+            </a:r>
+            <a:r>
+              <a:rPr lang="en-US" dirty="0" err="1"/>
+              <a:t>dval</a:t>
+            </a:r>
+            <a:r>
+              <a:rPr lang="en-US" dirty="0"/>
+              <a:t>;</a:t>
+            </a:r>
+            <a:r>
+              <a:rPr lang="zh-CN" altLang="en-US" dirty="0"/>
+              <a:t>”替换为如下形式：</a:t>
+            </a:r>
+            <a:endParaRPr lang="en-US" dirty="0"/>
+          </a:p>
+          <a:p>
+            <a:endParaRPr lang="en-US" dirty="0"/>
+          </a:p>
+          <a:p>
+            <a:endParaRPr lang="en-US" dirty="0"/>
+          </a:p>
+        </p:txBody>
+      </p:sp>
+      <p:pic>
+        <p:nvPicPr>
+          <p:cNvPr id="4" name="图片 3">
+            <a:extLst>
+              <a:ext uri="{FF2B5EF4-FFF2-40B4-BE49-F238E27FC236}">
+                <a16:creationId xmlns:a16="http://schemas.microsoft.com/office/drawing/2014/main" id="{480B2AA4-69E7-472B-817C-69F0F41C1895}"/>
+              </a:ext>
+            </a:extLst>
+          </p:cNvPr>
+          <p:cNvPicPr>
+            <a:picLocks noChangeAspect="1"/>
+          </p:cNvPicPr>
+          <p:nvPr/>
+        </p:nvPicPr>
+        <p:blipFill>
+          <a:blip r:embed="rId2"/>
+          <a:stretch>
+            <a:fillRect/>
+          </a:stretch>
+        </p:blipFill>
+        <p:spPr>
+          <a:xfrm>
+            <a:off x="978877" y="1225584"/>
+            <a:ext cx="10695784" cy="774037"/>
+          </a:xfrm>
+          <a:prstGeom prst="rect">
+            <a:avLst/>
+          </a:prstGeom>
+        </p:spPr>
+      </p:pic>
+      <p:pic>
+        <p:nvPicPr>
+          <p:cNvPr id="5" name="图片 4">
+            <a:extLst>
+              <a:ext uri="{FF2B5EF4-FFF2-40B4-BE49-F238E27FC236}">
+                <a16:creationId xmlns:a16="http://schemas.microsoft.com/office/drawing/2014/main" id="{0A1C3082-DB46-4D7B-8442-2401D91EDE62}"/>
+              </a:ext>
+            </a:extLst>
+          </p:cNvPr>
+          <p:cNvPicPr>
+            <a:picLocks noChangeAspect="1"/>
+          </p:cNvPicPr>
+          <p:nvPr/>
+        </p:nvPicPr>
+        <p:blipFill>
+          <a:blip r:embed="rId3"/>
+          <a:stretch>
+            <a:fillRect/>
+          </a:stretch>
+        </p:blipFill>
+        <p:spPr>
+          <a:xfrm>
+            <a:off x="1159799" y="3451033"/>
+            <a:ext cx="4241743" cy="869758"/>
+          </a:xfrm>
+          <a:prstGeom prst="rect">
+            <a:avLst/>
+          </a:prstGeom>
+        </p:spPr>
+      </p:pic>
+    </p:spTree>
+    <p:extLst>
+      <p:ext uri="{BB962C8B-B14F-4D97-AF65-F5344CB8AC3E}">
+        <p14:creationId xmlns:p14="http://schemas.microsoft.com/office/powerpoint/2010/main" val="2589265554"/>
+      </p:ext>
+    </p:extLst>
+  </p:cSld>
+  <p:clrMapOvr>
+    <a:masterClrMapping/>
+  </p:clrMapOvr>
+</p:sld>
+</file>
+
+<file path=ppt/slides/slide83.xml><?xml version="1.0" encoding="utf-8"?>
+<p:sld xmlns:a="http://schemas.openxmlformats.org/drawingml/2006/main" xmlns:r="http://schemas.openxmlformats.org/officeDocument/2006/relationships" xmlns:p="http://schemas.openxmlformats.org/presentationml/2006/main">
+  <p:cSld>
+    <p:spTree>
+      <p:nvGrpSpPr>
+        <p:cNvPr id="1" name=""/>
+        <p:cNvGrpSpPr/>
+        <p:nvPr/>
+      </p:nvGrpSpPr>
+      <p:grpSpPr>
+        <a:xfrm>
+          <a:off x="0" y="0"/>
+          <a:ext cx="0" cy="0"/>
+          <a:chOff x="0" y="0"/>
+          <a:chExt cx="0" cy="0"/>
+        </a:xfrm>
+      </p:grpSpPr>
+      <p:sp>
+        <p:nvSpPr>
+          <p:cNvPr id="3" name="内容占位符 2">
+            <a:extLst>
+              <a:ext uri="{FF2B5EF4-FFF2-40B4-BE49-F238E27FC236}">
+                <a16:creationId xmlns:a16="http://schemas.microsoft.com/office/drawing/2014/main" id="{B04EC888-AAE9-459C-A52D-9791163FBA74}"/>
+              </a:ext>
+            </a:extLst>
+          </p:cNvPr>
+          <p:cNvSpPr>
+            <a:spLocks noGrp="1"/>
+          </p:cNvSpPr>
+          <p:nvPr>
+            <p:ph idx="1"/>
+          </p:nvPr>
+        </p:nvSpPr>
+        <p:spPr>
+          <a:xfrm>
+            <a:off x="858297" y="499242"/>
+            <a:ext cx="10515600" cy="3972273"/>
+          </a:xfrm>
+        </p:spPr>
+        <p:txBody>
+          <a:bodyPr/>
+          <a:lstStyle/>
+          <a:p>
+            <a:r>
+              <a:rPr lang="zh-CN" altLang="en-US" dirty="0"/>
+              <a:t>反过来，不能用</a:t>
+            </a:r>
+            <a:r>
+              <a:rPr lang="en-US" b="1" dirty="0"/>
+              <a:t>const</a:t>
+            </a:r>
+            <a:r>
+              <a:rPr lang="zh-CN" altLang="en-US" b="1" dirty="0"/>
+              <a:t>对象</a:t>
+            </a:r>
+            <a:r>
+              <a:rPr lang="zh-CN" altLang="en-US" dirty="0"/>
+              <a:t>、</a:t>
+            </a:r>
+            <a:r>
+              <a:rPr lang="zh-CN" altLang="en-US" b="1" dirty="0"/>
+              <a:t>文字量</a:t>
+            </a:r>
+            <a:r>
+              <a:rPr lang="zh-CN" altLang="en-US" dirty="0"/>
+              <a:t>、</a:t>
+            </a:r>
+            <a:r>
+              <a:rPr lang="zh-CN" altLang="en-US" b="1" dirty="0"/>
+              <a:t>表达式</a:t>
+            </a:r>
+            <a:r>
+              <a:rPr lang="zh-CN" altLang="en-US" dirty="0"/>
+              <a:t>初始化一个</a:t>
+            </a:r>
+            <a:r>
+              <a:rPr lang="en-US" dirty="0"/>
+              <a:t>non-const</a:t>
+            </a:r>
+            <a:r>
+              <a:rPr lang="zh-CN" altLang="en-US" dirty="0"/>
+              <a:t>（非</a:t>
+            </a:r>
+            <a:r>
+              <a:rPr lang="en-US" dirty="0"/>
+              <a:t>const</a:t>
+            </a:r>
+            <a:r>
+              <a:rPr lang="zh-CN" altLang="en-US" dirty="0"/>
+              <a:t>对象）的引用。</a:t>
+            </a:r>
+            <a:endParaRPr lang="en-US" altLang="zh-CN" dirty="0"/>
+          </a:p>
+          <a:p>
+            <a:endParaRPr lang="en-US" dirty="0"/>
+          </a:p>
+          <a:p>
+            <a:endParaRPr lang="en-US" dirty="0"/>
+          </a:p>
+          <a:p>
+            <a:endParaRPr lang="en-US" dirty="0"/>
+          </a:p>
+          <a:p>
+            <a:r>
+              <a:rPr lang="zh-CN" altLang="en-US" dirty="0"/>
+              <a:t>试图修改</a:t>
+            </a:r>
+            <a:r>
+              <a:rPr lang="en-US" dirty="0"/>
+              <a:t>const</a:t>
+            </a:r>
+            <a:r>
+              <a:rPr lang="zh-CN" altLang="en-US" dirty="0"/>
+              <a:t>对象的引用是非法的：</a:t>
+            </a:r>
+            <a:endParaRPr lang="en-US" dirty="0"/>
+          </a:p>
+          <a:p>
+            <a:endParaRPr lang="en-US" dirty="0"/>
+          </a:p>
+        </p:txBody>
+      </p:sp>
+      <p:pic>
+        <p:nvPicPr>
+          <p:cNvPr id="5" name="图片 4">
+            <a:extLst>
+              <a:ext uri="{FF2B5EF4-FFF2-40B4-BE49-F238E27FC236}">
+                <a16:creationId xmlns:a16="http://schemas.microsoft.com/office/drawing/2014/main" id="{CA080FD0-58C0-4E6E-9C81-113691C28FB6}"/>
+              </a:ext>
+            </a:extLst>
+          </p:cNvPr>
+          <p:cNvPicPr>
+            <a:picLocks noChangeAspect="1"/>
+          </p:cNvPicPr>
+          <p:nvPr/>
+        </p:nvPicPr>
+        <p:blipFill>
+          <a:blip r:embed="rId2"/>
+          <a:stretch>
+            <a:fillRect/>
+          </a:stretch>
+        </p:blipFill>
+        <p:spPr>
+          <a:xfrm>
+            <a:off x="1156084" y="1673940"/>
+            <a:ext cx="9655942" cy="1490790"/>
+          </a:xfrm>
+          <a:prstGeom prst="rect">
+            <a:avLst/>
+          </a:prstGeom>
+        </p:spPr>
+      </p:pic>
+      <p:pic>
+        <p:nvPicPr>
+          <p:cNvPr id="6" name="图片 5">
+            <a:extLst>
+              <a:ext uri="{FF2B5EF4-FFF2-40B4-BE49-F238E27FC236}">
+                <a16:creationId xmlns:a16="http://schemas.microsoft.com/office/drawing/2014/main" id="{61849C41-5FA1-42A3-B453-157D2FA71A0F}"/>
+              </a:ext>
+            </a:extLst>
+          </p:cNvPr>
+          <p:cNvPicPr>
+            <a:picLocks noChangeAspect="1"/>
+          </p:cNvPicPr>
+          <p:nvPr/>
+        </p:nvPicPr>
+        <p:blipFill>
+          <a:blip r:embed="rId3"/>
+          <a:stretch>
+            <a:fillRect/>
+          </a:stretch>
+        </p:blipFill>
+        <p:spPr>
+          <a:xfrm>
+            <a:off x="1425085" y="4129035"/>
+            <a:ext cx="7409169" cy="814754"/>
+          </a:xfrm>
+          <a:prstGeom prst="rect">
+            <a:avLst/>
+          </a:prstGeom>
+        </p:spPr>
+      </p:pic>
+    </p:spTree>
+    <p:extLst>
+      <p:ext uri="{BB962C8B-B14F-4D97-AF65-F5344CB8AC3E}">
+        <p14:creationId xmlns:p14="http://schemas.microsoft.com/office/powerpoint/2010/main" val="4129272551"/>
+      </p:ext>
+    </p:extLst>
+  </p:cSld>
+  <p:clrMapOvr>
+    <a:masterClrMapping/>
+  </p:clrMapOvr>
+</p:sld>
+</file>
+
+<file path=ppt/slides/slide84.xml><?xml version="1.0" encoding="utf-8"?>
+<p:sld xmlns:a="http://schemas.openxmlformats.org/drawingml/2006/main" xmlns:r="http://schemas.openxmlformats.org/officeDocument/2006/relationships" xmlns:p="http://schemas.openxmlformats.org/presentationml/2006/main">
+  <p:cSld>
+    <p:spTree>
+      <p:nvGrpSpPr>
+        <p:cNvPr id="1" name=""/>
+        <p:cNvGrpSpPr/>
+        <p:nvPr/>
+      </p:nvGrpSpPr>
+      <p:grpSpPr>
+        <a:xfrm>
+          <a:off x="0" y="0"/>
+          <a:ext cx="0" cy="0"/>
+          <a:chOff x="0" y="0"/>
+          <a:chExt cx="0" cy="0"/>
+        </a:xfrm>
+      </p:grpSpPr>
+      <p:sp>
+        <p:nvSpPr>
+          <p:cNvPr id="3" name="内容占位符 2">
+            <a:extLst>
+              <a:ext uri="{FF2B5EF4-FFF2-40B4-BE49-F238E27FC236}">
+                <a16:creationId xmlns:a16="http://schemas.microsoft.com/office/drawing/2014/main" id="{79D30638-7556-419B-A5F4-8F601CE495E0}"/>
+              </a:ext>
+            </a:extLst>
+          </p:cNvPr>
+          <p:cNvSpPr>
+            <a:spLocks noGrp="1"/>
+          </p:cNvSpPr>
+          <p:nvPr>
+            <p:ph idx="1"/>
+          </p:nvPr>
+        </p:nvSpPr>
+        <p:spPr>
+          <a:xfrm>
+            <a:off x="777910" y="449001"/>
+            <a:ext cx="10515600" cy="1239122"/>
+          </a:xfrm>
+        </p:spPr>
+        <p:txBody>
+          <a:bodyPr/>
+          <a:lstStyle/>
+          <a:p>
+            <a:r>
+              <a:rPr lang="zh-CN" altLang="en-US" dirty="0"/>
+              <a:t>因此，不能通过</a:t>
+            </a:r>
+            <a:r>
+              <a:rPr lang="en-US" dirty="0"/>
+              <a:t>const</a:t>
+            </a:r>
+            <a:r>
+              <a:rPr lang="zh-CN" altLang="en-US" dirty="0"/>
+              <a:t>对象的引用去修改其绑定的对象，即使原来那个对象实际是可修改的。</a:t>
+            </a:r>
+            <a:endParaRPr lang="en-US" dirty="0"/>
+          </a:p>
+          <a:p>
+            <a:endParaRPr lang="en-US" dirty="0"/>
+          </a:p>
+        </p:txBody>
+      </p:sp>
+      <p:pic>
+        <p:nvPicPr>
+          <p:cNvPr id="4" name="图片 3">
+            <a:extLst>
+              <a:ext uri="{FF2B5EF4-FFF2-40B4-BE49-F238E27FC236}">
+                <a16:creationId xmlns:a16="http://schemas.microsoft.com/office/drawing/2014/main" id="{E858492B-AE8F-4F82-A1A3-021C0B1A2438}"/>
+              </a:ext>
+            </a:extLst>
+          </p:cNvPr>
+          <p:cNvPicPr>
+            <a:picLocks noChangeAspect="1"/>
+          </p:cNvPicPr>
+          <p:nvPr/>
+        </p:nvPicPr>
+        <p:blipFill>
+          <a:blip r:embed="rId2"/>
+          <a:stretch>
+            <a:fillRect/>
+          </a:stretch>
+        </p:blipFill>
+        <p:spPr>
+          <a:xfrm>
+            <a:off x="994053" y="1833457"/>
+            <a:ext cx="10798951" cy="2015062"/>
+          </a:xfrm>
+          <a:prstGeom prst="rect">
+            <a:avLst/>
+          </a:prstGeom>
+        </p:spPr>
+      </p:pic>
+    </p:spTree>
+    <p:extLst>
+      <p:ext uri="{BB962C8B-B14F-4D97-AF65-F5344CB8AC3E}">
+        <p14:creationId xmlns:p14="http://schemas.microsoft.com/office/powerpoint/2010/main" val="1069913496"/>
+      </p:ext>
+    </p:extLst>
+  </p:cSld>
+  <p:clrMapOvr>
+    <a:masterClrMapping/>
+  </p:clrMapOvr>
+</p:sld>
+</file>
+
+<file path=ppt/slides/slide85.xml><?xml version="1.0" encoding="utf-8"?>
+<p:sld xmlns:a="http://schemas.openxmlformats.org/drawingml/2006/main" xmlns:r="http://schemas.openxmlformats.org/officeDocument/2006/relationships" xmlns:p="http://schemas.openxmlformats.org/presentationml/2006/main">
+  <p:cSld>
+    <p:spTree>
+      <p:nvGrpSpPr>
+        <p:cNvPr id="1" name=""/>
+        <p:cNvGrpSpPr/>
+        <p:nvPr/>
+      </p:nvGrpSpPr>
+      <p:grpSpPr>
+        <a:xfrm>
+          <a:off x="0" y="0"/>
+          <a:ext cx="0" cy="0"/>
+          <a:chOff x="0" y="0"/>
+          <a:chExt cx="0" cy="0"/>
+        </a:xfrm>
+      </p:grpSpPr>
+      <p:sp>
+        <p:nvSpPr>
+          <p:cNvPr id="2" name="标题 1">
+            <a:extLst>
+              <a:ext uri="{FF2B5EF4-FFF2-40B4-BE49-F238E27FC236}">
+                <a16:creationId xmlns:a16="http://schemas.microsoft.com/office/drawing/2014/main" id="{C982ADD3-BD46-4AFD-854C-0D5643D3D59A}"/>
+              </a:ext>
+            </a:extLst>
+          </p:cNvPr>
+          <p:cNvSpPr>
+            <a:spLocks noGrp="1"/>
+          </p:cNvSpPr>
+          <p:nvPr>
+            <p:ph type="title"/>
+          </p:nvPr>
+        </p:nvSpPr>
+        <p:spPr/>
+        <p:txBody>
+          <a:bodyPr/>
+          <a:lstStyle/>
+          <a:p>
+            <a:r>
+              <a:rPr lang="en-US" dirty="0"/>
+              <a:t>5.6 </a:t>
+            </a:r>
+            <a:r>
+              <a:rPr lang="zh-CN" altLang="en-US" dirty="0"/>
+              <a:t>实战</a:t>
+            </a:r>
+            <a:r>
+              <a:rPr lang="en-US" dirty="0"/>
+              <a:t>: </a:t>
+            </a:r>
+            <a:r>
+              <a:rPr lang="zh-CN" altLang="en-US" dirty="0"/>
+              <a:t>查找、排序、最短路径</a:t>
+            </a:r>
+            <a:br>
+              <a:rPr lang="en-US" b="1" dirty="0"/>
+            </a:br>
+            <a:endParaRPr lang="en-US" dirty="0"/>
+          </a:p>
+        </p:txBody>
+      </p:sp>
+      <p:sp>
+        <p:nvSpPr>
+          <p:cNvPr id="3" name="内容占位符 2">
+            <a:extLst>
+              <a:ext uri="{FF2B5EF4-FFF2-40B4-BE49-F238E27FC236}">
+                <a16:creationId xmlns:a16="http://schemas.microsoft.com/office/drawing/2014/main" id="{329A2B34-20B0-4D06-A76C-91B56A07E8FE}"/>
+              </a:ext>
+            </a:extLst>
+          </p:cNvPr>
+          <p:cNvSpPr>
+            <a:spLocks noGrp="1"/>
+          </p:cNvSpPr>
+          <p:nvPr>
+            <p:ph idx="1"/>
+          </p:nvPr>
+        </p:nvSpPr>
+        <p:spPr/>
+        <p:txBody>
+          <a:bodyPr/>
+          <a:lstStyle/>
+          <a:p>
+            <a:endParaRPr lang="en-US"/>
+          </a:p>
+        </p:txBody>
+      </p:sp>
+    </p:spTree>
+    <p:extLst>
+      <p:ext uri="{BB962C8B-B14F-4D97-AF65-F5344CB8AC3E}">
+        <p14:creationId xmlns:p14="http://schemas.microsoft.com/office/powerpoint/2010/main" val="3550705648"/>
+      </p:ext>
+    </p:extLst>
+  </p:cSld>
+  <p:clrMapOvr>
+    <a:masterClrMapping/>
+  </p:clrMapOvr>
+</p:sld>
+</file>
+
+<file path=ppt/slides/slide86.xml><?xml version="1.0" encoding="utf-8"?>
+<p:sld xmlns:a="http://schemas.openxmlformats.org/drawingml/2006/main" xmlns:r="http://schemas.openxmlformats.org/officeDocument/2006/relationships" xmlns:p="http://schemas.openxmlformats.org/presentationml/2006/main">
+  <p:cSld>
+    <p:spTree>
+      <p:nvGrpSpPr>
+        <p:cNvPr id="1" name=""/>
+        <p:cNvGrpSpPr/>
+        <p:nvPr/>
+      </p:nvGrpSpPr>
+      <p:grpSpPr>
+        <a:xfrm>
+          <a:off x="0" y="0"/>
+          <a:ext cx="0" cy="0"/>
+          <a:chOff x="0" y="0"/>
+          <a:chExt cx="0" cy="0"/>
+        </a:xfrm>
+      </p:grpSpPr>
+      <p:sp>
+        <p:nvSpPr>
+          <p:cNvPr id="2" name="标题 1">
+            <a:extLst>
+              <a:ext uri="{FF2B5EF4-FFF2-40B4-BE49-F238E27FC236}">
+                <a16:creationId xmlns:a16="http://schemas.microsoft.com/office/drawing/2014/main" id="{D194A9D5-03B7-446F-BA45-13007A968EFD}"/>
+              </a:ext>
+            </a:extLst>
+          </p:cNvPr>
+          <p:cNvSpPr>
+            <a:spLocks noGrp="1"/>
+          </p:cNvSpPr>
+          <p:nvPr>
+            <p:ph type="title"/>
+          </p:nvPr>
+        </p:nvSpPr>
+        <p:spPr/>
+        <p:txBody>
+          <a:bodyPr/>
+          <a:lstStyle/>
+          <a:p>
+            <a:r>
+              <a:rPr lang="en-US" b="1" dirty="0"/>
+              <a:t>5.6.1 </a:t>
+            </a:r>
+            <a:r>
+              <a:rPr lang="zh-CN" altLang="en-US" b="1" dirty="0"/>
+              <a:t>二分查找</a:t>
+            </a:r>
+            <a:endParaRPr lang="en-US" dirty="0"/>
+          </a:p>
+        </p:txBody>
+      </p:sp>
+      <p:sp>
+        <p:nvSpPr>
+          <p:cNvPr id="3" name="内容占位符 2">
+            <a:extLst>
+              <a:ext uri="{FF2B5EF4-FFF2-40B4-BE49-F238E27FC236}">
+                <a16:creationId xmlns:a16="http://schemas.microsoft.com/office/drawing/2014/main" id="{C9D5929E-4EDB-42DB-914C-1A1734946A20}"/>
+              </a:ext>
+            </a:extLst>
+          </p:cNvPr>
+          <p:cNvSpPr>
+            <a:spLocks noGrp="1"/>
+          </p:cNvSpPr>
+          <p:nvPr>
+            <p:ph idx="1"/>
+          </p:nvPr>
+        </p:nvSpPr>
+        <p:spPr/>
+        <p:txBody>
+          <a:bodyPr/>
+          <a:lstStyle/>
+          <a:p>
+            <a:r>
+              <a:rPr lang="zh-CN" altLang="en-US" b="1" dirty="0"/>
+              <a:t>顺序查找</a:t>
+            </a:r>
+            <a:endParaRPr lang="en-US" b="1" dirty="0"/>
+          </a:p>
+          <a:p>
+            <a:endParaRPr lang="en-US" dirty="0"/>
+          </a:p>
+        </p:txBody>
+      </p:sp>
+      <p:pic>
+        <p:nvPicPr>
+          <p:cNvPr id="4" name="图片 3">
+            <a:extLst>
+              <a:ext uri="{FF2B5EF4-FFF2-40B4-BE49-F238E27FC236}">
+                <a16:creationId xmlns:a16="http://schemas.microsoft.com/office/drawing/2014/main" id="{B6EE398F-628F-4DD7-A6BB-CC531616AA8E}"/>
+              </a:ext>
+            </a:extLst>
+          </p:cNvPr>
+          <p:cNvPicPr>
+            <a:picLocks noChangeAspect="1"/>
+          </p:cNvPicPr>
+          <p:nvPr/>
+        </p:nvPicPr>
+        <p:blipFill>
+          <a:blip r:embed="rId2"/>
+          <a:stretch>
+            <a:fillRect/>
+          </a:stretch>
+        </p:blipFill>
+        <p:spPr>
+          <a:xfrm>
+            <a:off x="3222486" y="1442671"/>
+            <a:ext cx="6229350" cy="5238750"/>
+          </a:xfrm>
+          <a:prstGeom prst="rect">
+            <a:avLst/>
+          </a:prstGeom>
+        </p:spPr>
+      </p:pic>
+    </p:spTree>
+    <p:extLst>
+      <p:ext uri="{BB962C8B-B14F-4D97-AF65-F5344CB8AC3E}">
+        <p14:creationId xmlns:p14="http://schemas.microsoft.com/office/powerpoint/2010/main" val="2634245983"/>
+      </p:ext>
+    </p:extLst>
+  </p:cSld>
+  <p:clrMapOvr>
+    <a:masterClrMapping/>
+  </p:clrMapOvr>
+</p:sld>
+</file>
+
+<file path=ppt/slides/slide87.xml><?xml version="1.0" encoding="utf-8"?>
+<p:sld xmlns:a="http://schemas.openxmlformats.org/drawingml/2006/main" xmlns:r="http://schemas.openxmlformats.org/officeDocument/2006/relationships" xmlns:p="http://schemas.openxmlformats.org/presentationml/2006/main">
+  <p:cSld>
+    <p:spTree>
+      <p:nvGrpSpPr>
+        <p:cNvPr id="1" name=""/>
+        <p:cNvGrpSpPr/>
+        <p:nvPr/>
+      </p:nvGrpSpPr>
+      <p:grpSpPr>
+        <a:xfrm>
+          <a:off x="0" y="0"/>
+          <a:ext cx="0" cy="0"/>
+          <a:chOff x="0" y="0"/>
+          <a:chExt cx="0" cy="0"/>
+        </a:xfrm>
+      </p:grpSpPr>
+      <p:sp>
+        <p:nvSpPr>
+          <p:cNvPr id="2" name="标题 1">
+            <a:extLst>
+              <a:ext uri="{FF2B5EF4-FFF2-40B4-BE49-F238E27FC236}">
+                <a16:creationId xmlns:a16="http://schemas.microsoft.com/office/drawing/2014/main" id="{D194A9D5-03B7-446F-BA45-13007A968EFD}"/>
+              </a:ext>
+            </a:extLst>
+          </p:cNvPr>
+          <p:cNvSpPr>
+            <a:spLocks noGrp="1"/>
+          </p:cNvSpPr>
+          <p:nvPr>
+            <p:ph type="title"/>
+          </p:nvPr>
+        </p:nvSpPr>
+        <p:spPr/>
+        <p:txBody>
+          <a:bodyPr/>
+          <a:lstStyle/>
+          <a:p>
+            <a:r>
+              <a:rPr lang="en-US" b="1" dirty="0"/>
+              <a:t>5.6.1 </a:t>
+            </a:r>
+            <a:r>
+              <a:rPr lang="zh-CN" altLang="en-US" b="1" dirty="0"/>
+              <a:t>二分查找</a:t>
+            </a:r>
+            <a:endParaRPr lang="en-US" dirty="0"/>
+          </a:p>
+        </p:txBody>
+      </p:sp>
+      <p:sp>
+        <p:nvSpPr>
+          <p:cNvPr id="3" name="内容占位符 2">
+            <a:extLst>
+              <a:ext uri="{FF2B5EF4-FFF2-40B4-BE49-F238E27FC236}">
+                <a16:creationId xmlns:a16="http://schemas.microsoft.com/office/drawing/2014/main" id="{C9D5929E-4EDB-42DB-914C-1A1734946A20}"/>
+              </a:ext>
+            </a:extLst>
+          </p:cNvPr>
+          <p:cNvSpPr>
+            <a:spLocks noGrp="1"/>
+          </p:cNvSpPr>
+          <p:nvPr>
+            <p:ph idx="1"/>
+          </p:nvPr>
+        </p:nvSpPr>
+        <p:spPr/>
+        <p:txBody>
+          <a:bodyPr/>
+          <a:lstStyle/>
+          <a:p>
+            <a:pPr lvl="0"/>
+            <a:r>
+              <a:rPr lang="zh-CN" altLang="en-US" b="1" dirty="0"/>
+              <a:t>二分查找</a:t>
+            </a:r>
+            <a:endParaRPr lang="en-US" b="1" dirty="0"/>
+          </a:p>
+          <a:p>
+            <a:endParaRPr lang="en-US" dirty="0"/>
+          </a:p>
+        </p:txBody>
+      </p:sp>
+      <p:pic>
+        <p:nvPicPr>
+          <p:cNvPr id="5" name="图片 4" descr="binary_search">
+            <a:extLst>
+              <a:ext uri="{FF2B5EF4-FFF2-40B4-BE49-F238E27FC236}">
+                <a16:creationId xmlns:a16="http://schemas.microsoft.com/office/drawing/2014/main" id="{58F124D3-09CA-4487-803E-A3B44BB91751}"/>
+              </a:ext>
+            </a:extLst>
+          </p:cNvPr>
+          <p:cNvPicPr/>
+          <p:nvPr/>
+        </p:nvPicPr>
+        <p:blipFill>
+          <a:blip r:embed="rId2" cstate="print">
+            <a:extLst>
+              <a:ext uri="{28A0092B-C50C-407E-A947-70E740481C1C}">
+                <a14:useLocalDpi xmlns:a14="http://schemas.microsoft.com/office/drawing/2010/main" val="0"/>
+              </a:ext>
+            </a:extLst>
+          </a:blip>
+          <a:srcRect/>
+          <a:stretch>
+            <a:fillRect/>
+          </a:stretch>
+        </p:blipFill>
+        <p:spPr bwMode="auto">
+          <a:xfrm>
+            <a:off x="3212123" y="1928858"/>
+            <a:ext cx="5992167" cy="4592522"/>
+          </a:xfrm>
+          <a:prstGeom prst="rect">
+            <a:avLst/>
+          </a:prstGeom>
+          <a:noFill/>
+          <a:ln>
+            <a:noFill/>
+          </a:ln>
+        </p:spPr>
+      </p:pic>
+    </p:spTree>
+    <p:extLst>
+      <p:ext uri="{BB962C8B-B14F-4D97-AF65-F5344CB8AC3E}">
+        <p14:creationId xmlns:p14="http://schemas.microsoft.com/office/powerpoint/2010/main" val="3842224226"/>
+      </p:ext>
+    </p:extLst>
+  </p:cSld>
+  <p:clrMapOvr>
+    <a:masterClrMapping/>
+  </p:clrMapOvr>
+</p:sld>
+</file>
+
+<file path=ppt/slides/slide88.xml><?xml version="1.0" encoding="utf-8"?>
+<p:sld xmlns:a="http://schemas.openxmlformats.org/drawingml/2006/main" xmlns:r="http://schemas.openxmlformats.org/officeDocument/2006/relationships" xmlns:p="http://schemas.openxmlformats.org/presentationml/2006/main">
+  <p:cSld>
+    <p:spTree>
+      <p:nvGrpSpPr>
+        <p:cNvPr id="1" name=""/>
+        <p:cNvGrpSpPr/>
+        <p:nvPr/>
+      </p:nvGrpSpPr>
+      <p:grpSpPr>
+        <a:xfrm>
+          <a:off x="0" y="0"/>
+          <a:ext cx="0" cy="0"/>
+          <a:chOff x="0" y="0"/>
+          <a:chExt cx="0" cy="0"/>
+        </a:xfrm>
+      </p:grpSpPr>
+      <p:sp>
+        <p:nvSpPr>
+          <p:cNvPr id="2" name="标题 1">
+            <a:extLst>
+              <a:ext uri="{FF2B5EF4-FFF2-40B4-BE49-F238E27FC236}">
+                <a16:creationId xmlns:a16="http://schemas.microsoft.com/office/drawing/2014/main" id="{D194A9D5-03B7-446F-BA45-13007A968EFD}"/>
+              </a:ext>
+            </a:extLst>
+          </p:cNvPr>
+          <p:cNvSpPr>
+            <a:spLocks noGrp="1"/>
+          </p:cNvSpPr>
+          <p:nvPr>
+            <p:ph type="title"/>
+          </p:nvPr>
+        </p:nvSpPr>
+        <p:spPr/>
+        <p:txBody>
+          <a:bodyPr/>
+          <a:lstStyle/>
+          <a:p>
+            <a:r>
+              <a:rPr lang="en-US" b="1" dirty="0"/>
+              <a:t>5.6.1 </a:t>
+            </a:r>
+            <a:r>
+              <a:rPr lang="zh-CN" altLang="en-US" b="1" dirty="0"/>
+              <a:t>二分查找</a:t>
+            </a:r>
+            <a:endParaRPr lang="en-US" dirty="0"/>
+          </a:p>
+        </p:txBody>
+      </p:sp>
+      <p:sp>
+        <p:nvSpPr>
+          <p:cNvPr id="3" name="内容占位符 2">
+            <a:extLst>
+              <a:ext uri="{FF2B5EF4-FFF2-40B4-BE49-F238E27FC236}">
+                <a16:creationId xmlns:a16="http://schemas.microsoft.com/office/drawing/2014/main" id="{C9D5929E-4EDB-42DB-914C-1A1734946A20}"/>
+              </a:ext>
+            </a:extLst>
+          </p:cNvPr>
+          <p:cNvSpPr>
+            <a:spLocks noGrp="1"/>
+          </p:cNvSpPr>
+          <p:nvPr>
+            <p:ph idx="1"/>
+          </p:nvPr>
+        </p:nvSpPr>
+        <p:spPr/>
+        <p:txBody>
+          <a:bodyPr/>
+          <a:lstStyle/>
+          <a:p>
+            <a:pPr lvl="0"/>
+            <a:r>
+              <a:rPr lang="zh-CN" altLang="en-US" b="1" dirty="0"/>
+              <a:t>二分查找</a:t>
+            </a:r>
+            <a:endParaRPr lang="en-US" b="1" dirty="0"/>
+          </a:p>
+          <a:p>
+            <a:endParaRPr lang="en-US" dirty="0"/>
+          </a:p>
+        </p:txBody>
+      </p:sp>
+      <p:pic>
+        <p:nvPicPr>
+          <p:cNvPr id="5" name="图片 4" descr="binary_search">
+            <a:extLst>
+              <a:ext uri="{FF2B5EF4-FFF2-40B4-BE49-F238E27FC236}">
+                <a16:creationId xmlns:a16="http://schemas.microsoft.com/office/drawing/2014/main" id="{58F124D3-09CA-4487-803E-A3B44BB91751}"/>
+              </a:ext>
+            </a:extLst>
+          </p:cNvPr>
+          <p:cNvPicPr/>
+          <p:nvPr/>
+        </p:nvPicPr>
+        <p:blipFill>
+          <a:blip r:embed="rId2" cstate="print">
+            <a:extLst>
+              <a:ext uri="{28A0092B-C50C-407E-A947-70E740481C1C}">
+                <a14:useLocalDpi xmlns:a14="http://schemas.microsoft.com/office/drawing/2010/main" val="0"/>
+              </a:ext>
+            </a:extLst>
+          </a:blip>
+          <a:srcRect/>
+          <a:stretch>
+            <a:fillRect/>
+          </a:stretch>
+        </p:blipFill>
+        <p:spPr bwMode="auto">
+          <a:xfrm>
+            <a:off x="3212123" y="1928858"/>
+            <a:ext cx="5992167" cy="4592522"/>
+          </a:xfrm>
+          <a:prstGeom prst="rect">
+            <a:avLst/>
+          </a:prstGeom>
+          <a:noFill/>
+          <a:ln>
+            <a:noFill/>
+          </a:ln>
+        </p:spPr>
+      </p:pic>
+    </p:spTree>
+    <p:extLst>
+      <p:ext uri="{BB962C8B-B14F-4D97-AF65-F5344CB8AC3E}">
+        <p14:creationId xmlns:p14="http://schemas.microsoft.com/office/powerpoint/2010/main" val="1957364490"/>
+      </p:ext>
+    </p:extLst>
+  </p:cSld>
+  <p:clrMapOvr>
+    <a:masterClrMapping/>
+  </p:clrMapOvr>
+</p:sld>
+</file>
+
+<file path=ppt/slides/slide89.xml><?xml version="1.0" encoding="utf-8"?>
+<p:sld xmlns:a="http://schemas.openxmlformats.org/drawingml/2006/main" xmlns:r="http://schemas.openxmlformats.org/officeDocument/2006/relationships" xmlns:p="http://schemas.openxmlformats.org/presentationml/2006/main">
+  <p:cSld>
+    <p:spTree>
+      <p:nvGrpSpPr>
+        <p:cNvPr id="1" name=""/>
+        <p:cNvGrpSpPr/>
+        <p:nvPr/>
+      </p:nvGrpSpPr>
+      <p:grpSpPr>
+        <a:xfrm>
+          <a:off x="0" y="0"/>
+          <a:ext cx="0" cy="0"/>
+          <a:chOff x="0" y="0"/>
+          <a:chExt cx="0" cy="0"/>
+        </a:xfrm>
+      </p:grpSpPr>
+      <p:pic>
+        <p:nvPicPr>
+          <p:cNvPr id="4" name="图片 3">
+            <a:extLst>
+              <a:ext uri="{FF2B5EF4-FFF2-40B4-BE49-F238E27FC236}">
+                <a16:creationId xmlns:a16="http://schemas.microsoft.com/office/drawing/2014/main" id="{DE06E15A-E10C-4DD4-B049-B2971C5739AE}"/>
+              </a:ext>
+            </a:extLst>
+          </p:cNvPr>
+          <p:cNvPicPr>
+            <a:picLocks noChangeAspect="1"/>
+          </p:cNvPicPr>
+          <p:nvPr/>
+        </p:nvPicPr>
+        <p:blipFill>
+          <a:blip r:embed="rId2"/>
+          <a:stretch>
+            <a:fillRect/>
+          </a:stretch>
+        </p:blipFill>
+        <p:spPr>
+          <a:xfrm>
+            <a:off x="1552208" y="190919"/>
+            <a:ext cx="7883194" cy="6582411"/>
+          </a:xfrm>
+          <a:prstGeom prst="rect">
+            <a:avLst/>
+          </a:prstGeom>
+        </p:spPr>
+      </p:pic>
+    </p:spTree>
+    <p:extLst>
+      <p:ext uri="{BB962C8B-B14F-4D97-AF65-F5344CB8AC3E}">
+        <p14:creationId xmlns:p14="http://schemas.microsoft.com/office/powerpoint/2010/main" val="4132152005"/>
       </p:ext>
     </p:extLst>
   </p:cSld>
@@ -24002,6 +27033,1395 @@
     <p:extLst>
       <p:ext uri="{BB962C8B-B14F-4D97-AF65-F5344CB8AC3E}">
         <p14:creationId xmlns:p14="http://schemas.microsoft.com/office/powerpoint/2010/main" val="2267106049"/>
+      </p:ext>
+    </p:extLst>
+  </p:cSld>
+  <p:clrMapOvr>
+    <a:masterClrMapping/>
+  </p:clrMapOvr>
+</p:sld>
+</file>
+
+<file path=ppt/slides/slide90.xml><?xml version="1.0" encoding="utf-8"?>
+<p:sld xmlns:a="http://schemas.openxmlformats.org/drawingml/2006/main" xmlns:r="http://schemas.openxmlformats.org/officeDocument/2006/relationships" xmlns:p="http://schemas.openxmlformats.org/presentationml/2006/main">
+  <p:cSld>
+    <p:spTree>
+      <p:nvGrpSpPr>
+        <p:cNvPr id="1" name=""/>
+        <p:cNvGrpSpPr/>
+        <p:nvPr/>
+      </p:nvGrpSpPr>
+      <p:grpSpPr>
+        <a:xfrm>
+          <a:off x="0" y="0"/>
+          <a:ext cx="0" cy="0"/>
+          <a:chOff x="0" y="0"/>
+          <a:chExt cx="0" cy="0"/>
+        </a:xfrm>
+      </p:grpSpPr>
+      <p:sp>
+        <p:nvSpPr>
+          <p:cNvPr id="2" name="标题 1">
+            <a:extLst>
+              <a:ext uri="{FF2B5EF4-FFF2-40B4-BE49-F238E27FC236}">
+                <a16:creationId xmlns:a16="http://schemas.microsoft.com/office/drawing/2014/main" id="{1DDB7A9F-67A2-4482-AB0D-D16DAEA6ADFF}"/>
+              </a:ext>
+            </a:extLst>
+          </p:cNvPr>
+          <p:cNvSpPr>
+            <a:spLocks noGrp="1"/>
+          </p:cNvSpPr>
+          <p:nvPr>
+            <p:ph type="title"/>
+          </p:nvPr>
+        </p:nvSpPr>
+        <p:spPr/>
+        <p:txBody>
+          <a:bodyPr/>
+          <a:lstStyle/>
+          <a:p>
+            <a:r>
+              <a:rPr lang="en-US" b="1" dirty="0"/>
+              <a:t>5.6.2 </a:t>
+            </a:r>
+            <a:r>
+              <a:rPr lang="zh-CN" altLang="en-US" b="1" dirty="0"/>
+              <a:t>排序：冒泡、选择</a:t>
+            </a:r>
+            <a:endParaRPr lang="en-US" dirty="0"/>
+          </a:p>
+        </p:txBody>
+      </p:sp>
+      <p:sp>
+        <p:nvSpPr>
+          <p:cNvPr id="3" name="内容占位符 2">
+            <a:extLst>
+              <a:ext uri="{FF2B5EF4-FFF2-40B4-BE49-F238E27FC236}">
+                <a16:creationId xmlns:a16="http://schemas.microsoft.com/office/drawing/2014/main" id="{56695938-5AC2-4B4C-8D46-A655EA58F511}"/>
+              </a:ext>
+            </a:extLst>
+          </p:cNvPr>
+          <p:cNvSpPr>
+            <a:spLocks noGrp="1"/>
+          </p:cNvSpPr>
+          <p:nvPr>
+            <p:ph idx="1"/>
+          </p:nvPr>
+        </p:nvSpPr>
+        <p:spPr/>
+        <p:txBody>
+          <a:bodyPr/>
+          <a:lstStyle/>
+          <a:p>
+            <a:r>
+              <a:rPr lang="zh-CN" altLang="en-US" b="1" dirty="0"/>
+              <a:t>冒泡排序</a:t>
+            </a:r>
+            <a:endParaRPr lang="en-US" b="1" dirty="0"/>
+          </a:p>
+          <a:p>
+            <a:endParaRPr lang="en-US" dirty="0"/>
+          </a:p>
+        </p:txBody>
+      </p:sp>
+      <p:pic>
+        <p:nvPicPr>
+          <p:cNvPr id="4" name="图片 3" descr="bubble">
+            <a:extLst>
+              <a:ext uri="{FF2B5EF4-FFF2-40B4-BE49-F238E27FC236}">
+                <a16:creationId xmlns:a16="http://schemas.microsoft.com/office/drawing/2014/main" id="{C588BFC7-A91D-47BF-9330-101E6D6A5BB5}"/>
+              </a:ext>
+            </a:extLst>
+          </p:cNvPr>
+          <p:cNvPicPr/>
+          <p:nvPr/>
+        </p:nvPicPr>
+        <p:blipFill>
+          <a:blip r:embed="rId2">
+            <a:extLst>
+              <a:ext uri="{28A0092B-C50C-407E-A947-70E740481C1C}">
+                <a14:useLocalDpi xmlns:a14="http://schemas.microsoft.com/office/drawing/2010/main" val="0"/>
+              </a:ext>
+            </a:extLst>
+          </a:blip>
+          <a:srcRect/>
+          <a:stretch>
+            <a:fillRect/>
+          </a:stretch>
+        </p:blipFill>
+        <p:spPr bwMode="auto">
+          <a:xfrm>
+            <a:off x="3626715" y="1748057"/>
+            <a:ext cx="6512072" cy="4059890"/>
+          </a:xfrm>
+          <a:prstGeom prst="rect">
+            <a:avLst/>
+          </a:prstGeom>
+          <a:noFill/>
+          <a:ln>
+            <a:noFill/>
+          </a:ln>
+        </p:spPr>
+      </p:pic>
+      <p:sp>
+        <p:nvSpPr>
+          <p:cNvPr id="5" name="文本框 4">
+            <a:extLst>
+              <a:ext uri="{FF2B5EF4-FFF2-40B4-BE49-F238E27FC236}">
+                <a16:creationId xmlns:a16="http://schemas.microsoft.com/office/drawing/2014/main" id="{BE81B263-6CE4-43B2-BB68-3C59080E1672}"/>
+              </a:ext>
+            </a:extLst>
+          </p:cNvPr>
+          <p:cNvSpPr txBox="1"/>
+          <p:nvPr/>
+        </p:nvSpPr>
+        <p:spPr>
+          <a:xfrm>
+            <a:off x="1286189" y="5965448"/>
+            <a:ext cx="10701494" cy="892552"/>
+          </a:xfrm>
+          <a:prstGeom prst="rect">
+            <a:avLst/>
+          </a:prstGeom>
+          <a:noFill/>
+        </p:spPr>
+        <p:txBody>
+          <a:bodyPr wrap="square" rtlCol="0">
+            <a:spAutoFit/>
+          </a:bodyPr>
+          <a:lstStyle/>
+          <a:p>
+            <a:r>
+              <a:rPr lang="zh-CN" altLang="en-US" sz="2600" dirty="0"/>
+              <a:t>对于一个序列，通过这种两两相邻元素的比较与交换，可以将最（大）值放在最后一个位置，这一过程称为</a:t>
+            </a:r>
+            <a:r>
+              <a:rPr lang="zh-CN" altLang="en-US" sz="2600" b="1" dirty="0"/>
+              <a:t>“一趟冒泡”</a:t>
+            </a:r>
+            <a:r>
+              <a:rPr lang="zh-CN" altLang="en-US" sz="2600" dirty="0"/>
+              <a:t>。</a:t>
+            </a:r>
+            <a:endParaRPr lang="en-US" sz="2600" dirty="0"/>
+          </a:p>
+        </p:txBody>
+      </p:sp>
+    </p:spTree>
+    <p:extLst>
+      <p:ext uri="{BB962C8B-B14F-4D97-AF65-F5344CB8AC3E}">
+        <p14:creationId xmlns:p14="http://schemas.microsoft.com/office/powerpoint/2010/main" val="2563633587"/>
+      </p:ext>
+    </p:extLst>
+  </p:cSld>
+  <p:clrMapOvr>
+    <a:masterClrMapping/>
+  </p:clrMapOvr>
+  <p:timing>
+    <p:tnLst>
+      <p:par>
+        <p:cTn id="1" dur="indefinite" restart="never" nodeType="tmRoot">
+          <p:childTnLst>
+            <p:seq concurrent="1" nextAc="seek">
+              <p:cTn id="2" dur="indefinite" nodeType="mainSeq">
+                <p:childTnLst>
+                  <p:par>
+                    <p:cTn id="3" fill="hold">
+                      <p:stCondLst>
+                        <p:cond delay="indefinite"/>
+                      </p:stCondLst>
+                      <p:childTnLst>
+                        <p:par>
+                          <p:cTn id="4" fill="hold">
+                            <p:stCondLst>
+                              <p:cond delay="0"/>
+                            </p:stCondLst>
+                            <p:childTnLst>
+                              <p:par>
+                                <p:cTn id="5" presetID="1" presetClass="entr" presetSubtype="0" fill="hold" grpId="0" nodeType="clickEffect">
+                                  <p:stCondLst>
+                                    <p:cond delay="0"/>
+                                  </p:stCondLst>
+                                  <p:childTnLst>
+                                    <p:set>
+                                      <p:cBhvr>
+                                        <p:cTn id="6" dur="1" fill="hold">
+                                          <p:stCondLst>
+                                            <p:cond delay="0"/>
+                                          </p:stCondLst>
+                                        </p:cTn>
+                                        <p:tgtEl>
+                                          <p:spTgt spid="5"/>
+                                        </p:tgtEl>
+                                        <p:attrNameLst>
+                                          <p:attrName>style.visibility</p:attrName>
+                                        </p:attrNameLst>
+                                      </p:cBhvr>
+                                      <p:to>
+                                        <p:strVal val="visible"/>
+                                      </p:to>
+                                    </p:set>
+                                  </p:childTnLst>
+                                </p:cTn>
+                              </p:par>
+                            </p:childTnLst>
+                          </p:cTn>
+                        </p:par>
+                      </p:childTnLst>
+                    </p:cTn>
+                  </p:par>
+                </p:childTnLst>
+              </p:cTn>
+              <p:prevCondLst>
+                <p:cond evt="onPrev" delay="0">
+                  <p:tgtEl>
+                    <p:sldTgt/>
+                  </p:tgtEl>
+                </p:cond>
+              </p:prevCondLst>
+              <p:nextCondLst>
+                <p:cond evt="onNext" delay="0">
+                  <p:tgtEl>
+                    <p:sldTgt/>
+                  </p:tgtEl>
+                </p:cond>
+              </p:nextCondLst>
+            </p:seq>
+          </p:childTnLst>
+        </p:cTn>
+      </p:par>
+    </p:tnLst>
+    <p:bldLst>
+      <p:bldP spid="5" grpId="0"/>
+    </p:bldLst>
+  </p:timing>
+</p:sld>
+</file>
+
+<file path=ppt/slides/slide91.xml><?xml version="1.0" encoding="utf-8"?>
+<p:sld xmlns:a="http://schemas.openxmlformats.org/drawingml/2006/main" xmlns:r="http://schemas.openxmlformats.org/officeDocument/2006/relationships" xmlns:p="http://schemas.openxmlformats.org/presentationml/2006/main">
+  <p:cSld>
+    <p:spTree>
+      <p:nvGrpSpPr>
+        <p:cNvPr id="1" name=""/>
+        <p:cNvGrpSpPr/>
+        <p:nvPr/>
+      </p:nvGrpSpPr>
+      <p:grpSpPr>
+        <a:xfrm>
+          <a:off x="0" y="0"/>
+          <a:ext cx="0" cy="0"/>
+          <a:chOff x="0" y="0"/>
+          <a:chExt cx="0" cy="0"/>
+        </a:xfrm>
+      </p:grpSpPr>
+      <p:pic>
+        <p:nvPicPr>
+          <p:cNvPr id="4" name="图片 3">
+            <a:extLst>
+              <a:ext uri="{FF2B5EF4-FFF2-40B4-BE49-F238E27FC236}">
+                <a16:creationId xmlns:a16="http://schemas.microsoft.com/office/drawing/2014/main" id="{8AF5734E-510E-469D-99EE-79728C559B6D}"/>
+              </a:ext>
+            </a:extLst>
+          </p:cNvPr>
+          <p:cNvPicPr>
+            <a:picLocks noChangeAspect="1"/>
+          </p:cNvPicPr>
+          <p:nvPr/>
+        </p:nvPicPr>
+        <p:blipFill>
+          <a:blip r:embed="rId2"/>
+          <a:stretch>
+            <a:fillRect/>
+          </a:stretch>
+        </p:blipFill>
+        <p:spPr>
+          <a:xfrm>
+            <a:off x="1455702" y="497864"/>
+            <a:ext cx="8240957" cy="6190968"/>
+          </a:xfrm>
+          <a:prstGeom prst="rect">
+            <a:avLst/>
+          </a:prstGeom>
+        </p:spPr>
+      </p:pic>
+    </p:spTree>
+    <p:extLst>
+      <p:ext uri="{BB962C8B-B14F-4D97-AF65-F5344CB8AC3E}">
+        <p14:creationId xmlns:p14="http://schemas.microsoft.com/office/powerpoint/2010/main" val="2144816770"/>
+      </p:ext>
+    </p:extLst>
+  </p:cSld>
+  <p:clrMapOvr>
+    <a:masterClrMapping/>
+  </p:clrMapOvr>
+</p:sld>
+</file>
+
+<file path=ppt/slides/slide92.xml><?xml version="1.0" encoding="utf-8"?>
+<p:sld xmlns:a="http://schemas.openxmlformats.org/drawingml/2006/main" xmlns:r="http://schemas.openxmlformats.org/officeDocument/2006/relationships" xmlns:p="http://schemas.openxmlformats.org/presentationml/2006/main">
+  <p:cSld>
+    <p:spTree>
+      <p:nvGrpSpPr>
+        <p:cNvPr id="1" name=""/>
+        <p:cNvGrpSpPr/>
+        <p:nvPr/>
+      </p:nvGrpSpPr>
+      <p:grpSpPr>
+        <a:xfrm>
+          <a:off x="0" y="0"/>
+          <a:ext cx="0" cy="0"/>
+          <a:chOff x="0" y="0"/>
+          <a:chExt cx="0" cy="0"/>
+        </a:xfrm>
+      </p:grpSpPr>
+      <p:pic>
+        <p:nvPicPr>
+          <p:cNvPr id="5" name="图片 4">
+            <a:extLst>
+              <a:ext uri="{FF2B5EF4-FFF2-40B4-BE49-F238E27FC236}">
+                <a16:creationId xmlns:a16="http://schemas.microsoft.com/office/drawing/2014/main" id="{80BD9AB5-4F44-48A5-BD38-09C122B9949C}"/>
+              </a:ext>
+            </a:extLst>
+          </p:cNvPr>
+          <p:cNvPicPr>
+            <a:picLocks noChangeAspect="1"/>
+          </p:cNvPicPr>
+          <p:nvPr/>
+        </p:nvPicPr>
+        <p:blipFill>
+          <a:blip r:embed="rId2"/>
+          <a:stretch>
+            <a:fillRect/>
+          </a:stretch>
+        </p:blipFill>
+        <p:spPr>
+          <a:xfrm>
+            <a:off x="1663107" y="289412"/>
+            <a:ext cx="7583648" cy="6412839"/>
+          </a:xfrm>
+          <a:prstGeom prst="rect">
+            <a:avLst/>
+          </a:prstGeom>
+        </p:spPr>
+      </p:pic>
+    </p:spTree>
+    <p:extLst>
+      <p:ext uri="{BB962C8B-B14F-4D97-AF65-F5344CB8AC3E}">
+        <p14:creationId xmlns:p14="http://schemas.microsoft.com/office/powerpoint/2010/main" val="2201892653"/>
+      </p:ext>
+    </p:extLst>
+  </p:cSld>
+  <p:clrMapOvr>
+    <a:masterClrMapping/>
+  </p:clrMapOvr>
+</p:sld>
+</file>
+
+<file path=ppt/slides/slide93.xml><?xml version="1.0" encoding="utf-8"?>
+<p:sld xmlns:a="http://schemas.openxmlformats.org/drawingml/2006/main" xmlns:r="http://schemas.openxmlformats.org/officeDocument/2006/relationships" xmlns:p="http://schemas.openxmlformats.org/presentationml/2006/main">
+  <p:cSld>
+    <p:spTree>
+      <p:nvGrpSpPr>
+        <p:cNvPr id="1" name=""/>
+        <p:cNvGrpSpPr/>
+        <p:nvPr/>
+      </p:nvGrpSpPr>
+      <p:grpSpPr>
+        <a:xfrm>
+          <a:off x="0" y="0"/>
+          <a:ext cx="0" cy="0"/>
+          <a:chOff x="0" y="0"/>
+          <a:chExt cx="0" cy="0"/>
+        </a:xfrm>
+      </p:grpSpPr>
+      <p:sp>
+        <p:nvSpPr>
+          <p:cNvPr id="3" name="内容占位符 2">
+            <a:extLst>
+              <a:ext uri="{FF2B5EF4-FFF2-40B4-BE49-F238E27FC236}">
+                <a16:creationId xmlns:a16="http://schemas.microsoft.com/office/drawing/2014/main" id="{BBBC8DCF-05EF-4F26-9C13-AD7B5C9877F7}"/>
+              </a:ext>
+            </a:extLst>
+          </p:cNvPr>
+          <p:cNvSpPr>
+            <a:spLocks noGrp="1"/>
+          </p:cNvSpPr>
+          <p:nvPr>
+            <p:ph idx="1"/>
+          </p:nvPr>
+        </p:nvSpPr>
+        <p:spPr>
+          <a:xfrm>
+            <a:off x="747765" y="408807"/>
+            <a:ext cx="10515600" cy="5117786"/>
+          </a:xfrm>
+        </p:spPr>
+        <p:txBody>
+          <a:bodyPr>
+            <a:normAutofit fontScale="92500" lnSpcReduction="10000"/>
+          </a:bodyPr>
+          <a:lstStyle/>
+          <a:p>
+            <a:r>
+              <a:rPr lang="zh-CN" altLang="en-US" b="1" dirty="0"/>
+              <a:t>简单选择排序</a:t>
+            </a:r>
+            <a:endParaRPr lang="en-US" altLang="zh-CN" b="1" dirty="0"/>
+          </a:p>
+          <a:p>
+            <a:pPr marL="0" indent="0">
+              <a:buNone/>
+            </a:pPr>
+            <a:endParaRPr lang="en-US" altLang="zh-CN" dirty="0"/>
+          </a:p>
+          <a:p>
+            <a:r>
+              <a:rPr lang="zh-CN" altLang="en-US" dirty="0"/>
+              <a:t>在整个序列中选出一个最值（比如最小值）放在序列的开头（或结束）位置。这个过程称为“</a:t>
+            </a:r>
+            <a:r>
+              <a:rPr lang="zh-CN" altLang="en-US" b="1" dirty="0"/>
+              <a:t>一趟选择</a:t>
+            </a:r>
+            <a:r>
+              <a:rPr lang="zh-CN" altLang="en-US" dirty="0"/>
+              <a:t>”。</a:t>
+            </a:r>
+            <a:endParaRPr lang="en-US" altLang="zh-CN" dirty="0"/>
+          </a:p>
+          <a:p>
+            <a:endParaRPr lang="en-US" altLang="zh-CN" dirty="0"/>
+          </a:p>
+          <a:p>
+            <a:r>
+              <a:rPr lang="zh-CN" altLang="en-US" dirty="0"/>
+              <a:t>对于剩余元素构成的序列重复这个过程，又选出一个最值放在剩余元素序列的开头（或结束）位置，即“第</a:t>
+            </a:r>
+            <a:r>
+              <a:rPr lang="en-US" dirty="0"/>
+              <a:t>2</a:t>
+            </a:r>
+            <a:r>
+              <a:rPr lang="zh-CN" altLang="en-US" dirty="0"/>
+              <a:t>趟选择”。</a:t>
+            </a:r>
+            <a:endParaRPr lang="en-US" altLang="zh-CN" dirty="0"/>
+          </a:p>
+          <a:p>
+            <a:endParaRPr lang="en-US" altLang="zh-CN" dirty="0"/>
+          </a:p>
+          <a:p>
+            <a:r>
+              <a:rPr lang="zh-CN" altLang="en-US" dirty="0"/>
+              <a:t>这个过程一直进行下去，直到剩余序列只有</a:t>
+            </a:r>
+            <a:r>
+              <a:rPr lang="en-US" dirty="0"/>
+              <a:t>1</a:t>
+            </a:r>
+            <a:r>
+              <a:rPr lang="zh-CN" altLang="en-US" dirty="0"/>
+              <a:t>个元素。请读者根据这个思想写出简单选择排序的程序。</a:t>
+            </a:r>
+            <a:endParaRPr lang="en-US" dirty="0"/>
+          </a:p>
+          <a:p>
+            <a:pPr marL="0" indent="0">
+              <a:buNone/>
+            </a:pPr>
+            <a:endParaRPr lang="en-US" b="1" dirty="0"/>
+          </a:p>
+          <a:p>
+            <a:endParaRPr lang="en-US" dirty="0"/>
+          </a:p>
+        </p:txBody>
+      </p:sp>
+    </p:spTree>
+    <p:extLst>
+      <p:ext uri="{BB962C8B-B14F-4D97-AF65-F5344CB8AC3E}">
+        <p14:creationId xmlns:p14="http://schemas.microsoft.com/office/powerpoint/2010/main" val="1287632274"/>
+      </p:ext>
+    </p:extLst>
+  </p:cSld>
+  <p:clrMapOvr>
+    <a:masterClrMapping/>
+  </p:clrMapOvr>
+</p:sld>
+</file>
+
+<file path=ppt/slides/slide94.xml><?xml version="1.0" encoding="utf-8"?>
+<p:sld xmlns:a="http://schemas.openxmlformats.org/drawingml/2006/main" xmlns:r="http://schemas.openxmlformats.org/officeDocument/2006/relationships" xmlns:p="http://schemas.openxmlformats.org/presentationml/2006/main">
+  <p:cSld>
+    <p:spTree>
+      <p:nvGrpSpPr>
+        <p:cNvPr id="1" name=""/>
+        <p:cNvGrpSpPr/>
+        <p:nvPr/>
+      </p:nvGrpSpPr>
+      <p:grpSpPr>
+        <a:xfrm>
+          <a:off x="0" y="0"/>
+          <a:ext cx="0" cy="0"/>
+          <a:chOff x="0" y="0"/>
+          <a:chExt cx="0" cy="0"/>
+        </a:xfrm>
+      </p:grpSpPr>
+      <p:sp>
+        <p:nvSpPr>
+          <p:cNvPr id="2" name="标题 1">
+            <a:extLst>
+              <a:ext uri="{FF2B5EF4-FFF2-40B4-BE49-F238E27FC236}">
+                <a16:creationId xmlns:a16="http://schemas.microsoft.com/office/drawing/2014/main" id="{10D3001B-A5EE-4330-8A4C-429C4640D9FC}"/>
+              </a:ext>
+            </a:extLst>
+          </p:cNvPr>
+          <p:cNvSpPr>
+            <a:spLocks noGrp="1"/>
+          </p:cNvSpPr>
+          <p:nvPr>
+            <p:ph type="title"/>
+          </p:nvPr>
+        </p:nvSpPr>
+        <p:spPr/>
+        <p:txBody>
+          <a:bodyPr/>
+          <a:lstStyle/>
+          <a:p>
+            <a:r>
+              <a:rPr lang="en-US" b="1" dirty="0"/>
+              <a:t>5.6.3 Floyd</a:t>
+            </a:r>
+            <a:r>
+              <a:rPr lang="zh-CN" altLang="en-US" b="1" dirty="0"/>
+              <a:t>最短路径算法</a:t>
+            </a:r>
+            <a:endParaRPr lang="en-US" dirty="0"/>
+          </a:p>
+        </p:txBody>
+      </p:sp>
+      <p:sp>
+        <p:nvSpPr>
+          <p:cNvPr id="3" name="内容占位符 2">
+            <a:extLst>
+              <a:ext uri="{FF2B5EF4-FFF2-40B4-BE49-F238E27FC236}">
+                <a16:creationId xmlns:a16="http://schemas.microsoft.com/office/drawing/2014/main" id="{94B89CEF-3EEE-4EFF-8B1C-21891CA93FCF}"/>
+              </a:ext>
+            </a:extLst>
+          </p:cNvPr>
+          <p:cNvSpPr>
+            <a:spLocks noGrp="1"/>
+          </p:cNvSpPr>
+          <p:nvPr>
+            <p:ph idx="1"/>
+          </p:nvPr>
+        </p:nvSpPr>
+        <p:spPr>
+          <a:xfrm>
+            <a:off x="838200" y="1825625"/>
+            <a:ext cx="10515600" cy="736705"/>
+          </a:xfrm>
+        </p:spPr>
+        <p:txBody>
+          <a:bodyPr/>
+          <a:lstStyle/>
+          <a:p>
+            <a:r>
+              <a:rPr lang="zh-CN" altLang="en-US" dirty="0"/>
+              <a:t>最短路径问题：图中任意</a:t>
+            </a:r>
+            <a:r>
+              <a:rPr lang="en-US" altLang="zh-CN" dirty="0"/>
+              <a:t>2</a:t>
+            </a:r>
+            <a:r>
+              <a:rPr lang="zh-CN" altLang="en-US" dirty="0"/>
+              <a:t>点之间的最短路径</a:t>
+            </a:r>
+            <a:endParaRPr lang="en-US" dirty="0"/>
+          </a:p>
+        </p:txBody>
+      </p:sp>
+      <p:pic>
+        <p:nvPicPr>
+          <p:cNvPr id="4" name="图片 3">
+            <a:extLst>
+              <a:ext uri="{FF2B5EF4-FFF2-40B4-BE49-F238E27FC236}">
+                <a16:creationId xmlns:a16="http://schemas.microsoft.com/office/drawing/2014/main" id="{64F47178-F18F-47EF-A93D-AB31ADDA8E47}"/>
+              </a:ext>
+            </a:extLst>
+          </p:cNvPr>
+          <p:cNvPicPr>
+            <a:picLocks noChangeAspect="1"/>
+          </p:cNvPicPr>
+          <p:nvPr/>
+        </p:nvPicPr>
+        <p:blipFill>
+          <a:blip r:embed="rId2"/>
+          <a:stretch>
+            <a:fillRect/>
+          </a:stretch>
+        </p:blipFill>
+        <p:spPr>
+          <a:xfrm>
+            <a:off x="2025790" y="2873252"/>
+            <a:ext cx="7658100" cy="3362325"/>
+          </a:xfrm>
+          <a:prstGeom prst="rect">
+            <a:avLst/>
+          </a:prstGeom>
+        </p:spPr>
+      </p:pic>
+    </p:spTree>
+    <p:extLst>
+      <p:ext uri="{BB962C8B-B14F-4D97-AF65-F5344CB8AC3E}">
+        <p14:creationId xmlns:p14="http://schemas.microsoft.com/office/powerpoint/2010/main" val="3126298804"/>
+      </p:ext>
+    </p:extLst>
+  </p:cSld>
+  <p:clrMapOvr>
+    <a:masterClrMapping/>
+  </p:clrMapOvr>
+</p:sld>
+</file>
+
+<file path=ppt/slides/slide95.xml><?xml version="1.0" encoding="utf-8"?>
+<p:sld xmlns:a="http://schemas.openxmlformats.org/drawingml/2006/main" xmlns:r="http://schemas.openxmlformats.org/officeDocument/2006/relationships" xmlns:p="http://schemas.openxmlformats.org/presentationml/2006/main">
+  <p:cSld>
+    <p:spTree>
+      <p:nvGrpSpPr>
+        <p:cNvPr id="1" name=""/>
+        <p:cNvGrpSpPr/>
+        <p:nvPr/>
+      </p:nvGrpSpPr>
+      <p:grpSpPr>
+        <a:xfrm>
+          <a:off x="0" y="0"/>
+          <a:ext cx="0" cy="0"/>
+          <a:chOff x="0" y="0"/>
+          <a:chExt cx="0" cy="0"/>
+        </a:xfrm>
+      </p:grpSpPr>
+      <p:sp>
+        <p:nvSpPr>
+          <p:cNvPr id="3" name="内容占位符 2">
+            <a:extLst>
+              <a:ext uri="{FF2B5EF4-FFF2-40B4-BE49-F238E27FC236}">
+                <a16:creationId xmlns:a16="http://schemas.microsoft.com/office/drawing/2014/main" id="{1188AB13-F150-42DF-B1F4-901EEADE80DF}"/>
+              </a:ext>
+            </a:extLst>
+          </p:cNvPr>
+          <p:cNvSpPr>
+            <a:spLocks noGrp="1"/>
+          </p:cNvSpPr>
+          <p:nvPr>
+            <p:ph idx="1"/>
+          </p:nvPr>
+        </p:nvSpPr>
+        <p:spPr>
+          <a:xfrm>
+            <a:off x="878393" y="529387"/>
+            <a:ext cx="10515600" cy="5338850"/>
+          </a:xfrm>
+        </p:spPr>
+        <p:txBody>
+          <a:bodyPr>
+            <a:normAutofit fontScale="92500" lnSpcReduction="20000"/>
+          </a:bodyPr>
+          <a:lstStyle/>
+          <a:p>
+            <a:r>
+              <a:rPr lang="en-US" b="1" dirty="0"/>
+              <a:t>Floyd</a:t>
+            </a:r>
+            <a:r>
+              <a:rPr lang="zh-CN" altLang="en-US" b="1" dirty="0"/>
+              <a:t>算法</a:t>
+            </a:r>
+            <a:endParaRPr lang="en-US" altLang="zh-CN" b="1" dirty="0"/>
+          </a:p>
+          <a:p>
+            <a:endParaRPr lang="en-US" altLang="zh-CN" b="1" dirty="0"/>
+          </a:p>
+          <a:p>
+            <a:pPr marL="0" indent="0">
+              <a:buNone/>
+            </a:pPr>
+            <a:r>
+              <a:rPr lang="zh-CN" altLang="en-US" dirty="0"/>
+              <a:t>用一个二维矩阵（如图</a:t>
+            </a:r>
+            <a:r>
+              <a:rPr lang="en-US" dirty="0"/>
+              <a:t>5-6 b</a:t>
+            </a:r>
+            <a:r>
+              <a:rPr lang="zh-CN" altLang="en-US" dirty="0"/>
+              <a:t>））表示任意</a:t>
+            </a:r>
+            <a:r>
+              <a:rPr lang="en-US" dirty="0"/>
+              <a:t>2</a:t>
+            </a:r>
+            <a:r>
+              <a:rPr lang="zh-CN" altLang="en-US" dirty="0"/>
+              <a:t>个顶点之间的距离，初始时，这个矩阵的数据元素的值表示的是</a:t>
+            </a:r>
+            <a:r>
+              <a:rPr lang="en-US" dirty="0"/>
+              <a:t>2</a:t>
+            </a:r>
+            <a:r>
+              <a:rPr lang="zh-CN" altLang="en-US" dirty="0"/>
+              <a:t>个城市的直达距离。这个初始的距离矩阵也称为</a:t>
+            </a:r>
+            <a:r>
+              <a:rPr lang="zh-CN" altLang="en-US" b="1" dirty="0"/>
+              <a:t>邻接矩阵</a:t>
+            </a:r>
+            <a:r>
+              <a:rPr lang="zh-CN" altLang="en-US" dirty="0"/>
+              <a:t>。</a:t>
+            </a:r>
+            <a:endParaRPr lang="en-US" altLang="zh-CN" dirty="0"/>
+          </a:p>
+          <a:p>
+            <a:pPr marL="0" indent="0">
+              <a:buNone/>
+            </a:pPr>
+            <a:endParaRPr lang="en-US" dirty="0"/>
+          </a:p>
+          <a:p>
+            <a:r>
+              <a:rPr lang="zh-CN" altLang="en-US" dirty="0"/>
+              <a:t>假如当前的距离矩阵为</a:t>
+            </a:r>
+            <a:r>
+              <a:rPr lang="en-US" dirty="0"/>
+              <a:t>D</a:t>
+            </a:r>
+            <a:r>
+              <a:rPr lang="zh-CN" altLang="en-US" dirty="0"/>
+              <a:t>（初始时</a:t>
+            </a:r>
+            <a:r>
+              <a:rPr lang="en-US" dirty="0"/>
+              <a:t>D</a:t>
+            </a:r>
+            <a:r>
+              <a:rPr lang="zh-CN" altLang="en-US" dirty="0"/>
+              <a:t>就是邻接矩阵），现在绕道顶点</a:t>
+            </a:r>
+            <a:r>
+              <a:rPr lang="en-US" dirty="0"/>
+              <a:t>w</a:t>
+            </a:r>
+            <a:r>
+              <a:rPr lang="zh-CN" altLang="en-US" dirty="0"/>
+              <a:t>，看看顶点</a:t>
+            </a:r>
+            <a:r>
+              <a:rPr lang="en-US" dirty="0"/>
+              <a:t>u</a:t>
+            </a:r>
+            <a:r>
+              <a:rPr lang="zh-CN" altLang="en-US" dirty="0"/>
+              <a:t>到</a:t>
+            </a:r>
+            <a:r>
+              <a:rPr lang="en-US" dirty="0"/>
+              <a:t>v</a:t>
+            </a:r>
+            <a:r>
+              <a:rPr lang="zh-CN" altLang="en-US" dirty="0"/>
+              <a:t>之间的距离</a:t>
+            </a:r>
+            <a:r>
+              <a:rPr lang="en-US" dirty="0"/>
+              <a:t>D[u][v]</a:t>
+            </a:r>
+            <a:r>
+              <a:rPr lang="zh-CN" altLang="en-US" dirty="0"/>
+              <a:t>会不会因为绕道这个顶点</a:t>
+            </a:r>
+            <a:r>
+              <a:rPr lang="en-US" dirty="0"/>
+              <a:t>w</a:t>
+            </a:r>
+            <a:r>
+              <a:rPr lang="zh-CN" altLang="en-US" dirty="0"/>
+              <a:t>变得更短，即</a:t>
+            </a:r>
+            <a:r>
+              <a:rPr lang="en-US" dirty="0"/>
+              <a:t>D[u][w]+ D[w][v] &lt; D[u][v]</a:t>
+            </a:r>
+            <a:r>
+              <a:rPr lang="zh-CN" altLang="en-US" dirty="0"/>
+              <a:t>是否成立。 如果更短，则更新</a:t>
+            </a:r>
+            <a:r>
+              <a:rPr lang="en-US" dirty="0"/>
+              <a:t>D[u][v]</a:t>
+            </a:r>
+            <a:r>
+              <a:rPr lang="zh-CN" altLang="en-US" dirty="0"/>
+              <a:t>为</a:t>
+            </a:r>
+            <a:r>
+              <a:rPr lang="en-US" dirty="0"/>
+              <a:t>D[u][w]+ D[w][v]</a:t>
+            </a:r>
+            <a:r>
+              <a:rPr lang="zh-CN" altLang="en-US" dirty="0"/>
+              <a:t>。</a:t>
+            </a:r>
+            <a:endParaRPr lang="en-US" dirty="0"/>
+          </a:p>
+          <a:p>
+            <a:pPr marL="0" indent="0">
+              <a:buNone/>
+            </a:pPr>
+            <a:r>
+              <a:rPr lang="en-US" dirty="0">
+                <a:latin typeface="+mn-lt"/>
+              </a:rPr>
+              <a:t>                if (D[u][w]+ D[w][v] &lt; D[u][v])</a:t>
+            </a:r>
+            <a:br>
+              <a:rPr lang="en-US" dirty="0">
+                <a:latin typeface="+mn-lt"/>
+              </a:rPr>
+            </a:br>
+            <a:r>
+              <a:rPr lang="en-US" dirty="0">
+                <a:latin typeface="+mn-lt"/>
+              </a:rPr>
+              <a:t>                         D[u][v] =  D[u][w]+ D[w][v] ; </a:t>
+            </a:r>
+          </a:p>
+          <a:p>
+            <a:pPr marL="0" indent="0">
+              <a:buNone/>
+            </a:pPr>
+            <a:endParaRPr lang="en-US" b="1" dirty="0"/>
+          </a:p>
+          <a:p>
+            <a:endParaRPr lang="en-US" dirty="0"/>
+          </a:p>
+        </p:txBody>
+      </p:sp>
+    </p:spTree>
+    <p:extLst>
+      <p:ext uri="{BB962C8B-B14F-4D97-AF65-F5344CB8AC3E}">
+        <p14:creationId xmlns:p14="http://schemas.microsoft.com/office/powerpoint/2010/main" val="1855696299"/>
+      </p:ext>
+    </p:extLst>
+  </p:cSld>
+  <p:clrMapOvr>
+    <a:masterClrMapping/>
+  </p:clrMapOvr>
+</p:sld>
+</file>
+
+<file path=ppt/slides/slide96.xml><?xml version="1.0" encoding="utf-8"?>
+<p:sld xmlns:a="http://schemas.openxmlformats.org/drawingml/2006/main" xmlns:r="http://schemas.openxmlformats.org/officeDocument/2006/relationships" xmlns:p="http://schemas.openxmlformats.org/presentationml/2006/main">
+  <p:cSld>
+    <p:spTree>
+      <p:nvGrpSpPr>
+        <p:cNvPr id="1" name=""/>
+        <p:cNvGrpSpPr/>
+        <p:nvPr/>
+      </p:nvGrpSpPr>
+      <p:grpSpPr>
+        <a:xfrm>
+          <a:off x="0" y="0"/>
+          <a:ext cx="0" cy="0"/>
+          <a:chOff x="0" y="0"/>
+          <a:chExt cx="0" cy="0"/>
+        </a:xfrm>
+      </p:grpSpPr>
+      <p:sp>
+        <p:nvSpPr>
+          <p:cNvPr id="3" name="内容占位符 2">
+            <a:extLst>
+              <a:ext uri="{FF2B5EF4-FFF2-40B4-BE49-F238E27FC236}">
+                <a16:creationId xmlns:a16="http://schemas.microsoft.com/office/drawing/2014/main" id="{99D14D10-B088-45D3-A50D-2F82F1C85CC3}"/>
+              </a:ext>
+            </a:extLst>
+          </p:cNvPr>
+          <p:cNvSpPr>
+            <a:spLocks noGrp="1"/>
+          </p:cNvSpPr>
+          <p:nvPr>
+            <p:ph idx="1"/>
+          </p:nvPr>
+        </p:nvSpPr>
+        <p:spPr>
+          <a:xfrm>
+            <a:off x="737716" y="660016"/>
+            <a:ext cx="10515600" cy="4351338"/>
+          </a:xfrm>
+        </p:spPr>
+        <p:txBody>
+          <a:bodyPr/>
+          <a:lstStyle/>
+          <a:p>
+            <a:r>
+              <a:rPr lang="zh-CN" altLang="en-US" dirty="0"/>
+              <a:t>为了记录路径，还需要一个和</a:t>
+            </a:r>
+            <a:r>
+              <a:rPr lang="en-US" dirty="0"/>
+              <a:t>D</a:t>
+            </a:r>
+            <a:r>
+              <a:rPr lang="zh-CN" altLang="en-US" dirty="0"/>
+              <a:t>一样大小的二维矩阵</a:t>
+            </a:r>
+            <a:r>
+              <a:rPr lang="en-US" dirty="0"/>
+              <a:t>P</a:t>
+            </a:r>
+            <a:r>
+              <a:rPr lang="zh-CN" altLang="en-US" dirty="0"/>
+              <a:t>，用来记录任意</a:t>
+            </a:r>
+            <a:r>
+              <a:rPr lang="en-US" dirty="0"/>
+              <a:t>2</a:t>
+            </a:r>
+            <a:r>
+              <a:rPr lang="zh-CN" altLang="en-US" dirty="0"/>
+              <a:t>个顶点之间的当前距离对应的路径上的倒数第二个顶点</a:t>
+            </a:r>
+            <a:r>
+              <a:rPr lang="en-US" dirty="0"/>
+              <a:t>(</a:t>
+            </a:r>
+            <a:r>
+              <a:rPr lang="zh-CN" altLang="en-US" dirty="0"/>
+              <a:t>即路径上终点之前的那个顶点</a:t>
+            </a:r>
+            <a:r>
+              <a:rPr lang="en-US" dirty="0"/>
+              <a:t>)</a:t>
+            </a:r>
+            <a:r>
+              <a:rPr lang="zh-CN" altLang="en-US" dirty="0"/>
+              <a:t>。当绕道顶点</a:t>
+            </a:r>
+            <a:r>
+              <a:rPr lang="en-US" dirty="0"/>
+              <a:t>w</a:t>
+            </a:r>
+            <a:r>
+              <a:rPr lang="zh-CN" altLang="en-US" dirty="0"/>
+              <a:t>，使得</a:t>
+            </a:r>
+            <a:r>
+              <a:rPr lang="en-US" dirty="0"/>
+              <a:t>u</a:t>
+            </a:r>
+            <a:r>
+              <a:rPr lang="zh-CN" altLang="en-US" dirty="0"/>
+              <a:t>到</a:t>
+            </a:r>
+            <a:r>
+              <a:rPr lang="en-US" dirty="0"/>
+              <a:t>v</a:t>
+            </a:r>
+            <a:r>
+              <a:rPr lang="zh-CN" altLang="en-US" dirty="0"/>
+              <a:t>的距离更短时，不但更新距离矩阵，还更新这个路径矩阵。 </a:t>
+            </a:r>
+            <a:endParaRPr lang="en-US" dirty="0"/>
+          </a:p>
+          <a:p>
+            <a:endParaRPr lang="en-US" dirty="0"/>
+          </a:p>
+        </p:txBody>
+      </p:sp>
+      <p:pic>
+        <p:nvPicPr>
+          <p:cNvPr id="4" name="图片 3">
+            <a:extLst>
+              <a:ext uri="{FF2B5EF4-FFF2-40B4-BE49-F238E27FC236}">
+                <a16:creationId xmlns:a16="http://schemas.microsoft.com/office/drawing/2014/main" id="{9772420E-7CE0-40D8-B6B3-1F738A32B3E3}"/>
+              </a:ext>
+            </a:extLst>
+          </p:cNvPr>
+          <p:cNvPicPr>
+            <a:picLocks noChangeAspect="1"/>
+          </p:cNvPicPr>
+          <p:nvPr/>
+        </p:nvPicPr>
+        <p:blipFill>
+          <a:blip r:embed="rId2"/>
+          <a:stretch>
+            <a:fillRect/>
+          </a:stretch>
+        </p:blipFill>
+        <p:spPr>
+          <a:xfrm>
+            <a:off x="1323660" y="3123938"/>
+            <a:ext cx="9210866" cy="2000721"/>
+          </a:xfrm>
+          <a:prstGeom prst="rect">
+            <a:avLst/>
+          </a:prstGeom>
+        </p:spPr>
+      </p:pic>
+      <p:sp>
+        <p:nvSpPr>
+          <p:cNvPr id="5" name="文本框 4">
+            <a:extLst>
+              <a:ext uri="{FF2B5EF4-FFF2-40B4-BE49-F238E27FC236}">
+                <a16:creationId xmlns:a16="http://schemas.microsoft.com/office/drawing/2014/main" id="{A41F059C-E418-4BBE-B217-138C2FAAE935}"/>
+              </a:ext>
+            </a:extLst>
+          </p:cNvPr>
+          <p:cNvSpPr txBox="1"/>
+          <p:nvPr/>
+        </p:nvSpPr>
+        <p:spPr>
+          <a:xfrm>
+            <a:off x="964642" y="5335674"/>
+            <a:ext cx="10410092" cy="830997"/>
+          </a:xfrm>
+          <a:prstGeom prst="rect">
+            <a:avLst/>
+          </a:prstGeom>
+          <a:noFill/>
+        </p:spPr>
+        <p:txBody>
+          <a:bodyPr wrap="square" rtlCol="0">
+            <a:spAutoFit/>
+          </a:bodyPr>
+          <a:lstStyle/>
+          <a:p>
+            <a:r>
+              <a:rPr lang="en-US" sz="2400" dirty="0"/>
+              <a:t>“P[u][v] =  P[w][v];”</a:t>
+            </a:r>
+            <a:r>
+              <a:rPr lang="zh-CN" altLang="en-US" sz="2400" dirty="0"/>
+              <a:t>表示</a:t>
+            </a:r>
+            <a:r>
+              <a:rPr lang="en-US" sz="2400" dirty="0"/>
+              <a:t>u</a:t>
+            </a:r>
+            <a:r>
+              <a:rPr lang="zh-CN" altLang="en-US" sz="2400" dirty="0"/>
+              <a:t>到</a:t>
+            </a:r>
+            <a:r>
+              <a:rPr lang="en-US" sz="2400" dirty="0"/>
+              <a:t>v</a:t>
+            </a:r>
+            <a:r>
+              <a:rPr lang="zh-CN" altLang="en-US" sz="2400" dirty="0"/>
+              <a:t>的最短路径上的终点（终点当然就是</a:t>
+            </a:r>
+            <a:r>
+              <a:rPr lang="en-US" sz="2400" dirty="0"/>
+              <a:t>v</a:t>
+            </a:r>
+            <a:r>
+              <a:rPr lang="zh-CN" altLang="en-US" sz="2400" dirty="0"/>
+              <a:t>）的前一个顶点就是这个绕道</a:t>
+            </a:r>
+            <a:r>
+              <a:rPr lang="en-US" sz="2400" dirty="0"/>
+              <a:t>w</a:t>
+            </a:r>
+            <a:r>
+              <a:rPr lang="zh-CN" altLang="en-US" sz="2400" dirty="0"/>
+              <a:t>到达</a:t>
+            </a:r>
+            <a:r>
+              <a:rPr lang="en-US" sz="2400" dirty="0"/>
+              <a:t>v</a:t>
+            </a:r>
+            <a:r>
+              <a:rPr lang="zh-CN" altLang="en-US" sz="2400" dirty="0"/>
+              <a:t>的路径上的那个“终点的前一个顶点”，即</a:t>
+            </a:r>
+            <a:r>
+              <a:rPr lang="en-US" sz="2400" dirty="0"/>
+              <a:t>P[w][v]</a:t>
+            </a:r>
+            <a:r>
+              <a:rPr lang="zh-CN" altLang="en-US" sz="2400" dirty="0"/>
+              <a:t>。</a:t>
+            </a:r>
+            <a:endParaRPr lang="en-US" sz="2400" dirty="0"/>
+          </a:p>
+        </p:txBody>
+      </p:sp>
+    </p:spTree>
+    <p:extLst>
+      <p:ext uri="{BB962C8B-B14F-4D97-AF65-F5344CB8AC3E}">
+        <p14:creationId xmlns:p14="http://schemas.microsoft.com/office/powerpoint/2010/main" val="1488106910"/>
+      </p:ext>
+    </p:extLst>
+  </p:cSld>
+  <p:clrMapOvr>
+    <a:masterClrMapping/>
+  </p:clrMapOvr>
+  <p:timing>
+    <p:tnLst>
+      <p:par>
+        <p:cTn id="1" dur="indefinite" restart="never" nodeType="tmRoot">
+          <p:childTnLst>
+            <p:seq concurrent="1" nextAc="seek">
+              <p:cTn id="2" dur="indefinite" nodeType="mainSeq">
+                <p:childTnLst>
+                  <p:par>
+                    <p:cTn id="3" fill="hold">
+                      <p:stCondLst>
+                        <p:cond delay="indefinite"/>
+                      </p:stCondLst>
+                      <p:childTnLst>
+                        <p:par>
+                          <p:cTn id="4" fill="hold">
+                            <p:stCondLst>
+                              <p:cond delay="0"/>
+                            </p:stCondLst>
+                            <p:childTnLst>
+                              <p:par>
+                                <p:cTn id="5" presetID="1" presetClass="entr" presetSubtype="0" fill="hold" grpId="0" nodeType="clickEffect">
+                                  <p:stCondLst>
+                                    <p:cond delay="0"/>
+                                  </p:stCondLst>
+                                  <p:childTnLst>
+                                    <p:set>
+                                      <p:cBhvr>
+                                        <p:cTn id="6" dur="1" fill="hold">
+                                          <p:stCondLst>
+                                            <p:cond delay="0"/>
+                                          </p:stCondLst>
+                                        </p:cTn>
+                                        <p:tgtEl>
+                                          <p:spTgt spid="5"/>
+                                        </p:tgtEl>
+                                        <p:attrNameLst>
+                                          <p:attrName>style.visibility</p:attrName>
+                                        </p:attrNameLst>
+                                      </p:cBhvr>
+                                      <p:to>
+                                        <p:strVal val="visible"/>
+                                      </p:to>
+                                    </p:set>
+                                  </p:childTnLst>
+                                </p:cTn>
+                              </p:par>
+                            </p:childTnLst>
+                          </p:cTn>
+                        </p:par>
+                      </p:childTnLst>
+                    </p:cTn>
+                  </p:par>
+                </p:childTnLst>
+              </p:cTn>
+              <p:prevCondLst>
+                <p:cond evt="onPrev" delay="0">
+                  <p:tgtEl>
+                    <p:sldTgt/>
+                  </p:tgtEl>
+                </p:cond>
+              </p:prevCondLst>
+              <p:nextCondLst>
+                <p:cond evt="onNext" delay="0">
+                  <p:tgtEl>
+                    <p:sldTgt/>
+                  </p:tgtEl>
+                </p:cond>
+              </p:nextCondLst>
+            </p:seq>
+          </p:childTnLst>
+        </p:cTn>
+      </p:par>
+    </p:tnLst>
+    <p:bldLst>
+      <p:bldP spid="5" grpId="0"/>
+    </p:bldLst>
+  </p:timing>
+</p:sld>
+</file>
+
+<file path=ppt/slides/slide97.xml><?xml version="1.0" encoding="utf-8"?>
+<p:sld xmlns:a="http://schemas.openxmlformats.org/drawingml/2006/main" xmlns:r="http://schemas.openxmlformats.org/officeDocument/2006/relationships" xmlns:p="http://schemas.openxmlformats.org/presentationml/2006/main">
+  <p:cSld>
+    <p:spTree>
+      <p:nvGrpSpPr>
+        <p:cNvPr id="1" name=""/>
+        <p:cNvGrpSpPr/>
+        <p:nvPr/>
+      </p:nvGrpSpPr>
+      <p:grpSpPr>
+        <a:xfrm>
+          <a:off x="0" y="0"/>
+          <a:ext cx="0" cy="0"/>
+          <a:chOff x="0" y="0"/>
+          <a:chExt cx="0" cy="0"/>
+        </a:xfrm>
+      </p:grpSpPr>
+      <p:pic>
+        <p:nvPicPr>
+          <p:cNvPr id="4" name="图片 3">
+            <a:extLst>
+              <a:ext uri="{FF2B5EF4-FFF2-40B4-BE49-F238E27FC236}">
+                <a16:creationId xmlns:a16="http://schemas.microsoft.com/office/drawing/2014/main" id="{97C01815-23B3-484C-AEF8-7249EA8617DC}"/>
+              </a:ext>
+            </a:extLst>
+          </p:cNvPr>
+          <p:cNvPicPr>
+            <a:picLocks noChangeAspect="1"/>
+          </p:cNvPicPr>
+          <p:nvPr/>
+        </p:nvPicPr>
+        <p:blipFill>
+          <a:blip r:embed="rId2"/>
+          <a:stretch>
+            <a:fillRect/>
+          </a:stretch>
+        </p:blipFill>
+        <p:spPr>
+          <a:xfrm>
+            <a:off x="953912" y="441865"/>
+            <a:ext cx="10665145" cy="4833520"/>
+          </a:xfrm>
+          <a:prstGeom prst="rect">
+            <a:avLst/>
+          </a:prstGeom>
+        </p:spPr>
+      </p:pic>
+    </p:spTree>
+    <p:extLst>
+      <p:ext uri="{BB962C8B-B14F-4D97-AF65-F5344CB8AC3E}">
+        <p14:creationId xmlns:p14="http://schemas.microsoft.com/office/powerpoint/2010/main" val="2684002673"/>
+      </p:ext>
+    </p:extLst>
+  </p:cSld>
+  <p:clrMapOvr>
+    <a:masterClrMapping/>
+  </p:clrMapOvr>
+</p:sld>
+</file>
+
+<file path=ppt/slides/slide98.xml><?xml version="1.0" encoding="utf-8"?>
+<p:sld xmlns:a="http://schemas.openxmlformats.org/drawingml/2006/main" xmlns:r="http://schemas.openxmlformats.org/officeDocument/2006/relationships" xmlns:p="http://schemas.openxmlformats.org/presentationml/2006/main">
+  <p:cSld>
+    <p:spTree>
+      <p:nvGrpSpPr>
+        <p:cNvPr id="1" name=""/>
+        <p:cNvGrpSpPr/>
+        <p:nvPr/>
+      </p:nvGrpSpPr>
+      <p:grpSpPr>
+        <a:xfrm>
+          <a:off x="0" y="0"/>
+          <a:ext cx="0" cy="0"/>
+          <a:chOff x="0" y="0"/>
+          <a:chExt cx="0" cy="0"/>
+        </a:xfrm>
+      </p:grpSpPr>
+      <p:pic>
+        <p:nvPicPr>
+          <p:cNvPr id="2" name="图片 1">
+            <a:extLst>
+              <a:ext uri="{FF2B5EF4-FFF2-40B4-BE49-F238E27FC236}">
+                <a16:creationId xmlns:a16="http://schemas.microsoft.com/office/drawing/2014/main" id="{082C6BA2-85A4-4134-9E53-D0FDA861807D}"/>
+              </a:ext>
+            </a:extLst>
+          </p:cNvPr>
+          <p:cNvPicPr>
+            <a:picLocks noChangeAspect="1"/>
+          </p:cNvPicPr>
+          <p:nvPr/>
+        </p:nvPicPr>
+        <p:blipFill>
+          <a:blip r:embed="rId2"/>
+          <a:stretch>
+            <a:fillRect/>
+          </a:stretch>
+        </p:blipFill>
+        <p:spPr>
+          <a:xfrm>
+            <a:off x="1111704" y="545961"/>
+            <a:ext cx="9754004" cy="5131358"/>
+          </a:xfrm>
+          <a:prstGeom prst="rect">
+            <a:avLst/>
+          </a:prstGeom>
+        </p:spPr>
+      </p:pic>
+    </p:spTree>
+    <p:extLst>
+      <p:ext uri="{BB962C8B-B14F-4D97-AF65-F5344CB8AC3E}">
+        <p14:creationId xmlns:p14="http://schemas.microsoft.com/office/powerpoint/2010/main" val="999104390"/>
+      </p:ext>
+    </p:extLst>
+  </p:cSld>
+  <p:clrMapOvr>
+    <a:masterClrMapping/>
+  </p:clrMapOvr>
+</p:sld>
+</file>
+
+<file path=ppt/slides/slide99.xml><?xml version="1.0" encoding="utf-8"?>
+<p:sld xmlns:a="http://schemas.openxmlformats.org/drawingml/2006/main" xmlns:r="http://schemas.openxmlformats.org/officeDocument/2006/relationships" xmlns:p="http://schemas.openxmlformats.org/presentationml/2006/main">
+  <p:cSld>
+    <p:spTree>
+      <p:nvGrpSpPr>
+        <p:cNvPr id="1" name=""/>
+        <p:cNvGrpSpPr/>
+        <p:nvPr/>
+      </p:nvGrpSpPr>
+      <p:grpSpPr>
+        <a:xfrm>
+          <a:off x="0" y="0"/>
+          <a:ext cx="0" cy="0"/>
+          <a:chOff x="0" y="0"/>
+          <a:chExt cx="0" cy="0"/>
+        </a:xfrm>
+      </p:grpSpPr>
+      <p:pic>
+        <p:nvPicPr>
+          <p:cNvPr id="3" name="图片 2">
+            <a:extLst>
+              <a:ext uri="{FF2B5EF4-FFF2-40B4-BE49-F238E27FC236}">
+                <a16:creationId xmlns:a16="http://schemas.microsoft.com/office/drawing/2014/main" id="{4182E8B0-B837-4D35-BACD-8D89FDCF4CE6}"/>
+              </a:ext>
+            </a:extLst>
+          </p:cNvPr>
+          <p:cNvPicPr>
+            <a:picLocks noChangeAspect="1"/>
+          </p:cNvPicPr>
+          <p:nvPr/>
+        </p:nvPicPr>
+        <p:blipFill>
+          <a:blip r:embed="rId2"/>
+          <a:stretch>
+            <a:fillRect/>
+          </a:stretch>
+        </p:blipFill>
+        <p:spPr>
+          <a:xfrm>
+            <a:off x="944022" y="550094"/>
+            <a:ext cx="10131888" cy="3479295"/>
+          </a:xfrm>
+          <a:prstGeom prst="rect">
+            <a:avLst/>
+          </a:prstGeom>
+        </p:spPr>
+      </p:pic>
+    </p:spTree>
+    <p:extLst>
+      <p:ext uri="{BB962C8B-B14F-4D97-AF65-F5344CB8AC3E}">
+        <p14:creationId xmlns:p14="http://schemas.microsoft.com/office/powerpoint/2010/main" val="1418559036"/>
       </p:ext>
     </p:extLst>
   </p:cSld>

--- a/ppt/第5章 复合类型.pptx
+++ b/ppt/第5章 复合类型.pptx
@@ -106,6 +106,7 @@
     <p:sldId id="355" r:id="rId100"/>
     <p:sldId id="356" r:id="rId101"/>
     <p:sldId id="357" r:id="rId102"/>
+    <p:sldId id="492" r:id="rId103"/>
   </p:sldIdLst>
   <p:sldSz cx="12192000" cy="6858000"/>
   <p:notesSz cx="6858000" cy="9144000"/>
@@ -204,6 +205,11 @@
       </a:defRPr>
     </a:lvl9pPr>
   </p:defaultTextStyle>
+  <p:extLst>
+    <p:ext uri="{EFAFB233-063F-42B5-8137-9DF3F51BA10A}">
+      <p15:sldGuideLst xmlns:p15="http://schemas.microsoft.com/office/powerpoint/2012/main"/>
+    </p:ext>
+  </p:extLst>
 </p:presentation>
 </file>
 
@@ -4082,6 +4088,207 @@
     <p:extLst>
       <p:ext uri="{BB962C8B-B14F-4D97-AF65-F5344CB8AC3E}">
         <p14:creationId xmlns:p14="http://schemas.microsoft.com/office/powerpoint/2010/main" val="1780880505"/>
+      </p:ext>
+    </p:extLst>
+  </p:cSld>
+  <p:clrMapOvr>
+    <a:masterClrMapping/>
+  </p:clrMapOvr>
+</p:sld>
+</file>
+
+<file path=ppt/slides/slide102.xml><?xml version="1.0" encoding="utf-8"?>
+<p:sld xmlns:a="http://schemas.openxmlformats.org/drawingml/2006/main" xmlns:r="http://schemas.openxmlformats.org/officeDocument/2006/relationships" xmlns:p="http://schemas.openxmlformats.org/presentationml/2006/main">
+  <p:cSld>
+    <p:spTree>
+      <p:nvGrpSpPr>
+        <p:cNvPr id="1" name=""/>
+        <p:cNvGrpSpPr/>
+        <p:nvPr/>
+      </p:nvGrpSpPr>
+      <p:grpSpPr>
+        <a:xfrm>
+          <a:off x="0" y="0"/>
+          <a:ext cx="0" cy="0"/>
+          <a:chOff x="0" y="0"/>
+          <a:chExt cx="0" cy="0"/>
+        </a:xfrm>
+      </p:grpSpPr>
+      <p:sp>
+        <p:nvSpPr>
+          <p:cNvPr id="2" name="标题 1">
+            <a:extLst>
+              <a:ext uri="{FF2B5EF4-FFF2-40B4-BE49-F238E27FC236}">
+                <a16:creationId xmlns:a16="http://schemas.microsoft.com/office/drawing/2014/main" id="{05E7F983-2072-4362-84CE-F8C728732B09}"/>
+              </a:ext>
+            </a:extLst>
+          </p:cNvPr>
+          <p:cNvSpPr>
+            <a:spLocks noGrp="1"/>
+          </p:cNvSpPr>
+          <p:nvPr>
+            <p:ph type="title"/>
+          </p:nvPr>
+        </p:nvSpPr>
+        <p:spPr/>
+        <p:txBody>
+          <a:bodyPr>
+            <a:normAutofit/>
+          </a:bodyPr>
+          <a:lstStyle/>
+          <a:p>
+            <a:r>
+              <a:rPr lang="zh-CN" altLang="en-US" dirty="0"/>
+              <a:t>关注</a:t>
+            </a:r>
+          </a:p>
+        </p:txBody>
+      </p:sp>
+      <p:sp>
+        <p:nvSpPr>
+          <p:cNvPr id="3" name="内容占位符 2">
+            <a:extLst>
+              <a:ext uri="{FF2B5EF4-FFF2-40B4-BE49-F238E27FC236}">
+                <a16:creationId xmlns:a16="http://schemas.microsoft.com/office/drawing/2014/main" id="{EB9D0E60-DF8A-4D2F-B965-71946CE8AE1D}"/>
+              </a:ext>
+            </a:extLst>
+          </p:cNvPr>
+          <p:cNvSpPr>
+            <a:spLocks noGrp="1"/>
+          </p:cNvSpPr>
+          <p:nvPr>
+            <p:ph idx="1"/>
+          </p:nvPr>
+        </p:nvSpPr>
+        <p:spPr>
+          <a:xfrm>
+            <a:off x="838200" y="1580606"/>
+            <a:ext cx="10515600" cy="4220754"/>
+          </a:xfrm>
+        </p:spPr>
+        <p:txBody>
+          <a:bodyPr>
+            <a:normAutofit/>
+          </a:bodyPr>
+          <a:lstStyle/>
+          <a:p>
+            <a:pPr marL="0" indent="0" algn="ctr">
+              <a:lnSpc>
+                <a:spcPct val="170000"/>
+              </a:lnSpc>
+              <a:buNone/>
+            </a:pPr>
+            <a:r>
+              <a:rPr lang="en-US" altLang="zh-CN" dirty="0" err="1"/>
+              <a:t>Youtube</a:t>
+            </a:r>
+            <a:r>
+              <a:rPr lang="zh-CN" altLang="en-US" dirty="0"/>
+              <a:t>频道：</a:t>
+            </a:r>
+            <a:r>
+              <a:rPr lang="en-US" altLang="zh-CN" dirty="0">
+                <a:hlinkClick r:id="rId2"/>
+              </a:rPr>
+              <a:t>https://www.youtube.com/c/hwdong</a:t>
+            </a:r>
+            <a:endParaRPr lang="en-US" altLang="zh-CN" dirty="0"/>
+          </a:p>
+          <a:p>
+            <a:pPr marL="0" indent="0" algn="ctr">
+              <a:lnSpc>
+                <a:spcPct val="170000"/>
+              </a:lnSpc>
+              <a:buNone/>
+            </a:pPr>
+            <a:r>
+              <a:rPr lang="en-US" altLang="zh-CN" dirty="0"/>
+              <a:t>Twitter</a:t>
+            </a:r>
+            <a:r>
+              <a:rPr lang="zh-CN" altLang="en-US" dirty="0"/>
+              <a:t>推特</a:t>
+            </a:r>
+            <a:r>
+              <a:rPr lang="en-US" altLang="zh-CN" dirty="0"/>
+              <a:t>: </a:t>
+            </a:r>
+            <a:r>
+              <a:rPr lang="en-US" altLang="zh-CN" dirty="0">
+                <a:hlinkClick r:id="rId3"/>
+              </a:rPr>
+              <a:t>https://twitter.com/hwdong </a:t>
+            </a:r>
+            <a:endParaRPr lang="en-US" altLang="zh-CN" dirty="0"/>
+          </a:p>
+          <a:p>
+            <a:pPr marL="0" indent="0" algn="ctr">
+              <a:lnSpc>
+                <a:spcPct val="170000"/>
+              </a:lnSpc>
+              <a:buNone/>
+            </a:pPr>
+            <a:r>
+              <a:rPr lang="en-US" altLang="zh-CN" dirty="0"/>
+              <a:t>B</a:t>
+            </a:r>
+            <a:r>
+              <a:rPr lang="zh-CN" altLang="en-US" dirty="0"/>
+              <a:t>站或微博：</a:t>
+            </a:r>
+            <a:r>
+              <a:rPr lang="en-US" altLang="zh-CN" dirty="0" err="1"/>
+              <a:t>hw</a:t>
+            </a:r>
+            <a:r>
+              <a:rPr lang="en-US" altLang="zh-CN" dirty="0"/>
+              <a:t>-dong</a:t>
+            </a:r>
+          </a:p>
+          <a:p>
+            <a:pPr marL="0" indent="0" algn="ctr">
+              <a:lnSpc>
+                <a:spcPct val="170000"/>
+              </a:lnSpc>
+              <a:buNone/>
+            </a:pPr>
+            <a:r>
+              <a:rPr lang="zh-CN" altLang="en-US" dirty="0"/>
+              <a:t>博客：</a:t>
+            </a:r>
+            <a:r>
+              <a:rPr lang="en-US" altLang="zh-CN" dirty="0">
+                <a:hlinkClick r:id="rId4"/>
+              </a:rPr>
+              <a:t>https://hwdong-net.github.io</a:t>
+            </a:r>
+            <a:endParaRPr lang="en-US" altLang="zh-CN" dirty="0"/>
+          </a:p>
+          <a:p>
+            <a:pPr marL="0" indent="0" algn="ctr">
+              <a:lnSpc>
+                <a:spcPct val="170000"/>
+              </a:lnSpc>
+              <a:buNone/>
+            </a:pPr>
+            <a:r>
+              <a:rPr lang="zh-CN" altLang="en-US" dirty="0"/>
+              <a:t>腾讯课堂：</a:t>
+            </a:r>
+            <a:r>
+              <a:rPr lang="en-US" altLang="zh-CN" dirty="0">
+                <a:hlinkClick r:id="rId5" action="ppaction://hlinkfile"/>
+              </a:rPr>
+              <a:t>hwdong.ke.qq.com</a:t>
+            </a:r>
+            <a:endParaRPr lang="en-US" altLang="zh-CN" dirty="0"/>
+          </a:p>
+        </p:txBody>
+      </p:sp>
+    </p:spTree>
+    <p:extLst>
+      <p:ext uri="{BB962C8B-B14F-4D97-AF65-F5344CB8AC3E}">
+        <p14:creationId xmlns:p14="http://schemas.microsoft.com/office/powerpoint/2010/main" val="697165970"/>
       </p:ext>
     </p:extLst>
   </p:cSld>

--- a/ppt/第5章 复合类型.pptx
+++ b/ppt/第5章 复合类型.pptx
@@ -390,7 +390,7 @@
           <a:p>
             <a:fld id="{5C3A4528-FCB9-491D-A4E0-CCCF121203DE}" type="datetimeFigureOut">
               <a:rPr lang="en-US" smtClean="0"/>
-              <a:t>3/24/2020</a:t>
+              <a:t>3/14/2023</a:t>
             </a:fld>
             <a:endParaRPr lang="en-US"/>
           </a:p>
@@ -590,7 +590,7 @@
           <a:p>
             <a:fld id="{5C3A4528-FCB9-491D-A4E0-CCCF121203DE}" type="datetimeFigureOut">
               <a:rPr lang="en-US" smtClean="0"/>
-              <a:t>3/24/2020</a:t>
+              <a:t>3/14/2023</a:t>
             </a:fld>
             <a:endParaRPr lang="en-US"/>
           </a:p>
@@ -800,7 +800,7 @@
           <a:p>
             <a:fld id="{5C3A4528-FCB9-491D-A4E0-CCCF121203DE}" type="datetimeFigureOut">
               <a:rPr lang="en-US" smtClean="0"/>
-              <a:t>3/24/2020</a:t>
+              <a:t>3/14/2023</a:t>
             </a:fld>
             <a:endParaRPr lang="en-US"/>
           </a:p>
@@ -1062,7 +1062,7 @@
           <a:p>
             <a:fld id="{5C3A4528-FCB9-491D-A4E0-CCCF121203DE}" type="datetimeFigureOut">
               <a:rPr lang="en-US" smtClean="0"/>
-              <a:t>3/24/2020</a:t>
+              <a:t>3/14/2023</a:t>
             </a:fld>
             <a:endParaRPr lang="en-US"/>
           </a:p>
@@ -1342,7 +1342,7 @@
           <a:p>
             <a:fld id="{5C3A4528-FCB9-491D-A4E0-CCCF121203DE}" type="datetimeFigureOut">
               <a:rPr lang="en-US" smtClean="0"/>
-              <a:t>3/24/2020</a:t>
+              <a:t>3/14/2023</a:t>
             </a:fld>
             <a:endParaRPr lang="en-US"/>
           </a:p>
@@ -1610,7 +1610,7 @@
           <a:p>
             <a:fld id="{5C3A4528-FCB9-491D-A4E0-CCCF121203DE}" type="datetimeFigureOut">
               <a:rPr lang="en-US" smtClean="0"/>
-              <a:t>3/24/2020</a:t>
+              <a:t>3/14/2023</a:t>
             </a:fld>
             <a:endParaRPr lang="en-US"/>
           </a:p>
@@ -2025,7 +2025,7 @@
           <a:p>
             <a:fld id="{5C3A4528-FCB9-491D-A4E0-CCCF121203DE}" type="datetimeFigureOut">
               <a:rPr lang="en-US" smtClean="0"/>
-              <a:t>3/24/2020</a:t>
+              <a:t>3/14/2023</a:t>
             </a:fld>
             <a:endParaRPr lang="en-US"/>
           </a:p>
@@ -2167,7 +2167,7 @@
           <a:p>
             <a:fld id="{5C3A4528-FCB9-491D-A4E0-CCCF121203DE}" type="datetimeFigureOut">
               <a:rPr lang="en-US" smtClean="0"/>
-              <a:t>3/24/2020</a:t>
+              <a:t>3/14/2023</a:t>
             </a:fld>
             <a:endParaRPr lang="en-US"/>
           </a:p>
@@ -2280,7 +2280,7 @@
           <a:p>
             <a:fld id="{5C3A4528-FCB9-491D-A4E0-CCCF121203DE}" type="datetimeFigureOut">
               <a:rPr lang="en-US" smtClean="0"/>
-              <a:t>3/24/2020</a:t>
+              <a:t>3/14/2023</a:t>
             </a:fld>
             <a:endParaRPr lang="en-US"/>
           </a:p>
@@ -2593,7 +2593,7 @@
           <a:p>
             <a:fld id="{5C3A4528-FCB9-491D-A4E0-CCCF121203DE}" type="datetimeFigureOut">
               <a:rPr lang="en-US" smtClean="0"/>
-              <a:t>3/24/2020</a:t>
+              <a:t>3/14/2023</a:t>
             </a:fld>
             <a:endParaRPr lang="en-US"/>
           </a:p>
@@ -2882,7 +2882,7 @@
           <a:p>
             <a:fld id="{5C3A4528-FCB9-491D-A4E0-CCCF121203DE}" type="datetimeFigureOut">
               <a:rPr lang="en-US" smtClean="0"/>
-              <a:t>3/24/2020</a:t>
+              <a:t>3/14/2023</a:t>
             </a:fld>
             <a:endParaRPr lang="en-US"/>
           </a:p>
@@ -3125,7 +3125,7 @@
           <a:p>
             <a:fld id="{5C3A4528-FCB9-491D-A4E0-CCCF121203DE}" type="datetimeFigureOut">
               <a:rPr lang="en-US" smtClean="0"/>
-              <a:t>3/24/2020</a:t>
+              <a:t>3/14/2023</a:t>
             </a:fld>
             <a:endParaRPr lang="en-US"/>
           </a:p>
@@ -21002,30 +21002,6 @@
               <a:buNone/>
             </a:pPr>
             <a:r>
-              <a:rPr lang="en-US" altLang="zh-CN" dirty="0"/>
-              <a:t>B</a:t>
-            </a:r>
-            <a:r>
-              <a:rPr lang="zh-CN" altLang="en-US" dirty="0"/>
-              <a:t>站或微博：</a:t>
-            </a:r>
-            <a:r>
-              <a:rPr lang="en-US" altLang="zh-CN" dirty="0" err="1"/>
-              <a:t>hw</a:t>
-            </a:r>
-            <a:r>
-              <a:rPr lang="en-US" altLang="zh-CN" dirty="0"/>
-              <a:t>-dong</a:t>
-            </a:r>
-          </a:p>
-          <a:p>
-            <a:pPr marL="0" indent="0" algn="ctr">
-              <a:lnSpc>
-                <a:spcPct val="170000"/>
-              </a:lnSpc>
-              <a:buNone/>
-            </a:pPr>
-            <a:r>
               <a:rPr lang="zh-CN" altLang="en-US" dirty="0"/>
               <a:t>博客：</a:t>
             </a:r>
@@ -21033,26 +21009,13 @@
               <a:rPr lang="en-US" altLang="zh-CN" dirty="0">
                 <a:hlinkClick r:id="rId4"/>
               </a:rPr>
-              <a:t>https://hwdong-net.github.io</a:t>
-            </a:r>
-            <a:endParaRPr lang="en-US" altLang="zh-CN" dirty="0"/>
-          </a:p>
-          <a:p>
-            <a:pPr marL="0" indent="0" algn="ctr">
-              <a:lnSpc>
-                <a:spcPct val="170000"/>
-              </a:lnSpc>
-              <a:buNone/>
-            </a:pPr>
-            <a:r>
-              <a:rPr lang="zh-CN" altLang="en-US" dirty="0"/>
-              <a:t>腾讯课堂：</a:t>
-            </a:r>
-            <a:r>
-              <a:rPr lang="en-US" altLang="zh-CN" dirty="0">
-                <a:hlinkClick r:id="rId5" action="ppaction://hlinkfile"/>
-              </a:rPr>
-              <a:t>hwdong.ke.qq.com</a:t>
+              <a:t>https://hwdong-net.github</a:t>
+            </a:r>
+            <a:r>
+              <a:rPr lang="en-US" altLang="zh-CN">
+                <a:hlinkClick r:id="rId4"/>
+              </a:rPr>
+              <a:t>.io</a:t>
             </a:r>
             <a:endParaRPr lang="en-US" altLang="zh-CN" dirty="0"/>
           </a:p>
@@ -26936,13 +26899,13 @@
           <p:nvPr>
             <p:extLst>
               <p:ext uri="{D42A27DB-BD31-4B8C-83A1-F6EECF244321}">
-                <p14:modId xmlns:p14="http://schemas.microsoft.com/office/powerpoint/2010/main" val="3417489970"/>
+                <p14:modId xmlns:p14="http://schemas.microsoft.com/office/powerpoint/2010/main" val="1927619663"/>
               </p:ext>
             </p:extLst>
           </p:nvPr>
         </p:nvGraphicFramePr>
         <p:xfrm>
-          <a:off x="3002846" y="4140198"/>
+          <a:off x="3002846" y="3860270"/>
           <a:ext cx="4041420" cy="518160"/>
         </p:xfrm>
         <a:graphic>
@@ -27084,13 +27047,13 @@
           <p:nvPr>
             <p:extLst>
               <p:ext uri="{D42A27DB-BD31-4B8C-83A1-F6EECF244321}">
-                <p14:modId xmlns:p14="http://schemas.microsoft.com/office/powerpoint/2010/main" val="2153556459"/>
+                <p14:modId xmlns:p14="http://schemas.microsoft.com/office/powerpoint/2010/main" val="614322817"/>
               </p:ext>
             </p:extLst>
           </p:nvPr>
         </p:nvGraphicFramePr>
         <p:xfrm>
-          <a:off x="2997202" y="4631265"/>
+          <a:off x="2997202" y="4351337"/>
           <a:ext cx="4041420" cy="518160"/>
         </p:xfrm>
         <a:graphic>
@@ -27233,7 +27196,7 @@
         </p:nvSpPr>
         <p:spPr>
           <a:xfrm>
-            <a:off x="922867" y="5274380"/>
+            <a:off x="922867" y="5073223"/>
             <a:ext cx="10515600" cy="1899708"/>
           </a:xfrm>
           <a:prstGeom prst="rect">
